--- a/doc/ER/献提 -MenuSuggester-.pptx
+++ b/doc/ER/献提 -MenuSuggester-.pptx
@@ -184,7 +184,7 @@
           <a:noFill/>
           <a:extLst>
             <a:ext uri="{909E8E84-426E-40dd-AFC4-6F175D3DCCD1}">
-              <a14:hiddenFill xmlns="" xmlns:a14="http://schemas.microsoft.com/office/drawing/2010/main">
+              <a14:hiddenFill xmlns:a14="http://schemas.microsoft.com/office/drawing/2010/main" xmlns="">
                 <a:solidFill>
                   <a:srgbClr val="FFFFFF"/>
                 </a:solidFill>
@@ -243,7 +243,7 @@
             </a:ln>
             <a:extLst>
               <a:ext uri="{91240B29-F687-4f45-9708-019B960494DF}">
-                <a14:hiddenLine xmlns="" xmlns:a14="http://schemas.microsoft.com/office/drawing/2010/main" w="9525">
+                <a14:hiddenLine xmlns:a14="http://schemas.microsoft.com/office/drawing/2010/main" xmlns="" w="9525">
                   <a:solidFill>
                     <a:srgbClr val="000000"/>
                   </a:solidFill>
@@ -333,7 +333,7 @@
             </a:ln>
             <a:extLst>
               <a:ext uri="{91240B29-F687-4f45-9708-019B960494DF}">
-                <a14:hiddenLine xmlns="" xmlns:a14="http://schemas.microsoft.com/office/drawing/2010/main" w="9525">
+                <a14:hiddenLine xmlns:a14="http://schemas.microsoft.com/office/drawing/2010/main" xmlns="" w="9525">
                   <a:solidFill>
                     <a:srgbClr val="000000"/>
                   </a:solidFill>
@@ -423,7 +423,7 @@
             </a:ln>
             <a:extLst>
               <a:ext uri="{91240B29-F687-4f45-9708-019B960494DF}">
-                <a14:hiddenLine xmlns="" xmlns:a14="http://schemas.microsoft.com/office/drawing/2010/main" w="9525">
+                <a14:hiddenLine xmlns:a14="http://schemas.microsoft.com/office/drawing/2010/main" xmlns="" w="9525">
                   <a:solidFill>
                     <a:srgbClr val="000000"/>
                   </a:solidFill>
@@ -457,7 +457,7 @@
             </a:ln>
             <a:extLst>
               <a:ext uri="{91240B29-F687-4f45-9708-019B960494DF}">
-                <a14:hiddenLine xmlns="" xmlns:a14="http://schemas.microsoft.com/office/drawing/2010/main" w="9525">
+                <a14:hiddenLine xmlns:a14="http://schemas.microsoft.com/office/drawing/2010/main" xmlns="" w="9525">
                   <a:solidFill>
                     <a:srgbClr val="000000"/>
                   </a:solidFill>
@@ -547,7 +547,7 @@
             </a:ln>
             <a:extLst>
               <a:ext uri="{91240B29-F687-4f45-9708-019B960494DF}">
-                <a14:hiddenLine xmlns="" xmlns:a14="http://schemas.microsoft.com/office/drawing/2010/main" w="9525">
+                <a14:hiddenLine xmlns:a14="http://schemas.microsoft.com/office/drawing/2010/main" xmlns="" w="9525">
                   <a:solidFill>
                     <a:srgbClr val="000000"/>
                   </a:solidFill>
@@ -609,7 +609,7 @@
             </a:ln>
             <a:extLst>
               <a:ext uri="{91240B29-F687-4f45-9708-019B960494DF}">
-                <a14:hiddenLine xmlns="" xmlns:a14="http://schemas.microsoft.com/office/drawing/2010/main" w="9525">
+                <a14:hiddenLine xmlns:a14="http://schemas.microsoft.com/office/drawing/2010/main" xmlns="" w="9525">
                   <a:solidFill>
                     <a:srgbClr val="000000"/>
                   </a:solidFill>
@@ -671,7 +671,7 @@
             </a:ln>
             <a:extLst>
               <a:ext uri="{91240B29-F687-4f45-9708-019B960494DF}">
-                <a14:hiddenLine xmlns="" xmlns:a14="http://schemas.microsoft.com/office/drawing/2010/main" w="9525">
+                <a14:hiddenLine xmlns:a14="http://schemas.microsoft.com/office/drawing/2010/main" xmlns="" w="9525">
                   <a:solidFill>
                     <a:srgbClr val="000000"/>
                   </a:solidFill>
@@ -761,7 +761,7 @@
             </a:ln>
             <a:extLst>
               <a:ext uri="{91240B29-F687-4f45-9708-019B960494DF}">
-                <a14:hiddenLine xmlns="" xmlns:a14="http://schemas.microsoft.com/office/drawing/2010/main" w="9525">
+                <a14:hiddenLine xmlns:a14="http://schemas.microsoft.com/office/drawing/2010/main" xmlns="" w="9525">
                   <a:solidFill>
                     <a:srgbClr val="000000"/>
                   </a:solidFill>
@@ -823,7 +823,7 @@
             </a:ln>
             <a:extLst>
               <a:ext uri="{91240B29-F687-4f45-9708-019B960494DF}">
-                <a14:hiddenLine xmlns="" xmlns:a14="http://schemas.microsoft.com/office/drawing/2010/main" w="9525">
+                <a14:hiddenLine xmlns:a14="http://schemas.microsoft.com/office/drawing/2010/main" xmlns="" w="9525">
                   <a:solidFill>
                     <a:srgbClr val="000000"/>
                   </a:solidFill>
@@ -885,7 +885,7 @@
             </a:ln>
             <a:extLst>
               <a:ext uri="{91240B29-F687-4f45-9708-019B960494DF}">
-                <a14:hiddenLine xmlns="" xmlns:a14="http://schemas.microsoft.com/office/drawing/2010/main" w="9525">
+                <a14:hiddenLine xmlns:a14="http://schemas.microsoft.com/office/drawing/2010/main" xmlns="" w="9525">
                   <a:solidFill>
                     <a:srgbClr val="000000"/>
                   </a:solidFill>
@@ -975,7 +975,7 @@
             </a:ln>
             <a:extLst>
               <a:ext uri="{91240B29-F687-4f45-9708-019B960494DF}">
-                <a14:hiddenLine xmlns="" xmlns:a14="http://schemas.microsoft.com/office/drawing/2010/main" w="9525">
+                <a14:hiddenLine xmlns:a14="http://schemas.microsoft.com/office/drawing/2010/main" xmlns="" w="9525">
                   <a:solidFill>
                     <a:srgbClr val="000000"/>
                   </a:solidFill>
@@ -1065,7 +1065,7 @@
             </a:ln>
             <a:extLst>
               <a:ext uri="{91240B29-F687-4f45-9708-019B960494DF}">
-                <a14:hiddenLine xmlns="" xmlns:a14="http://schemas.microsoft.com/office/drawing/2010/main" w="9525">
+                <a14:hiddenLine xmlns:a14="http://schemas.microsoft.com/office/drawing/2010/main" xmlns="" w="9525">
                   <a:solidFill>
                     <a:srgbClr val="000000"/>
                   </a:solidFill>
@@ -1127,7 +1127,7 @@
             </a:ln>
             <a:extLst>
               <a:ext uri="{91240B29-F687-4f45-9708-019B960494DF}">
-                <a14:hiddenLine xmlns="" xmlns:a14="http://schemas.microsoft.com/office/drawing/2010/main" w="9525">
+                <a14:hiddenLine xmlns:a14="http://schemas.microsoft.com/office/drawing/2010/main" xmlns="" w="9525">
                   <a:solidFill>
                     <a:srgbClr val="000000"/>
                   </a:solidFill>
@@ -1237,7 +1237,7 @@
             </a:ln>
             <a:extLst>
               <a:ext uri="{91240B29-F687-4f45-9708-019B960494DF}">
-                <a14:hiddenLine xmlns="" xmlns:a14="http://schemas.microsoft.com/office/drawing/2010/main" w="9525">
+                <a14:hiddenLine xmlns:a14="http://schemas.microsoft.com/office/drawing/2010/main" xmlns="" w="9525">
                   <a:solidFill>
                     <a:srgbClr val="000000"/>
                   </a:solidFill>
@@ -1299,7 +1299,7 @@
             </a:ln>
             <a:extLst>
               <a:ext uri="{91240B29-F687-4f45-9708-019B960494DF}">
-                <a14:hiddenLine xmlns="" xmlns:a14="http://schemas.microsoft.com/office/drawing/2010/main" w="9525">
+                <a14:hiddenLine xmlns:a14="http://schemas.microsoft.com/office/drawing/2010/main" xmlns="" w="9525">
                   <a:solidFill>
                     <a:srgbClr val="000000"/>
                   </a:solidFill>
@@ -1389,7 +1389,7 @@
             </a:ln>
             <a:extLst>
               <a:ext uri="{91240B29-F687-4f45-9708-019B960494DF}">
-                <a14:hiddenLine xmlns="" xmlns:a14="http://schemas.microsoft.com/office/drawing/2010/main" w="9525">
+                <a14:hiddenLine xmlns:a14="http://schemas.microsoft.com/office/drawing/2010/main" xmlns="" w="9525">
                   <a:solidFill>
                     <a:srgbClr val="000000"/>
                   </a:solidFill>
@@ -1479,7 +1479,7 @@
             </a:ln>
             <a:extLst>
               <a:ext uri="{91240B29-F687-4f45-9708-019B960494DF}">
-                <a14:hiddenLine xmlns="" xmlns:a14="http://schemas.microsoft.com/office/drawing/2010/main" w="9525">
+                <a14:hiddenLine xmlns:a14="http://schemas.microsoft.com/office/drawing/2010/main" xmlns="" w="9525">
                   <a:solidFill>
                     <a:srgbClr val="000000"/>
                   </a:solidFill>
@@ -1541,7 +1541,7 @@
             </a:ln>
             <a:extLst>
               <a:ext uri="{91240B29-F687-4f45-9708-019B960494DF}">
-                <a14:hiddenLine xmlns="" xmlns:a14="http://schemas.microsoft.com/office/drawing/2010/main" w="9525">
+                <a14:hiddenLine xmlns:a14="http://schemas.microsoft.com/office/drawing/2010/main" xmlns="" w="9525">
                   <a:solidFill>
                     <a:srgbClr val="000000"/>
                   </a:solidFill>
@@ -1631,7 +1631,7 @@
             </a:ln>
             <a:extLst>
               <a:ext uri="{91240B29-F687-4f45-9708-019B960494DF}">
-                <a14:hiddenLine xmlns="" xmlns:a14="http://schemas.microsoft.com/office/drawing/2010/main" w="9525">
+                <a14:hiddenLine xmlns:a14="http://schemas.microsoft.com/office/drawing/2010/main" xmlns="" w="9525">
                   <a:solidFill>
                     <a:srgbClr val="000000"/>
                   </a:solidFill>
@@ -1721,7 +1721,7 @@
             </a:ln>
             <a:extLst>
               <a:ext uri="{91240B29-F687-4f45-9708-019B960494DF}">
-                <a14:hiddenLine xmlns="" xmlns:a14="http://schemas.microsoft.com/office/drawing/2010/main" w="9525">
+                <a14:hiddenLine xmlns:a14="http://schemas.microsoft.com/office/drawing/2010/main" xmlns="" w="9525">
                   <a:solidFill>
                     <a:srgbClr val="000000"/>
                   </a:solidFill>
@@ -1777,7 +1777,7 @@
             </a:ln>
             <a:extLst>
               <a:ext uri="{91240B29-F687-4f45-9708-019B960494DF}">
-                <a14:hiddenLine xmlns="" xmlns:a14="http://schemas.microsoft.com/office/drawing/2010/main" w="9525">
+                <a14:hiddenLine xmlns:a14="http://schemas.microsoft.com/office/drawing/2010/main" xmlns="" w="9525">
                   <a:solidFill>
                     <a:srgbClr val="000000"/>
                   </a:solidFill>
@@ -1867,7 +1867,7 @@
             </a:ln>
             <a:extLst>
               <a:ext uri="{91240B29-F687-4f45-9708-019B960494DF}">
-                <a14:hiddenLine xmlns="" xmlns:a14="http://schemas.microsoft.com/office/drawing/2010/main" w="9525">
+                <a14:hiddenLine xmlns:a14="http://schemas.microsoft.com/office/drawing/2010/main" xmlns="" w="9525">
                   <a:solidFill>
                     <a:srgbClr val="000000"/>
                   </a:solidFill>
@@ -1923,7 +1923,7 @@
             </a:ln>
             <a:extLst>
               <a:ext uri="{91240B29-F687-4f45-9708-019B960494DF}">
-                <a14:hiddenLine xmlns="" xmlns:a14="http://schemas.microsoft.com/office/drawing/2010/main" w="9525">
+                <a14:hiddenLine xmlns:a14="http://schemas.microsoft.com/office/drawing/2010/main" xmlns="" w="9525">
                   <a:solidFill>
                     <a:srgbClr val="000000"/>
                   </a:solidFill>
@@ -2013,7 +2013,7 @@
             </a:ln>
             <a:extLst>
               <a:ext uri="{91240B29-F687-4f45-9708-019B960494DF}">
-                <a14:hiddenLine xmlns="" xmlns:a14="http://schemas.microsoft.com/office/drawing/2010/main" w="9525">
+                <a14:hiddenLine xmlns:a14="http://schemas.microsoft.com/office/drawing/2010/main" xmlns="" w="9525">
                   <a:solidFill>
                     <a:srgbClr val="000000"/>
                   </a:solidFill>
@@ -2081,7 +2081,7 @@
             </a:ln>
             <a:extLst>
               <a:ext uri="{91240B29-F687-4f45-9708-019B960494DF}">
-                <a14:hiddenLine xmlns="" xmlns:a14="http://schemas.microsoft.com/office/drawing/2010/main" w="9525">
+                <a14:hiddenLine xmlns:a14="http://schemas.microsoft.com/office/drawing/2010/main" xmlns="" w="9525">
                   <a:solidFill>
                     <a:srgbClr val="000000"/>
                   </a:solidFill>
@@ -2171,7 +2171,7 @@
             </a:ln>
             <a:extLst>
               <a:ext uri="{91240B29-F687-4f45-9708-019B960494DF}">
-                <a14:hiddenLine xmlns="" xmlns:a14="http://schemas.microsoft.com/office/drawing/2010/main" w="9525">
+                <a14:hiddenLine xmlns:a14="http://schemas.microsoft.com/office/drawing/2010/main" xmlns="" w="9525">
                   <a:solidFill>
                     <a:srgbClr val="000000"/>
                   </a:solidFill>
@@ -2239,7 +2239,7 @@
             </a:ln>
             <a:extLst>
               <a:ext uri="{91240B29-F687-4f45-9708-019B960494DF}">
-                <a14:hiddenLine xmlns="" xmlns:a14="http://schemas.microsoft.com/office/drawing/2010/main" w="9525">
+                <a14:hiddenLine xmlns:a14="http://schemas.microsoft.com/office/drawing/2010/main" xmlns="" w="9525">
                   <a:solidFill>
                     <a:srgbClr val="000000"/>
                   </a:solidFill>
@@ -2329,7 +2329,7 @@
             </a:ln>
             <a:extLst>
               <a:ext uri="{91240B29-F687-4f45-9708-019B960494DF}">
-                <a14:hiddenLine xmlns="" xmlns:a14="http://schemas.microsoft.com/office/drawing/2010/main" w="9525">
+                <a14:hiddenLine xmlns:a14="http://schemas.microsoft.com/office/drawing/2010/main" xmlns="" w="9525">
                   <a:solidFill>
                     <a:srgbClr val="000000"/>
                   </a:solidFill>
@@ -2363,7 +2363,7 @@
             </a:ln>
             <a:extLst>
               <a:ext uri="{91240B29-F687-4f45-9708-019B960494DF}">
-                <a14:hiddenLine xmlns="" xmlns:a14="http://schemas.microsoft.com/office/drawing/2010/main" w="9525">
+                <a14:hiddenLine xmlns:a14="http://schemas.microsoft.com/office/drawing/2010/main" xmlns="" w="9525">
                   <a:solidFill>
                     <a:srgbClr val="000000"/>
                   </a:solidFill>
@@ -2453,7 +2453,7 @@
             </a:ln>
             <a:extLst>
               <a:ext uri="{91240B29-F687-4f45-9708-019B960494DF}">
-                <a14:hiddenLine xmlns="" xmlns:a14="http://schemas.microsoft.com/office/drawing/2010/main" w="9525">
+                <a14:hiddenLine xmlns:a14="http://schemas.microsoft.com/office/drawing/2010/main" xmlns="" w="9525">
                   <a:solidFill>
                     <a:srgbClr val="000000"/>
                   </a:solidFill>
@@ -2515,7 +2515,7 @@
             </a:ln>
             <a:extLst>
               <a:ext uri="{91240B29-F687-4f45-9708-019B960494DF}">
-                <a14:hiddenLine xmlns="" xmlns:a14="http://schemas.microsoft.com/office/drawing/2010/main" w="9525">
+                <a14:hiddenLine xmlns:a14="http://schemas.microsoft.com/office/drawing/2010/main" xmlns="" w="9525">
                   <a:solidFill>
                     <a:srgbClr val="000000"/>
                   </a:solidFill>
@@ -2577,7 +2577,7 @@
             </a:ln>
             <a:extLst>
               <a:ext uri="{91240B29-F687-4f45-9708-019B960494DF}">
-                <a14:hiddenLine xmlns="" xmlns:a14="http://schemas.microsoft.com/office/drawing/2010/main" w="9525">
+                <a14:hiddenLine xmlns:a14="http://schemas.microsoft.com/office/drawing/2010/main" xmlns="" w="9525">
                   <a:solidFill>
                     <a:srgbClr val="000000"/>
                   </a:solidFill>
@@ -2667,7 +2667,7 @@
             </a:ln>
             <a:extLst>
               <a:ext uri="{91240B29-F687-4f45-9708-019B960494DF}">
-                <a14:hiddenLine xmlns="" xmlns:a14="http://schemas.microsoft.com/office/drawing/2010/main" w="9525">
+                <a14:hiddenLine xmlns:a14="http://schemas.microsoft.com/office/drawing/2010/main" xmlns="" w="9525">
                   <a:solidFill>
                     <a:srgbClr val="000000"/>
                   </a:solidFill>
@@ -2735,7 +2735,7 @@
             </a:ln>
             <a:extLst>
               <a:ext uri="{91240B29-F687-4f45-9708-019B960494DF}">
-                <a14:hiddenLine xmlns="" xmlns:a14="http://schemas.microsoft.com/office/drawing/2010/main" w="9525">
+                <a14:hiddenLine xmlns:a14="http://schemas.microsoft.com/office/drawing/2010/main" xmlns="" w="9525">
                   <a:solidFill>
                     <a:srgbClr val="000000"/>
                   </a:solidFill>
@@ -2797,7 +2797,7 @@
             </a:ln>
             <a:extLst>
               <a:ext uri="{91240B29-F687-4f45-9708-019B960494DF}">
-                <a14:hiddenLine xmlns="" xmlns:a14="http://schemas.microsoft.com/office/drawing/2010/main" w="9525">
+                <a14:hiddenLine xmlns:a14="http://schemas.microsoft.com/office/drawing/2010/main" xmlns="" w="9525">
                   <a:solidFill>
                     <a:srgbClr val="000000"/>
                   </a:solidFill>
@@ -2887,7 +2887,7 @@
             </a:ln>
             <a:extLst>
               <a:ext uri="{91240B29-F687-4f45-9708-019B960494DF}">
-                <a14:hiddenLine xmlns="" xmlns:a14="http://schemas.microsoft.com/office/drawing/2010/main" w="9525">
+                <a14:hiddenLine xmlns:a14="http://schemas.microsoft.com/office/drawing/2010/main" xmlns="" w="9525">
                   <a:solidFill>
                     <a:srgbClr val="000000"/>
                   </a:solidFill>
@@ -2949,7 +2949,7 @@
             </a:ln>
             <a:extLst>
               <a:ext uri="{91240B29-F687-4f45-9708-019B960494DF}">
-                <a14:hiddenLine xmlns="" xmlns:a14="http://schemas.microsoft.com/office/drawing/2010/main" w="9525">
+                <a14:hiddenLine xmlns:a14="http://schemas.microsoft.com/office/drawing/2010/main" xmlns="" w="9525">
                   <a:solidFill>
                     <a:srgbClr val="000000"/>
                   </a:solidFill>
@@ -3039,7 +3039,7 @@
             </a:ln>
             <a:extLst>
               <a:ext uri="{91240B29-F687-4f45-9708-019B960494DF}">
-                <a14:hiddenLine xmlns="" xmlns:a14="http://schemas.microsoft.com/office/drawing/2010/main" w="9525">
+                <a14:hiddenLine xmlns:a14="http://schemas.microsoft.com/office/drawing/2010/main" xmlns="" w="9525">
                   <a:solidFill>
                     <a:srgbClr val="000000"/>
                   </a:solidFill>
@@ -3101,7 +3101,7 @@
             </a:ln>
             <a:extLst>
               <a:ext uri="{91240B29-F687-4f45-9708-019B960494DF}">
-                <a14:hiddenLine xmlns="" xmlns:a14="http://schemas.microsoft.com/office/drawing/2010/main" w="9525">
+                <a14:hiddenLine xmlns:a14="http://schemas.microsoft.com/office/drawing/2010/main" xmlns="" w="9525">
                   <a:solidFill>
                     <a:srgbClr val="000000"/>
                   </a:solidFill>
@@ -3191,7 +3191,7 @@
             </a:ln>
             <a:extLst>
               <a:ext uri="{91240B29-F687-4f45-9708-019B960494DF}">
-                <a14:hiddenLine xmlns="" xmlns:a14="http://schemas.microsoft.com/office/drawing/2010/main" w="9525">
+                <a14:hiddenLine xmlns:a14="http://schemas.microsoft.com/office/drawing/2010/main" xmlns="" w="9525">
                   <a:solidFill>
                     <a:srgbClr val="000000"/>
                   </a:solidFill>
@@ -3225,7 +3225,7 @@
             </a:ln>
             <a:extLst>
               <a:ext uri="{91240B29-F687-4f45-9708-019B960494DF}">
-                <a14:hiddenLine xmlns="" xmlns:a14="http://schemas.microsoft.com/office/drawing/2010/main" w="9525">
+                <a14:hiddenLine xmlns:a14="http://schemas.microsoft.com/office/drawing/2010/main" xmlns="" w="9525">
                   <a:solidFill>
                     <a:srgbClr val="000000"/>
                   </a:solidFill>
@@ -3290,7 +3290,7 @@
             </a:ln>
             <a:extLst>
               <a:ext uri="{91240B29-F687-4f45-9708-019B960494DF}">
-                <a14:hiddenLine xmlns="" xmlns:a14="http://schemas.microsoft.com/office/drawing/2010/main" w="9525">
+                <a14:hiddenLine xmlns:a14="http://schemas.microsoft.com/office/drawing/2010/main" xmlns="" w="9525">
                   <a:solidFill>
                     <a:srgbClr val="000000"/>
                   </a:solidFill>
@@ -3380,7 +3380,7 @@
             </a:ln>
             <a:extLst>
               <a:ext uri="{91240B29-F687-4f45-9708-019B960494DF}">
-                <a14:hiddenLine xmlns="" xmlns:a14="http://schemas.microsoft.com/office/drawing/2010/main" w="9525">
+                <a14:hiddenLine xmlns:a14="http://schemas.microsoft.com/office/drawing/2010/main" xmlns="" w="9525">
                   <a:solidFill>
                     <a:srgbClr val="000000"/>
                   </a:solidFill>
@@ -3442,7 +3442,7 @@
             </a:ln>
             <a:extLst>
               <a:ext uri="{91240B29-F687-4f45-9708-019B960494DF}">
-                <a14:hiddenLine xmlns="" xmlns:a14="http://schemas.microsoft.com/office/drawing/2010/main" w="9525">
+                <a14:hiddenLine xmlns:a14="http://schemas.microsoft.com/office/drawing/2010/main" xmlns="" w="9525">
                   <a:solidFill>
                     <a:srgbClr val="000000"/>
                   </a:solidFill>
@@ -3532,7 +3532,7 @@
             </a:ln>
             <a:extLst>
               <a:ext uri="{91240B29-F687-4f45-9708-019B960494DF}">
-                <a14:hiddenLine xmlns="" xmlns:a14="http://schemas.microsoft.com/office/drawing/2010/main" w="9525">
+                <a14:hiddenLine xmlns:a14="http://schemas.microsoft.com/office/drawing/2010/main" xmlns="" w="9525">
                   <a:solidFill>
                     <a:srgbClr val="000000"/>
                   </a:solidFill>
@@ -3622,7 +3622,7 @@
             </a:ln>
             <a:extLst>
               <a:ext uri="{91240B29-F687-4f45-9708-019B960494DF}">
-                <a14:hiddenLine xmlns="" xmlns:a14="http://schemas.microsoft.com/office/drawing/2010/main" w="9525">
+                <a14:hiddenLine xmlns:a14="http://schemas.microsoft.com/office/drawing/2010/main" xmlns="" w="9525">
                   <a:solidFill>
                     <a:srgbClr val="000000"/>
                   </a:solidFill>
@@ -3687,7 +3687,7 @@
             </a:ln>
             <a:extLst>
               <a:ext uri="{91240B29-F687-4f45-9708-019B960494DF}">
-                <a14:hiddenLine xmlns="" xmlns:a14="http://schemas.microsoft.com/office/drawing/2010/main" w="9525">
+                <a14:hiddenLine xmlns:a14="http://schemas.microsoft.com/office/drawing/2010/main" xmlns="" w="9525">
                   <a:solidFill>
                     <a:srgbClr val="000000"/>
                   </a:solidFill>
@@ -3749,7 +3749,7 @@
             </a:ln>
             <a:extLst>
               <a:ext uri="{91240B29-F687-4f45-9708-019B960494DF}">
-                <a14:hiddenLine xmlns="" xmlns:a14="http://schemas.microsoft.com/office/drawing/2010/main" w="9525">
+                <a14:hiddenLine xmlns:a14="http://schemas.microsoft.com/office/drawing/2010/main" xmlns="" w="9525">
                   <a:solidFill>
                     <a:srgbClr val="000000"/>
                   </a:solidFill>
@@ -3839,7 +3839,7 @@
             </a:ln>
             <a:extLst>
               <a:ext uri="{91240B29-F687-4f45-9708-019B960494DF}">
-                <a14:hiddenLine xmlns="" xmlns:a14="http://schemas.microsoft.com/office/drawing/2010/main" w="9525">
+                <a14:hiddenLine xmlns:a14="http://schemas.microsoft.com/office/drawing/2010/main" xmlns="" w="9525">
                   <a:solidFill>
                     <a:srgbClr val="000000"/>
                   </a:solidFill>
@@ -3929,7 +3929,7 @@
             </a:ln>
             <a:extLst>
               <a:ext uri="{91240B29-F687-4f45-9708-019B960494DF}">
-                <a14:hiddenLine xmlns="" xmlns:a14="http://schemas.microsoft.com/office/drawing/2010/main" w="9525">
+                <a14:hiddenLine xmlns:a14="http://schemas.microsoft.com/office/drawing/2010/main" xmlns="" w="9525">
                   <a:solidFill>
                     <a:srgbClr val="000000"/>
                   </a:solidFill>
@@ -3991,7 +3991,7 @@
             </a:ln>
             <a:extLst>
               <a:ext uri="{91240B29-F687-4f45-9708-019B960494DF}">
-                <a14:hiddenLine xmlns="" xmlns:a14="http://schemas.microsoft.com/office/drawing/2010/main" w="9525">
+                <a14:hiddenLine xmlns:a14="http://schemas.microsoft.com/office/drawing/2010/main" xmlns="" w="9525">
                   <a:solidFill>
                     <a:srgbClr val="000000"/>
                   </a:solidFill>
@@ -4111,7 +4111,7 @@
             </a:ln>
             <a:extLst>
               <a:ext uri="{91240B29-F687-4f45-9708-019B960494DF}">
-                <a14:hiddenLine xmlns="" xmlns:a14="http://schemas.microsoft.com/office/drawing/2010/main" w="9525">
+                <a14:hiddenLine xmlns:a14="http://schemas.microsoft.com/office/drawing/2010/main" xmlns="" w="9525">
                   <a:solidFill>
                     <a:srgbClr val="000000"/>
                   </a:solidFill>
@@ -4179,7 +4179,7 @@
             </a:ln>
             <a:extLst>
               <a:ext uri="{91240B29-F687-4f45-9708-019B960494DF}">
-                <a14:hiddenLine xmlns="" xmlns:a14="http://schemas.microsoft.com/office/drawing/2010/main" w="9525">
+                <a14:hiddenLine xmlns:a14="http://schemas.microsoft.com/office/drawing/2010/main" xmlns="" w="9525">
                   <a:solidFill>
                     <a:srgbClr val="000000"/>
                   </a:solidFill>
@@ -4269,7 +4269,7 @@
             </a:ln>
             <a:extLst>
               <a:ext uri="{91240B29-F687-4f45-9708-019B960494DF}">
-                <a14:hiddenLine xmlns="" xmlns:a14="http://schemas.microsoft.com/office/drawing/2010/main" w="9525">
+                <a14:hiddenLine xmlns:a14="http://schemas.microsoft.com/office/drawing/2010/main" xmlns="" w="9525">
                   <a:solidFill>
                     <a:srgbClr val="000000"/>
                   </a:solidFill>
@@ -9339,7 +9339,7 @@
           <a:noFill/>
           <a:extLst>
             <a:ext uri="{909E8E84-426E-40dd-AFC4-6F175D3DCCD1}">
-              <a14:hiddenFill xmlns="" xmlns:a14="http://schemas.microsoft.com/office/drawing/2010/main">
+              <a14:hiddenFill xmlns:a14="http://schemas.microsoft.com/office/drawing/2010/main" xmlns="">
                 <a:solidFill>
                   <a:srgbClr val="FFFFFF"/>
                 </a:solidFill>
@@ -9413,7 +9413,7 @@
               </a:ln>
               <a:extLst>
                 <a:ext uri="{91240B29-F687-4f45-9708-019B960494DF}">
-                  <a14:hiddenLine xmlns="" xmlns:a14="http://schemas.microsoft.com/office/drawing/2010/main" w="9525">
+                  <a14:hiddenLine xmlns:a14="http://schemas.microsoft.com/office/drawing/2010/main" xmlns="" w="9525">
                     <a:solidFill>
                       <a:srgbClr val="000000"/>
                     </a:solidFill>
@@ -9503,7 +9503,7 @@
               </a:ln>
               <a:extLst>
                 <a:ext uri="{91240B29-F687-4f45-9708-019B960494DF}">
-                  <a14:hiddenLine xmlns="" xmlns:a14="http://schemas.microsoft.com/office/drawing/2010/main" w="9525">
+                  <a14:hiddenLine xmlns:a14="http://schemas.microsoft.com/office/drawing/2010/main" xmlns="" w="9525">
                     <a:solidFill>
                       <a:srgbClr val="000000"/>
                     </a:solidFill>
@@ -9593,7 +9593,7 @@
               </a:ln>
               <a:extLst>
                 <a:ext uri="{91240B29-F687-4f45-9708-019B960494DF}">
-                  <a14:hiddenLine xmlns="" xmlns:a14="http://schemas.microsoft.com/office/drawing/2010/main" w="9525">
+                  <a14:hiddenLine xmlns:a14="http://schemas.microsoft.com/office/drawing/2010/main" xmlns="" w="9525">
                     <a:solidFill>
                       <a:srgbClr val="000000"/>
                     </a:solidFill>
@@ -9655,7 +9655,7 @@
               </a:ln>
               <a:extLst>
                 <a:ext uri="{91240B29-F687-4f45-9708-019B960494DF}">
-                  <a14:hiddenLine xmlns="" xmlns:a14="http://schemas.microsoft.com/office/drawing/2010/main" w="9525">
+                  <a14:hiddenLine xmlns:a14="http://schemas.microsoft.com/office/drawing/2010/main" xmlns="" w="9525">
                     <a:solidFill>
                       <a:srgbClr val="000000"/>
                     </a:solidFill>
@@ -9745,7 +9745,7 @@
               </a:ln>
               <a:extLst>
                 <a:ext uri="{91240B29-F687-4f45-9708-019B960494DF}">
-                  <a14:hiddenLine xmlns="" xmlns:a14="http://schemas.microsoft.com/office/drawing/2010/main" w="9525">
+                  <a14:hiddenLine xmlns:a14="http://schemas.microsoft.com/office/drawing/2010/main" xmlns="" w="9525">
                     <a:solidFill>
                       <a:srgbClr val="000000"/>
                     </a:solidFill>
@@ -9807,7 +9807,7 @@
               </a:ln>
               <a:extLst>
                 <a:ext uri="{91240B29-F687-4f45-9708-019B960494DF}">
-                  <a14:hiddenLine xmlns="" xmlns:a14="http://schemas.microsoft.com/office/drawing/2010/main" w="9525">
+                  <a14:hiddenLine xmlns:a14="http://schemas.microsoft.com/office/drawing/2010/main" xmlns="" w="9525">
                     <a:solidFill>
                       <a:srgbClr val="000000"/>
                     </a:solidFill>
@@ -9869,7 +9869,7 @@
               </a:ln>
               <a:extLst>
                 <a:ext uri="{91240B29-F687-4f45-9708-019B960494DF}">
-                  <a14:hiddenLine xmlns="" xmlns:a14="http://schemas.microsoft.com/office/drawing/2010/main" w="9525">
+                  <a14:hiddenLine xmlns:a14="http://schemas.microsoft.com/office/drawing/2010/main" xmlns="" w="9525">
                     <a:solidFill>
                       <a:srgbClr val="000000"/>
                     </a:solidFill>
@@ -9959,7 +9959,7 @@
               </a:ln>
               <a:extLst>
                 <a:ext uri="{91240B29-F687-4f45-9708-019B960494DF}">
-                  <a14:hiddenLine xmlns="" xmlns:a14="http://schemas.microsoft.com/office/drawing/2010/main" w="9525">
+                  <a14:hiddenLine xmlns:a14="http://schemas.microsoft.com/office/drawing/2010/main" xmlns="" w="9525">
                     <a:solidFill>
                       <a:srgbClr val="000000"/>
                     </a:solidFill>
@@ -10049,7 +10049,7 @@
               </a:ln>
               <a:extLst>
                 <a:ext uri="{91240B29-F687-4f45-9708-019B960494DF}">
-                  <a14:hiddenLine xmlns="" xmlns:a14="http://schemas.microsoft.com/office/drawing/2010/main" w="9525">
+                  <a14:hiddenLine xmlns:a14="http://schemas.microsoft.com/office/drawing/2010/main" xmlns="" w="9525">
                     <a:solidFill>
                       <a:srgbClr val="000000"/>
                     </a:solidFill>
@@ -10111,7 +10111,7 @@
               </a:ln>
               <a:extLst>
                 <a:ext uri="{91240B29-F687-4f45-9708-019B960494DF}">
-                  <a14:hiddenLine xmlns="" xmlns:a14="http://schemas.microsoft.com/office/drawing/2010/main" w="9525">
+                  <a14:hiddenLine xmlns:a14="http://schemas.microsoft.com/office/drawing/2010/main" xmlns="" w="9525">
                     <a:solidFill>
                       <a:srgbClr val="000000"/>
                     </a:solidFill>
@@ -10221,7 +10221,7 @@
               </a:ln>
               <a:extLst>
                 <a:ext uri="{91240B29-F687-4f45-9708-019B960494DF}">
-                  <a14:hiddenLine xmlns="" xmlns:a14="http://schemas.microsoft.com/office/drawing/2010/main" w="9525">
+                  <a14:hiddenLine xmlns:a14="http://schemas.microsoft.com/office/drawing/2010/main" xmlns="" w="9525">
                     <a:solidFill>
                       <a:srgbClr val="000000"/>
                     </a:solidFill>
@@ -10305,7 +10305,7 @@
               </a:ln>
               <a:extLst>
                 <a:ext uri="{91240B29-F687-4f45-9708-019B960494DF}">
-                  <a14:hiddenLine xmlns="" xmlns:a14="http://schemas.microsoft.com/office/drawing/2010/main" w="9525">
+                  <a14:hiddenLine xmlns:a14="http://schemas.microsoft.com/office/drawing/2010/main" xmlns="" w="9525">
                     <a:solidFill>
                       <a:srgbClr val="000000"/>
                     </a:solidFill>
@@ -10367,7 +10367,7 @@
               </a:ln>
               <a:extLst>
                 <a:ext uri="{91240B29-F687-4f45-9708-019B960494DF}">
-                  <a14:hiddenLine xmlns="" xmlns:a14="http://schemas.microsoft.com/office/drawing/2010/main" w="9525">
+                  <a14:hiddenLine xmlns:a14="http://schemas.microsoft.com/office/drawing/2010/main" xmlns="" w="9525">
                     <a:solidFill>
                       <a:srgbClr val="000000"/>
                     </a:solidFill>
@@ -10429,7 +10429,7 @@
               </a:ln>
               <a:extLst>
                 <a:ext uri="{91240B29-F687-4f45-9708-019B960494DF}">
-                  <a14:hiddenLine xmlns="" xmlns:a14="http://schemas.microsoft.com/office/drawing/2010/main" w="9525">
+                  <a14:hiddenLine xmlns:a14="http://schemas.microsoft.com/office/drawing/2010/main" xmlns="" w="9525">
                     <a:solidFill>
                       <a:srgbClr val="000000"/>
                     </a:solidFill>
@@ -10519,7 +10519,7 @@
               </a:ln>
               <a:extLst>
                 <a:ext uri="{91240B29-F687-4f45-9708-019B960494DF}">
-                  <a14:hiddenLine xmlns="" xmlns:a14="http://schemas.microsoft.com/office/drawing/2010/main" w="9525">
+                  <a14:hiddenLine xmlns:a14="http://schemas.microsoft.com/office/drawing/2010/main" xmlns="" w="9525">
                     <a:solidFill>
                       <a:srgbClr val="000000"/>
                     </a:solidFill>
@@ -10553,7 +10553,7 @@
               </a:ln>
               <a:extLst>
                 <a:ext uri="{91240B29-F687-4f45-9708-019B960494DF}">
-                  <a14:hiddenLine xmlns="" xmlns:a14="http://schemas.microsoft.com/office/drawing/2010/main" w="9525">
+                  <a14:hiddenLine xmlns:a14="http://schemas.microsoft.com/office/drawing/2010/main" xmlns="" w="9525">
                     <a:solidFill>
                       <a:srgbClr val="000000"/>
                     </a:solidFill>
@@ -10618,7 +10618,7 @@
               </a:ln>
               <a:extLst>
                 <a:ext uri="{91240B29-F687-4f45-9708-019B960494DF}">
-                  <a14:hiddenLine xmlns="" xmlns:a14="http://schemas.microsoft.com/office/drawing/2010/main" w="9525">
+                  <a14:hiddenLine xmlns:a14="http://schemas.microsoft.com/office/drawing/2010/main" xmlns="" w="9525">
                     <a:solidFill>
                       <a:srgbClr val="000000"/>
                     </a:solidFill>
@@ -10708,7 +10708,7 @@
               </a:ln>
               <a:extLst>
                 <a:ext uri="{91240B29-F687-4f45-9708-019B960494DF}">
-                  <a14:hiddenLine xmlns="" xmlns:a14="http://schemas.microsoft.com/office/drawing/2010/main" w="9525">
+                  <a14:hiddenLine xmlns:a14="http://schemas.microsoft.com/office/drawing/2010/main" xmlns="" w="9525">
                     <a:solidFill>
                       <a:srgbClr val="000000"/>
                     </a:solidFill>
@@ -10770,7 +10770,7 @@
               </a:ln>
               <a:extLst>
                 <a:ext uri="{91240B29-F687-4f45-9708-019B960494DF}">
-                  <a14:hiddenLine xmlns="" xmlns:a14="http://schemas.microsoft.com/office/drawing/2010/main" w="9525">
+                  <a14:hiddenLine xmlns:a14="http://schemas.microsoft.com/office/drawing/2010/main" xmlns="" w="9525">
                     <a:solidFill>
                       <a:srgbClr val="000000"/>
                     </a:solidFill>
@@ -10860,7 +10860,7 @@
               </a:ln>
               <a:extLst>
                 <a:ext uri="{91240B29-F687-4f45-9708-019B960494DF}">
-                  <a14:hiddenLine xmlns="" xmlns:a14="http://schemas.microsoft.com/office/drawing/2010/main" w="9525">
+                  <a14:hiddenLine xmlns:a14="http://schemas.microsoft.com/office/drawing/2010/main" xmlns="" w="9525">
                     <a:solidFill>
                       <a:srgbClr val="000000"/>
                     </a:solidFill>
@@ -10925,7 +10925,7 @@
               </a:ln>
               <a:extLst>
                 <a:ext uri="{91240B29-F687-4f45-9708-019B960494DF}">
-                  <a14:hiddenLine xmlns="" xmlns:a14="http://schemas.microsoft.com/office/drawing/2010/main" w="9525">
+                  <a14:hiddenLine xmlns:a14="http://schemas.microsoft.com/office/drawing/2010/main" xmlns="" w="9525">
                     <a:solidFill>
                       <a:srgbClr val="000000"/>
                     </a:solidFill>
@@ -10987,7 +10987,7 @@
               </a:ln>
               <a:extLst>
                 <a:ext uri="{91240B29-F687-4f45-9708-019B960494DF}">
-                  <a14:hiddenLine xmlns="" xmlns:a14="http://schemas.microsoft.com/office/drawing/2010/main" w="9525">
+                  <a14:hiddenLine xmlns:a14="http://schemas.microsoft.com/office/drawing/2010/main" xmlns="" w="9525">
                     <a:solidFill>
                       <a:srgbClr val="000000"/>
                     </a:solidFill>
@@ -11077,7 +11077,7 @@
               </a:ln>
               <a:extLst>
                 <a:ext uri="{91240B29-F687-4f45-9708-019B960494DF}">
-                  <a14:hiddenLine xmlns="" xmlns:a14="http://schemas.microsoft.com/office/drawing/2010/main" w="9525">
+                  <a14:hiddenLine xmlns:a14="http://schemas.microsoft.com/office/drawing/2010/main" xmlns="" w="9525">
                     <a:solidFill>
                       <a:srgbClr val="000000"/>
                     </a:solidFill>
@@ -11167,7 +11167,7 @@
               </a:ln>
               <a:extLst>
                 <a:ext uri="{91240B29-F687-4f45-9708-019B960494DF}">
-                  <a14:hiddenLine xmlns="" xmlns:a14="http://schemas.microsoft.com/office/drawing/2010/main" w="9525">
+                  <a14:hiddenLine xmlns:a14="http://schemas.microsoft.com/office/drawing/2010/main" xmlns="" w="9525">
                     <a:solidFill>
                       <a:srgbClr val="000000"/>
                     </a:solidFill>
@@ -11232,7 +11232,7 @@
               </a:ln>
               <a:extLst>
                 <a:ext uri="{91240B29-F687-4f45-9708-019B960494DF}">
-                  <a14:hiddenLine xmlns="" xmlns:a14="http://schemas.microsoft.com/office/drawing/2010/main" w="9525">
+                  <a14:hiddenLine xmlns:a14="http://schemas.microsoft.com/office/drawing/2010/main" xmlns="" w="9525">
                     <a:solidFill>
                       <a:srgbClr val="000000"/>
                     </a:solidFill>
@@ -11352,7 +11352,7 @@
               </a:ln>
               <a:extLst>
                 <a:ext uri="{91240B29-F687-4f45-9708-019B960494DF}">
-                  <a14:hiddenLine xmlns="" xmlns:a14="http://schemas.microsoft.com/office/drawing/2010/main" w="9525">
+                  <a14:hiddenLine xmlns:a14="http://schemas.microsoft.com/office/drawing/2010/main" xmlns="" w="9525">
                     <a:solidFill>
                       <a:srgbClr val="000000"/>
                     </a:solidFill>
@@ -11433,7 +11433,7 @@
               </a:ln>
               <a:extLst>
                 <a:ext uri="{91240B29-F687-4f45-9708-019B960494DF}">
-                  <a14:hiddenLine xmlns="" xmlns:a14="http://schemas.microsoft.com/office/drawing/2010/main" w="9525">
+                  <a14:hiddenLine xmlns:a14="http://schemas.microsoft.com/office/drawing/2010/main" xmlns="" w="9525">
                     <a:solidFill>
                       <a:srgbClr val="000000"/>
                     </a:solidFill>
@@ -11548,7 +11548,7 @@
               </a:ln>
               <a:extLst>
                 <a:ext uri="{91240B29-F687-4f45-9708-019B960494DF}">
-                  <a14:hiddenLine xmlns="" xmlns:a14="http://schemas.microsoft.com/office/drawing/2010/main" w="9525">
+                  <a14:hiddenLine xmlns:a14="http://schemas.microsoft.com/office/drawing/2010/main" xmlns="" w="9525">
                     <a:solidFill>
                       <a:srgbClr val="000000"/>
                     </a:solidFill>
@@ -11638,7 +11638,7 @@
               </a:ln>
               <a:extLst>
                 <a:ext uri="{91240B29-F687-4f45-9708-019B960494DF}">
-                  <a14:hiddenLine xmlns="" xmlns:a14="http://schemas.microsoft.com/office/drawing/2010/main" w="9525">
+                  <a14:hiddenLine xmlns:a14="http://schemas.microsoft.com/office/drawing/2010/main" xmlns="" w="9525">
                     <a:solidFill>
                       <a:srgbClr val="000000"/>
                     </a:solidFill>
@@ -11703,7 +11703,7 @@
               </a:ln>
               <a:extLst>
                 <a:ext uri="{91240B29-F687-4f45-9708-019B960494DF}">
-                  <a14:hiddenLine xmlns="" xmlns:a14="http://schemas.microsoft.com/office/drawing/2010/main" w="9525">
+                  <a14:hiddenLine xmlns:a14="http://schemas.microsoft.com/office/drawing/2010/main" xmlns="" w="9525">
                     <a:solidFill>
                       <a:srgbClr val="000000"/>
                     </a:solidFill>
@@ -11793,7 +11793,7 @@
               </a:ln>
               <a:extLst>
                 <a:ext uri="{91240B29-F687-4f45-9708-019B960494DF}">
-                  <a14:hiddenLine xmlns="" xmlns:a14="http://schemas.microsoft.com/office/drawing/2010/main" w="9525">
+                  <a14:hiddenLine xmlns:a14="http://schemas.microsoft.com/office/drawing/2010/main" xmlns="" w="9525">
                     <a:solidFill>
                       <a:srgbClr val="000000"/>
                     </a:solidFill>
@@ -11861,7 +11861,7 @@
               </a:ln>
               <a:extLst>
                 <a:ext uri="{91240B29-F687-4f45-9708-019B960494DF}">
-                  <a14:hiddenLine xmlns="" xmlns:a14="http://schemas.microsoft.com/office/drawing/2010/main" w="9525">
+                  <a14:hiddenLine xmlns:a14="http://schemas.microsoft.com/office/drawing/2010/main" xmlns="" w="9525">
                     <a:solidFill>
                       <a:srgbClr val="000000"/>
                     </a:solidFill>
@@ -11951,7 +11951,7 @@
               </a:ln>
               <a:extLst>
                 <a:ext uri="{91240B29-F687-4f45-9708-019B960494DF}">
-                  <a14:hiddenLine xmlns="" xmlns:a14="http://schemas.microsoft.com/office/drawing/2010/main" w="9525">
+                  <a14:hiddenLine xmlns:a14="http://schemas.microsoft.com/office/drawing/2010/main" xmlns="" w="9525">
                     <a:solidFill>
                       <a:srgbClr val="000000"/>
                     </a:solidFill>
@@ -12019,7 +12019,7 @@
               </a:ln>
               <a:extLst>
                 <a:ext uri="{91240B29-F687-4f45-9708-019B960494DF}">
-                  <a14:hiddenLine xmlns="" xmlns:a14="http://schemas.microsoft.com/office/drawing/2010/main" w="9525">
+                  <a14:hiddenLine xmlns:a14="http://schemas.microsoft.com/office/drawing/2010/main" xmlns="" w="9525">
                     <a:solidFill>
                       <a:srgbClr val="000000"/>
                     </a:solidFill>
@@ -12109,7 +12109,7 @@
               </a:ln>
               <a:extLst>
                 <a:ext uri="{91240B29-F687-4f45-9708-019B960494DF}">
-                  <a14:hiddenLine xmlns="" xmlns:a14="http://schemas.microsoft.com/office/drawing/2010/main" w="9525">
+                  <a14:hiddenLine xmlns:a14="http://schemas.microsoft.com/office/drawing/2010/main" xmlns="" w="9525">
                     <a:solidFill>
                       <a:srgbClr val="000000"/>
                     </a:solidFill>
@@ -12143,7 +12143,7 @@
               </a:ln>
               <a:extLst>
                 <a:ext uri="{91240B29-F687-4f45-9708-019B960494DF}">
-                  <a14:hiddenLine xmlns="" xmlns:a14="http://schemas.microsoft.com/office/drawing/2010/main" w="9525">
+                  <a14:hiddenLine xmlns:a14="http://schemas.microsoft.com/office/drawing/2010/main" xmlns="" w="9525">
                     <a:solidFill>
                       <a:srgbClr val="000000"/>
                     </a:solidFill>
@@ -12751,8 +12751,8 @@
         </p:nvSpPr>
         <p:spPr>
           <a:xfrm>
-            <a:off x="2144785" y="744911"/>
-            <a:ext cx="7902429" cy="1400383"/>
+            <a:off x="4903365" y="392008"/>
+            <a:ext cx="2385270" cy="1400383"/>
           </a:xfrm>
           <a:prstGeom prst="rect">
             <a:avLst/>
@@ -12776,7 +12776,7 @@
                 <a:latin typeface="07ラノベPOP" panose="02000800000000000000" pitchFamily="50" charset="-128"/>
                 <a:ea typeface="07ラノベPOP" panose="02000800000000000000" pitchFamily="50" charset="-128"/>
               </a:rPr>
-              <a:t>夕食提案ツール</a:t>
+              <a:t>献提</a:t>
             </a:r>
             <a:endParaRPr kumimoji="1" lang="en-US" altLang="ja-JP" sz="8500" dirty="0">
               <a:ln w="12700">
@@ -12804,8 +12804,8 @@
         </p:nvSpPr>
         <p:spPr>
           <a:xfrm>
-            <a:off x="2292000" y="2980422"/>
-            <a:ext cx="7902429" cy="2785378"/>
+            <a:off x="2292000" y="3710264"/>
+            <a:ext cx="7902429" cy="2246769"/>
           </a:xfrm>
           <a:prstGeom prst="rect">
             <a:avLst/>
@@ -12818,7 +12818,6 @@
           </a:bodyPr>
           <a:lstStyle/>
           <a:p>
-            <a:pPr algn="ctr"/>
             <a:r>
               <a:rPr kumimoji="1" lang="ja-JP" altLang="en-US" sz="3500" dirty="0">
                 <a:ln w="6350">
@@ -12829,7 +12828,31 @@
                 <a:latin typeface="けいふぉんと" panose="02000600000000000000" pitchFamily="2" charset="-128"/>
                 <a:ea typeface="けいふぉんと" panose="02000600000000000000" pitchFamily="2" charset="-128"/>
               </a:rPr>
-              <a:t>メンバー</a:t>
+              <a:t>リーダー</a:t>
+            </a:r>
+            <a:r>
+              <a:rPr kumimoji="1" lang="en-US" altLang="ja-JP" sz="3500" dirty="0">
+                <a:ln w="6350">
+                  <a:solidFill>
+                    <a:srgbClr val="03A9F4"/>
+                  </a:solidFill>
+                </a:ln>
+                <a:latin typeface="けいふぉんと" panose="02000600000000000000" pitchFamily="2" charset="-128"/>
+                <a:ea typeface="けいふぉんと" panose="02000600000000000000" pitchFamily="2" charset="-128"/>
+              </a:rPr>
+              <a:t>						@</a:t>
+            </a:r>
+            <a:r>
+              <a:rPr kumimoji="1" lang="en-US" altLang="ja-JP" sz="3500" dirty="0" err="1">
+                <a:ln w="6350">
+                  <a:solidFill>
+                    <a:srgbClr val="03A9F4"/>
+                  </a:solidFill>
+                </a:ln>
+                <a:latin typeface="けいふぉんと" panose="02000600000000000000" pitchFamily="2" charset="-128"/>
+                <a:ea typeface="けいふぉんと" panose="02000600000000000000" pitchFamily="2" charset="-128"/>
+              </a:rPr>
+              <a:t>Selelium</a:t>
             </a:r>
             <a:endParaRPr kumimoji="1" lang="en-US" altLang="ja-JP" sz="3500" dirty="0">
               <a:ln w="6350">
@@ -12852,7 +12875,7 @@
                 <a:latin typeface="けいふぉんと" panose="02000600000000000000" pitchFamily="2" charset="-128"/>
                 <a:ea typeface="けいふぉんと" panose="02000600000000000000" pitchFamily="2" charset="-128"/>
               </a:rPr>
-              <a:t>リーダー</a:t>
+              <a:t>プログラムリーダー</a:t>
             </a:r>
             <a:r>
               <a:rPr kumimoji="1" lang="en-US" altLang="ja-JP" sz="3500" dirty="0">
@@ -12864,7 +12887,7 @@
                 <a:latin typeface="けいふぉんと" panose="02000600000000000000" pitchFamily="2" charset="-128"/>
                 <a:ea typeface="けいふぉんと" panose="02000600000000000000" pitchFamily="2" charset="-128"/>
               </a:rPr>
-              <a:t>						@</a:t>
+              <a:t>		@The-</a:t>
             </a:r>
             <a:r>
               <a:rPr kumimoji="1" lang="en-US" altLang="ja-JP" sz="3500" dirty="0" err="1">
@@ -12876,7 +12899,7 @@
                 <a:latin typeface="けいふぉんと" panose="02000600000000000000" pitchFamily="2" charset="-128"/>
                 <a:ea typeface="けいふぉんと" panose="02000600000000000000" pitchFamily="2" charset="-128"/>
               </a:rPr>
-              <a:t>Selelium</a:t>
+              <a:t>Reidon</a:t>
             </a:r>
             <a:endParaRPr kumimoji="1" lang="en-US" altLang="ja-JP" sz="3500" dirty="0">
               <a:ln w="6350">
@@ -12899,7 +12922,7 @@
                 <a:latin typeface="けいふぉんと" panose="02000600000000000000" pitchFamily="2" charset="-128"/>
                 <a:ea typeface="けいふぉんと" panose="02000600000000000000" pitchFamily="2" charset="-128"/>
               </a:rPr>
-              <a:t>プログラムリーダー</a:t>
+              <a:t>プログラマー</a:t>
             </a:r>
             <a:r>
               <a:rPr kumimoji="1" lang="en-US" altLang="ja-JP" sz="3500" dirty="0">
@@ -12911,7 +12934,7 @@
                 <a:latin typeface="けいふぉんと" panose="02000600000000000000" pitchFamily="2" charset="-128"/>
                 <a:ea typeface="けいふぉんと" panose="02000600000000000000" pitchFamily="2" charset="-128"/>
               </a:rPr>
-              <a:t>		@The-</a:t>
+              <a:t>				@</a:t>
             </a:r>
             <a:r>
               <a:rPr kumimoji="1" lang="en-US" altLang="ja-JP" sz="3500" dirty="0" err="1">
@@ -12923,7 +12946,7 @@
                 <a:latin typeface="けいふぉんと" panose="02000600000000000000" pitchFamily="2" charset="-128"/>
                 <a:ea typeface="けいふぉんと" panose="02000600000000000000" pitchFamily="2" charset="-128"/>
               </a:rPr>
-              <a:t>Reidon</a:t>
+              <a:t>sintomo</a:t>
             </a:r>
             <a:endParaRPr kumimoji="1" lang="en-US" altLang="ja-JP" sz="3500" dirty="0">
               <a:ln w="6350">
@@ -12958,55 +12981,129 @@
                 <a:latin typeface="けいふぉんと" panose="02000600000000000000" pitchFamily="2" charset="-128"/>
                 <a:ea typeface="けいふぉんと" panose="02000600000000000000" pitchFamily="2" charset="-128"/>
               </a:rPr>
-              <a:t>				@</a:t>
-            </a:r>
-            <a:r>
-              <a:rPr kumimoji="1" lang="en-US" altLang="ja-JP" sz="3500" dirty="0" err="1">
-                <a:ln w="6350">
+              <a:t>				@toraneko946</a:t>
+            </a:r>
+          </a:p>
+        </p:txBody>
+      </p:sp>
+      <p:sp>
+        <p:nvSpPr>
+          <p:cNvPr id="7" name="テキスト ボックス 6">
+            <a:extLst>
+              <a:ext uri="{FF2B5EF4-FFF2-40B4-BE49-F238E27FC236}">
+                <a16:creationId xmlns:a16="http://schemas.microsoft.com/office/drawing/2014/main" id="{CD7F77AA-B213-476C-801D-C0834B819E69}"/>
+              </a:ext>
+            </a:extLst>
+          </p:cNvPr>
+          <p:cNvSpPr txBox="1"/>
+          <p:nvPr/>
+        </p:nvSpPr>
+        <p:spPr>
+          <a:xfrm>
+            <a:off x="4273492" y="1627693"/>
+            <a:ext cx="3645015" cy="553998"/>
+          </a:xfrm>
+          <a:prstGeom prst="rect">
+            <a:avLst/>
+          </a:prstGeom>
+          <a:noFill/>
+        </p:spPr>
+        <p:txBody>
+          <a:bodyPr wrap="square" rtlCol="0">
+            <a:spAutoFit/>
+          </a:bodyPr>
+          <a:lstStyle/>
+          <a:p>
+            <a:pPr algn="ctr"/>
+            <a:r>
+              <a:rPr kumimoji="1" lang="en-US" altLang="ja-JP" sz="3000" dirty="0">
+                <a:ln w="12700">
                   <a:solidFill>
                     <a:srgbClr val="03A9F4"/>
                   </a:solidFill>
                 </a:ln>
-                <a:latin typeface="けいふぉんと" panose="02000600000000000000" pitchFamily="2" charset="-128"/>
-                <a:ea typeface="けいふぉんと" panose="02000600000000000000" pitchFamily="2" charset="-128"/>
-              </a:rPr>
-              <a:t>sintomo</a:t>
-            </a:r>
-            <a:endParaRPr kumimoji="1" lang="en-US" altLang="ja-JP" sz="3500" dirty="0">
-              <a:ln w="6350">
+                <a:latin typeface="07ラノベPOP" panose="02000800000000000000" pitchFamily="50" charset="-128"/>
+                <a:ea typeface="07ラノベPOP" panose="02000800000000000000" pitchFamily="50" charset="-128"/>
+              </a:rPr>
+              <a:t>-Menu </a:t>
+            </a:r>
+            <a:r>
+              <a:rPr kumimoji="1" lang="en-US" altLang="ja-JP" sz="3000" dirty="0" err="1">
+                <a:ln w="12700">
+                  <a:solidFill>
+                    <a:srgbClr val="03A9F4"/>
+                  </a:solidFill>
+                </a:ln>
+                <a:latin typeface="07ラノベPOP" panose="02000800000000000000" pitchFamily="50" charset="-128"/>
+                <a:ea typeface="07ラノベPOP" panose="02000800000000000000" pitchFamily="50" charset="-128"/>
+              </a:rPr>
+              <a:t>suggester</a:t>
+            </a:r>
+            <a:r>
+              <a:rPr kumimoji="1" lang="en-US" altLang="ja-JP" sz="3000" dirty="0">
+                <a:ln w="12700">
+                  <a:solidFill>
+                    <a:srgbClr val="03A9F4"/>
+                  </a:solidFill>
+                </a:ln>
+                <a:latin typeface="07ラノベPOP" panose="02000800000000000000" pitchFamily="50" charset="-128"/>
+                <a:ea typeface="07ラノベPOP" panose="02000800000000000000" pitchFamily="50" charset="-128"/>
+              </a:rPr>
+              <a:t>-</a:t>
+            </a:r>
+          </a:p>
+        </p:txBody>
+      </p:sp>
+      <p:sp>
+        <p:nvSpPr>
+          <p:cNvPr id="9" name="テキスト ボックス 8">
+            <a:extLst>
+              <a:ext uri="{FF2B5EF4-FFF2-40B4-BE49-F238E27FC236}">
+                <a16:creationId xmlns:a16="http://schemas.microsoft.com/office/drawing/2014/main" id="{EE0D4C56-35D2-4BE2-9DDD-B9D8ED540C22}"/>
+              </a:ext>
+            </a:extLst>
+          </p:cNvPr>
+          <p:cNvSpPr txBox="1"/>
+          <p:nvPr/>
+        </p:nvSpPr>
+        <p:spPr>
+          <a:xfrm>
+            <a:off x="5150897" y="3043965"/>
+            <a:ext cx="2184633" cy="553998"/>
+          </a:xfrm>
+          <a:prstGeom prst="rect">
+            <a:avLst/>
+          </a:prstGeom>
+          <a:noFill/>
+        </p:spPr>
+        <p:txBody>
+          <a:bodyPr wrap="square" rtlCol="0">
+            <a:spAutoFit/>
+          </a:bodyPr>
+          <a:lstStyle/>
+          <a:p>
+            <a:pPr algn="ctr"/>
+            <a:r>
+              <a:rPr kumimoji="1" lang="en-US" altLang="ja-JP" sz="3000" dirty="0" err="1">
+                <a:ln w="12700">
+                  <a:solidFill>
+                    <a:srgbClr val="03A9F4"/>
+                  </a:solidFill>
+                </a:ln>
+                <a:latin typeface="07ラノベPOP" panose="02000800000000000000" pitchFamily="50" charset="-128"/>
+                <a:ea typeface="07ラノベPOP" panose="02000800000000000000" pitchFamily="50" charset="-128"/>
+              </a:rPr>
+              <a:t>Simulaclia</a:t>
+            </a:r>
+            <a:endParaRPr kumimoji="1" lang="en-US" altLang="ja-JP" sz="3000" dirty="0">
+              <a:ln w="12700">
                 <a:solidFill>
                   <a:srgbClr val="03A9F4"/>
                 </a:solidFill>
               </a:ln>
-              <a:latin typeface="けいふぉんと" panose="02000600000000000000" pitchFamily="2" charset="-128"/>
-              <a:ea typeface="けいふぉんと" panose="02000600000000000000" pitchFamily="2" charset="-128"/>
+              <a:latin typeface="07ラノベPOP" panose="02000800000000000000" pitchFamily="50" charset="-128"/>
+              <a:ea typeface="07ラノベPOP" panose="02000800000000000000" pitchFamily="50" charset="-128"/>
             </a:endParaRPr>
-          </a:p>
-          <a:p>
-            <a:r>
-              <a:rPr kumimoji="1" lang="ja-JP" altLang="en-US" sz="3500" dirty="0">
-                <a:ln w="6350">
-                  <a:solidFill>
-                    <a:srgbClr val="03A9F4"/>
-                  </a:solidFill>
-                </a:ln>
-                <a:latin typeface="けいふぉんと" panose="02000600000000000000" pitchFamily="2" charset="-128"/>
-                <a:ea typeface="けいふぉんと" panose="02000600000000000000" pitchFamily="2" charset="-128"/>
-              </a:rPr>
-              <a:t>プログラマー</a:t>
-            </a:r>
-            <a:r>
-              <a:rPr kumimoji="1" lang="en-US" altLang="ja-JP" sz="3500" dirty="0">
-                <a:ln w="6350">
-                  <a:solidFill>
-                    <a:srgbClr val="03A9F4"/>
-                  </a:solidFill>
-                </a:ln>
-                <a:latin typeface="けいふぉんと" panose="02000600000000000000" pitchFamily="2" charset="-128"/>
-                <a:ea typeface="けいふぉんと" panose="02000600000000000000" pitchFamily="2" charset="-128"/>
-              </a:rPr>
-              <a:t>				@toraneko946</a:t>
-            </a:r>
           </a:p>
         </p:txBody>
       </p:sp>
@@ -23885,7 +23982,7 @@
           <a:graphicData uri="http://schemas.openxmlformats.org/presentationml/2006/ole">
             <mc:AlternateContent xmlns:mc="http://schemas.openxmlformats.org/markup-compatibility/2006">
               <mc:Choice xmlns:v="urn:schemas-microsoft-com:vml" Requires="v">
-                <p:oleObj spid="_x0000_s1060" name="Worksheet" r:id="rId3" imgW="14887696" imgH="6610363" progId="Excel.Sheet.12">
+                <p:oleObj spid="_x0000_s1063" name="Worksheet" r:id="rId3" imgW="14887696" imgH="6610363" progId="Excel.Sheet.12">
                   <p:embed/>
                 </p:oleObj>
               </mc:Choice>

--- a/doc/ER/献提 -MenuSuggester-.pptx
+++ b/doc/ER/献提 -MenuSuggester-.pptx
@@ -12,10 +12,10 @@
     <p:sldId id="260" r:id="rId6"/>
     <p:sldId id="261" r:id="rId7"/>
     <p:sldId id="258" r:id="rId8"/>
-    <p:sldId id="265" r:id="rId9"/>
-    <p:sldId id="263" r:id="rId10"/>
-    <p:sldId id="266" r:id="rId11"/>
-    <p:sldId id="267" r:id="rId12"/>
+    <p:sldId id="263" r:id="rId9"/>
+    <p:sldId id="265" r:id="rId10"/>
+    <p:sldId id="267" r:id="rId11"/>
+    <p:sldId id="266" r:id="rId12"/>
     <p:sldId id="268" r:id="rId13"/>
     <p:sldId id="269" r:id="rId14"/>
     <p:sldId id="270" r:id="rId15"/>
@@ -184,7 +184,7 @@
           <a:noFill/>
           <a:extLst>
             <a:ext uri="{909E8E84-426E-40dd-AFC4-6F175D3DCCD1}">
-              <a14:hiddenFill xmlns:a14="http://schemas.microsoft.com/office/drawing/2010/main" xmlns="">
+              <a14:hiddenFill xmlns="" xmlns:a14="http://schemas.microsoft.com/office/drawing/2010/main">
                 <a:solidFill>
                   <a:srgbClr val="FFFFFF"/>
                 </a:solidFill>
@@ -243,7 +243,7 @@
             </a:ln>
             <a:extLst>
               <a:ext uri="{91240B29-F687-4f45-9708-019B960494DF}">
-                <a14:hiddenLine xmlns:a14="http://schemas.microsoft.com/office/drawing/2010/main" xmlns="" w="9525">
+                <a14:hiddenLine xmlns="" xmlns:a14="http://schemas.microsoft.com/office/drawing/2010/main" w="9525">
                   <a:solidFill>
                     <a:srgbClr val="000000"/>
                   </a:solidFill>
@@ -333,7 +333,7 @@
             </a:ln>
             <a:extLst>
               <a:ext uri="{91240B29-F687-4f45-9708-019B960494DF}">
-                <a14:hiddenLine xmlns:a14="http://schemas.microsoft.com/office/drawing/2010/main" xmlns="" w="9525">
+                <a14:hiddenLine xmlns="" xmlns:a14="http://schemas.microsoft.com/office/drawing/2010/main" w="9525">
                   <a:solidFill>
                     <a:srgbClr val="000000"/>
                   </a:solidFill>
@@ -423,7 +423,7 @@
             </a:ln>
             <a:extLst>
               <a:ext uri="{91240B29-F687-4f45-9708-019B960494DF}">
-                <a14:hiddenLine xmlns:a14="http://schemas.microsoft.com/office/drawing/2010/main" xmlns="" w="9525">
+                <a14:hiddenLine xmlns="" xmlns:a14="http://schemas.microsoft.com/office/drawing/2010/main" w="9525">
                   <a:solidFill>
                     <a:srgbClr val="000000"/>
                   </a:solidFill>
@@ -457,7 +457,7 @@
             </a:ln>
             <a:extLst>
               <a:ext uri="{91240B29-F687-4f45-9708-019B960494DF}">
-                <a14:hiddenLine xmlns:a14="http://schemas.microsoft.com/office/drawing/2010/main" xmlns="" w="9525">
+                <a14:hiddenLine xmlns="" xmlns:a14="http://schemas.microsoft.com/office/drawing/2010/main" w="9525">
                   <a:solidFill>
                     <a:srgbClr val="000000"/>
                   </a:solidFill>
@@ -547,7 +547,7 @@
             </a:ln>
             <a:extLst>
               <a:ext uri="{91240B29-F687-4f45-9708-019B960494DF}">
-                <a14:hiddenLine xmlns:a14="http://schemas.microsoft.com/office/drawing/2010/main" xmlns="" w="9525">
+                <a14:hiddenLine xmlns="" xmlns:a14="http://schemas.microsoft.com/office/drawing/2010/main" w="9525">
                   <a:solidFill>
                     <a:srgbClr val="000000"/>
                   </a:solidFill>
@@ -609,7 +609,7 @@
             </a:ln>
             <a:extLst>
               <a:ext uri="{91240B29-F687-4f45-9708-019B960494DF}">
-                <a14:hiddenLine xmlns:a14="http://schemas.microsoft.com/office/drawing/2010/main" xmlns="" w="9525">
+                <a14:hiddenLine xmlns="" xmlns:a14="http://schemas.microsoft.com/office/drawing/2010/main" w="9525">
                   <a:solidFill>
                     <a:srgbClr val="000000"/>
                   </a:solidFill>
@@ -671,7 +671,7 @@
             </a:ln>
             <a:extLst>
               <a:ext uri="{91240B29-F687-4f45-9708-019B960494DF}">
-                <a14:hiddenLine xmlns:a14="http://schemas.microsoft.com/office/drawing/2010/main" xmlns="" w="9525">
+                <a14:hiddenLine xmlns="" xmlns:a14="http://schemas.microsoft.com/office/drawing/2010/main" w="9525">
                   <a:solidFill>
                     <a:srgbClr val="000000"/>
                   </a:solidFill>
@@ -761,7 +761,7 @@
             </a:ln>
             <a:extLst>
               <a:ext uri="{91240B29-F687-4f45-9708-019B960494DF}">
-                <a14:hiddenLine xmlns:a14="http://schemas.microsoft.com/office/drawing/2010/main" xmlns="" w="9525">
+                <a14:hiddenLine xmlns="" xmlns:a14="http://schemas.microsoft.com/office/drawing/2010/main" w="9525">
                   <a:solidFill>
                     <a:srgbClr val="000000"/>
                   </a:solidFill>
@@ -823,7 +823,7 @@
             </a:ln>
             <a:extLst>
               <a:ext uri="{91240B29-F687-4f45-9708-019B960494DF}">
-                <a14:hiddenLine xmlns:a14="http://schemas.microsoft.com/office/drawing/2010/main" xmlns="" w="9525">
+                <a14:hiddenLine xmlns="" xmlns:a14="http://schemas.microsoft.com/office/drawing/2010/main" w="9525">
                   <a:solidFill>
                     <a:srgbClr val="000000"/>
                   </a:solidFill>
@@ -885,7 +885,7 @@
             </a:ln>
             <a:extLst>
               <a:ext uri="{91240B29-F687-4f45-9708-019B960494DF}">
-                <a14:hiddenLine xmlns:a14="http://schemas.microsoft.com/office/drawing/2010/main" xmlns="" w="9525">
+                <a14:hiddenLine xmlns="" xmlns:a14="http://schemas.microsoft.com/office/drawing/2010/main" w="9525">
                   <a:solidFill>
                     <a:srgbClr val="000000"/>
                   </a:solidFill>
@@ -975,7 +975,7 @@
             </a:ln>
             <a:extLst>
               <a:ext uri="{91240B29-F687-4f45-9708-019B960494DF}">
-                <a14:hiddenLine xmlns:a14="http://schemas.microsoft.com/office/drawing/2010/main" xmlns="" w="9525">
+                <a14:hiddenLine xmlns="" xmlns:a14="http://schemas.microsoft.com/office/drawing/2010/main" w="9525">
                   <a:solidFill>
                     <a:srgbClr val="000000"/>
                   </a:solidFill>
@@ -1065,7 +1065,7 @@
             </a:ln>
             <a:extLst>
               <a:ext uri="{91240B29-F687-4f45-9708-019B960494DF}">
-                <a14:hiddenLine xmlns:a14="http://schemas.microsoft.com/office/drawing/2010/main" xmlns="" w="9525">
+                <a14:hiddenLine xmlns="" xmlns:a14="http://schemas.microsoft.com/office/drawing/2010/main" w="9525">
                   <a:solidFill>
                     <a:srgbClr val="000000"/>
                   </a:solidFill>
@@ -1127,7 +1127,7 @@
             </a:ln>
             <a:extLst>
               <a:ext uri="{91240B29-F687-4f45-9708-019B960494DF}">
-                <a14:hiddenLine xmlns:a14="http://schemas.microsoft.com/office/drawing/2010/main" xmlns="" w="9525">
+                <a14:hiddenLine xmlns="" xmlns:a14="http://schemas.microsoft.com/office/drawing/2010/main" w="9525">
                   <a:solidFill>
                     <a:srgbClr val="000000"/>
                   </a:solidFill>
@@ -1237,7 +1237,7 @@
             </a:ln>
             <a:extLst>
               <a:ext uri="{91240B29-F687-4f45-9708-019B960494DF}">
-                <a14:hiddenLine xmlns:a14="http://schemas.microsoft.com/office/drawing/2010/main" xmlns="" w="9525">
+                <a14:hiddenLine xmlns="" xmlns:a14="http://schemas.microsoft.com/office/drawing/2010/main" w="9525">
                   <a:solidFill>
                     <a:srgbClr val="000000"/>
                   </a:solidFill>
@@ -1299,7 +1299,7 @@
             </a:ln>
             <a:extLst>
               <a:ext uri="{91240B29-F687-4f45-9708-019B960494DF}">
-                <a14:hiddenLine xmlns:a14="http://schemas.microsoft.com/office/drawing/2010/main" xmlns="" w="9525">
+                <a14:hiddenLine xmlns="" xmlns:a14="http://schemas.microsoft.com/office/drawing/2010/main" w="9525">
                   <a:solidFill>
                     <a:srgbClr val="000000"/>
                   </a:solidFill>
@@ -1389,7 +1389,7 @@
             </a:ln>
             <a:extLst>
               <a:ext uri="{91240B29-F687-4f45-9708-019B960494DF}">
-                <a14:hiddenLine xmlns:a14="http://schemas.microsoft.com/office/drawing/2010/main" xmlns="" w="9525">
+                <a14:hiddenLine xmlns="" xmlns:a14="http://schemas.microsoft.com/office/drawing/2010/main" w="9525">
                   <a:solidFill>
                     <a:srgbClr val="000000"/>
                   </a:solidFill>
@@ -1479,7 +1479,7 @@
             </a:ln>
             <a:extLst>
               <a:ext uri="{91240B29-F687-4f45-9708-019B960494DF}">
-                <a14:hiddenLine xmlns:a14="http://schemas.microsoft.com/office/drawing/2010/main" xmlns="" w="9525">
+                <a14:hiddenLine xmlns="" xmlns:a14="http://schemas.microsoft.com/office/drawing/2010/main" w="9525">
                   <a:solidFill>
                     <a:srgbClr val="000000"/>
                   </a:solidFill>
@@ -1541,7 +1541,7 @@
             </a:ln>
             <a:extLst>
               <a:ext uri="{91240B29-F687-4f45-9708-019B960494DF}">
-                <a14:hiddenLine xmlns:a14="http://schemas.microsoft.com/office/drawing/2010/main" xmlns="" w="9525">
+                <a14:hiddenLine xmlns="" xmlns:a14="http://schemas.microsoft.com/office/drawing/2010/main" w="9525">
                   <a:solidFill>
                     <a:srgbClr val="000000"/>
                   </a:solidFill>
@@ -1631,7 +1631,7 @@
             </a:ln>
             <a:extLst>
               <a:ext uri="{91240B29-F687-4f45-9708-019B960494DF}">
-                <a14:hiddenLine xmlns:a14="http://schemas.microsoft.com/office/drawing/2010/main" xmlns="" w="9525">
+                <a14:hiddenLine xmlns="" xmlns:a14="http://schemas.microsoft.com/office/drawing/2010/main" w="9525">
                   <a:solidFill>
                     <a:srgbClr val="000000"/>
                   </a:solidFill>
@@ -1721,7 +1721,7 @@
             </a:ln>
             <a:extLst>
               <a:ext uri="{91240B29-F687-4f45-9708-019B960494DF}">
-                <a14:hiddenLine xmlns:a14="http://schemas.microsoft.com/office/drawing/2010/main" xmlns="" w="9525">
+                <a14:hiddenLine xmlns="" xmlns:a14="http://schemas.microsoft.com/office/drawing/2010/main" w="9525">
                   <a:solidFill>
                     <a:srgbClr val="000000"/>
                   </a:solidFill>
@@ -1777,7 +1777,7 @@
             </a:ln>
             <a:extLst>
               <a:ext uri="{91240B29-F687-4f45-9708-019B960494DF}">
-                <a14:hiddenLine xmlns:a14="http://schemas.microsoft.com/office/drawing/2010/main" xmlns="" w="9525">
+                <a14:hiddenLine xmlns="" xmlns:a14="http://schemas.microsoft.com/office/drawing/2010/main" w="9525">
                   <a:solidFill>
                     <a:srgbClr val="000000"/>
                   </a:solidFill>
@@ -1867,7 +1867,7 @@
             </a:ln>
             <a:extLst>
               <a:ext uri="{91240B29-F687-4f45-9708-019B960494DF}">
-                <a14:hiddenLine xmlns:a14="http://schemas.microsoft.com/office/drawing/2010/main" xmlns="" w="9525">
+                <a14:hiddenLine xmlns="" xmlns:a14="http://schemas.microsoft.com/office/drawing/2010/main" w="9525">
                   <a:solidFill>
                     <a:srgbClr val="000000"/>
                   </a:solidFill>
@@ -1923,7 +1923,7 @@
             </a:ln>
             <a:extLst>
               <a:ext uri="{91240B29-F687-4f45-9708-019B960494DF}">
-                <a14:hiddenLine xmlns:a14="http://schemas.microsoft.com/office/drawing/2010/main" xmlns="" w="9525">
+                <a14:hiddenLine xmlns="" xmlns:a14="http://schemas.microsoft.com/office/drawing/2010/main" w="9525">
                   <a:solidFill>
                     <a:srgbClr val="000000"/>
                   </a:solidFill>
@@ -2013,7 +2013,7 @@
             </a:ln>
             <a:extLst>
               <a:ext uri="{91240B29-F687-4f45-9708-019B960494DF}">
-                <a14:hiddenLine xmlns:a14="http://schemas.microsoft.com/office/drawing/2010/main" xmlns="" w="9525">
+                <a14:hiddenLine xmlns="" xmlns:a14="http://schemas.microsoft.com/office/drawing/2010/main" w="9525">
                   <a:solidFill>
                     <a:srgbClr val="000000"/>
                   </a:solidFill>
@@ -2081,7 +2081,7 @@
             </a:ln>
             <a:extLst>
               <a:ext uri="{91240B29-F687-4f45-9708-019B960494DF}">
-                <a14:hiddenLine xmlns:a14="http://schemas.microsoft.com/office/drawing/2010/main" xmlns="" w="9525">
+                <a14:hiddenLine xmlns="" xmlns:a14="http://schemas.microsoft.com/office/drawing/2010/main" w="9525">
                   <a:solidFill>
                     <a:srgbClr val="000000"/>
                   </a:solidFill>
@@ -2171,7 +2171,7 @@
             </a:ln>
             <a:extLst>
               <a:ext uri="{91240B29-F687-4f45-9708-019B960494DF}">
-                <a14:hiddenLine xmlns:a14="http://schemas.microsoft.com/office/drawing/2010/main" xmlns="" w="9525">
+                <a14:hiddenLine xmlns="" xmlns:a14="http://schemas.microsoft.com/office/drawing/2010/main" w="9525">
                   <a:solidFill>
                     <a:srgbClr val="000000"/>
                   </a:solidFill>
@@ -2239,7 +2239,7 @@
             </a:ln>
             <a:extLst>
               <a:ext uri="{91240B29-F687-4f45-9708-019B960494DF}">
-                <a14:hiddenLine xmlns:a14="http://schemas.microsoft.com/office/drawing/2010/main" xmlns="" w="9525">
+                <a14:hiddenLine xmlns="" xmlns:a14="http://schemas.microsoft.com/office/drawing/2010/main" w="9525">
                   <a:solidFill>
                     <a:srgbClr val="000000"/>
                   </a:solidFill>
@@ -2329,7 +2329,7 @@
             </a:ln>
             <a:extLst>
               <a:ext uri="{91240B29-F687-4f45-9708-019B960494DF}">
-                <a14:hiddenLine xmlns:a14="http://schemas.microsoft.com/office/drawing/2010/main" xmlns="" w="9525">
+                <a14:hiddenLine xmlns="" xmlns:a14="http://schemas.microsoft.com/office/drawing/2010/main" w="9525">
                   <a:solidFill>
                     <a:srgbClr val="000000"/>
                   </a:solidFill>
@@ -2363,7 +2363,7 @@
             </a:ln>
             <a:extLst>
               <a:ext uri="{91240B29-F687-4f45-9708-019B960494DF}">
-                <a14:hiddenLine xmlns:a14="http://schemas.microsoft.com/office/drawing/2010/main" xmlns="" w="9525">
+                <a14:hiddenLine xmlns="" xmlns:a14="http://schemas.microsoft.com/office/drawing/2010/main" w="9525">
                   <a:solidFill>
                     <a:srgbClr val="000000"/>
                   </a:solidFill>
@@ -2453,7 +2453,7 @@
             </a:ln>
             <a:extLst>
               <a:ext uri="{91240B29-F687-4f45-9708-019B960494DF}">
-                <a14:hiddenLine xmlns:a14="http://schemas.microsoft.com/office/drawing/2010/main" xmlns="" w="9525">
+                <a14:hiddenLine xmlns="" xmlns:a14="http://schemas.microsoft.com/office/drawing/2010/main" w="9525">
                   <a:solidFill>
                     <a:srgbClr val="000000"/>
                   </a:solidFill>
@@ -2515,7 +2515,7 @@
             </a:ln>
             <a:extLst>
               <a:ext uri="{91240B29-F687-4f45-9708-019B960494DF}">
-                <a14:hiddenLine xmlns:a14="http://schemas.microsoft.com/office/drawing/2010/main" xmlns="" w="9525">
+                <a14:hiddenLine xmlns="" xmlns:a14="http://schemas.microsoft.com/office/drawing/2010/main" w="9525">
                   <a:solidFill>
                     <a:srgbClr val="000000"/>
                   </a:solidFill>
@@ -2577,7 +2577,7 @@
             </a:ln>
             <a:extLst>
               <a:ext uri="{91240B29-F687-4f45-9708-019B960494DF}">
-                <a14:hiddenLine xmlns:a14="http://schemas.microsoft.com/office/drawing/2010/main" xmlns="" w="9525">
+                <a14:hiddenLine xmlns="" xmlns:a14="http://schemas.microsoft.com/office/drawing/2010/main" w="9525">
                   <a:solidFill>
                     <a:srgbClr val="000000"/>
                   </a:solidFill>
@@ -2667,7 +2667,7 @@
             </a:ln>
             <a:extLst>
               <a:ext uri="{91240B29-F687-4f45-9708-019B960494DF}">
-                <a14:hiddenLine xmlns:a14="http://schemas.microsoft.com/office/drawing/2010/main" xmlns="" w="9525">
+                <a14:hiddenLine xmlns="" xmlns:a14="http://schemas.microsoft.com/office/drawing/2010/main" w="9525">
                   <a:solidFill>
                     <a:srgbClr val="000000"/>
                   </a:solidFill>
@@ -2735,7 +2735,7 @@
             </a:ln>
             <a:extLst>
               <a:ext uri="{91240B29-F687-4f45-9708-019B960494DF}">
-                <a14:hiddenLine xmlns:a14="http://schemas.microsoft.com/office/drawing/2010/main" xmlns="" w="9525">
+                <a14:hiddenLine xmlns="" xmlns:a14="http://schemas.microsoft.com/office/drawing/2010/main" w="9525">
                   <a:solidFill>
                     <a:srgbClr val="000000"/>
                   </a:solidFill>
@@ -2797,7 +2797,7 @@
             </a:ln>
             <a:extLst>
               <a:ext uri="{91240B29-F687-4f45-9708-019B960494DF}">
-                <a14:hiddenLine xmlns:a14="http://schemas.microsoft.com/office/drawing/2010/main" xmlns="" w="9525">
+                <a14:hiddenLine xmlns="" xmlns:a14="http://schemas.microsoft.com/office/drawing/2010/main" w="9525">
                   <a:solidFill>
                     <a:srgbClr val="000000"/>
                   </a:solidFill>
@@ -2887,7 +2887,7 @@
             </a:ln>
             <a:extLst>
               <a:ext uri="{91240B29-F687-4f45-9708-019B960494DF}">
-                <a14:hiddenLine xmlns:a14="http://schemas.microsoft.com/office/drawing/2010/main" xmlns="" w="9525">
+                <a14:hiddenLine xmlns="" xmlns:a14="http://schemas.microsoft.com/office/drawing/2010/main" w="9525">
                   <a:solidFill>
                     <a:srgbClr val="000000"/>
                   </a:solidFill>
@@ -2949,7 +2949,7 @@
             </a:ln>
             <a:extLst>
               <a:ext uri="{91240B29-F687-4f45-9708-019B960494DF}">
-                <a14:hiddenLine xmlns:a14="http://schemas.microsoft.com/office/drawing/2010/main" xmlns="" w="9525">
+                <a14:hiddenLine xmlns="" xmlns:a14="http://schemas.microsoft.com/office/drawing/2010/main" w="9525">
                   <a:solidFill>
                     <a:srgbClr val="000000"/>
                   </a:solidFill>
@@ -3039,7 +3039,7 @@
             </a:ln>
             <a:extLst>
               <a:ext uri="{91240B29-F687-4f45-9708-019B960494DF}">
-                <a14:hiddenLine xmlns:a14="http://schemas.microsoft.com/office/drawing/2010/main" xmlns="" w="9525">
+                <a14:hiddenLine xmlns="" xmlns:a14="http://schemas.microsoft.com/office/drawing/2010/main" w="9525">
                   <a:solidFill>
                     <a:srgbClr val="000000"/>
                   </a:solidFill>
@@ -3101,7 +3101,7 @@
             </a:ln>
             <a:extLst>
               <a:ext uri="{91240B29-F687-4f45-9708-019B960494DF}">
-                <a14:hiddenLine xmlns:a14="http://schemas.microsoft.com/office/drawing/2010/main" xmlns="" w="9525">
+                <a14:hiddenLine xmlns="" xmlns:a14="http://schemas.microsoft.com/office/drawing/2010/main" w="9525">
                   <a:solidFill>
                     <a:srgbClr val="000000"/>
                   </a:solidFill>
@@ -3191,7 +3191,7 @@
             </a:ln>
             <a:extLst>
               <a:ext uri="{91240B29-F687-4f45-9708-019B960494DF}">
-                <a14:hiddenLine xmlns:a14="http://schemas.microsoft.com/office/drawing/2010/main" xmlns="" w="9525">
+                <a14:hiddenLine xmlns="" xmlns:a14="http://schemas.microsoft.com/office/drawing/2010/main" w="9525">
                   <a:solidFill>
                     <a:srgbClr val="000000"/>
                   </a:solidFill>
@@ -3225,7 +3225,7 @@
             </a:ln>
             <a:extLst>
               <a:ext uri="{91240B29-F687-4f45-9708-019B960494DF}">
-                <a14:hiddenLine xmlns:a14="http://schemas.microsoft.com/office/drawing/2010/main" xmlns="" w="9525">
+                <a14:hiddenLine xmlns="" xmlns:a14="http://schemas.microsoft.com/office/drawing/2010/main" w="9525">
                   <a:solidFill>
                     <a:srgbClr val="000000"/>
                   </a:solidFill>
@@ -3290,7 +3290,7 @@
             </a:ln>
             <a:extLst>
               <a:ext uri="{91240B29-F687-4f45-9708-019B960494DF}">
-                <a14:hiddenLine xmlns:a14="http://schemas.microsoft.com/office/drawing/2010/main" xmlns="" w="9525">
+                <a14:hiddenLine xmlns="" xmlns:a14="http://schemas.microsoft.com/office/drawing/2010/main" w="9525">
                   <a:solidFill>
                     <a:srgbClr val="000000"/>
                   </a:solidFill>
@@ -3380,7 +3380,7 @@
             </a:ln>
             <a:extLst>
               <a:ext uri="{91240B29-F687-4f45-9708-019B960494DF}">
-                <a14:hiddenLine xmlns:a14="http://schemas.microsoft.com/office/drawing/2010/main" xmlns="" w="9525">
+                <a14:hiddenLine xmlns="" xmlns:a14="http://schemas.microsoft.com/office/drawing/2010/main" w="9525">
                   <a:solidFill>
                     <a:srgbClr val="000000"/>
                   </a:solidFill>
@@ -3442,7 +3442,7 @@
             </a:ln>
             <a:extLst>
               <a:ext uri="{91240B29-F687-4f45-9708-019B960494DF}">
-                <a14:hiddenLine xmlns:a14="http://schemas.microsoft.com/office/drawing/2010/main" xmlns="" w="9525">
+                <a14:hiddenLine xmlns="" xmlns:a14="http://schemas.microsoft.com/office/drawing/2010/main" w="9525">
                   <a:solidFill>
                     <a:srgbClr val="000000"/>
                   </a:solidFill>
@@ -3532,7 +3532,7 @@
             </a:ln>
             <a:extLst>
               <a:ext uri="{91240B29-F687-4f45-9708-019B960494DF}">
-                <a14:hiddenLine xmlns:a14="http://schemas.microsoft.com/office/drawing/2010/main" xmlns="" w="9525">
+                <a14:hiddenLine xmlns="" xmlns:a14="http://schemas.microsoft.com/office/drawing/2010/main" w="9525">
                   <a:solidFill>
                     <a:srgbClr val="000000"/>
                   </a:solidFill>
@@ -3622,7 +3622,7 @@
             </a:ln>
             <a:extLst>
               <a:ext uri="{91240B29-F687-4f45-9708-019B960494DF}">
-                <a14:hiddenLine xmlns:a14="http://schemas.microsoft.com/office/drawing/2010/main" xmlns="" w="9525">
+                <a14:hiddenLine xmlns="" xmlns:a14="http://schemas.microsoft.com/office/drawing/2010/main" w="9525">
                   <a:solidFill>
                     <a:srgbClr val="000000"/>
                   </a:solidFill>
@@ -3687,7 +3687,7 @@
             </a:ln>
             <a:extLst>
               <a:ext uri="{91240B29-F687-4f45-9708-019B960494DF}">
-                <a14:hiddenLine xmlns:a14="http://schemas.microsoft.com/office/drawing/2010/main" xmlns="" w="9525">
+                <a14:hiddenLine xmlns="" xmlns:a14="http://schemas.microsoft.com/office/drawing/2010/main" w="9525">
                   <a:solidFill>
                     <a:srgbClr val="000000"/>
                   </a:solidFill>
@@ -3749,7 +3749,7 @@
             </a:ln>
             <a:extLst>
               <a:ext uri="{91240B29-F687-4f45-9708-019B960494DF}">
-                <a14:hiddenLine xmlns:a14="http://schemas.microsoft.com/office/drawing/2010/main" xmlns="" w="9525">
+                <a14:hiddenLine xmlns="" xmlns:a14="http://schemas.microsoft.com/office/drawing/2010/main" w="9525">
                   <a:solidFill>
                     <a:srgbClr val="000000"/>
                   </a:solidFill>
@@ -3839,7 +3839,7 @@
             </a:ln>
             <a:extLst>
               <a:ext uri="{91240B29-F687-4f45-9708-019B960494DF}">
-                <a14:hiddenLine xmlns:a14="http://schemas.microsoft.com/office/drawing/2010/main" xmlns="" w="9525">
+                <a14:hiddenLine xmlns="" xmlns:a14="http://schemas.microsoft.com/office/drawing/2010/main" w="9525">
                   <a:solidFill>
                     <a:srgbClr val="000000"/>
                   </a:solidFill>
@@ -3929,7 +3929,7 @@
             </a:ln>
             <a:extLst>
               <a:ext uri="{91240B29-F687-4f45-9708-019B960494DF}">
-                <a14:hiddenLine xmlns:a14="http://schemas.microsoft.com/office/drawing/2010/main" xmlns="" w="9525">
+                <a14:hiddenLine xmlns="" xmlns:a14="http://schemas.microsoft.com/office/drawing/2010/main" w="9525">
                   <a:solidFill>
                     <a:srgbClr val="000000"/>
                   </a:solidFill>
@@ -3991,7 +3991,7 @@
             </a:ln>
             <a:extLst>
               <a:ext uri="{91240B29-F687-4f45-9708-019B960494DF}">
-                <a14:hiddenLine xmlns:a14="http://schemas.microsoft.com/office/drawing/2010/main" xmlns="" w="9525">
+                <a14:hiddenLine xmlns="" xmlns:a14="http://schemas.microsoft.com/office/drawing/2010/main" w="9525">
                   <a:solidFill>
                     <a:srgbClr val="000000"/>
                   </a:solidFill>
@@ -4111,7 +4111,7 @@
             </a:ln>
             <a:extLst>
               <a:ext uri="{91240B29-F687-4f45-9708-019B960494DF}">
-                <a14:hiddenLine xmlns:a14="http://schemas.microsoft.com/office/drawing/2010/main" xmlns="" w="9525">
+                <a14:hiddenLine xmlns="" xmlns:a14="http://schemas.microsoft.com/office/drawing/2010/main" w="9525">
                   <a:solidFill>
                     <a:srgbClr val="000000"/>
                   </a:solidFill>
@@ -4179,7 +4179,7 @@
             </a:ln>
             <a:extLst>
               <a:ext uri="{91240B29-F687-4f45-9708-019B960494DF}">
-                <a14:hiddenLine xmlns:a14="http://schemas.microsoft.com/office/drawing/2010/main" xmlns="" w="9525">
+                <a14:hiddenLine xmlns="" xmlns:a14="http://schemas.microsoft.com/office/drawing/2010/main" w="9525">
                   <a:solidFill>
                     <a:srgbClr val="000000"/>
                   </a:solidFill>
@@ -4269,7 +4269,7 @@
             </a:ln>
             <a:extLst>
               <a:ext uri="{91240B29-F687-4f45-9708-019B960494DF}">
-                <a14:hiddenLine xmlns:a14="http://schemas.microsoft.com/office/drawing/2010/main" xmlns="" w="9525">
+                <a14:hiddenLine xmlns="" xmlns:a14="http://schemas.microsoft.com/office/drawing/2010/main" w="9525">
                   <a:solidFill>
                     <a:srgbClr val="000000"/>
                   </a:solidFill>
@@ -4409,7 +4409,7 @@
           <a:p>
             <a:fld id="{48A87A34-81AB-432B-8DAE-1953F412C126}" type="datetimeFigureOut">
               <a:rPr lang="en-US" smtClean="0"/>
-              <a:t>6/4/2020</a:t>
+              <a:t>6/5/2020</a:t>
             </a:fld>
             <a:endParaRPr lang="en-US" dirty="0"/>
           </a:p>
@@ -4676,7 +4676,7 @@
           <a:p>
             <a:fld id="{48A87A34-81AB-432B-8DAE-1953F412C126}" type="datetimeFigureOut">
               <a:rPr lang="en-US" smtClean="0"/>
-              <a:t>6/4/2020</a:t>
+              <a:t>6/5/2020</a:t>
             </a:fld>
             <a:endParaRPr lang="en-US" dirty="0"/>
           </a:p>
@@ -4872,7 +4872,7 @@
           <a:p>
             <a:fld id="{48A87A34-81AB-432B-8DAE-1953F412C126}" type="datetimeFigureOut">
               <a:rPr lang="en-US" smtClean="0"/>
-              <a:t>6/4/2020</a:t>
+              <a:t>6/5/2020</a:t>
             </a:fld>
             <a:endParaRPr lang="en-US" dirty="0"/>
           </a:p>
@@ -5135,7 +5135,7 @@
           <a:p>
             <a:fld id="{48A87A34-81AB-432B-8DAE-1953F412C126}" type="datetimeFigureOut">
               <a:rPr lang="en-US" smtClean="0"/>
-              <a:t>6/4/2020</a:t>
+              <a:t>6/5/2020</a:t>
             </a:fld>
             <a:endParaRPr lang="en-US" dirty="0"/>
           </a:p>
@@ -5569,7 +5569,7 @@
           <a:p>
             <a:fld id="{48A87A34-81AB-432B-8DAE-1953F412C126}" type="datetimeFigureOut">
               <a:rPr lang="en-US" smtClean="0"/>
-              <a:t>6/4/2020</a:t>
+              <a:t>6/5/2020</a:t>
             </a:fld>
             <a:endParaRPr lang="en-US" dirty="0"/>
           </a:p>
@@ -6115,7 +6115,7 @@
           <a:p>
             <a:fld id="{48A87A34-81AB-432B-8DAE-1953F412C126}" type="datetimeFigureOut">
               <a:rPr lang="en-US" smtClean="0"/>
-              <a:t>6/4/2020</a:t>
+              <a:t>6/5/2020</a:t>
             </a:fld>
             <a:endParaRPr lang="en-US" dirty="0"/>
           </a:p>
@@ -6835,7 +6835,7 @@
           <a:p>
             <a:fld id="{48A87A34-81AB-432B-8DAE-1953F412C126}" type="datetimeFigureOut">
               <a:rPr lang="en-US" smtClean="0"/>
-              <a:t>6/4/2020</a:t>
+              <a:t>6/5/2020</a:t>
             </a:fld>
             <a:endParaRPr lang="en-US" dirty="0"/>
           </a:p>
@@ -7037,7 +7037,7 @@
           <a:p>
             <a:fld id="{48A87A34-81AB-432B-8DAE-1953F412C126}" type="datetimeFigureOut">
               <a:rPr lang="en-US" smtClean="0"/>
-              <a:t>6/4/2020</a:t>
+              <a:t>6/5/2020</a:t>
             </a:fld>
             <a:endParaRPr lang="en-US" dirty="0"/>
           </a:p>
@@ -7249,7 +7249,7 @@
           <a:p>
             <a:fld id="{48A87A34-81AB-432B-8DAE-1953F412C126}" type="datetimeFigureOut">
               <a:rPr lang="en-US" smtClean="0"/>
-              <a:t>6/4/2020</a:t>
+              <a:t>6/5/2020</a:t>
             </a:fld>
             <a:endParaRPr lang="en-US" dirty="0"/>
           </a:p>
@@ -7451,7 +7451,7 @@
           <a:p>
             <a:fld id="{48A87A34-81AB-432B-8DAE-1953F412C126}" type="datetimeFigureOut">
               <a:rPr lang="en-US" smtClean="0"/>
-              <a:t>6/4/2020</a:t>
+              <a:t>6/5/2020</a:t>
             </a:fld>
             <a:endParaRPr lang="en-US" dirty="0"/>
           </a:p>
@@ -7701,7 +7701,7 @@
           <a:p>
             <a:fld id="{48A87A34-81AB-432B-8DAE-1953F412C126}" type="datetimeFigureOut">
               <a:rPr lang="en-US" smtClean="0"/>
-              <a:t>6/4/2020</a:t>
+              <a:t>6/5/2020</a:t>
             </a:fld>
             <a:endParaRPr lang="en-US" dirty="0"/>
           </a:p>
@@ -7997,7 +7997,7 @@
           <a:p>
             <a:fld id="{48A87A34-81AB-432B-8DAE-1953F412C126}" type="datetimeFigureOut">
               <a:rPr lang="en-US" smtClean="0"/>
-              <a:t>6/4/2020</a:t>
+              <a:t>6/5/2020</a:t>
             </a:fld>
             <a:endParaRPr lang="en-US" dirty="0"/>
           </a:p>
@@ -8442,7 +8442,7 @@
           <a:p>
             <a:fld id="{48A87A34-81AB-432B-8DAE-1953F412C126}" type="datetimeFigureOut">
               <a:rPr lang="en-US" smtClean="0"/>
-              <a:t>6/4/2020</a:t>
+              <a:t>6/5/2020</a:t>
             </a:fld>
             <a:endParaRPr lang="en-US" dirty="0"/>
           </a:p>
@@ -8560,7 +8560,7 @@
           <a:p>
             <a:fld id="{48A87A34-81AB-432B-8DAE-1953F412C126}" type="datetimeFigureOut">
               <a:rPr lang="en-US" smtClean="0"/>
-              <a:t>6/4/2020</a:t>
+              <a:t>6/5/2020</a:t>
             </a:fld>
             <a:endParaRPr lang="en-US" dirty="0"/>
           </a:p>
@@ -8655,7 +8655,7 @@
           <a:p>
             <a:fld id="{48A87A34-81AB-432B-8DAE-1953F412C126}" type="datetimeFigureOut">
               <a:rPr lang="en-US" smtClean="0"/>
-              <a:t>6/4/2020</a:t>
+              <a:t>6/5/2020</a:t>
             </a:fld>
             <a:endParaRPr lang="en-US" dirty="0"/>
           </a:p>
@@ -8936,7 +8936,7 @@
           <a:p>
             <a:fld id="{48A87A34-81AB-432B-8DAE-1953F412C126}" type="datetimeFigureOut">
               <a:rPr lang="en-US" smtClean="0"/>
-              <a:t>6/4/2020</a:t>
+              <a:t>6/5/2020</a:t>
             </a:fld>
             <a:endParaRPr lang="en-US" dirty="0"/>
           </a:p>
@@ -9216,7 +9216,7 @@
           <a:p>
             <a:fld id="{48A87A34-81AB-432B-8DAE-1953F412C126}" type="datetimeFigureOut">
               <a:rPr lang="en-US" smtClean="0"/>
-              <a:t>6/4/2020</a:t>
+              <a:t>6/5/2020</a:t>
             </a:fld>
             <a:endParaRPr lang="en-US" dirty="0"/>
           </a:p>
@@ -9339,7 +9339,7 @@
           <a:noFill/>
           <a:extLst>
             <a:ext uri="{909E8E84-426E-40dd-AFC4-6F175D3DCCD1}">
-              <a14:hiddenFill xmlns:a14="http://schemas.microsoft.com/office/drawing/2010/main" xmlns="">
+              <a14:hiddenFill xmlns="" xmlns:a14="http://schemas.microsoft.com/office/drawing/2010/main">
                 <a:solidFill>
                   <a:srgbClr val="FFFFFF"/>
                 </a:solidFill>
@@ -9413,7 +9413,7 @@
               </a:ln>
               <a:extLst>
                 <a:ext uri="{91240B29-F687-4f45-9708-019B960494DF}">
-                  <a14:hiddenLine xmlns:a14="http://schemas.microsoft.com/office/drawing/2010/main" xmlns="" w="9525">
+                  <a14:hiddenLine xmlns="" xmlns:a14="http://schemas.microsoft.com/office/drawing/2010/main" w="9525">
                     <a:solidFill>
                       <a:srgbClr val="000000"/>
                     </a:solidFill>
@@ -9503,7 +9503,7 @@
               </a:ln>
               <a:extLst>
                 <a:ext uri="{91240B29-F687-4f45-9708-019B960494DF}">
-                  <a14:hiddenLine xmlns:a14="http://schemas.microsoft.com/office/drawing/2010/main" xmlns="" w="9525">
+                  <a14:hiddenLine xmlns="" xmlns:a14="http://schemas.microsoft.com/office/drawing/2010/main" w="9525">
                     <a:solidFill>
                       <a:srgbClr val="000000"/>
                     </a:solidFill>
@@ -9593,7 +9593,7 @@
               </a:ln>
               <a:extLst>
                 <a:ext uri="{91240B29-F687-4f45-9708-019B960494DF}">
-                  <a14:hiddenLine xmlns:a14="http://schemas.microsoft.com/office/drawing/2010/main" xmlns="" w="9525">
+                  <a14:hiddenLine xmlns="" xmlns:a14="http://schemas.microsoft.com/office/drawing/2010/main" w="9525">
                     <a:solidFill>
                       <a:srgbClr val="000000"/>
                     </a:solidFill>
@@ -9655,7 +9655,7 @@
               </a:ln>
               <a:extLst>
                 <a:ext uri="{91240B29-F687-4f45-9708-019B960494DF}">
-                  <a14:hiddenLine xmlns:a14="http://schemas.microsoft.com/office/drawing/2010/main" xmlns="" w="9525">
+                  <a14:hiddenLine xmlns="" xmlns:a14="http://schemas.microsoft.com/office/drawing/2010/main" w="9525">
                     <a:solidFill>
                       <a:srgbClr val="000000"/>
                     </a:solidFill>
@@ -9745,7 +9745,7 @@
               </a:ln>
               <a:extLst>
                 <a:ext uri="{91240B29-F687-4f45-9708-019B960494DF}">
-                  <a14:hiddenLine xmlns:a14="http://schemas.microsoft.com/office/drawing/2010/main" xmlns="" w="9525">
+                  <a14:hiddenLine xmlns="" xmlns:a14="http://schemas.microsoft.com/office/drawing/2010/main" w="9525">
                     <a:solidFill>
                       <a:srgbClr val="000000"/>
                     </a:solidFill>
@@ -9807,7 +9807,7 @@
               </a:ln>
               <a:extLst>
                 <a:ext uri="{91240B29-F687-4f45-9708-019B960494DF}">
-                  <a14:hiddenLine xmlns:a14="http://schemas.microsoft.com/office/drawing/2010/main" xmlns="" w="9525">
+                  <a14:hiddenLine xmlns="" xmlns:a14="http://schemas.microsoft.com/office/drawing/2010/main" w="9525">
                     <a:solidFill>
                       <a:srgbClr val="000000"/>
                     </a:solidFill>
@@ -9869,7 +9869,7 @@
               </a:ln>
               <a:extLst>
                 <a:ext uri="{91240B29-F687-4f45-9708-019B960494DF}">
-                  <a14:hiddenLine xmlns:a14="http://schemas.microsoft.com/office/drawing/2010/main" xmlns="" w="9525">
+                  <a14:hiddenLine xmlns="" xmlns:a14="http://schemas.microsoft.com/office/drawing/2010/main" w="9525">
                     <a:solidFill>
                       <a:srgbClr val="000000"/>
                     </a:solidFill>
@@ -9959,7 +9959,7 @@
               </a:ln>
               <a:extLst>
                 <a:ext uri="{91240B29-F687-4f45-9708-019B960494DF}">
-                  <a14:hiddenLine xmlns:a14="http://schemas.microsoft.com/office/drawing/2010/main" xmlns="" w="9525">
+                  <a14:hiddenLine xmlns="" xmlns:a14="http://schemas.microsoft.com/office/drawing/2010/main" w="9525">
                     <a:solidFill>
                       <a:srgbClr val="000000"/>
                     </a:solidFill>
@@ -10049,7 +10049,7 @@
               </a:ln>
               <a:extLst>
                 <a:ext uri="{91240B29-F687-4f45-9708-019B960494DF}">
-                  <a14:hiddenLine xmlns:a14="http://schemas.microsoft.com/office/drawing/2010/main" xmlns="" w="9525">
+                  <a14:hiddenLine xmlns="" xmlns:a14="http://schemas.microsoft.com/office/drawing/2010/main" w="9525">
                     <a:solidFill>
                       <a:srgbClr val="000000"/>
                     </a:solidFill>
@@ -10111,7 +10111,7 @@
               </a:ln>
               <a:extLst>
                 <a:ext uri="{91240B29-F687-4f45-9708-019B960494DF}">
-                  <a14:hiddenLine xmlns:a14="http://schemas.microsoft.com/office/drawing/2010/main" xmlns="" w="9525">
+                  <a14:hiddenLine xmlns="" xmlns:a14="http://schemas.microsoft.com/office/drawing/2010/main" w="9525">
                     <a:solidFill>
                       <a:srgbClr val="000000"/>
                     </a:solidFill>
@@ -10221,7 +10221,7 @@
               </a:ln>
               <a:extLst>
                 <a:ext uri="{91240B29-F687-4f45-9708-019B960494DF}">
-                  <a14:hiddenLine xmlns:a14="http://schemas.microsoft.com/office/drawing/2010/main" xmlns="" w="9525">
+                  <a14:hiddenLine xmlns="" xmlns:a14="http://schemas.microsoft.com/office/drawing/2010/main" w="9525">
                     <a:solidFill>
                       <a:srgbClr val="000000"/>
                     </a:solidFill>
@@ -10305,7 +10305,7 @@
               </a:ln>
               <a:extLst>
                 <a:ext uri="{91240B29-F687-4f45-9708-019B960494DF}">
-                  <a14:hiddenLine xmlns:a14="http://schemas.microsoft.com/office/drawing/2010/main" xmlns="" w="9525">
+                  <a14:hiddenLine xmlns="" xmlns:a14="http://schemas.microsoft.com/office/drawing/2010/main" w="9525">
                     <a:solidFill>
                       <a:srgbClr val="000000"/>
                     </a:solidFill>
@@ -10367,7 +10367,7 @@
               </a:ln>
               <a:extLst>
                 <a:ext uri="{91240B29-F687-4f45-9708-019B960494DF}">
-                  <a14:hiddenLine xmlns:a14="http://schemas.microsoft.com/office/drawing/2010/main" xmlns="" w="9525">
+                  <a14:hiddenLine xmlns="" xmlns:a14="http://schemas.microsoft.com/office/drawing/2010/main" w="9525">
                     <a:solidFill>
                       <a:srgbClr val="000000"/>
                     </a:solidFill>
@@ -10429,7 +10429,7 @@
               </a:ln>
               <a:extLst>
                 <a:ext uri="{91240B29-F687-4f45-9708-019B960494DF}">
-                  <a14:hiddenLine xmlns:a14="http://schemas.microsoft.com/office/drawing/2010/main" xmlns="" w="9525">
+                  <a14:hiddenLine xmlns="" xmlns:a14="http://schemas.microsoft.com/office/drawing/2010/main" w="9525">
                     <a:solidFill>
                       <a:srgbClr val="000000"/>
                     </a:solidFill>
@@ -10519,7 +10519,7 @@
               </a:ln>
               <a:extLst>
                 <a:ext uri="{91240B29-F687-4f45-9708-019B960494DF}">
-                  <a14:hiddenLine xmlns:a14="http://schemas.microsoft.com/office/drawing/2010/main" xmlns="" w="9525">
+                  <a14:hiddenLine xmlns="" xmlns:a14="http://schemas.microsoft.com/office/drawing/2010/main" w="9525">
                     <a:solidFill>
                       <a:srgbClr val="000000"/>
                     </a:solidFill>
@@ -10553,7 +10553,7 @@
               </a:ln>
               <a:extLst>
                 <a:ext uri="{91240B29-F687-4f45-9708-019B960494DF}">
-                  <a14:hiddenLine xmlns:a14="http://schemas.microsoft.com/office/drawing/2010/main" xmlns="" w="9525">
+                  <a14:hiddenLine xmlns="" xmlns:a14="http://schemas.microsoft.com/office/drawing/2010/main" w="9525">
                     <a:solidFill>
                       <a:srgbClr val="000000"/>
                     </a:solidFill>
@@ -10618,7 +10618,7 @@
               </a:ln>
               <a:extLst>
                 <a:ext uri="{91240B29-F687-4f45-9708-019B960494DF}">
-                  <a14:hiddenLine xmlns:a14="http://schemas.microsoft.com/office/drawing/2010/main" xmlns="" w="9525">
+                  <a14:hiddenLine xmlns="" xmlns:a14="http://schemas.microsoft.com/office/drawing/2010/main" w="9525">
                     <a:solidFill>
                       <a:srgbClr val="000000"/>
                     </a:solidFill>
@@ -10708,7 +10708,7 @@
               </a:ln>
               <a:extLst>
                 <a:ext uri="{91240B29-F687-4f45-9708-019B960494DF}">
-                  <a14:hiddenLine xmlns:a14="http://schemas.microsoft.com/office/drawing/2010/main" xmlns="" w="9525">
+                  <a14:hiddenLine xmlns="" xmlns:a14="http://schemas.microsoft.com/office/drawing/2010/main" w="9525">
                     <a:solidFill>
                       <a:srgbClr val="000000"/>
                     </a:solidFill>
@@ -10770,7 +10770,7 @@
               </a:ln>
               <a:extLst>
                 <a:ext uri="{91240B29-F687-4f45-9708-019B960494DF}">
-                  <a14:hiddenLine xmlns:a14="http://schemas.microsoft.com/office/drawing/2010/main" xmlns="" w="9525">
+                  <a14:hiddenLine xmlns="" xmlns:a14="http://schemas.microsoft.com/office/drawing/2010/main" w="9525">
                     <a:solidFill>
                       <a:srgbClr val="000000"/>
                     </a:solidFill>
@@ -10860,7 +10860,7 @@
               </a:ln>
               <a:extLst>
                 <a:ext uri="{91240B29-F687-4f45-9708-019B960494DF}">
-                  <a14:hiddenLine xmlns:a14="http://schemas.microsoft.com/office/drawing/2010/main" xmlns="" w="9525">
+                  <a14:hiddenLine xmlns="" xmlns:a14="http://schemas.microsoft.com/office/drawing/2010/main" w="9525">
                     <a:solidFill>
                       <a:srgbClr val="000000"/>
                     </a:solidFill>
@@ -10925,7 +10925,7 @@
               </a:ln>
               <a:extLst>
                 <a:ext uri="{91240B29-F687-4f45-9708-019B960494DF}">
-                  <a14:hiddenLine xmlns:a14="http://schemas.microsoft.com/office/drawing/2010/main" xmlns="" w="9525">
+                  <a14:hiddenLine xmlns="" xmlns:a14="http://schemas.microsoft.com/office/drawing/2010/main" w="9525">
                     <a:solidFill>
                       <a:srgbClr val="000000"/>
                     </a:solidFill>
@@ -10987,7 +10987,7 @@
               </a:ln>
               <a:extLst>
                 <a:ext uri="{91240B29-F687-4f45-9708-019B960494DF}">
-                  <a14:hiddenLine xmlns:a14="http://schemas.microsoft.com/office/drawing/2010/main" xmlns="" w="9525">
+                  <a14:hiddenLine xmlns="" xmlns:a14="http://schemas.microsoft.com/office/drawing/2010/main" w="9525">
                     <a:solidFill>
                       <a:srgbClr val="000000"/>
                     </a:solidFill>
@@ -11077,7 +11077,7 @@
               </a:ln>
               <a:extLst>
                 <a:ext uri="{91240B29-F687-4f45-9708-019B960494DF}">
-                  <a14:hiddenLine xmlns:a14="http://schemas.microsoft.com/office/drawing/2010/main" xmlns="" w="9525">
+                  <a14:hiddenLine xmlns="" xmlns:a14="http://schemas.microsoft.com/office/drawing/2010/main" w="9525">
                     <a:solidFill>
                       <a:srgbClr val="000000"/>
                     </a:solidFill>
@@ -11167,7 +11167,7 @@
               </a:ln>
               <a:extLst>
                 <a:ext uri="{91240B29-F687-4f45-9708-019B960494DF}">
-                  <a14:hiddenLine xmlns:a14="http://schemas.microsoft.com/office/drawing/2010/main" xmlns="" w="9525">
+                  <a14:hiddenLine xmlns="" xmlns:a14="http://schemas.microsoft.com/office/drawing/2010/main" w="9525">
                     <a:solidFill>
                       <a:srgbClr val="000000"/>
                     </a:solidFill>
@@ -11232,7 +11232,7 @@
               </a:ln>
               <a:extLst>
                 <a:ext uri="{91240B29-F687-4f45-9708-019B960494DF}">
-                  <a14:hiddenLine xmlns:a14="http://schemas.microsoft.com/office/drawing/2010/main" xmlns="" w="9525">
+                  <a14:hiddenLine xmlns="" xmlns:a14="http://schemas.microsoft.com/office/drawing/2010/main" w="9525">
                     <a:solidFill>
                       <a:srgbClr val="000000"/>
                     </a:solidFill>
@@ -11352,7 +11352,7 @@
               </a:ln>
               <a:extLst>
                 <a:ext uri="{91240B29-F687-4f45-9708-019B960494DF}">
-                  <a14:hiddenLine xmlns:a14="http://schemas.microsoft.com/office/drawing/2010/main" xmlns="" w="9525">
+                  <a14:hiddenLine xmlns="" xmlns:a14="http://schemas.microsoft.com/office/drawing/2010/main" w="9525">
                     <a:solidFill>
                       <a:srgbClr val="000000"/>
                     </a:solidFill>
@@ -11433,7 +11433,7 @@
               </a:ln>
               <a:extLst>
                 <a:ext uri="{91240B29-F687-4f45-9708-019B960494DF}">
-                  <a14:hiddenLine xmlns:a14="http://schemas.microsoft.com/office/drawing/2010/main" xmlns="" w="9525">
+                  <a14:hiddenLine xmlns="" xmlns:a14="http://schemas.microsoft.com/office/drawing/2010/main" w="9525">
                     <a:solidFill>
                       <a:srgbClr val="000000"/>
                     </a:solidFill>
@@ -11548,7 +11548,7 @@
               </a:ln>
               <a:extLst>
                 <a:ext uri="{91240B29-F687-4f45-9708-019B960494DF}">
-                  <a14:hiddenLine xmlns:a14="http://schemas.microsoft.com/office/drawing/2010/main" xmlns="" w="9525">
+                  <a14:hiddenLine xmlns="" xmlns:a14="http://schemas.microsoft.com/office/drawing/2010/main" w="9525">
                     <a:solidFill>
                       <a:srgbClr val="000000"/>
                     </a:solidFill>
@@ -11638,7 +11638,7 @@
               </a:ln>
               <a:extLst>
                 <a:ext uri="{91240B29-F687-4f45-9708-019B960494DF}">
-                  <a14:hiddenLine xmlns:a14="http://schemas.microsoft.com/office/drawing/2010/main" xmlns="" w="9525">
+                  <a14:hiddenLine xmlns="" xmlns:a14="http://schemas.microsoft.com/office/drawing/2010/main" w="9525">
                     <a:solidFill>
                       <a:srgbClr val="000000"/>
                     </a:solidFill>
@@ -11703,7 +11703,7 @@
               </a:ln>
               <a:extLst>
                 <a:ext uri="{91240B29-F687-4f45-9708-019B960494DF}">
-                  <a14:hiddenLine xmlns:a14="http://schemas.microsoft.com/office/drawing/2010/main" xmlns="" w="9525">
+                  <a14:hiddenLine xmlns="" xmlns:a14="http://schemas.microsoft.com/office/drawing/2010/main" w="9525">
                     <a:solidFill>
                       <a:srgbClr val="000000"/>
                     </a:solidFill>
@@ -11793,7 +11793,7 @@
               </a:ln>
               <a:extLst>
                 <a:ext uri="{91240B29-F687-4f45-9708-019B960494DF}">
-                  <a14:hiddenLine xmlns:a14="http://schemas.microsoft.com/office/drawing/2010/main" xmlns="" w="9525">
+                  <a14:hiddenLine xmlns="" xmlns:a14="http://schemas.microsoft.com/office/drawing/2010/main" w="9525">
                     <a:solidFill>
                       <a:srgbClr val="000000"/>
                     </a:solidFill>
@@ -11861,7 +11861,7 @@
               </a:ln>
               <a:extLst>
                 <a:ext uri="{91240B29-F687-4f45-9708-019B960494DF}">
-                  <a14:hiddenLine xmlns:a14="http://schemas.microsoft.com/office/drawing/2010/main" xmlns="" w="9525">
+                  <a14:hiddenLine xmlns="" xmlns:a14="http://schemas.microsoft.com/office/drawing/2010/main" w="9525">
                     <a:solidFill>
                       <a:srgbClr val="000000"/>
                     </a:solidFill>
@@ -11951,7 +11951,7 @@
               </a:ln>
               <a:extLst>
                 <a:ext uri="{91240B29-F687-4f45-9708-019B960494DF}">
-                  <a14:hiddenLine xmlns:a14="http://schemas.microsoft.com/office/drawing/2010/main" xmlns="" w="9525">
+                  <a14:hiddenLine xmlns="" xmlns:a14="http://schemas.microsoft.com/office/drawing/2010/main" w="9525">
                     <a:solidFill>
                       <a:srgbClr val="000000"/>
                     </a:solidFill>
@@ -12019,7 +12019,7 @@
               </a:ln>
               <a:extLst>
                 <a:ext uri="{91240B29-F687-4f45-9708-019B960494DF}">
-                  <a14:hiddenLine xmlns:a14="http://schemas.microsoft.com/office/drawing/2010/main" xmlns="" w="9525">
+                  <a14:hiddenLine xmlns="" xmlns:a14="http://schemas.microsoft.com/office/drawing/2010/main" w="9525">
                     <a:solidFill>
                       <a:srgbClr val="000000"/>
                     </a:solidFill>
@@ -12109,7 +12109,7 @@
               </a:ln>
               <a:extLst>
                 <a:ext uri="{91240B29-F687-4f45-9708-019B960494DF}">
-                  <a14:hiddenLine xmlns:a14="http://schemas.microsoft.com/office/drawing/2010/main" xmlns="" w="9525">
+                  <a14:hiddenLine xmlns="" xmlns:a14="http://schemas.microsoft.com/office/drawing/2010/main" w="9525">
                     <a:solidFill>
                       <a:srgbClr val="000000"/>
                     </a:solidFill>
@@ -12143,7 +12143,7 @@
               </a:ln>
               <a:extLst>
                 <a:ext uri="{91240B29-F687-4f45-9708-019B960494DF}">
-                  <a14:hiddenLine xmlns:a14="http://schemas.microsoft.com/office/drawing/2010/main" xmlns="" w="9525">
+                  <a14:hiddenLine xmlns="" xmlns:a14="http://schemas.microsoft.com/office/drawing/2010/main" w="9525">
                     <a:solidFill>
                       <a:srgbClr val="000000"/>
                     </a:solidFill>
@@ -12316,7 +12316,7 @@
             <a:fld id="{48A87A34-81AB-432B-8DAE-1953F412C126}" type="datetimeFigureOut">
               <a:rPr lang="en-US" smtClean="0"/>
               <a:pPr/>
-              <a:t>6/4/2020</a:t>
+              <a:t>6/5/2020</a:t>
             </a:fld>
             <a:endParaRPr lang="en-US" dirty="0"/>
           </a:p>
@@ -13151,7 +13151,7 @@
         </p:nvSpPr>
         <p:spPr>
           <a:xfrm>
-            <a:off x="267574" y="140107"/>
+            <a:off x="267573" y="182849"/>
             <a:ext cx="12029202" cy="861774"/>
           </a:xfrm>
           <a:prstGeom prst="rect">
@@ -13213,15 +13213,6 @@
               </a:rPr>
               <a:t>)</a:t>
             </a:r>
-            <a:endParaRPr kumimoji="1" lang="ja-JP" altLang="en-US" sz="5000" dirty="0">
-              <a:ln w="12700">
-                <a:solidFill>
-                  <a:srgbClr val="03A9F4"/>
-                </a:solidFill>
-              </a:ln>
-              <a:latin typeface="けいふぉんと" panose="02000600000000000000" pitchFamily="2" charset="-128"/>
-              <a:ea typeface="けいふぉんと" panose="02000600000000000000" pitchFamily="2" charset="-128"/>
-            </a:endParaRPr>
           </a:p>
         </p:txBody>
       </p:sp>
@@ -13239,7 +13230,7 @@
         </p:nvSpPr>
         <p:spPr>
           <a:xfrm>
-            <a:off x="693489" y="1044623"/>
+            <a:off x="517526" y="1044623"/>
             <a:ext cx="10805021" cy="5276675"/>
           </a:xfrm>
           <a:prstGeom prst="rect">
@@ -13293,8 +13284,8 @@
         </p:nvSpPr>
         <p:spPr>
           <a:xfrm>
-            <a:off x="3678818" y="1182801"/>
-            <a:ext cx="4834362" cy="861774"/>
+            <a:off x="3669375" y="1282559"/>
+            <a:ext cx="4853247" cy="477054"/>
           </a:xfrm>
           <a:prstGeom prst="rect">
             <a:avLst/>
@@ -13369,74 +13360,14 @@
               <a:t>)</a:t>
             </a:r>
           </a:p>
-          <a:p>
-            <a:pPr algn="ctr"/>
-            <a:r>
-              <a:rPr kumimoji="1" lang="en-US" altLang="ja-JP" sz="2500" dirty="0">
-                <a:ln w="3175">
-                  <a:solidFill>
-                    <a:srgbClr val="8BC34A"/>
-                  </a:solidFill>
-                </a:ln>
-                <a:solidFill>
-                  <a:srgbClr val="607D8B"/>
-                </a:solidFill>
-                <a:latin typeface="けいふぉんと" panose="02000600000000000000" pitchFamily="2" charset="-128"/>
-                <a:ea typeface="けいふぉんと" panose="02000600000000000000" pitchFamily="2" charset="-128"/>
-              </a:rPr>
-              <a:t> –</a:t>
-            </a:r>
-            <a:r>
-              <a:rPr kumimoji="1" lang="ja-JP" altLang="en-US" sz="2500" dirty="0">
-                <a:ln w="3175">
-                  <a:solidFill>
-                    <a:srgbClr val="8BC34A"/>
-                  </a:solidFill>
-                </a:ln>
-                <a:solidFill>
-                  <a:srgbClr val="607D8B"/>
-                </a:solidFill>
-                <a:latin typeface="けいふぉんと" panose="02000600000000000000" pitchFamily="2" charset="-128"/>
-                <a:ea typeface="けいふぉんと" panose="02000600000000000000" pitchFamily="2" charset="-128"/>
-              </a:rPr>
-              <a:t>絞り込み条件設定</a:t>
-            </a:r>
-            <a:r>
-              <a:rPr kumimoji="1" lang="en-US" altLang="ja-JP" sz="2500" dirty="0">
-                <a:ln w="3175">
-                  <a:solidFill>
-                    <a:srgbClr val="8BC34A"/>
-                  </a:solidFill>
-                </a:ln>
-                <a:solidFill>
-                  <a:srgbClr val="607D8B"/>
-                </a:solidFill>
-                <a:latin typeface="けいふぉんと" panose="02000600000000000000" pitchFamily="2" charset="-128"/>
-                <a:ea typeface="けいふぉんと" panose="02000600000000000000" pitchFamily="2" charset="-128"/>
-              </a:rPr>
-              <a:t>-</a:t>
-            </a:r>
-            <a:endParaRPr kumimoji="1" lang="ja-JP" altLang="en-US" sz="2500" dirty="0">
-              <a:ln w="3175">
-                <a:solidFill>
-                  <a:srgbClr val="8BC34A"/>
-                </a:solidFill>
-              </a:ln>
-              <a:solidFill>
-                <a:srgbClr val="607D8B"/>
-              </a:solidFill>
-              <a:latin typeface="けいふぉんと" panose="02000600000000000000" pitchFamily="2" charset="-128"/>
-              <a:ea typeface="けいふぉんと" panose="02000600000000000000" pitchFamily="2" charset="-128"/>
-            </a:endParaRPr>
-          </a:p>
-        </p:txBody>
-      </p:sp>
-      <p:sp>
-        <p:nvSpPr>
-          <p:cNvPr id="34" name="テキスト ボックス 33">
+        </p:txBody>
+      </p:sp>
+      <p:sp>
+        <p:nvSpPr>
+          <p:cNvPr id="38" name="テキスト ボックス 37">
             <a:extLst>
               <a:ext uri="{FF2B5EF4-FFF2-40B4-BE49-F238E27FC236}">
-                <a16:creationId xmlns:a16="http://schemas.microsoft.com/office/drawing/2014/main" id="{FA911171-B495-4A7F-9343-5254DFAB9E00}"/>
+                <a16:creationId xmlns:a16="http://schemas.microsoft.com/office/drawing/2014/main" id="{986C3096-5A58-4B02-BC84-0D4F7E2D9F3A}"/>
               </a:ext>
             </a:extLst>
           </p:cNvPr>
@@ -13445,8 +13376,8 @@
         </p:nvSpPr>
         <p:spPr>
           <a:xfrm>
-            <a:off x="3777713" y="5749713"/>
-            <a:ext cx="1319609" cy="477054"/>
+            <a:off x="869453" y="1182801"/>
+            <a:ext cx="1749921" cy="477054"/>
           </a:xfrm>
           <a:prstGeom prst="rect">
             <a:avLst/>
@@ -13459,7 +13390,21 @@
           </a:bodyPr>
           <a:lstStyle/>
           <a:p>
-            <a:pPr algn="just"/>
+            <a:r>
+              <a:rPr kumimoji="1" lang="en-US" altLang="ja-JP" sz="2500" dirty="0">
+                <a:ln w="12700">
+                  <a:solidFill>
+                    <a:srgbClr val="607D8B"/>
+                  </a:solidFill>
+                </a:ln>
+                <a:solidFill>
+                  <a:srgbClr val="CDDC39"/>
+                </a:solidFill>
+                <a:latin typeface="けいふぉんと" panose="02000600000000000000" pitchFamily="2" charset="-128"/>
+                <a:ea typeface="けいふぉんと" panose="02000600000000000000" pitchFamily="2" charset="-128"/>
+              </a:rPr>
+              <a:t>Top</a:t>
+            </a:r>
             <a:r>
               <a:rPr kumimoji="1" lang="ja-JP" altLang="en-US" sz="2500" dirty="0">
                 <a:ln w="12700">
@@ -13473,7 +13418,7 @@
                 <a:latin typeface="けいふぉんと" panose="02000600000000000000" pitchFamily="2" charset="-128"/>
                 <a:ea typeface="けいふぉんと" panose="02000600000000000000" pitchFamily="2" charset="-128"/>
               </a:rPr>
-              <a:t>リセット</a:t>
+              <a:t>に戻る</a:t>
             </a:r>
             <a:endParaRPr kumimoji="1" lang="en-US" altLang="ja-JP" sz="2500" dirty="0">
               <a:ln w="12700">
@@ -13492,69 +13437,10 @@
       </p:sp>
       <p:sp>
         <p:nvSpPr>
-          <p:cNvPr id="36" name="テキスト ボックス 35">
+          <p:cNvPr id="39" name="正方形/長方形 38">
             <a:extLst>
               <a:ext uri="{FF2B5EF4-FFF2-40B4-BE49-F238E27FC236}">
-                <a16:creationId xmlns:a16="http://schemas.microsoft.com/office/drawing/2014/main" id="{AAA60D73-D6B4-4008-AA75-3266C7A9E8EE}"/>
-              </a:ext>
-            </a:extLst>
-          </p:cNvPr>
-          <p:cNvSpPr txBox="1"/>
-          <p:nvPr/>
-        </p:nvSpPr>
-        <p:spPr>
-          <a:xfrm>
-            <a:off x="7094680" y="5774686"/>
-            <a:ext cx="858083" cy="477054"/>
-          </a:xfrm>
-          <a:prstGeom prst="rect">
-            <a:avLst/>
-          </a:prstGeom>
-          <a:noFill/>
-        </p:spPr>
-        <p:txBody>
-          <a:bodyPr wrap="square" rtlCol="0">
-            <a:spAutoFit/>
-          </a:bodyPr>
-          <a:lstStyle/>
-          <a:p>
-            <a:pPr algn="just"/>
-            <a:r>
-              <a:rPr kumimoji="1" lang="ja-JP" altLang="en-US" sz="2500" dirty="0">
-                <a:ln w="12700">
-                  <a:solidFill>
-                    <a:srgbClr val="607D8B"/>
-                  </a:solidFill>
-                </a:ln>
-                <a:solidFill>
-                  <a:srgbClr val="CDDC39"/>
-                </a:solidFill>
-                <a:latin typeface="けいふぉんと" panose="02000600000000000000" pitchFamily="2" charset="-128"/>
-                <a:ea typeface="けいふぉんと" panose="02000600000000000000" pitchFamily="2" charset="-128"/>
-              </a:rPr>
-              <a:t>決定</a:t>
-            </a:r>
-            <a:endParaRPr kumimoji="1" lang="en-US" altLang="ja-JP" sz="2500" dirty="0">
-              <a:ln w="12700">
-                <a:solidFill>
-                  <a:srgbClr val="607D8B"/>
-                </a:solidFill>
-              </a:ln>
-              <a:solidFill>
-                <a:srgbClr val="CDDC39"/>
-              </a:solidFill>
-              <a:latin typeface="けいふぉんと" panose="02000600000000000000" pitchFamily="2" charset="-128"/>
-              <a:ea typeface="けいふぉんと" panose="02000600000000000000" pitchFamily="2" charset="-128"/>
-            </a:endParaRPr>
-          </a:p>
-        </p:txBody>
-      </p:sp>
-      <p:sp>
-        <p:nvSpPr>
-          <p:cNvPr id="37" name="正方形/長方形 36">
-            <a:extLst>
-              <a:ext uri="{FF2B5EF4-FFF2-40B4-BE49-F238E27FC236}">
-                <a16:creationId xmlns:a16="http://schemas.microsoft.com/office/drawing/2014/main" id="{ACB75375-3CB0-4CF9-9748-E6A42E8B4B22}"/>
+                <a16:creationId xmlns:a16="http://schemas.microsoft.com/office/drawing/2014/main" id="{DD23A3B7-1E5F-47A3-B819-33266C6823D6}"/>
               </a:ext>
             </a:extLst>
           </p:cNvPr>
@@ -13563,8 +13449,8 @@
         </p:nvSpPr>
         <p:spPr>
           <a:xfrm>
-            <a:off x="7164197" y="5813378"/>
-            <a:ext cx="696287" cy="344142"/>
+            <a:off x="940011" y="1265729"/>
+            <a:ext cx="1536489" cy="311199"/>
           </a:xfrm>
           <a:prstGeom prst="rect">
             <a:avLst/>
@@ -13602,10 +13488,10 @@
       </p:sp>
       <p:sp>
         <p:nvSpPr>
-          <p:cNvPr id="38" name="テキスト ボックス 37">
+          <p:cNvPr id="17" name="テキスト ボックス 16">
             <a:extLst>
               <a:ext uri="{FF2B5EF4-FFF2-40B4-BE49-F238E27FC236}">
-                <a16:creationId xmlns:a16="http://schemas.microsoft.com/office/drawing/2014/main" id="{986C3096-5A58-4B02-BC84-0D4F7E2D9F3A}"/>
+                <a16:creationId xmlns:a16="http://schemas.microsoft.com/office/drawing/2014/main" id="{B6C42A92-FBF0-494C-B02F-78155080C450}"/>
               </a:ext>
             </a:extLst>
           </p:cNvPr>
@@ -13614,8 +13500,8 @@
         </p:nvSpPr>
         <p:spPr>
           <a:xfrm>
-            <a:off x="869453" y="1182801"/>
-            <a:ext cx="1749921" cy="477054"/>
+            <a:off x="1352697" y="1903696"/>
+            <a:ext cx="2316678" cy="707886"/>
           </a:xfrm>
           <a:prstGeom prst="rect">
             <a:avLst/>
@@ -13629,7 +13515,7 @@
           <a:lstStyle/>
           <a:p>
             <a:r>
-              <a:rPr kumimoji="1" lang="en-US" altLang="ja-JP" sz="2500" dirty="0">
+              <a:rPr kumimoji="1" lang="ja-JP" altLang="en-US" sz="4000" dirty="0">
                 <a:ln w="12700">
                   <a:solidFill>
                     <a:srgbClr val="607D8B"/>
@@ -13641,24 +13527,9 @@
                 <a:latin typeface="けいふぉんと" panose="02000600000000000000" pitchFamily="2" charset="-128"/>
                 <a:ea typeface="けいふぉんと" panose="02000600000000000000" pitchFamily="2" charset="-128"/>
               </a:rPr>
-              <a:t>Top</a:t>
-            </a:r>
-            <a:r>
-              <a:rPr kumimoji="1" lang="ja-JP" altLang="en-US" sz="2500" dirty="0">
-                <a:ln w="12700">
-                  <a:solidFill>
-                    <a:srgbClr val="607D8B"/>
-                  </a:solidFill>
-                </a:ln>
-                <a:solidFill>
-                  <a:srgbClr val="CDDC39"/>
-                </a:solidFill>
-                <a:latin typeface="けいふぉんと" panose="02000600000000000000" pitchFamily="2" charset="-128"/>
-                <a:ea typeface="けいふぉんと" panose="02000600000000000000" pitchFamily="2" charset="-128"/>
-              </a:rPr>
-              <a:t>に戻る</a:t>
-            </a:r>
-            <a:endParaRPr kumimoji="1" lang="en-US" altLang="ja-JP" sz="2500" dirty="0">
+              <a:t>肉じゃが</a:t>
+            </a:r>
+            <a:endParaRPr kumimoji="1" lang="en-US" altLang="ja-JP" sz="4000" dirty="0">
               <a:ln w="12700">
                 <a:solidFill>
                   <a:srgbClr val="607D8B"/>
@@ -13675,10 +13546,352 @@
       </p:sp>
       <p:sp>
         <p:nvSpPr>
-          <p:cNvPr id="39" name="正方形/長方形 38">
+          <p:cNvPr id="18" name="テキスト ボックス 17">
             <a:extLst>
               <a:ext uri="{FF2B5EF4-FFF2-40B4-BE49-F238E27FC236}">
-                <a16:creationId xmlns:a16="http://schemas.microsoft.com/office/drawing/2014/main" id="{DD23A3B7-1E5F-47A3-B819-33266C6823D6}"/>
+                <a16:creationId xmlns:a16="http://schemas.microsoft.com/office/drawing/2014/main" id="{5B61D022-C053-48B0-8B2F-4C2C21E0E0C4}"/>
+              </a:ext>
+            </a:extLst>
+          </p:cNvPr>
+          <p:cNvSpPr txBox="1"/>
+          <p:nvPr/>
+        </p:nvSpPr>
+        <p:spPr>
+          <a:xfrm>
+            <a:off x="4409136" y="1903696"/>
+            <a:ext cx="740700" cy="400110"/>
+          </a:xfrm>
+          <a:prstGeom prst="rect">
+            <a:avLst/>
+          </a:prstGeom>
+          <a:noFill/>
+        </p:spPr>
+        <p:txBody>
+          <a:bodyPr wrap="square" rtlCol="0">
+            <a:spAutoFit/>
+          </a:bodyPr>
+          <a:lstStyle/>
+          <a:p>
+            <a:r>
+              <a:rPr kumimoji="1" lang="ja-JP" altLang="en-US" sz="2000" dirty="0">
+                <a:ln w="12700">
+                  <a:solidFill>
+                    <a:srgbClr val="607D8B"/>
+                  </a:solidFill>
+                </a:ln>
+                <a:solidFill>
+                  <a:srgbClr val="CDDC39"/>
+                </a:solidFill>
+                <a:latin typeface="けいふぉんと" panose="02000600000000000000" pitchFamily="2" charset="-128"/>
+                <a:ea typeface="けいふぉんと" panose="02000600000000000000" pitchFamily="2" charset="-128"/>
+              </a:rPr>
+              <a:t>和食</a:t>
+            </a:r>
+            <a:endParaRPr kumimoji="1" lang="en-US" altLang="ja-JP" sz="2000" dirty="0">
+              <a:ln w="12700">
+                <a:solidFill>
+                  <a:srgbClr val="607D8B"/>
+                </a:solidFill>
+              </a:ln>
+              <a:solidFill>
+                <a:srgbClr val="CDDC39"/>
+              </a:solidFill>
+              <a:latin typeface="けいふぉんと" panose="02000600000000000000" pitchFamily="2" charset="-128"/>
+              <a:ea typeface="けいふぉんと" panose="02000600000000000000" pitchFamily="2" charset="-128"/>
+            </a:endParaRPr>
+          </a:p>
+        </p:txBody>
+      </p:sp>
+      <p:sp>
+        <p:nvSpPr>
+          <p:cNvPr id="19" name="テキスト ボックス 18">
+            <a:extLst>
+              <a:ext uri="{FF2B5EF4-FFF2-40B4-BE49-F238E27FC236}">
+                <a16:creationId xmlns:a16="http://schemas.microsoft.com/office/drawing/2014/main" id="{8C67C357-E482-4E9E-A5E9-42ECA4D3C7F2}"/>
+              </a:ext>
+            </a:extLst>
+          </p:cNvPr>
+          <p:cNvSpPr txBox="1"/>
+          <p:nvPr/>
+        </p:nvSpPr>
+        <p:spPr>
+          <a:xfrm>
+            <a:off x="4409136" y="2303806"/>
+            <a:ext cx="740700" cy="400110"/>
+          </a:xfrm>
+          <a:prstGeom prst="rect">
+            <a:avLst/>
+          </a:prstGeom>
+          <a:noFill/>
+        </p:spPr>
+        <p:txBody>
+          <a:bodyPr wrap="square" rtlCol="0">
+            <a:spAutoFit/>
+          </a:bodyPr>
+          <a:lstStyle/>
+          <a:p>
+            <a:r>
+              <a:rPr kumimoji="1" lang="ja-JP" altLang="en-US" sz="2000" dirty="0">
+                <a:ln w="12700">
+                  <a:solidFill>
+                    <a:srgbClr val="607D8B"/>
+                  </a:solidFill>
+                </a:ln>
+                <a:solidFill>
+                  <a:srgbClr val="CDDC39"/>
+                </a:solidFill>
+                <a:latin typeface="けいふぉんと" panose="02000600000000000000" pitchFamily="2" charset="-128"/>
+                <a:ea typeface="けいふぉんと" panose="02000600000000000000" pitchFamily="2" charset="-128"/>
+              </a:rPr>
+              <a:t>煮物</a:t>
+            </a:r>
+            <a:endParaRPr kumimoji="1" lang="en-US" altLang="ja-JP" sz="2000" dirty="0">
+              <a:ln w="12700">
+                <a:solidFill>
+                  <a:srgbClr val="607D8B"/>
+                </a:solidFill>
+              </a:ln>
+              <a:solidFill>
+                <a:srgbClr val="CDDC39"/>
+              </a:solidFill>
+              <a:latin typeface="けいふぉんと" panose="02000600000000000000" pitchFamily="2" charset="-128"/>
+              <a:ea typeface="けいふぉんと" panose="02000600000000000000" pitchFamily="2" charset="-128"/>
+            </a:endParaRPr>
+          </a:p>
+        </p:txBody>
+      </p:sp>
+      <p:sp>
+        <p:nvSpPr>
+          <p:cNvPr id="20" name="テキスト ボックス 19">
+            <a:extLst>
+              <a:ext uri="{FF2B5EF4-FFF2-40B4-BE49-F238E27FC236}">
+                <a16:creationId xmlns:a16="http://schemas.microsoft.com/office/drawing/2014/main" id="{D2127CA4-A221-4F90-A4B5-7150C9FDB844}"/>
+              </a:ext>
+            </a:extLst>
+          </p:cNvPr>
+          <p:cNvSpPr txBox="1"/>
+          <p:nvPr/>
+        </p:nvSpPr>
+        <p:spPr>
+          <a:xfrm>
+            <a:off x="7042166" y="1903696"/>
+            <a:ext cx="1876425" cy="400110"/>
+          </a:xfrm>
+          <a:prstGeom prst="rect">
+            <a:avLst/>
+          </a:prstGeom>
+          <a:noFill/>
+        </p:spPr>
+        <p:txBody>
+          <a:bodyPr wrap="square" rtlCol="0">
+            <a:spAutoFit/>
+          </a:bodyPr>
+          <a:lstStyle/>
+          <a:p>
+            <a:r>
+              <a:rPr kumimoji="1" lang="ja-JP" altLang="en-US" sz="2000" dirty="0">
+                <a:ln w="12700">
+                  <a:solidFill>
+                    <a:srgbClr val="607D8B"/>
+                  </a:solidFill>
+                </a:ln>
+                <a:solidFill>
+                  <a:srgbClr val="CDDC39"/>
+                </a:solidFill>
+                <a:latin typeface="けいふぉんと" panose="02000600000000000000" pitchFamily="2" charset="-128"/>
+                <a:ea typeface="けいふぉんと" panose="02000600000000000000" pitchFamily="2" charset="-128"/>
+              </a:rPr>
+              <a:t>所要時間</a:t>
+            </a:r>
+            <a:r>
+              <a:rPr kumimoji="1" lang="en-US" altLang="ja-JP" sz="2000" dirty="0">
+                <a:ln w="12700">
+                  <a:solidFill>
+                    <a:srgbClr val="607D8B"/>
+                  </a:solidFill>
+                </a:ln>
+                <a:solidFill>
+                  <a:srgbClr val="CDDC39"/>
+                </a:solidFill>
+                <a:latin typeface="けいふぉんと" panose="02000600000000000000" pitchFamily="2" charset="-128"/>
+                <a:ea typeface="けいふぉんと" panose="02000600000000000000" pitchFamily="2" charset="-128"/>
+              </a:rPr>
+              <a:t>:40</a:t>
+            </a:r>
+            <a:r>
+              <a:rPr kumimoji="1" lang="ja-JP" altLang="en-US" sz="2000" dirty="0">
+                <a:ln w="12700">
+                  <a:solidFill>
+                    <a:srgbClr val="607D8B"/>
+                  </a:solidFill>
+                </a:ln>
+                <a:solidFill>
+                  <a:srgbClr val="CDDC39"/>
+                </a:solidFill>
+                <a:latin typeface="けいふぉんと" panose="02000600000000000000" pitchFamily="2" charset="-128"/>
+                <a:ea typeface="けいふぉんと" panose="02000600000000000000" pitchFamily="2" charset="-128"/>
+              </a:rPr>
+              <a:t>分</a:t>
+            </a:r>
+          </a:p>
+        </p:txBody>
+      </p:sp>
+      <p:sp>
+        <p:nvSpPr>
+          <p:cNvPr id="22" name="テキスト ボックス 21">
+            <a:extLst>
+              <a:ext uri="{FF2B5EF4-FFF2-40B4-BE49-F238E27FC236}">
+                <a16:creationId xmlns:a16="http://schemas.microsoft.com/office/drawing/2014/main" id="{80F6D082-8FCB-4B50-9FBA-F23EF5C867F4}"/>
+              </a:ext>
+            </a:extLst>
+          </p:cNvPr>
+          <p:cNvSpPr txBox="1"/>
+          <p:nvPr/>
+        </p:nvSpPr>
+        <p:spPr>
+          <a:xfrm>
+            <a:off x="7042165" y="2312424"/>
+            <a:ext cx="2235188" cy="400110"/>
+          </a:xfrm>
+          <a:prstGeom prst="rect">
+            <a:avLst/>
+          </a:prstGeom>
+          <a:noFill/>
+        </p:spPr>
+        <p:txBody>
+          <a:bodyPr wrap="square" rtlCol="0">
+            <a:spAutoFit/>
+          </a:bodyPr>
+          <a:lstStyle/>
+          <a:p>
+            <a:r>
+              <a:rPr kumimoji="1" lang="ja-JP" altLang="en-US" sz="2000" dirty="0">
+                <a:ln w="12700">
+                  <a:solidFill>
+                    <a:srgbClr val="607D8B"/>
+                  </a:solidFill>
+                </a:ln>
+                <a:solidFill>
+                  <a:srgbClr val="CDDC39"/>
+                </a:solidFill>
+                <a:latin typeface="けいふぉんと" panose="02000600000000000000" pitchFamily="2" charset="-128"/>
+                <a:ea typeface="けいふぉんと" panose="02000600000000000000" pitchFamily="2" charset="-128"/>
+              </a:rPr>
+              <a:t>カロリー</a:t>
+            </a:r>
+            <a:r>
+              <a:rPr kumimoji="1" lang="en-US" altLang="ja-JP" sz="2000" dirty="0">
+                <a:ln w="12700">
+                  <a:solidFill>
+                    <a:srgbClr val="607D8B"/>
+                  </a:solidFill>
+                </a:ln>
+                <a:solidFill>
+                  <a:srgbClr val="CDDC39"/>
+                </a:solidFill>
+                <a:latin typeface="けいふぉんと" panose="02000600000000000000" pitchFamily="2" charset="-128"/>
+                <a:ea typeface="けいふぉんと" panose="02000600000000000000" pitchFamily="2" charset="-128"/>
+              </a:rPr>
+              <a:t>:170kcal</a:t>
+            </a:r>
+          </a:p>
+        </p:txBody>
+      </p:sp>
+      <p:sp>
+        <p:nvSpPr>
+          <p:cNvPr id="28" name="テキスト ボックス 27">
+            <a:extLst>
+              <a:ext uri="{FF2B5EF4-FFF2-40B4-BE49-F238E27FC236}">
+                <a16:creationId xmlns:a16="http://schemas.microsoft.com/office/drawing/2014/main" id="{197F5AD1-D56A-4329-B504-65F12FB32FB3}"/>
+              </a:ext>
+            </a:extLst>
+          </p:cNvPr>
+          <p:cNvSpPr txBox="1"/>
+          <p:nvPr/>
+        </p:nvSpPr>
+        <p:spPr>
+          <a:xfrm>
+            <a:off x="9587432" y="1958481"/>
+            <a:ext cx="1425036" cy="707886"/>
+          </a:xfrm>
+          <a:prstGeom prst="rect">
+            <a:avLst/>
+          </a:prstGeom>
+          <a:noFill/>
+        </p:spPr>
+        <p:txBody>
+          <a:bodyPr wrap="square" rtlCol="0">
+            <a:spAutoFit/>
+          </a:bodyPr>
+          <a:lstStyle/>
+          <a:p>
+            <a:pPr algn="ctr"/>
+            <a:r>
+              <a:rPr kumimoji="1" lang="ja-JP" altLang="en-US" sz="2000" dirty="0">
+                <a:ln w="12700">
+                  <a:solidFill>
+                    <a:srgbClr val="607D8B"/>
+                  </a:solidFill>
+                </a:ln>
+                <a:solidFill>
+                  <a:srgbClr val="CDDC39"/>
+                </a:solidFill>
+                <a:latin typeface="けいふぉんと" panose="02000600000000000000" pitchFamily="2" charset="-128"/>
+                <a:ea typeface="けいふぉんと" panose="02000600000000000000" pitchFamily="2" charset="-128"/>
+              </a:rPr>
+              <a:t>お気に入り</a:t>
+            </a:r>
+            <a:endParaRPr kumimoji="1" lang="en-US" altLang="ja-JP" sz="2000" dirty="0">
+              <a:ln w="12700">
+                <a:solidFill>
+                  <a:srgbClr val="607D8B"/>
+                </a:solidFill>
+              </a:ln>
+              <a:solidFill>
+                <a:srgbClr val="CDDC39"/>
+              </a:solidFill>
+              <a:latin typeface="けいふぉんと" panose="02000600000000000000" pitchFamily="2" charset="-128"/>
+              <a:ea typeface="けいふぉんと" panose="02000600000000000000" pitchFamily="2" charset="-128"/>
+            </a:endParaRPr>
+          </a:p>
+          <a:p>
+            <a:pPr algn="ctr"/>
+            <a:r>
+              <a:rPr kumimoji="1" lang="ja-JP" altLang="en-US" sz="2000" dirty="0">
+                <a:ln w="12700">
+                  <a:solidFill>
+                    <a:srgbClr val="607D8B"/>
+                  </a:solidFill>
+                </a:ln>
+                <a:solidFill>
+                  <a:srgbClr val="CDDC39"/>
+                </a:solidFill>
+                <a:latin typeface="けいふぉんと" panose="02000600000000000000" pitchFamily="2" charset="-128"/>
+                <a:ea typeface="けいふぉんと" panose="02000600000000000000" pitchFamily="2" charset="-128"/>
+              </a:rPr>
+              <a:t>追加</a:t>
+            </a:r>
+            <a:endParaRPr kumimoji="1" lang="en-US" altLang="ja-JP" sz="2000" dirty="0">
+              <a:ln w="12700">
+                <a:solidFill>
+                  <a:srgbClr val="607D8B"/>
+                </a:solidFill>
+              </a:ln>
+              <a:solidFill>
+                <a:srgbClr val="CDDC39"/>
+              </a:solidFill>
+              <a:latin typeface="けいふぉんと" panose="02000600000000000000" pitchFamily="2" charset="-128"/>
+              <a:ea typeface="けいふぉんと" panose="02000600000000000000" pitchFamily="2" charset="-128"/>
+            </a:endParaRPr>
+          </a:p>
+        </p:txBody>
+      </p:sp>
+      <p:sp>
+        <p:nvSpPr>
+          <p:cNvPr id="30" name="正方形/長方形 29">
+            <a:extLst>
+              <a:ext uri="{FF2B5EF4-FFF2-40B4-BE49-F238E27FC236}">
+                <a16:creationId xmlns:a16="http://schemas.microsoft.com/office/drawing/2014/main" id="{38B0EBD5-BFEE-4784-B436-F87290FE0473}"/>
               </a:ext>
             </a:extLst>
           </p:cNvPr>
@@ -13687,8 +13900,8 @@
         </p:nvSpPr>
         <p:spPr>
           <a:xfrm>
-            <a:off x="940011" y="1265729"/>
-            <a:ext cx="1536489" cy="311199"/>
+            <a:off x="9686925" y="1999984"/>
+            <a:ext cx="1238250" cy="611598"/>
           </a:xfrm>
           <a:prstGeom prst="rect">
             <a:avLst/>
@@ -13726,10 +13939,410 @@
       </p:sp>
       <p:sp>
         <p:nvSpPr>
-          <p:cNvPr id="19" name="正方形/長方形 18">
+          <p:cNvPr id="135" name="テキスト ボックス 134">
             <a:extLst>
               <a:ext uri="{FF2B5EF4-FFF2-40B4-BE49-F238E27FC236}">
-                <a16:creationId xmlns:a16="http://schemas.microsoft.com/office/drawing/2014/main" id="{44752827-FBD3-4E02-8687-00CA26F0B921}"/>
+                <a16:creationId xmlns:a16="http://schemas.microsoft.com/office/drawing/2014/main" id="{1C5260A7-0296-42F1-9078-9F8CCCB275D3}"/>
+              </a:ext>
+            </a:extLst>
+          </p:cNvPr>
+          <p:cNvSpPr txBox="1"/>
+          <p:nvPr/>
+        </p:nvSpPr>
+        <p:spPr>
+          <a:xfrm>
+            <a:off x="1352697" y="2961366"/>
+            <a:ext cx="2316678" cy="707886"/>
+          </a:xfrm>
+          <a:prstGeom prst="rect">
+            <a:avLst/>
+          </a:prstGeom>
+          <a:noFill/>
+        </p:spPr>
+        <p:txBody>
+          <a:bodyPr wrap="square" rtlCol="0">
+            <a:spAutoFit/>
+          </a:bodyPr>
+          <a:lstStyle/>
+          <a:p>
+            <a:r>
+              <a:rPr kumimoji="1" lang="en-US" altLang="ja-JP" sz="4000" dirty="0" err="1">
+                <a:ln w="12700">
+                  <a:solidFill>
+                    <a:srgbClr val="607D8B"/>
+                  </a:solidFill>
+                </a:ln>
+                <a:solidFill>
+                  <a:srgbClr val="CDDC39"/>
+                </a:solidFill>
+                <a:latin typeface="けいふぉんと" panose="02000600000000000000" pitchFamily="2" charset="-128"/>
+                <a:ea typeface="けいふぉんと" panose="02000600000000000000" pitchFamily="2" charset="-128"/>
+              </a:rPr>
+              <a:t>hoge</a:t>
+            </a:r>
+            <a:endParaRPr kumimoji="1" lang="en-US" altLang="ja-JP" sz="4000" dirty="0">
+              <a:ln w="12700">
+                <a:solidFill>
+                  <a:srgbClr val="607D8B"/>
+                </a:solidFill>
+              </a:ln>
+              <a:solidFill>
+                <a:srgbClr val="CDDC39"/>
+              </a:solidFill>
+              <a:latin typeface="けいふぉんと" panose="02000600000000000000" pitchFamily="2" charset="-128"/>
+              <a:ea typeface="けいふぉんと" panose="02000600000000000000" pitchFamily="2" charset="-128"/>
+            </a:endParaRPr>
+          </a:p>
+        </p:txBody>
+      </p:sp>
+      <p:sp>
+        <p:nvSpPr>
+          <p:cNvPr id="136" name="テキスト ボックス 135">
+            <a:extLst>
+              <a:ext uri="{FF2B5EF4-FFF2-40B4-BE49-F238E27FC236}">
+                <a16:creationId xmlns:a16="http://schemas.microsoft.com/office/drawing/2014/main" id="{86B1D10A-41F7-465D-A62A-99452A4C31E1}"/>
+              </a:ext>
+            </a:extLst>
+          </p:cNvPr>
+          <p:cNvSpPr txBox="1"/>
+          <p:nvPr/>
+        </p:nvSpPr>
+        <p:spPr>
+          <a:xfrm>
+            <a:off x="4409136" y="2961366"/>
+            <a:ext cx="740700" cy="400110"/>
+          </a:xfrm>
+          <a:prstGeom prst="rect">
+            <a:avLst/>
+          </a:prstGeom>
+          <a:noFill/>
+        </p:spPr>
+        <p:txBody>
+          <a:bodyPr wrap="square" rtlCol="0">
+            <a:spAutoFit/>
+          </a:bodyPr>
+          <a:lstStyle/>
+          <a:p>
+            <a:r>
+              <a:rPr kumimoji="1" lang="ja-JP" altLang="en-US" sz="2000" dirty="0">
+                <a:ln w="12700">
+                  <a:solidFill>
+                    <a:srgbClr val="607D8B"/>
+                  </a:solidFill>
+                </a:ln>
+                <a:solidFill>
+                  <a:srgbClr val="CDDC39"/>
+                </a:solidFill>
+                <a:latin typeface="けいふぉんと" panose="02000600000000000000" pitchFamily="2" charset="-128"/>
+                <a:ea typeface="けいふぉんと" panose="02000600000000000000" pitchFamily="2" charset="-128"/>
+              </a:rPr>
+              <a:t>和食</a:t>
+            </a:r>
+            <a:endParaRPr kumimoji="1" lang="en-US" altLang="ja-JP" sz="2000" dirty="0">
+              <a:ln w="12700">
+                <a:solidFill>
+                  <a:srgbClr val="607D8B"/>
+                </a:solidFill>
+              </a:ln>
+              <a:solidFill>
+                <a:srgbClr val="CDDC39"/>
+              </a:solidFill>
+              <a:latin typeface="けいふぉんと" panose="02000600000000000000" pitchFamily="2" charset="-128"/>
+              <a:ea typeface="けいふぉんと" panose="02000600000000000000" pitchFamily="2" charset="-128"/>
+            </a:endParaRPr>
+          </a:p>
+        </p:txBody>
+      </p:sp>
+      <p:sp>
+        <p:nvSpPr>
+          <p:cNvPr id="137" name="テキスト ボックス 136">
+            <a:extLst>
+              <a:ext uri="{FF2B5EF4-FFF2-40B4-BE49-F238E27FC236}">
+                <a16:creationId xmlns:a16="http://schemas.microsoft.com/office/drawing/2014/main" id="{772C5EBE-6CD6-47E4-A299-745C5C60FE64}"/>
+              </a:ext>
+            </a:extLst>
+          </p:cNvPr>
+          <p:cNvSpPr txBox="1"/>
+          <p:nvPr/>
+        </p:nvSpPr>
+        <p:spPr>
+          <a:xfrm>
+            <a:off x="4409136" y="3361476"/>
+            <a:ext cx="740700" cy="400110"/>
+          </a:xfrm>
+          <a:prstGeom prst="rect">
+            <a:avLst/>
+          </a:prstGeom>
+          <a:noFill/>
+        </p:spPr>
+        <p:txBody>
+          <a:bodyPr wrap="square" rtlCol="0">
+            <a:spAutoFit/>
+          </a:bodyPr>
+          <a:lstStyle/>
+          <a:p>
+            <a:r>
+              <a:rPr kumimoji="1" lang="ja-JP" altLang="en-US" sz="2000" dirty="0">
+                <a:ln w="12700">
+                  <a:solidFill>
+                    <a:srgbClr val="607D8B"/>
+                  </a:solidFill>
+                </a:ln>
+                <a:solidFill>
+                  <a:srgbClr val="CDDC39"/>
+                </a:solidFill>
+                <a:latin typeface="けいふぉんと" panose="02000600000000000000" pitchFamily="2" charset="-128"/>
+                <a:ea typeface="けいふぉんと" panose="02000600000000000000" pitchFamily="2" charset="-128"/>
+              </a:rPr>
+              <a:t>煮物</a:t>
+            </a:r>
+            <a:endParaRPr kumimoji="1" lang="en-US" altLang="ja-JP" sz="2000" dirty="0">
+              <a:ln w="12700">
+                <a:solidFill>
+                  <a:srgbClr val="607D8B"/>
+                </a:solidFill>
+              </a:ln>
+              <a:solidFill>
+                <a:srgbClr val="CDDC39"/>
+              </a:solidFill>
+              <a:latin typeface="けいふぉんと" panose="02000600000000000000" pitchFamily="2" charset="-128"/>
+              <a:ea typeface="けいふぉんと" panose="02000600000000000000" pitchFamily="2" charset="-128"/>
+            </a:endParaRPr>
+          </a:p>
+        </p:txBody>
+      </p:sp>
+      <p:sp>
+        <p:nvSpPr>
+          <p:cNvPr id="138" name="テキスト ボックス 137">
+            <a:extLst>
+              <a:ext uri="{FF2B5EF4-FFF2-40B4-BE49-F238E27FC236}">
+                <a16:creationId xmlns:a16="http://schemas.microsoft.com/office/drawing/2014/main" id="{832A758A-F759-49EF-8CE1-CB309973ACC7}"/>
+              </a:ext>
+            </a:extLst>
+          </p:cNvPr>
+          <p:cNvSpPr txBox="1"/>
+          <p:nvPr/>
+        </p:nvSpPr>
+        <p:spPr>
+          <a:xfrm>
+            <a:off x="7042166" y="2961366"/>
+            <a:ext cx="1876425" cy="400110"/>
+          </a:xfrm>
+          <a:prstGeom prst="rect">
+            <a:avLst/>
+          </a:prstGeom>
+          <a:noFill/>
+        </p:spPr>
+        <p:txBody>
+          <a:bodyPr wrap="square" rtlCol="0">
+            <a:spAutoFit/>
+          </a:bodyPr>
+          <a:lstStyle/>
+          <a:p>
+            <a:r>
+              <a:rPr kumimoji="1" lang="ja-JP" altLang="en-US" sz="2000" dirty="0">
+                <a:ln w="12700">
+                  <a:solidFill>
+                    <a:srgbClr val="607D8B"/>
+                  </a:solidFill>
+                </a:ln>
+                <a:solidFill>
+                  <a:srgbClr val="CDDC39"/>
+                </a:solidFill>
+                <a:latin typeface="けいふぉんと" panose="02000600000000000000" pitchFamily="2" charset="-128"/>
+                <a:ea typeface="けいふぉんと" panose="02000600000000000000" pitchFamily="2" charset="-128"/>
+              </a:rPr>
+              <a:t>所要時間</a:t>
+            </a:r>
+            <a:r>
+              <a:rPr kumimoji="1" lang="en-US" altLang="ja-JP" sz="2000" dirty="0">
+                <a:ln w="12700">
+                  <a:solidFill>
+                    <a:srgbClr val="607D8B"/>
+                  </a:solidFill>
+                </a:ln>
+                <a:solidFill>
+                  <a:srgbClr val="CDDC39"/>
+                </a:solidFill>
+                <a:latin typeface="けいふぉんと" panose="02000600000000000000" pitchFamily="2" charset="-128"/>
+                <a:ea typeface="けいふぉんと" panose="02000600000000000000" pitchFamily="2" charset="-128"/>
+              </a:rPr>
+              <a:t>:40</a:t>
+            </a:r>
+            <a:r>
+              <a:rPr kumimoji="1" lang="ja-JP" altLang="en-US" sz="2000" dirty="0">
+                <a:ln w="12700">
+                  <a:solidFill>
+                    <a:srgbClr val="607D8B"/>
+                  </a:solidFill>
+                </a:ln>
+                <a:solidFill>
+                  <a:srgbClr val="CDDC39"/>
+                </a:solidFill>
+                <a:latin typeface="けいふぉんと" panose="02000600000000000000" pitchFamily="2" charset="-128"/>
+                <a:ea typeface="けいふぉんと" panose="02000600000000000000" pitchFamily="2" charset="-128"/>
+              </a:rPr>
+              <a:t>分</a:t>
+            </a:r>
+          </a:p>
+        </p:txBody>
+      </p:sp>
+      <p:sp>
+        <p:nvSpPr>
+          <p:cNvPr id="139" name="テキスト ボックス 138">
+            <a:extLst>
+              <a:ext uri="{FF2B5EF4-FFF2-40B4-BE49-F238E27FC236}">
+                <a16:creationId xmlns:a16="http://schemas.microsoft.com/office/drawing/2014/main" id="{F7548E38-4E6B-46AE-A8A8-D6439286A521}"/>
+              </a:ext>
+            </a:extLst>
+          </p:cNvPr>
+          <p:cNvSpPr txBox="1"/>
+          <p:nvPr/>
+        </p:nvSpPr>
+        <p:spPr>
+          <a:xfrm>
+            <a:off x="7042165" y="3370094"/>
+            <a:ext cx="2235188" cy="400110"/>
+          </a:xfrm>
+          <a:prstGeom prst="rect">
+            <a:avLst/>
+          </a:prstGeom>
+          <a:noFill/>
+        </p:spPr>
+        <p:txBody>
+          <a:bodyPr wrap="square" rtlCol="0">
+            <a:spAutoFit/>
+          </a:bodyPr>
+          <a:lstStyle/>
+          <a:p>
+            <a:r>
+              <a:rPr kumimoji="1" lang="ja-JP" altLang="en-US" sz="2000" dirty="0">
+                <a:ln w="12700">
+                  <a:solidFill>
+                    <a:srgbClr val="607D8B"/>
+                  </a:solidFill>
+                </a:ln>
+                <a:solidFill>
+                  <a:srgbClr val="CDDC39"/>
+                </a:solidFill>
+                <a:latin typeface="けいふぉんと" panose="02000600000000000000" pitchFamily="2" charset="-128"/>
+                <a:ea typeface="けいふぉんと" panose="02000600000000000000" pitchFamily="2" charset="-128"/>
+              </a:rPr>
+              <a:t>カロリー</a:t>
+            </a:r>
+            <a:r>
+              <a:rPr kumimoji="1" lang="en-US" altLang="ja-JP" sz="2000" dirty="0">
+                <a:ln w="12700">
+                  <a:solidFill>
+                    <a:srgbClr val="607D8B"/>
+                  </a:solidFill>
+                </a:ln>
+                <a:solidFill>
+                  <a:srgbClr val="CDDC39"/>
+                </a:solidFill>
+                <a:latin typeface="けいふぉんと" panose="02000600000000000000" pitchFamily="2" charset="-128"/>
+                <a:ea typeface="けいふぉんと" panose="02000600000000000000" pitchFamily="2" charset="-128"/>
+              </a:rPr>
+              <a:t>:170kcal</a:t>
+            </a:r>
+          </a:p>
+        </p:txBody>
+      </p:sp>
+      <p:sp>
+        <p:nvSpPr>
+          <p:cNvPr id="140" name="テキスト ボックス 139">
+            <a:extLst>
+              <a:ext uri="{FF2B5EF4-FFF2-40B4-BE49-F238E27FC236}">
+                <a16:creationId xmlns:a16="http://schemas.microsoft.com/office/drawing/2014/main" id="{97C8AD14-6919-4EB1-BCB8-767053A61968}"/>
+              </a:ext>
+            </a:extLst>
+          </p:cNvPr>
+          <p:cNvSpPr txBox="1"/>
+          <p:nvPr/>
+        </p:nvSpPr>
+        <p:spPr>
+          <a:xfrm>
+            <a:off x="9587432" y="3016151"/>
+            <a:ext cx="1425036" cy="707886"/>
+          </a:xfrm>
+          <a:prstGeom prst="rect">
+            <a:avLst/>
+          </a:prstGeom>
+          <a:noFill/>
+        </p:spPr>
+        <p:txBody>
+          <a:bodyPr wrap="square" rtlCol="0">
+            <a:spAutoFit/>
+          </a:bodyPr>
+          <a:lstStyle/>
+          <a:p>
+            <a:pPr algn="ctr"/>
+            <a:r>
+              <a:rPr kumimoji="1" lang="ja-JP" altLang="en-US" sz="2000" dirty="0">
+                <a:ln w="12700">
+                  <a:solidFill>
+                    <a:srgbClr val="607D8B"/>
+                  </a:solidFill>
+                </a:ln>
+                <a:solidFill>
+                  <a:srgbClr val="CDDC39"/>
+                </a:solidFill>
+                <a:latin typeface="けいふぉんと" panose="02000600000000000000" pitchFamily="2" charset="-128"/>
+                <a:ea typeface="けいふぉんと" panose="02000600000000000000" pitchFamily="2" charset="-128"/>
+              </a:rPr>
+              <a:t>お気に入り</a:t>
+            </a:r>
+            <a:endParaRPr kumimoji="1" lang="en-US" altLang="ja-JP" sz="2000" dirty="0">
+              <a:ln w="12700">
+                <a:solidFill>
+                  <a:srgbClr val="607D8B"/>
+                </a:solidFill>
+              </a:ln>
+              <a:solidFill>
+                <a:srgbClr val="CDDC39"/>
+              </a:solidFill>
+              <a:latin typeface="けいふぉんと" panose="02000600000000000000" pitchFamily="2" charset="-128"/>
+              <a:ea typeface="けいふぉんと" panose="02000600000000000000" pitchFamily="2" charset="-128"/>
+            </a:endParaRPr>
+          </a:p>
+          <a:p>
+            <a:pPr algn="ctr"/>
+            <a:r>
+              <a:rPr kumimoji="1" lang="ja-JP" altLang="en-US" sz="2000" dirty="0">
+                <a:ln w="12700">
+                  <a:solidFill>
+                    <a:srgbClr val="607D8B"/>
+                  </a:solidFill>
+                </a:ln>
+                <a:solidFill>
+                  <a:srgbClr val="CDDC39"/>
+                </a:solidFill>
+                <a:latin typeface="けいふぉんと" panose="02000600000000000000" pitchFamily="2" charset="-128"/>
+                <a:ea typeface="けいふぉんと" panose="02000600000000000000" pitchFamily="2" charset="-128"/>
+              </a:rPr>
+              <a:t>追加</a:t>
+            </a:r>
+            <a:endParaRPr kumimoji="1" lang="en-US" altLang="ja-JP" sz="2000" dirty="0">
+              <a:ln w="12700">
+                <a:solidFill>
+                  <a:srgbClr val="607D8B"/>
+                </a:solidFill>
+              </a:ln>
+              <a:solidFill>
+                <a:srgbClr val="CDDC39"/>
+              </a:solidFill>
+              <a:latin typeface="けいふぉんと" panose="02000600000000000000" pitchFamily="2" charset="-128"/>
+              <a:ea typeface="けいふぉんと" panose="02000600000000000000" pitchFamily="2" charset="-128"/>
+            </a:endParaRPr>
+          </a:p>
+        </p:txBody>
+      </p:sp>
+      <p:sp>
+        <p:nvSpPr>
+          <p:cNvPr id="141" name="正方形/長方形 140">
+            <a:extLst>
+              <a:ext uri="{FF2B5EF4-FFF2-40B4-BE49-F238E27FC236}">
+                <a16:creationId xmlns:a16="http://schemas.microsoft.com/office/drawing/2014/main" id="{89B846A0-7D94-4E01-9E14-D64F7669F19D}"/>
               </a:ext>
             </a:extLst>
           </p:cNvPr>
@@ -13738,8 +14351,8 @@
         </p:nvSpPr>
         <p:spPr>
           <a:xfrm>
-            <a:off x="3877111" y="5809087"/>
-            <a:ext cx="1105950" cy="344142"/>
+            <a:off x="9686925" y="3057654"/>
+            <a:ext cx="1238250" cy="611598"/>
           </a:xfrm>
           <a:prstGeom prst="rect">
             <a:avLst/>
@@ -13777,10 +14390,10 @@
       </p:sp>
       <p:sp>
         <p:nvSpPr>
-          <p:cNvPr id="20" name="テキスト ボックス 19">
+          <p:cNvPr id="142" name="テキスト ボックス 141">
             <a:extLst>
               <a:ext uri="{FF2B5EF4-FFF2-40B4-BE49-F238E27FC236}">
-                <a16:creationId xmlns:a16="http://schemas.microsoft.com/office/drawing/2014/main" id="{A63EE00B-7F15-48E6-AB88-E72FA6299A7C}"/>
+                <a16:creationId xmlns:a16="http://schemas.microsoft.com/office/drawing/2014/main" id="{D87FDFC5-B7D8-4EF5-A22D-CBC682AB8984}"/>
               </a:ext>
             </a:extLst>
           </p:cNvPr>
@@ -13789,8 +14402,8 @@
         </p:nvSpPr>
         <p:spPr>
           <a:xfrm>
-            <a:off x="2442208" y="3571724"/>
-            <a:ext cx="2473220" cy="1477328"/>
+            <a:off x="1352697" y="3980335"/>
+            <a:ext cx="2316678" cy="707886"/>
           </a:xfrm>
           <a:prstGeom prst="rect">
             <a:avLst/>
@@ -13803,9 +14416,8 @@
           </a:bodyPr>
           <a:lstStyle/>
           <a:p>
-            <a:pPr algn="ctr"/>
-            <a:r>
-              <a:rPr kumimoji="1" lang="ja-JP" altLang="en-US" sz="3000" dirty="0">
+            <a:r>
+              <a:rPr kumimoji="1" lang="en-US" altLang="ja-JP" sz="4000" dirty="0" err="1">
                 <a:ln w="12700">
                   <a:solidFill>
                     <a:srgbClr val="607D8B"/>
@@ -13817,152 +14429,9 @@
                 <a:latin typeface="けいふぉんと" panose="02000600000000000000" pitchFamily="2" charset="-128"/>
                 <a:ea typeface="けいふぉんと" panose="02000600000000000000" pitchFamily="2" charset="-128"/>
               </a:rPr>
-              <a:t>和食</a:t>
-            </a:r>
-            <a:r>
-              <a:rPr kumimoji="1" lang="en-US" altLang="ja-JP" sz="3000" dirty="0">
-                <a:ln w="12700">
-                  <a:solidFill>
-                    <a:srgbClr val="607D8B"/>
-                  </a:solidFill>
-                </a:ln>
-                <a:solidFill>
-                  <a:srgbClr val="CDDC39"/>
-                </a:solidFill>
-                <a:latin typeface="けいふぉんと" panose="02000600000000000000" pitchFamily="2" charset="-128"/>
-                <a:ea typeface="けいふぉんと" panose="02000600000000000000" pitchFamily="2" charset="-128"/>
-              </a:rPr>
-              <a:t>	2</a:t>
-            </a:r>
-          </a:p>
-          <a:p>
-            <a:pPr algn="ctr"/>
-            <a:r>
-              <a:rPr kumimoji="1" lang="ja-JP" altLang="en-US" sz="3000" dirty="0">
-                <a:ln w="12700">
-                  <a:solidFill>
-                    <a:srgbClr val="607D8B"/>
-                  </a:solidFill>
-                </a:ln>
-                <a:solidFill>
-                  <a:srgbClr val="CDDC39"/>
-                </a:solidFill>
-                <a:latin typeface="けいふぉんと" panose="02000600000000000000" pitchFamily="2" charset="-128"/>
-                <a:ea typeface="けいふぉんと" panose="02000600000000000000" pitchFamily="2" charset="-128"/>
-              </a:rPr>
-              <a:t>洋食</a:t>
-            </a:r>
-            <a:r>
-              <a:rPr kumimoji="1" lang="en-US" altLang="ja-JP" sz="3000" dirty="0">
-                <a:ln w="12700">
-                  <a:solidFill>
-                    <a:srgbClr val="607D8B"/>
-                  </a:solidFill>
-                </a:ln>
-                <a:solidFill>
-                  <a:srgbClr val="CDDC39"/>
-                </a:solidFill>
-                <a:latin typeface="けいふぉんと" panose="02000600000000000000" pitchFamily="2" charset="-128"/>
-                <a:ea typeface="けいふぉんと" panose="02000600000000000000" pitchFamily="2" charset="-128"/>
-              </a:rPr>
-              <a:t>	3</a:t>
-            </a:r>
-          </a:p>
-          <a:p>
-            <a:pPr algn="ctr"/>
-            <a:r>
-              <a:rPr kumimoji="1" lang="ja-JP" altLang="en-US" sz="3000" dirty="0">
-                <a:ln w="12700">
-                  <a:solidFill>
-                    <a:srgbClr val="607D8B"/>
-                  </a:solidFill>
-                </a:ln>
-                <a:solidFill>
-                  <a:srgbClr val="CDDC39"/>
-                </a:solidFill>
-                <a:latin typeface="けいふぉんと" panose="02000600000000000000" pitchFamily="2" charset="-128"/>
-                <a:ea typeface="けいふぉんと" panose="02000600000000000000" pitchFamily="2" charset="-128"/>
-              </a:rPr>
-              <a:t>中華</a:t>
-            </a:r>
-            <a:r>
-              <a:rPr kumimoji="1" lang="en-US" altLang="ja-JP" sz="3000" dirty="0">
-                <a:ln w="12700">
-                  <a:solidFill>
-                    <a:srgbClr val="607D8B"/>
-                  </a:solidFill>
-                </a:ln>
-                <a:solidFill>
-                  <a:srgbClr val="CDDC39"/>
-                </a:solidFill>
-                <a:latin typeface="けいふぉんと" panose="02000600000000000000" pitchFamily="2" charset="-128"/>
-                <a:ea typeface="けいふぉんと" panose="02000600000000000000" pitchFamily="2" charset="-128"/>
-              </a:rPr>
-              <a:t>	2</a:t>
-            </a:r>
-          </a:p>
-        </p:txBody>
-      </p:sp>
-      <p:sp>
-        <p:nvSpPr>
-          <p:cNvPr id="22" name="テキスト ボックス 21">
-            <a:extLst>
-              <a:ext uri="{FF2B5EF4-FFF2-40B4-BE49-F238E27FC236}">
-                <a16:creationId xmlns:a16="http://schemas.microsoft.com/office/drawing/2014/main" id="{FA852856-9AD7-4560-A96F-89390ACC4887}"/>
-              </a:ext>
-            </a:extLst>
-          </p:cNvPr>
-          <p:cNvSpPr txBox="1"/>
-          <p:nvPr/>
-        </p:nvSpPr>
-        <p:spPr>
-          <a:xfrm>
-            <a:off x="7539167" y="4033389"/>
-            <a:ext cx="2303654" cy="553998"/>
-          </a:xfrm>
-          <a:prstGeom prst="rect">
-            <a:avLst/>
-          </a:prstGeom>
-          <a:noFill/>
-        </p:spPr>
-        <p:txBody>
-          <a:bodyPr wrap="square" rtlCol="0">
-            <a:spAutoFit/>
-          </a:bodyPr>
-          <a:lstStyle/>
-          <a:p>
-            <a:pPr algn="ctr"/>
-            <a:r>
-              <a:rPr kumimoji="1" lang="en-US" altLang="ja-JP" sz="3000" dirty="0">
-                <a:ln w="12700">
-                  <a:solidFill>
-                    <a:srgbClr val="607D8B"/>
-                  </a:solidFill>
-                </a:ln>
-                <a:solidFill>
-                  <a:srgbClr val="CDDC39"/>
-                </a:solidFill>
-                <a:latin typeface="けいふぉんと" panose="02000600000000000000" pitchFamily="2" charset="-128"/>
-                <a:ea typeface="けいふぉんと" panose="02000600000000000000" pitchFamily="2" charset="-128"/>
-              </a:rPr>
-              <a:t>5000</a:t>
-            </a:r>
-            <a:r>
-              <a:rPr kumimoji="1" lang="ja-JP" altLang="en-US" sz="3000" dirty="0">
-                <a:ln w="12700">
-                  <a:solidFill>
-                    <a:srgbClr val="607D8B"/>
-                  </a:solidFill>
-                </a:ln>
-                <a:solidFill>
-                  <a:srgbClr val="CDDC39"/>
-                </a:solidFill>
-                <a:latin typeface="けいふぉんと" panose="02000600000000000000" pitchFamily="2" charset="-128"/>
-                <a:ea typeface="けいふぉんと" panose="02000600000000000000" pitchFamily="2" charset="-128"/>
-              </a:rPr>
-              <a:t>円以下</a:t>
-            </a:r>
-            <a:endParaRPr kumimoji="1" lang="en-US" altLang="ja-JP" sz="3000" dirty="0">
+              <a:t>hoge</a:t>
+            </a:r>
+            <a:endParaRPr kumimoji="1" lang="en-US" altLang="ja-JP" sz="4000" dirty="0">
               <a:ln w="12700">
                 <a:solidFill>
                   <a:srgbClr val="607D8B"/>
@@ -13979,10 +14448,10 @@
       </p:sp>
       <p:sp>
         <p:nvSpPr>
-          <p:cNvPr id="33" name="テキスト ボックス 32">
+          <p:cNvPr id="143" name="テキスト ボックス 142">
             <a:extLst>
               <a:ext uri="{FF2B5EF4-FFF2-40B4-BE49-F238E27FC236}">
-                <a16:creationId xmlns:a16="http://schemas.microsoft.com/office/drawing/2014/main" id="{070CE092-31C5-4996-A53D-5D38DAEE2E5F}"/>
+                <a16:creationId xmlns:a16="http://schemas.microsoft.com/office/drawing/2014/main" id="{153F8834-4509-4A19-812C-D9008A246D4F}"/>
               </a:ext>
             </a:extLst>
           </p:cNvPr>
@@ -13991,8 +14460,8 @@
         </p:nvSpPr>
         <p:spPr>
           <a:xfrm>
-            <a:off x="678021" y="6370157"/>
-            <a:ext cx="8012973" cy="477054"/>
+            <a:off x="4409136" y="3980335"/>
+            <a:ext cx="740700" cy="400110"/>
           </a:xfrm>
           <a:prstGeom prst="rect">
             <a:avLst/>
@@ -14006,53 +14475,9 @@
           <a:lstStyle/>
           <a:p>
             <a:r>
-              <a:rPr kumimoji="1" lang="ja-JP" altLang="en-US" sz="2500" dirty="0">
+              <a:rPr kumimoji="1" lang="ja-JP" altLang="en-US" sz="2000" dirty="0">
                 <a:ln w="12700">
                   <a:solidFill>
-                    <a:srgbClr val="03A9F4"/>
-                  </a:solidFill>
-                </a:ln>
-                <a:latin typeface="けいふぉんと" panose="02000600000000000000" pitchFamily="2" charset="-128"/>
-                <a:ea typeface="けいふぉんと" panose="02000600000000000000" pitchFamily="2" charset="-128"/>
-              </a:rPr>
-              <a:t>絞り込み条件はドロップダウンリスト等によって選択する</a:t>
-            </a:r>
-          </a:p>
-        </p:txBody>
-      </p:sp>
-      <p:sp>
-        <p:nvSpPr>
-          <p:cNvPr id="17" name="テキスト ボックス 16">
-            <a:extLst>
-              <a:ext uri="{FF2B5EF4-FFF2-40B4-BE49-F238E27FC236}">
-                <a16:creationId xmlns:a16="http://schemas.microsoft.com/office/drawing/2014/main" id="{5DCCC55C-5C53-4344-AFD4-ADDA512D6BFE}"/>
-              </a:ext>
-            </a:extLst>
-          </p:cNvPr>
-          <p:cNvSpPr txBox="1"/>
-          <p:nvPr/>
-        </p:nvSpPr>
-        <p:spPr>
-          <a:xfrm>
-            <a:off x="2041415" y="2479118"/>
-            <a:ext cx="3274806" cy="707886"/>
-          </a:xfrm>
-          <a:prstGeom prst="rect">
-            <a:avLst/>
-          </a:prstGeom>
-          <a:noFill/>
-        </p:spPr>
-        <p:txBody>
-          <a:bodyPr wrap="square" rtlCol="0">
-            <a:spAutoFit/>
-          </a:bodyPr>
-          <a:lstStyle/>
-          <a:p>
-            <a:pPr algn="just"/>
-            <a:r>
-              <a:rPr kumimoji="1" lang="ja-JP" altLang="en-US" sz="4000" dirty="0">
-                <a:ln w="12700">
-                  <a:solidFill>
                     <a:srgbClr val="607D8B"/>
                   </a:solidFill>
                 </a:ln>
@@ -14062,9 +14487,9 @@
                 <a:latin typeface="けいふぉんと" panose="02000600000000000000" pitchFamily="2" charset="-128"/>
                 <a:ea typeface="けいふぉんと" panose="02000600000000000000" pitchFamily="2" charset="-128"/>
               </a:rPr>
-              <a:t>ジャンル割合</a:t>
-            </a:r>
-            <a:endParaRPr kumimoji="1" lang="en-US" altLang="ja-JP" sz="4000" dirty="0">
+              <a:t>和食</a:t>
+            </a:r>
+            <a:endParaRPr kumimoji="1" lang="en-US" altLang="ja-JP" sz="2000" dirty="0">
               <a:ln w="12700">
                 <a:solidFill>
                   <a:srgbClr val="607D8B"/>
@@ -14081,10 +14506,10 @@
       </p:sp>
       <p:sp>
         <p:nvSpPr>
-          <p:cNvPr id="25" name="テキスト ボックス 24">
+          <p:cNvPr id="144" name="テキスト ボックス 143">
             <a:extLst>
               <a:ext uri="{FF2B5EF4-FFF2-40B4-BE49-F238E27FC236}">
-                <a16:creationId xmlns:a16="http://schemas.microsoft.com/office/drawing/2014/main" id="{4831F76A-72E2-4B1D-B500-109B155CDAB9}"/>
+                <a16:creationId xmlns:a16="http://schemas.microsoft.com/office/drawing/2014/main" id="{7942DDE2-C256-4276-91BC-6733B2EF5D3A}"/>
               </a:ext>
             </a:extLst>
           </p:cNvPr>
@@ -14093,8 +14518,8 @@
         </p:nvSpPr>
         <p:spPr>
           <a:xfrm>
-            <a:off x="6485887" y="2479118"/>
-            <a:ext cx="4054586" cy="707886"/>
+            <a:off x="4409136" y="4380445"/>
+            <a:ext cx="740700" cy="400110"/>
           </a:xfrm>
           <a:prstGeom prst="rect">
             <a:avLst/>
@@ -14107,9 +14532,8 @@
           </a:bodyPr>
           <a:lstStyle/>
           <a:p>
-            <a:pPr algn="ctr"/>
-            <a:r>
-              <a:rPr kumimoji="1" lang="zh-TW" altLang="en-US" sz="4000" dirty="0">
+            <a:r>
+              <a:rPr kumimoji="1" lang="ja-JP" altLang="en-US" sz="2000" dirty="0">
                 <a:ln w="12700">
                   <a:solidFill>
                     <a:srgbClr val="607D8B"/>
@@ -14121,39 +14545,9 @@
                 <a:latin typeface="けいふぉんと" panose="02000600000000000000" pitchFamily="2" charset="-128"/>
                 <a:ea typeface="けいふぉんと" panose="02000600000000000000" pitchFamily="2" charset="-128"/>
               </a:rPr>
-              <a:t>一週間</a:t>
-            </a:r>
-            <a:r>
-              <a:rPr kumimoji="1" lang="en-US" altLang="zh-TW" sz="4000" dirty="0">
-                <a:ln w="12700">
-                  <a:solidFill>
-                    <a:srgbClr val="607D8B"/>
-                  </a:solidFill>
-                </a:ln>
-                <a:solidFill>
-                  <a:srgbClr val="CDDC39"/>
-                </a:solidFill>
-                <a:latin typeface="けいふぉんと" panose="02000600000000000000" pitchFamily="2" charset="-128"/>
-                <a:ea typeface="けいふぉんと" panose="02000600000000000000" pitchFamily="2" charset="-128"/>
-              </a:rPr>
-              <a:t>2</a:t>
-            </a:r>
-            <a:r>
-              <a:rPr kumimoji="1" lang="zh-TW" altLang="en-US" sz="4000" dirty="0">
-                <a:ln w="12700">
-                  <a:solidFill>
-                    <a:srgbClr val="607D8B"/>
-                  </a:solidFill>
-                </a:ln>
-                <a:solidFill>
-                  <a:srgbClr val="CDDC39"/>
-                </a:solidFill>
-                <a:latin typeface="けいふぉんと" panose="02000600000000000000" pitchFamily="2" charset="-128"/>
-                <a:ea typeface="けいふぉんと" panose="02000600000000000000" pitchFamily="2" charset="-128"/>
-              </a:rPr>
-              <a:t>人前価格</a:t>
-            </a:r>
-            <a:endParaRPr kumimoji="1" lang="en-US" altLang="ja-JP" sz="4000" dirty="0">
+              <a:t>煮物</a:t>
+            </a:r>
+            <a:endParaRPr kumimoji="1" lang="en-US" altLang="ja-JP" sz="2000" dirty="0">
               <a:ln w="12700">
                 <a:solidFill>
                   <a:srgbClr val="607D8B"/>
@@ -14168,10 +14562,890 @@
           </a:p>
         </p:txBody>
       </p:sp>
+      <p:sp>
+        <p:nvSpPr>
+          <p:cNvPr id="145" name="テキスト ボックス 144">
+            <a:extLst>
+              <a:ext uri="{FF2B5EF4-FFF2-40B4-BE49-F238E27FC236}">
+                <a16:creationId xmlns:a16="http://schemas.microsoft.com/office/drawing/2014/main" id="{E4D78297-FA74-4ACC-BEB7-332BC1BEA196}"/>
+              </a:ext>
+            </a:extLst>
+          </p:cNvPr>
+          <p:cNvSpPr txBox="1"/>
+          <p:nvPr/>
+        </p:nvSpPr>
+        <p:spPr>
+          <a:xfrm>
+            <a:off x="7042166" y="3980335"/>
+            <a:ext cx="1876425" cy="400110"/>
+          </a:xfrm>
+          <a:prstGeom prst="rect">
+            <a:avLst/>
+          </a:prstGeom>
+          <a:noFill/>
+        </p:spPr>
+        <p:txBody>
+          <a:bodyPr wrap="square" rtlCol="0">
+            <a:spAutoFit/>
+          </a:bodyPr>
+          <a:lstStyle/>
+          <a:p>
+            <a:r>
+              <a:rPr kumimoji="1" lang="ja-JP" altLang="en-US" sz="2000" dirty="0">
+                <a:ln w="12700">
+                  <a:solidFill>
+                    <a:srgbClr val="607D8B"/>
+                  </a:solidFill>
+                </a:ln>
+                <a:solidFill>
+                  <a:srgbClr val="CDDC39"/>
+                </a:solidFill>
+                <a:latin typeface="けいふぉんと" panose="02000600000000000000" pitchFamily="2" charset="-128"/>
+                <a:ea typeface="けいふぉんと" panose="02000600000000000000" pitchFamily="2" charset="-128"/>
+              </a:rPr>
+              <a:t>所要時間</a:t>
+            </a:r>
+            <a:r>
+              <a:rPr kumimoji="1" lang="en-US" altLang="ja-JP" sz="2000" dirty="0">
+                <a:ln w="12700">
+                  <a:solidFill>
+                    <a:srgbClr val="607D8B"/>
+                  </a:solidFill>
+                </a:ln>
+                <a:solidFill>
+                  <a:srgbClr val="CDDC39"/>
+                </a:solidFill>
+                <a:latin typeface="けいふぉんと" panose="02000600000000000000" pitchFamily="2" charset="-128"/>
+                <a:ea typeface="けいふぉんと" panose="02000600000000000000" pitchFamily="2" charset="-128"/>
+              </a:rPr>
+              <a:t>:40</a:t>
+            </a:r>
+            <a:r>
+              <a:rPr kumimoji="1" lang="ja-JP" altLang="en-US" sz="2000" dirty="0">
+                <a:ln w="12700">
+                  <a:solidFill>
+                    <a:srgbClr val="607D8B"/>
+                  </a:solidFill>
+                </a:ln>
+                <a:solidFill>
+                  <a:srgbClr val="CDDC39"/>
+                </a:solidFill>
+                <a:latin typeface="けいふぉんと" panose="02000600000000000000" pitchFamily="2" charset="-128"/>
+                <a:ea typeface="けいふぉんと" panose="02000600000000000000" pitchFamily="2" charset="-128"/>
+              </a:rPr>
+              <a:t>分</a:t>
+            </a:r>
+          </a:p>
+        </p:txBody>
+      </p:sp>
+      <p:sp>
+        <p:nvSpPr>
+          <p:cNvPr id="146" name="テキスト ボックス 145">
+            <a:extLst>
+              <a:ext uri="{FF2B5EF4-FFF2-40B4-BE49-F238E27FC236}">
+                <a16:creationId xmlns:a16="http://schemas.microsoft.com/office/drawing/2014/main" id="{B4737F3D-4747-457B-B322-17674341322E}"/>
+              </a:ext>
+            </a:extLst>
+          </p:cNvPr>
+          <p:cNvSpPr txBox="1"/>
+          <p:nvPr/>
+        </p:nvSpPr>
+        <p:spPr>
+          <a:xfrm>
+            <a:off x="7042165" y="4389063"/>
+            <a:ext cx="2235188" cy="400110"/>
+          </a:xfrm>
+          <a:prstGeom prst="rect">
+            <a:avLst/>
+          </a:prstGeom>
+          <a:noFill/>
+        </p:spPr>
+        <p:txBody>
+          <a:bodyPr wrap="square" rtlCol="0">
+            <a:spAutoFit/>
+          </a:bodyPr>
+          <a:lstStyle/>
+          <a:p>
+            <a:r>
+              <a:rPr kumimoji="1" lang="ja-JP" altLang="en-US" sz="2000" dirty="0">
+                <a:ln w="12700">
+                  <a:solidFill>
+                    <a:srgbClr val="607D8B"/>
+                  </a:solidFill>
+                </a:ln>
+                <a:solidFill>
+                  <a:srgbClr val="CDDC39"/>
+                </a:solidFill>
+                <a:latin typeface="けいふぉんと" panose="02000600000000000000" pitchFamily="2" charset="-128"/>
+                <a:ea typeface="けいふぉんと" panose="02000600000000000000" pitchFamily="2" charset="-128"/>
+              </a:rPr>
+              <a:t>カロリー</a:t>
+            </a:r>
+            <a:r>
+              <a:rPr kumimoji="1" lang="en-US" altLang="ja-JP" sz="2000" dirty="0">
+                <a:ln w="12700">
+                  <a:solidFill>
+                    <a:srgbClr val="607D8B"/>
+                  </a:solidFill>
+                </a:ln>
+                <a:solidFill>
+                  <a:srgbClr val="CDDC39"/>
+                </a:solidFill>
+                <a:latin typeface="けいふぉんと" panose="02000600000000000000" pitchFamily="2" charset="-128"/>
+                <a:ea typeface="けいふぉんと" panose="02000600000000000000" pitchFamily="2" charset="-128"/>
+              </a:rPr>
+              <a:t>:170kcal</a:t>
+            </a:r>
+          </a:p>
+        </p:txBody>
+      </p:sp>
+      <p:sp>
+        <p:nvSpPr>
+          <p:cNvPr id="147" name="テキスト ボックス 146">
+            <a:extLst>
+              <a:ext uri="{FF2B5EF4-FFF2-40B4-BE49-F238E27FC236}">
+                <a16:creationId xmlns:a16="http://schemas.microsoft.com/office/drawing/2014/main" id="{DA0637DD-58D9-4909-89FD-CD5549AAE55A}"/>
+              </a:ext>
+            </a:extLst>
+          </p:cNvPr>
+          <p:cNvSpPr txBox="1"/>
+          <p:nvPr/>
+        </p:nvSpPr>
+        <p:spPr>
+          <a:xfrm>
+            <a:off x="9587432" y="4035120"/>
+            <a:ext cx="1425036" cy="707886"/>
+          </a:xfrm>
+          <a:prstGeom prst="rect">
+            <a:avLst/>
+          </a:prstGeom>
+          <a:noFill/>
+        </p:spPr>
+        <p:txBody>
+          <a:bodyPr wrap="square" rtlCol="0">
+            <a:spAutoFit/>
+          </a:bodyPr>
+          <a:lstStyle/>
+          <a:p>
+            <a:pPr algn="ctr"/>
+            <a:r>
+              <a:rPr kumimoji="1" lang="ja-JP" altLang="en-US" sz="2000" dirty="0">
+                <a:ln w="12700">
+                  <a:solidFill>
+                    <a:srgbClr val="607D8B"/>
+                  </a:solidFill>
+                </a:ln>
+                <a:solidFill>
+                  <a:srgbClr val="CDDC39"/>
+                </a:solidFill>
+                <a:latin typeface="けいふぉんと" panose="02000600000000000000" pitchFamily="2" charset="-128"/>
+                <a:ea typeface="けいふぉんと" panose="02000600000000000000" pitchFamily="2" charset="-128"/>
+              </a:rPr>
+              <a:t>お気に入り</a:t>
+            </a:r>
+            <a:endParaRPr kumimoji="1" lang="en-US" altLang="ja-JP" sz="2000" dirty="0">
+              <a:ln w="12700">
+                <a:solidFill>
+                  <a:srgbClr val="607D8B"/>
+                </a:solidFill>
+              </a:ln>
+              <a:solidFill>
+                <a:srgbClr val="CDDC39"/>
+              </a:solidFill>
+              <a:latin typeface="けいふぉんと" panose="02000600000000000000" pitchFamily="2" charset="-128"/>
+              <a:ea typeface="けいふぉんと" panose="02000600000000000000" pitchFamily="2" charset="-128"/>
+            </a:endParaRPr>
+          </a:p>
+          <a:p>
+            <a:pPr algn="ctr"/>
+            <a:r>
+              <a:rPr kumimoji="1" lang="ja-JP" altLang="en-US" sz="2000" dirty="0">
+                <a:ln w="12700">
+                  <a:solidFill>
+                    <a:srgbClr val="607D8B"/>
+                  </a:solidFill>
+                </a:ln>
+                <a:solidFill>
+                  <a:srgbClr val="CDDC39"/>
+                </a:solidFill>
+                <a:latin typeface="けいふぉんと" panose="02000600000000000000" pitchFamily="2" charset="-128"/>
+                <a:ea typeface="けいふぉんと" panose="02000600000000000000" pitchFamily="2" charset="-128"/>
+              </a:rPr>
+              <a:t>追加</a:t>
+            </a:r>
+            <a:endParaRPr kumimoji="1" lang="en-US" altLang="ja-JP" sz="2000" dirty="0">
+              <a:ln w="12700">
+                <a:solidFill>
+                  <a:srgbClr val="607D8B"/>
+                </a:solidFill>
+              </a:ln>
+              <a:solidFill>
+                <a:srgbClr val="CDDC39"/>
+              </a:solidFill>
+              <a:latin typeface="けいふぉんと" panose="02000600000000000000" pitchFamily="2" charset="-128"/>
+              <a:ea typeface="けいふぉんと" panose="02000600000000000000" pitchFamily="2" charset="-128"/>
+            </a:endParaRPr>
+          </a:p>
+        </p:txBody>
+      </p:sp>
+      <p:sp>
+        <p:nvSpPr>
+          <p:cNvPr id="148" name="正方形/長方形 147">
+            <a:extLst>
+              <a:ext uri="{FF2B5EF4-FFF2-40B4-BE49-F238E27FC236}">
+                <a16:creationId xmlns:a16="http://schemas.microsoft.com/office/drawing/2014/main" id="{E8F8ACA4-1AB5-461A-8B3F-60D7198DCE80}"/>
+              </a:ext>
+            </a:extLst>
+          </p:cNvPr>
+          <p:cNvSpPr/>
+          <p:nvPr/>
+        </p:nvSpPr>
+        <p:spPr>
+          <a:xfrm>
+            <a:off x="9686925" y="4076623"/>
+            <a:ext cx="1238250" cy="611598"/>
+          </a:xfrm>
+          <a:prstGeom prst="rect">
+            <a:avLst/>
+          </a:prstGeom>
+          <a:solidFill>
+            <a:srgbClr val="8BC34A">
+              <a:alpha val="10196"/>
+            </a:srgbClr>
+          </a:solidFill>
+        </p:spPr>
+        <p:style>
+          <a:lnRef idx="2">
+            <a:schemeClr val="accent1">
+              <a:shade val="50000"/>
+            </a:schemeClr>
+          </a:lnRef>
+          <a:fillRef idx="1">
+            <a:schemeClr val="accent1"/>
+          </a:fillRef>
+          <a:effectRef idx="0">
+            <a:schemeClr val="accent1"/>
+          </a:effectRef>
+          <a:fontRef idx="minor">
+            <a:schemeClr val="lt1"/>
+          </a:fontRef>
+        </p:style>
+        <p:txBody>
+          <a:bodyPr rtlCol="0" anchor="ctr"/>
+          <a:lstStyle/>
+          <a:p>
+            <a:pPr algn="ctr"/>
+            <a:endParaRPr kumimoji="1" lang="ja-JP" altLang="en-US" dirty="0"/>
+          </a:p>
+        </p:txBody>
+      </p:sp>
+      <p:sp>
+        <p:nvSpPr>
+          <p:cNvPr id="149" name="テキスト ボックス 148">
+            <a:extLst>
+              <a:ext uri="{FF2B5EF4-FFF2-40B4-BE49-F238E27FC236}">
+                <a16:creationId xmlns:a16="http://schemas.microsoft.com/office/drawing/2014/main" id="{DD85F827-68D6-49D6-9D2D-0B8C2E7E4546}"/>
+              </a:ext>
+            </a:extLst>
+          </p:cNvPr>
+          <p:cNvSpPr txBox="1"/>
+          <p:nvPr/>
+        </p:nvSpPr>
+        <p:spPr>
+          <a:xfrm>
+            <a:off x="1352697" y="4996011"/>
+            <a:ext cx="2316678" cy="707886"/>
+          </a:xfrm>
+          <a:prstGeom prst="rect">
+            <a:avLst/>
+          </a:prstGeom>
+          <a:noFill/>
+        </p:spPr>
+        <p:txBody>
+          <a:bodyPr wrap="square" rtlCol="0">
+            <a:spAutoFit/>
+          </a:bodyPr>
+          <a:lstStyle/>
+          <a:p>
+            <a:r>
+              <a:rPr kumimoji="1" lang="en-US" altLang="ja-JP" sz="4000" dirty="0" err="1">
+                <a:ln w="12700">
+                  <a:solidFill>
+                    <a:srgbClr val="607D8B"/>
+                  </a:solidFill>
+                </a:ln>
+                <a:solidFill>
+                  <a:srgbClr val="CDDC39"/>
+                </a:solidFill>
+                <a:latin typeface="けいふぉんと" panose="02000600000000000000" pitchFamily="2" charset="-128"/>
+                <a:ea typeface="けいふぉんと" panose="02000600000000000000" pitchFamily="2" charset="-128"/>
+              </a:rPr>
+              <a:t>hoge</a:t>
+            </a:r>
+            <a:endParaRPr kumimoji="1" lang="en-US" altLang="ja-JP" sz="4000" dirty="0">
+              <a:ln w="12700">
+                <a:solidFill>
+                  <a:srgbClr val="607D8B"/>
+                </a:solidFill>
+              </a:ln>
+              <a:solidFill>
+                <a:srgbClr val="CDDC39"/>
+              </a:solidFill>
+              <a:latin typeface="けいふぉんと" panose="02000600000000000000" pitchFamily="2" charset="-128"/>
+              <a:ea typeface="けいふぉんと" panose="02000600000000000000" pitchFamily="2" charset="-128"/>
+            </a:endParaRPr>
+          </a:p>
+        </p:txBody>
+      </p:sp>
+      <p:sp>
+        <p:nvSpPr>
+          <p:cNvPr id="150" name="テキスト ボックス 149">
+            <a:extLst>
+              <a:ext uri="{FF2B5EF4-FFF2-40B4-BE49-F238E27FC236}">
+                <a16:creationId xmlns:a16="http://schemas.microsoft.com/office/drawing/2014/main" id="{F1CD503B-8229-426E-A4B2-21F715801FDF}"/>
+              </a:ext>
+            </a:extLst>
+          </p:cNvPr>
+          <p:cNvSpPr txBox="1"/>
+          <p:nvPr/>
+        </p:nvSpPr>
+        <p:spPr>
+          <a:xfrm>
+            <a:off x="4409136" y="4996011"/>
+            <a:ext cx="740700" cy="400110"/>
+          </a:xfrm>
+          <a:prstGeom prst="rect">
+            <a:avLst/>
+          </a:prstGeom>
+          <a:noFill/>
+        </p:spPr>
+        <p:txBody>
+          <a:bodyPr wrap="square" rtlCol="0">
+            <a:spAutoFit/>
+          </a:bodyPr>
+          <a:lstStyle/>
+          <a:p>
+            <a:r>
+              <a:rPr kumimoji="1" lang="ja-JP" altLang="en-US" sz="2000" dirty="0">
+                <a:ln w="12700">
+                  <a:solidFill>
+                    <a:srgbClr val="607D8B"/>
+                  </a:solidFill>
+                </a:ln>
+                <a:solidFill>
+                  <a:srgbClr val="CDDC39"/>
+                </a:solidFill>
+                <a:latin typeface="けいふぉんと" panose="02000600000000000000" pitchFamily="2" charset="-128"/>
+                <a:ea typeface="けいふぉんと" panose="02000600000000000000" pitchFamily="2" charset="-128"/>
+              </a:rPr>
+              <a:t>和食</a:t>
+            </a:r>
+            <a:endParaRPr kumimoji="1" lang="en-US" altLang="ja-JP" sz="2000" dirty="0">
+              <a:ln w="12700">
+                <a:solidFill>
+                  <a:srgbClr val="607D8B"/>
+                </a:solidFill>
+              </a:ln>
+              <a:solidFill>
+                <a:srgbClr val="CDDC39"/>
+              </a:solidFill>
+              <a:latin typeface="けいふぉんと" panose="02000600000000000000" pitchFamily="2" charset="-128"/>
+              <a:ea typeface="けいふぉんと" panose="02000600000000000000" pitchFamily="2" charset="-128"/>
+            </a:endParaRPr>
+          </a:p>
+        </p:txBody>
+      </p:sp>
+      <p:sp>
+        <p:nvSpPr>
+          <p:cNvPr id="151" name="テキスト ボックス 150">
+            <a:extLst>
+              <a:ext uri="{FF2B5EF4-FFF2-40B4-BE49-F238E27FC236}">
+                <a16:creationId xmlns:a16="http://schemas.microsoft.com/office/drawing/2014/main" id="{CEF50F10-8716-4EB8-9A74-7248AC6546FF}"/>
+              </a:ext>
+            </a:extLst>
+          </p:cNvPr>
+          <p:cNvSpPr txBox="1"/>
+          <p:nvPr/>
+        </p:nvSpPr>
+        <p:spPr>
+          <a:xfrm>
+            <a:off x="4409136" y="5396121"/>
+            <a:ext cx="740700" cy="400110"/>
+          </a:xfrm>
+          <a:prstGeom prst="rect">
+            <a:avLst/>
+          </a:prstGeom>
+          <a:noFill/>
+        </p:spPr>
+        <p:txBody>
+          <a:bodyPr wrap="square" rtlCol="0">
+            <a:spAutoFit/>
+          </a:bodyPr>
+          <a:lstStyle/>
+          <a:p>
+            <a:r>
+              <a:rPr kumimoji="1" lang="ja-JP" altLang="en-US" sz="2000" dirty="0">
+                <a:ln w="12700">
+                  <a:solidFill>
+                    <a:srgbClr val="607D8B"/>
+                  </a:solidFill>
+                </a:ln>
+                <a:solidFill>
+                  <a:srgbClr val="CDDC39"/>
+                </a:solidFill>
+                <a:latin typeface="けいふぉんと" panose="02000600000000000000" pitchFamily="2" charset="-128"/>
+                <a:ea typeface="けいふぉんと" panose="02000600000000000000" pitchFamily="2" charset="-128"/>
+              </a:rPr>
+              <a:t>煮物</a:t>
+            </a:r>
+            <a:endParaRPr kumimoji="1" lang="en-US" altLang="ja-JP" sz="2000" dirty="0">
+              <a:ln w="12700">
+                <a:solidFill>
+                  <a:srgbClr val="607D8B"/>
+                </a:solidFill>
+              </a:ln>
+              <a:solidFill>
+                <a:srgbClr val="CDDC39"/>
+              </a:solidFill>
+              <a:latin typeface="けいふぉんと" panose="02000600000000000000" pitchFamily="2" charset="-128"/>
+              <a:ea typeface="けいふぉんと" panose="02000600000000000000" pitchFamily="2" charset="-128"/>
+            </a:endParaRPr>
+          </a:p>
+        </p:txBody>
+      </p:sp>
+      <p:sp>
+        <p:nvSpPr>
+          <p:cNvPr id="152" name="テキスト ボックス 151">
+            <a:extLst>
+              <a:ext uri="{FF2B5EF4-FFF2-40B4-BE49-F238E27FC236}">
+                <a16:creationId xmlns:a16="http://schemas.microsoft.com/office/drawing/2014/main" id="{468978F9-04BC-4FB2-BFEF-059E77BFB33C}"/>
+              </a:ext>
+            </a:extLst>
+          </p:cNvPr>
+          <p:cNvSpPr txBox="1"/>
+          <p:nvPr/>
+        </p:nvSpPr>
+        <p:spPr>
+          <a:xfrm>
+            <a:off x="7042166" y="4996011"/>
+            <a:ext cx="1876425" cy="400110"/>
+          </a:xfrm>
+          <a:prstGeom prst="rect">
+            <a:avLst/>
+          </a:prstGeom>
+          <a:noFill/>
+        </p:spPr>
+        <p:txBody>
+          <a:bodyPr wrap="square" rtlCol="0">
+            <a:spAutoFit/>
+          </a:bodyPr>
+          <a:lstStyle/>
+          <a:p>
+            <a:r>
+              <a:rPr kumimoji="1" lang="ja-JP" altLang="en-US" sz="2000" dirty="0">
+                <a:ln w="12700">
+                  <a:solidFill>
+                    <a:srgbClr val="607D8B"/>
+                  </a:solidFill>
+                </a:ln>
+                <a:solidFill>
+                  <a:srgbClr val="CDDC39"/>
+                </a:solidFill>
+                <a:latin typeface="けいふぉんと" panose="02000600000000000000" pitchFamily="2" charset="-128"/>
+                <a:ea typeface="けいふぉんと" panose="02000600000000000000" pitchFamily="2" charset="-128"/>
+              </a:rPr>
+              <a:t>所要時間</a:t>
+            </a:r>
+            <a:r>
+              <a:rPr kumimoji="1" lang="en-US" altLang="ja-JP" sz="2000" dirty="0">
+                <a:ln w="12700">
+                  <a:solidFill>
+                    <a:srgbClr val="607D8B"/>
+                  </a:solidFill>
+                </a:ln>
+                <a:solidFill>
+                  <a:srgbClr val="CDDC39"/>
+                </a:solidFill>
+                <a:latin typeface="けいふぉんと" panose="02000600000000000000" pitchFamily="2" charset="-128"/>
+                <a:ea typeface="けいふぉんと" panose="02000600000000000000" pitchFamily="2" charset="-128"/>
+              </a:rPr>
+              <a:t>:40</a:t>
+            </a:r>
+            <a:r>
+              <a:rPr kumimoji="1" lang="ja-JP" altLang="en-US" sz="2000" dirty="0">
+                <a:ln w="12700">
+                  <a:solidFill>
+                    <a:srgbClr val="607D8B"/>
+                  </a:solidFill>
+                </a:ln>
+                <a:solidFill>
+                  <a:srgbClr val="CDDC39"/>
+                </a:solidFill>
+                <a:latin typeface="けいふぉんと" panose="02000600000000000000" pitchFamily="2" charset="-128"/>
+                <a:ea typeface="けいふぉんと" panose="02000600000000000000" pitchFamily="2" charset="-128"/>
+              </a:rPr>
+              <a:t>分</a:t>
+            </a:r>
+          </a:p>
+        </p:txBody>
+      </p:sp>
+      <p:sp>
+        <p:nvSpPr>
+          <p:cNvPr id="153" name="テキスト ボックス 152">
+            <a:extLst>
+              <a:ext uri="{FF2B5EF4-FFF2-40B4-BE49-F238E27FC236}">
+                <a16:creationId xmlns:a16="http://schemas.microsoft.com/office/drawing/2014/main" id="{D8037F73-229E-4CD1-8CF5-DC6EA587BE25}"/>
+              </a:ext>
+            </a:extLst>
+          </p:cNvPr>
+          <p:cNvSpPr txBox="1"/>
+          <p:nvPr/>
+        </p:nvSpPr>
+        <p:spPr>
+          <a:xfrm>
+            <a:off x="7042165" y="5404739"/>
+            <a:ext cx="2235188" cy="400110"/>
+          </a:xfrm>
+          <a:prstGeom prst="rect">
+            <a:avLst/>
+          </a:prstGeom>
+          <a:noFill/>
+        </p:spPr>
+        <p:txBody>
+          <a:bodyPr wrap="square" rtlCol="0">
+            <a:spAutoFit/>
+          </a:bodyPr>
+          <a:lstStyle/>
+          <a:p>
+            <a:r>
+              <a:rPr kumimoji="1" lang="ja-JP" altLang="en-US" sz="2000" dirty="0">
+                <a:ln w="12700">
+                  <a:solidFill>
+                    <a:srgbClr val="607D8B"/>
+                  </a:solidFill>
+                </a:ln>
+                <a:solidFill>
+                  <a:srgbClr val="CDDC39"/>
+                </a:solidFill>
+                <a:latin typeface="けいふぉんと" panose="02000600000000000000" pitchFamily="2" charset="-128"/>
+                <a:ea typeface="けいふぉんと" panose="02000600000000000000" pitchFamily="2" charset="-128"/>
+              </a:rPr>
+              <a:t>カロリー</a:t>
+            </a:r>
+            <a:r>
+              <a:rPr kumimoji="1" lang="en-US" altLang="ja-JP" sz="2000" dirty="0">
+                <a:ln w="12700">
+                  <a:solidFill>
+                    <a:srgbClr val="607D8B"/>
+                  </a:solidFill>
+                </a:ln>
+                <a:solidFill>
+                  <a:srgbClr val="CDDC39"/>
+                </a:solidFill>
+                <a:latin typeface="けいふぉんと" panose="02000600000000000000" pitchFamily="2" charset="-128"/>
+                <a:ea typeface="けいふぉんと" panose="02000600000000000000" pitchFamily="2" charset="-128"/>
+              </a:rPr>
+              <a:t>:170kcal</a:t>
+            </a:r>
+          </a:p>
+        </p:txBody>
+      </p:sp>
+      <p:sp>
+        <p:nvSpPr>
+          <p:cNvPr id="154" name="テキスト ボックス 153">
+            <a:extLst>
+              <a:ext uri="{FF2B5EF4-FFF2-40B4-BE49-F238E27FC236}">
+                <a16:creationId xmlns:a16="http://schemas.microsoft.com/office/drawing/2014/main" id="{A0078919-C277-4065-AAB0-2E113518620D}"/>
+              </a:ext>
+            </a:extLst>
+          </p:cNvPr>
+          <p:cNvSpPr txBox="1"/>
+          <p:nvPr/>
+        </p:nvSpPr>
+        <p:spPr>
+          <a:xfrm>
+            <a:off x="9587432" y="5050796"/>
+            <a:ext cx="1425036" cy="707886"/>
+          </a:xfrm>
+          <a:prstGeom prst="rect">
+            <a:avLst/>
+          </a:prstGeom>
+          <a:noFill/>
+        </p:spPr>
+        <p:txBody>
+          <a:bodyPr wrap="square" rtlCol="0">
+            <a:spAutoFit/>
+          </a:bodyPr>
+          <a:lstStyle/>
+          <a:p>
+            <a:pPr algn="ctr"/>
+            <a:r>
+              <a:rPr kumimoji="1" lang="ja-JP" altLang="en-US" sz="2000" dirty="0">
+                <a:ln w="12700">
+                  <a:solidFill>
+                    <a:srgbClr val="607D8B"/>
+                  </a:solidFill>
+                </a:ln>
+                <a:solidFill>
+                  <a:srgbClr val="CDDC39"/>
+                </a:solidFill>
+                <a:latin typeface="けいふぉんと" panose="02000600000000000000" pitchFamily="2" charset="-128"/>
+                <a:ea typeface="けいふぉんと" panose="02000600000000000000" pitchFamily="2" charset="-128"/>
+              </a:rPr>
+              <a:t>お気に入り</a:t>
+            </a:r>
+            <a:endParaRPr kumimoji="1" lang="en-US" altLang="ja-JP" sz="2000" dirty="0">
+              <a:ln w="12700">
+                <a:solidFill>
+                  <a:srgbClr val="607D8B"/>
+                </a:solidFill>
+              </a:ln>
+              <a:solidFill>
+                <a:srgbClr val="CDDC39"/>
+              </a:solidFill>
+              <a:latin typeface="けいふぉんと" panose="02000600000000000000" pitchFamily="2" charset="-128"/>
+              <a:ea typeface="けいふぉんと" panose="02000600000000000000" pitchFamily="2" charset="-128"/>
+            </a:endParaRPr>
+          </a:p>
+          <a:p>
+            <a:pPr algn="ctr"/>
+            <a:r>
+              <a:rPr kumimoji="1" lang="ja-JP" altLang="en-US" sz="2000" dirty="0">
+                <a:ln w="12700">
+                  <a:solidFill>
+                    <a:srgbClr val="607D8B"/>
+                  </a:solidFill>
+                </a:ln>
+                <a:solidFill>
+                  <a:srgbClr val="CDDC39"/>
+                </a:solidFill>
+                <a:latin typeface="けいふぉんと" panose="02000600000000000000" pitchFamily="2" charset="-128"/>
+                <a:ea typeface="けいふぉんと" panose="02000600000000000000" pitchFamily="2" charset="-128"/>
+              </a:rPr>
+              <a:t>追加</a:t>
+            </a:r>
+            <a:endParaRPr kumimoji="1" lang="en-US" altLang="ja-JP" sz="2000" dirty="0">
+              <a:ln w="12700">
+                <a:solidFill>
+                  <a:srgbClr val="607D8B"/>
+                </a:solidFill>
+              </a:ln>
+              <a:solidFill>
+                <a:srgbClr val="CDDC39"/>
+              </a:solidFill>
+              <a:latin typeface="けいふぉんと" panose="02000600000000000000" pitchFamily="2" charset="-128"/>
+              <a:ea typeface="けいふぉんと" panose="02000600000000000000" pitchFamily="2" charset="-128"/>
+            </a:endParaRPr>
+          </a:p>
+        </p:txBody>
+      </p:sp>
+      <p:sp>
+        <p:nvSpPr>
+          <p:cNvPr id="155" name="正方形/長方形 154">
+            <a:extLst>
+              <a:ext uri="{FF2B5EF4-FFF2-40B4-BE49-F238E27FC236}">
+                <a16:creationId xmlns:a16="http://schemas.microsoft.com/office/drawing/2014/main" id="{CC48AC53-B590-4D93-B07A-BBC6C1AFCDF9}"/>
+              </a:ext>
+            </a:extLst>
+          </p:cNvPr>
+          <p:cNvSpPr/>
+          <p:nvPr/>
+        </p:nvSpPr>
+        <p:spPr>
+          <a:xfrm>
+            <a:off x="9686925" y="5092299"/>
+            <a:ext cx="1238250" cy="611598"/>
+          </a:xfrm>
+          <a:prstGeom prst="rect">
+            <a:avLst/>
+          </a:prstGeom>
+          <a:solidFill>
+            <a:srgbClr val="8BC34A">
+              <a:alpha val="10196"/>
+            </a:srgbClr>
+          </a:solidFill>
+        </p:spPr>
+        <p:style>
+          <a:lnRef idx="2">
+            <a:schemeClr val="accent1">
+              <a:shade val="50000"/>
+            </a:schemeClr>
+          </a:lnRef>
+          <a:fillRef idx="1">
+            <a:schemeClr val="accent1"/>
+          </a:fillRef>
+          <a:effectRef idx="0">
+            <a:schemeClr val="accent1"/>
+          </a:effectRef>
+          <a:fontRef idx="minor">
+            <a:schemeClr val="lt1"/>
+          </a:fontRef>
+        </p:style>
+        <p:txBody>
+          <a:bodyPr rtlCol="0" anchor="ctr"/>
+          <a:lstStyle/>
+          <a:p>
+            <a:pPr algn="ctr"/>
+            <a:endParaRPr kumimoji="1" lang="ja-JP" altLang="en-US" dirty="0"/>
+          </a:p>
+        </p:txBody>
+      </p:sp>
+      <p:sp>
+        <p:nvSpPr>
+          <p:cNvPr id="163" name="テキスト ボックス 162">
+            <a:extLst>
+              <a:ext uri="{FF2B5EF4-FFF2-40B4-BE49-F238E27FC236}">
+                <a16:creationId xmlns:a16="http://schemas.microsoft.com/office/drawing/2014/main" id="{17E70682-4054-402A-8C81-21290A1C3CBB}"/>
+              </a:ext>
+            </a:extLst>
+          </p:cNvPr>
+          <p:cNvSpPr txBox="1"/>
+          <p:nvPr/>
+        </p:nvSpPr>
+        <p:spPr>
+          <a:xfrm>
+            <a:off x="517526" y="6368119"/>
+            <a:ext cx="4884579" cy="477054"/>
+          </a:xfrm>
+          <a:prstGeom prst="rect">
+            <a:avLst/>
+          </a:prstGeom>
+          <a:noFill/>
+        </p:spPr>
+        <p:txBody>
+          <a:bodyPr wrap="square" rtlCol="0">
+            <a:spAutoFit/>
+          </a:bodyPr>
+          <a:lstStyle/>
+          <a:p>
+            <a:r>
+              <a:rPr kumimoji="1" lang="ja-JP" altLang="en-US" sz="2500" dirty="0">
+                <a:ln w="12700">
+                  <a:solidFill>
+                    <a:srgbClr val="03A9F4"/>
+                  </a:solidFill>
+                </a:ln>
+                <a:latin typeface="けいふぉんと" panose="02000600000000000000" pitchFamily="2" charset="-128"/>
+                <a:ea typeface="けいふぉんと" panose="02000600000000000000" pitchFamily="2" charset="-128"/>
+              </a:rPr>
+              <a:t>見えない部分はスクロールで表示</a:t>
+            </a:r>
+          </a:p>
+        </p:txBody>
+      </p:sp>
+      <p:sp>
+        <p:nvSpPr>
+          <p:cNvPr id="36" name="テキスト ボックス 35">
+            <a:extLst>
+              <a:ext uri="{FF2B5EF4-FFF2-40B4-BE49-F238E27FC236}">
+                <a16:creationId xmlns:a16="http://schemas.microsoft.com/office/drawing/2014/main" id="{148D9AFB-BB23-4B25-A098-FC8CAB0E4867}"/>
+              </a:ext>
+            </a:extLst>
+          </p:cNvPr>
+          <p:cNvSpPr txBox="1"/>
+          <p:nvPr/>
+        </p:nvSpPr>
+        <p:spPr>
+          <a:xfrm>
+            <a:off x="8918591" y="1319047"/>
+            <a:ext cx="2212981" cy="477054"/>
+          </a:xfrm>
+          <a:prstGeom prst="rect">
+            <a:avLst/>
+          </a:prstGeom>
+          <a:noFill/>
+        </p:spPr>
+        <p:txBody>
+          <a:bodyPr wrap="square" rtlCol="0">
+            <a:spAutoFit/>
+          </a:bodyPr>
+          <a:lstStyle/>
+          <a:p>
+            <a:r>
+              <a:rPr kumimoji="1" lang="ja-JP" altLang="en-US" sz="2500" dirty="0">
+                <a:ln w="12700">
+                  <a:solidFill>
+                    <a:srgbClr val="607D8B"/>
+                  </a:solidFill>
+                </a:ln>
+                <a:solidFill>
+                  <a:srgbClr val="CDDC39"/>
+                </a:solidFill>
+                <a:latin typeface="けいふぉんと" panose="02000600000000000000" pitchFamily="2" charset="-128"/>
+                <a:ea typeface="けいふぉんと" panose="02000600000000000000" pitchFamily="2" charset="-128"/>
+              </a:rPr>
+              <a:t>絞り込み設定</a:t>
+            </a:r>
+            <a:endParaRPr kumimoji="1" lang="en-US" altLang="ja-JP" sz="2500" dirty="0">
+              <a:ln w="12700">
+                <a:solidFill>
+                  <a:srgbClr val="607D8B"/>
+                </a:solidFill>
+              </a:ln>
+              <a:solidFill>
+                <a:srgbClr val="CDDC39"/>
+              </a:solidFill>
+              <a:latin typeface="けいふぉんと" panose="02000600000000000000" pitchFamily="2" charset="-128"/>
+              <a:ea typeface="けいふぉんと" panose="02000600000000000000" pitchFamily="2" charset="-128"/>
+            </a:endParaRPr>
+          </a:p>
+        </p:txBody>
+      </p:sp>
+      <p:sp>
+        <p:nvSpPr>
+          <p:cNvPr id="37" name="正方形/長方形 36">
+            <a:extLst>
+              <a:ext uri="{FF2B5EF4-FFF2-40B4-BE49-F238E27FC236}">
+                <a16:creationId xmlns:a16="http://schemas.microsoft.com/office/drawing/2014/main" id="{07FF4545-1BF0-4100-824A-C888BCE74A5B}"/>
+              </a:ext>
+            </a:extLst>
+          </p:cNvPr>
+          <p:cNvSpPr/>
+          <p:nvPr/>
+        </p:nvSpPr>
+        <p:spPr>
+          <a:xfrm>
+            <a:off x="9005906" y="1376313"/>
+            <a:ext cx="1883317" cy="311199"/>
+          </a:xfrm>
+          <a:prstGeom prst="rect">
+            <a:avLst/>
+          </a:prstGeom>
+          <a:solidFill>
+            <a:srgbClr val="8BC34A">
+              <a:alpha val="10196"/>
+            </a:srgbClr>
+          </a:solidFill>
+        </p:spPr>
+        <p:style>
+          <a:lnRef idx="2">
+            <a:schemeClr val="accent1">
+              <a:shade val="50000"/>
+            </a:schemeClr>
+          </a:lnRef>
+          <a:fillRef idx="1">
+            <a:schemeClr val="accent1"/>
+          </a:fillRef>
+          <a:effectRef idx="0">
+            <a:schemeClr val="accent1"/>
+          </a:effectRef>
+          <a:fontRef idx="minor">
+            <a:schemeClr val="lt1"/>
+          </a:fontRef>
+        </p:style>
+        <p:txBody>
+          <a:bodyPr rtlCol="0" anchor="ctr"/>
+          <a:lstStyle/>
+          <a:p>
+            <a:pPr algn="ctr"/>
+            <a:endParaRPr kumimoji="1" lang="ja-JP" altLang="en-US" dirty="0"/>
+          </a:p>
+        </p:txBody>
+      </p:sp>
     </p:spTree>
     <p:extLst>
       <p:ext uri="{BB962C8B-B14F-4D97-AF65-F5344CB8AC3E}">
-        <p14:creationId xmlns:p14="http://schemas.microsoft.com/office/powerpoint/2010/main" val="624308909"/>
+        <p14:creationId xmlns:p14="http://schemas.microsoft.com/office/powerpoint/2010/main" val="1227100171"/>
       </p:ext>
     </p:extLst>
   </p:cSld>
@@ -14212,7 +15486,7 @@
         </p:nvSpPr>
         <p:spPr>
           <a:xfrm>
-            <a:off x="267573" y="182849"/>
+            <a:off x="267574" y="140107"/>
             <a:ext cx="12029202" cy="861774"/>
           </a:xfrm>
           <a:prstGeom prst="rect">
@@ -14274,6 +15548,15 @@
               </a:rPr>
               <a:t>)</a:t>
             </a:r>
+            <a:endParaRPr kumimoji="1" lang="ja-JP" altLang="en-US" sz="5000" dirty="0">
+              <a:ln w="12700">
+                <a:solidFill>
+                  <a:srgbClr val="03A9F4"/>
+                </a:solidFill>
+              </a:ln>
+              <a:latin typeface="けいふぉんと" panose="02000600000000000000" pitchFamily="2" charset="-128"/>
+              <a:ea typeface="けいふぉんと" panose="02000600000000000000" pitchFamily="2" charset="-128"/>
+            </a:endParaRPr>
           </a:p>
         </p:txBody>
       </p:sp>
@@ -14291,7 +15574,7 @@
         </p:nvSpPr>
         <p:spPr>
           <a:xfrm>
-            <a:off x="517526" y="1044623"/>
+            <a:off x="693489" y="1044623"/>
             <a:ext cx="10805021" cy="5276675"/>
           </a:xfrm>
           <a:prstGeom prst="rect">
@@ -14345,8 +15628,8 @@
         </p:nvSpPr>
         <p:spPr>
           <a:xfrm>
-            <a:off x="3669375" y="1282559"/>
-            <a:ext cx="4853247" cy="477054"/>
+            <a:off x="3678818" y="1182801"/>
+            <a:ext cx="4834362" cy="861774"/>
           </a:xfrm>
           <a:prstGeom prst="rect">
             <a:avLst/>
@@ -14421,14 +15704,74 @@
               <a:t>)</a:t>
             </a:r>
           </a:p>
-        </p:txBody>
-      </p:sp>
-      <p:sp>
-        <p:nvSpPr>
-          <p:cNvPr id="38" name="テキスト ボックス 37">
+          <a:p>
+            <a:pPr algn="ctr"/>
+            <a:r>
+              <a:rPr kumimoji="1" lang="en-US" altLang="ja-JP" sz="2500" dirty="0">
+                <a:ln w="3175">
+                  <a:solidFill>
+                    <a:srgbClr val="8BC34A"/>
+                  </a:solidFill>
+                </a:ln>
+                <a:solidFill>
+                  <a:srgbClr val="607D8B"/>
+                </a:solidFill>
+                <a:latin typeface="けいふぉんと" panose="02000600000000000000" pitchFamily="2" charset="-128"/>
+                <a:ea typeface="けいふぉんと" panose="02000600000000000000" pitchFamily="2" charset="-128"/>
+              </a:rPr>
+              <a:t> –</a:t>
+            </a:r>
+            <a:r>
+              <a:rPr kumimoji="1" lang="ja-JP" altLang="en-US" sz="2500" dirty="0">
+                <a:ln w="3175">
+                  <a:solidFill>
+                    <a:srgbClr val="8BC34A"/>
+                  </a:solidFill>
+                </a:ln>
+                <a:solidFill>
+                  <a:srgbClr val="607D8B"/>
+                </a:solidFill>
+                <a:latin typeface="けいふぉんと" panose="02000600000000000000" pitchFamily="2" charset="-128"/>
+                <a:ea typeface="けいふぉんと" panose="02000600000000000000" pitchFamily="2" charset="-128"/>
+              </a:rPr>
+              <a:t>絞り込み条件設定</a:t>
+            </a:r>
+            <a:r>
+              <a:rPr kumimoji="1" lang="en-US" altLang="ja-JP" sz="2500" dirty="0">
+                <a:ln w="3175">
+                  <a:solidFill>
+                    <a:srgbClr val="8BC34A"/>
+                  </a:solidFill>
+                </a:ln>
+                <a:solidFill>
+                  <a:srgbClr val="607D8B"/>
+                </a:solidFill>
+                <a:latin typeface="けいふぉんと" panose="02000600000000000000" pitchFamily="2" charset="-128"/>
+                <a:ea typeface="けいふぉんと" panose="02000600000000000000" pitchFamily="2" charset="-128"/>
+              </a:rPr>
+              <a:t>-</a:t>
+            </a:r>
+            <a:endParaRPr kumimoji="1" lang="ja-JP" altLang="en-US" sz="2500" dirty="0">
+              <a:ln w="3175">
+                <a:solidFill>
+                  <a:srgbClr val="8BC34A"/>
+                </a:solidFill>
+              </a:ln>
+              <a:solidFill>
+                <a:srgbClr val="607D8B"/>
+              </a:solidFill>
+              <a:latin typeface="けいふぉんと" panose="02000600000000000000" pitchFamily="2" charset="-128"/>
+              <a:ea typeface="けいふぉんと" panose="02000600000000000000" pitchFamily="2" charset="-128"/>
+            </a:endParaRPr>
+          </a:p>
+        </p:txBody>
+      </p:sp>
+      <p:sp>
+        <p:nvSpPr>
+          <p:cNvPr id="34" name="テキスト ボックス 33">
             <a:extLst>
               <a:ext uri="{FF2B5EF4-FFF2-40B4-BE49-F238E27FC236}">
-                <a16:creationId xmlns:a16="http://schemas.microsoft.com/office/drawing/2014/main" id="{986C3096-5A58-4B02-BC84-0D4F7E2D9F3A}"/>
+                <a16:creationId xmlns:a16="http://schemas.microsoft.com/office/drawing/2014/main" id="{FA911171-B495-4A7F-9343-5254DFAB9E00}"/>
               </a:ext>
             </a:extLst>
           </p:cNvPr>
@@ -14437,8 +15780,8 @@
         </p:nvSpPr>
         <p:spPr>
           <a:xfrm>
-            <a:off x="869453" y="1182801"/>
-            <a:ext cx="1749921" cy="477054"/>
+            <a:off x="3777713" y="5749713"/>
+            <a:ext cx="1319609" cy="477054"/>
           </a:xfrm>
           <a:prstGeom prst="rect">
             <a:avLst/>
@@ -14451,21 +15794,7 @@
           </a:bodyPr>
           <a:lstStyle/>
           <a:p>
-            <a:r>
-              <a:rPr kumimoji="1" lang="en-US" altLang="ja-JP" sz="2500" dirty="0">
-                <a:ln w="12700">
-                  <a:solidFill>
-                    <a:srgbClr val="607D8B"/>
-                  </a:solidFill>
-                </a:ln>
-                <a:solidFill>
-                  <a:srgbClr val="CDDC39"/>
-                </a:solidFill>
-                <a:latin typeface="けいふぉんと" panose="02000600000000000000" pitchFamily="2" charset="-128"/>
-                <a:ea typeface="けいふぉんと" panose="02000600000000000000" pitchFamily="2" charset="-128"/>
-              </a:rPr>
-              <a:t>Top</a:t>
-            </a:r>
+            <a:pPr algn="just"/>
             <a:r>
               <a:rPr kumimoji="1" lang="ja-JP" altLang="en-US" sz="2500" dirty="0">
                 <a:ln w="12700">
@@ -14479,7 +15808,7 @@
                 <a:latin typeface="けいふぉんと" panose="02000600000000000000" pitchFamily="2" charset="-128"/>
                 <a:ea typeface="けいふぉんと" panose="02000600000000000000" pitchFamily="2" charset="-128"/>
               </a:rPr>
-              <a:t>に戻る</a:t>
+              <a:t>リセット</a:t>
             </a:r>
             <a:endParaRPr kumimoji="1" lang="en-US" altLang="ja-JP" sz="2500" dirty="0">
               <a:ln w="12700">
@@ -14498,10 +15827,69 @@
       </p:sp>
       <p:sp>
         <p:nvSpPr>
-          <p:cNvPr id="39" name="正方形/長方形 38">
+          <p:cNvPr id="36" name="テキスト ボックス 35">
             <a:extLst>
               <a:ext uri="{FF2B5EF4-FFF2-40B4-BE49-F238E27FC236}">
-                <a16:creationId xmlns:a16="http://schemas.microsoft.com/office/drawing/2014/main" id="{DD23A3B7-1E5F-47A3-B819-33266C6823D6}"/>
+                <a16:creationId xmlns:a16="http://schemas.microsoft.com/office/drawing/2014/main" id="{AAA60D73-D6B4-4008-AA75-3266C7A9E8EE}"/>
+              </a:ext>
+            </a:extLst>
+          </p:cNvPr>
+          <p:cNvSpPr txBox="1"/>
+          <p:nvPr/>
+        </p:nvSpPr>
+        <p:spPr>
+          <a:xfrm>
+            <a:off x="7094680" y="5774686"/>
+            <a:ext cx="858083" cy="477054"/>
+          </a:xfrm>
+          <a:prstGeom prst="rect">
+            <a:avLst/>
+          </a:prstGeom>
+          <a:noFill/>
+        </p:spPr>
+        <p:txBody>
+          <a:bodyPr wrap="square" rtlCol="0">
+            <a:spAutoFit/>
+          </a:bodyPr>
+          <a:lstStyle/>
+          <a:p>
+            <a:pPr algn="just"/>
+            <a:r>
+              <a:rPr kumimoji="1" lang="ja-JP" altLang="en-US" sz="2500" dirty="0">
+                <a:ln w="12700">
+                  <a:solidFill>
+                    <a:srgbClr val="607D8B"/>
+                  </a:solidFill>
+                </a:ln>
+                <a:solidFill>
+                  <a:srgbClr val="CDDC39"/>
+                </a:solidFill>
+                <a:latin typeface="けいふぉんと" panose="02000600000000000000" pitchFamily="2" charset="-128"/>
+                <a:ea typeface="けいふぉんと" panose="02000600000000000000" pitchFamily="2" charset="-128"/>
+              </a:rPr>
+              <a:t>決定</a:t>
+            </a:r>
+            <a:endParaRPr kumimoji="1" lang="en-US" altLang="ja-JP" sz="2500" dirty="0">
+              <a:ln w="12700">
+                <a:solidFill>
+                  <a:srgbClr val="607D8B"/>
+                </a:solidFill>
+              </a:ln>
+              <a:solidFill>
+                <a:srgbClr val="CDDC39"/>
+              </a:solidFill>
+              <a:latin typeface="けいふぉんと" panose="02000600000000000000" pitchFamily="2" charset="-128"/>
+              <a:ea typeface="けいふぉんと" panose="02000600000000000000" pitchFamily="2" charset="-128"/>
+            </a:endParaRPr>
+          </a:p>
+        </p:txBody>
+      </p:sp>
+      <p:sp>
+        <p:nvSpPr>
+          <p:cNvPr id="37" name="正方形/長方形 36">
+            <a:extLst>
+              <a:ext uri="{FF2B5EF4-FFF2-40B4-BE49-F238E27FC236}">
+                <a16:creationId xmlns:a16="http://schemas.microsoft.com/office/drawing/2014/main" id="{ACB75375-3CB0-4CF9-9748-E6A42E8B4B22}"/>
               </a:ext>
             </a:extLst>
           </p:cNvPr>
@@ -14510,8 +15898,8 @@
         </p:nvSpPr>
         <p:spPr>
           <a:xfrm>
-            <a:off x="940011" y="1265729"/>
-            <a:ext cx="1536489" cy="311199"/>
+            <a:off x="7164197" y="5813378"/>
+            <a:ext cx="696287" cy="344142"/>
           </a:xfrm>
           <a:prstGeom prst="rect">
             <a:avLst/>
@@ -14549,10 +15937,10 @@
       </p:sp>
       <p:sp>
         <p:nvSpPr>
-          <p:cNvPr id="17" name="テキスト ボックス 16">
+          <p:cNvPr id="38" name="テキスト ボックス 37">
             <a:extLst>
               <a:ext uri="{FF2B5EF4-FFF2-40B4-BE49-F238E27FC236}">
-                <a16:creationId xmlns:a16="http://schemas.microsoft.com/office/drawing/2014/main" id="{B6C42A92-FBF0-494C-B02F-78155080C450}"/>
+                <a16:creationId xmlns:a16="http://schemas.microsoft.com/office/drawing/2014/main" id="{986C3096-5A58-4B02-BC84-0D4F7E2D9F3A}"/>
               </a:ext>
             </a:extLst>
           </p:cNvPr>
@@ -14561,8 +15949,8 @@
         </p:nvSpPr>
         <p:spPr>
           <a:xfrm>
-            <a:off x="1352697" y="1903696"/>
-            <a:ext cx="2316678" cy="707886"/>
+            <a:off x="869453" y="1182801"/>
+            <a:ext cx="1749921" cy="477054"/>
           </a:xfrm>
           <a:prstGeom prst="rect">
             <a:avLst/>
@@ -14576,7 +15964,7 @@
           <a:lstStyle/>
           <a:p>
             <a:r>
-              <a:rPr kumimoji="1" lang="ja-JP" altLang="en-US" sz="4000" dirty="0">
+              <a:rPr kumimoji="1" lang="en-US" altLang="ja-JP" sz="2500" dirty="0">
                 <a:ln w="12700">
                   <a:solidFill>
                     <a:srgbClr val="607D8B"/>
@@ -14588,9 +15976,24 @@
                 <a:latin typeface="けいふぉんと" panose="02000600000000000000" pitchFamily="2" charset="-128"/>
                 <a:ea typeface="けいふぉんと" panose="02000600000000000000" pitchFamily="2" charset="-128"/>
               </a:rPr>
-              <a:t>肉じゃが</a:t>
-            </a:r>
-            <a:endParaRPr kumimoji="1" lang="en-US" altLang="ja-JP" sz="4000" dirty="0">
+              <a:t>Top</a:t>
+            </a:r>
+            <a:r>
+              <a:rPr kumimoji="1" lang="ja-JP" altLang="en-US" sz="2500" dirty="0">
+                <a:ln w="12700">
+                  <a:solidFill>
+                    <a:srgbClr val="607D8B"/>
+                  </a:solidFill>
+                </a:ln>
+                <a:solidFill>
+                  <a:srgbClr val="CDDC39"/>
+                </a:solidFill>
+                <a:latin typeface="けいふぉんと" panose="02000600000000000000" pitchFamily="2" charset="-128"/>
+                <a:ea typeface="けいふぉんと" panose="02000600000000000000" pitchFamily="2" charset="-128"/>
+              </a:rPr>
+              <a:t>に戻る</a:t>
+            </a:r>
+            <a:endParaRPr kumimoji="1" lang="en-US" altLang="ja-JP" sz="2500" dirty="0">
               <a:ln w="12700">
                 <a:solidFill>
                   <a:srgbClr val="607D8B"/>
@@ -14607,352 +16010,10 @@
       </p:sp>
       <p:sp>
         <p:nvSpPr>
-          <p:cNvPr id="18" name="テキスト ボックス 17">
+          <p:cNvPr id="39" name="正方形/長方形 38">
             <a:extLst>
               <a:ext uri="{FF2B5EF4-FFF2-40B4-BE49-F238E27FC236}">
-                <a16:creationId xmlns:a16="http://schemas.microsoft.com/office/drawing/2014/main" id="{5B61D022-C053-48B0-8B2F-4C2C21E0E0C4}"/>
-              </a:ext>
-            </a:extLst>
-          </p:cNvPr>
-          <p:cNvSpPr txBox="1"/>
-          <p:nvPr/>
-        </p:nvSpPr>
-        <p:spPr>
-          <a:xfrm>
-            <a:off x="4409136" y="1903696"/>
-            <a:ext cx="740700" cy="400110"/>
-          </a:xfrm>
-          <a:prstGeom prst="rect">
-            <a:avLst/>
-          </a:prstGeom>
-          <a:noFill/>
-        </p:spPr>
-        <p:txBody>
-          <a:bodyPr wrap="square" rtlCol="0">
-            <a:spAutoFit/>
-          </a:bodyPr>
-          <a:lstStyle/>
-          <a:p>
-            <a:r>
-              <a:rPr kumimoji="1" lang="ja-JP" altLang="en-US" sz="2000" dirty="0">
-                <a:ln w="12700">
-                  <a:solidFill>
-                    <a:srgbClr val="607D8B"/>
-                  </a:solidFill>
-                </a:ln>
-                <a:solidFill>
-                  <a:srgbClr val="CDDC39"/>
-                </a:solidFill>
-                <a:latin typeface="けいふぉんと" panose="02000600000000000000" pitchFamily="2" charset="-128"/>
-                <a:ea typeface="けいふぉんと" panose="02000600000000000000" pitchFamily="2" charset="-128"/>
-              </a:rPr>
-              <a:t>和食</a:t>
-            </a:r>
-            <a:endParaRPr kumimoji="1" lang="en-US" altLang="ja-JP" sz="2000" dirty="0">
-              <a:ln w="12700">
-                <a:solidFill>
-                  <a:srgbClr val="607D8B"/>
-                </a:solidFill>
-              </a:ln>
-              <a:solidFill>
-                <a:srgbClr val="CDDC39"/>
-              </a:solidFill>
-              <a:latin typeface="けいふぉんと" panose="02000600000000000000" pitchFamily="2" charset="-128"/>
-              <a:ea typeface="けいふぉんと" panose="02000600000000000000" pitchFamily="2" charset="-128"/>
-            </a:endParaRPr>
-          </a:p>
-        </p:txBody>
-      </p:sp>
-      <p:sp>
-        <p:nvSpPr>
-          <p:cNvPr id="19" name="テキスト ボックス 18">
-            <a:extLst>
-              <a:ext uri="{FF2B5EF4-FFF2-40B4-BE49-F238E27FC236}">
-                <a16:creationId xmlns:a16="http://schemas.microsoft.com/office/drawing/2014/main" id="{8C67C357-E482-4E9E-A5E9-42ECA4D3C7F2}"/>
-              </a:ext>
-            </a:extLst>
-          </p:cNvPr>
-          <p:cNvSpPr txBox="1"/>
-          <p:nvPr/>
-        </p:nvSpPr>
-        <p:spPr>
-          <a:xfrm>
-            <a:off x="4409136" y="2303806"/>
-            <a:ext cx="740700" cy="400110"/>
-          </a:xfrm>
-          <a:prstGeom prst="rect">
-            <a:avLst/>
-          </a:prstGeom>
-          <a:noFill/>
-        </p:spPr>
-        <p:txBody>
-          <a:bodyPr wrap="square" rtlCol="0">
-            <a:spAutoFit/>
-          </a:bodyPr>
-          <a:lstStyle/>
-          <a:p>
-            <a:r>
-              <a:rPr kumimoji="1" lang="ja-JP" altLang="en-US" sz="2000" dirty="0">
-                <a:ln w="12700">
-                  <a:solidFill>
-                    <a:srgbClr val="607D8B"/>
-                  </a:solidFill>
-                </a:ln>
-                <a:solidFill>
-                  <a:srgbClr val="CDDC39"/>
-                </a:solidFill>
-                <a:latin typeface="けいふぉんと" panose="02000600000000000000" pitchFamily="2" charset="-128"/>
-                <a:ea typeface="けいふぉんと" panose="02000600000000000000" pitchFamily="2" charset="-128"/>
-              </a:rPr>
-              <a:t>煮物</a:t>
-            </a:r>
-            <a:endParaRPr kumimoji="1" lang="en-US" altLang="ja-JP" sz="2000" dirty="0">
-              <a:ln w="12700">
-                <a:solidFill>
-                  <a:srgbClr val="607D8B"/>
-                </a:solidFill>
-              </a:ln>
-              <a:solidFill>
-                <a:srgbClr val="CDDC39"/>
-              </a:solidFill>
-              <a:latin typeface="けいふぉんと" panose="02000600000000000000" pitchFamily="2" charset="-128"/>
-              <a:ea typeface="けいふぉんと" panose="02000600000000000000" pitchFamily="2" charset="-128"/>
-            </a:endParaRPr>
-          </a:p>
-        </p:txBody>
-      </p:sp>
-      <p:sp>
-        <p:nvSpPr>
-          <p:cNvPr id="20" name="テキスト ボックス 19">
-            <a:extLst>
-              <a:ext uri="{FF2B5EF4-FFF2-40B4-BE49-F238E27FC236}">
-                <a16:creationId xmlns:a16="http://schemas.microsoft.com/office/drawing/2014/main" id="{D2127CA4-A221-4F90-A4B5-7150C9FDB844}"/>
-              </a:ext>
-            </a:extLst>
-          </p:cNvPr>
-          <p:cNvSpPr txBox="1"/>
-          <p:nvPr/>
-        </p:nvSpPr>
-        <p:spPr>
-          <a:xfrm>
-            <a:off x="7042166" y="1903696"/>
-            <a:ext cx="1876425" cy="400110"/>
-          </a:xfrm>
-          <a:prstGeom prst="rect">
-            <a:avLst/>
-          </a:prstGeom>
-          <a:noFill/>
-        </p:spPr>
-        <p:txBody>
-          <a:bodyPr wrap="square" rtlCol="0">
-            <a:spAutoFit/>
-          </a:bodyPr>
-          <a:lstStyle/>
-          <a:p>
-            <a:r>
-              <a:rPr kumimoji="1" lang="ja-JP" altLang="en-US" sz="2000" dirty="0">
-                <a:ln w="12700">
-                  <a:solidFill>
-                    <a:srgbClr val="607D8B"/>
-                  </a:solidFill>
-                </a:ln>
-                <a:solidFill>
-                  <a:srgbClr val="CDDC39"/>
-                </a:solidFill>
-                <a:latin typeface="けいふぉんと" panose="02000600000000000000" pitchFamily="2" charset="-128"/>
-                <a:ea typeface="けいふぉんと" panose="02000600000000000000" pitchFamily="2" charset="-128"/>
-              </a:rPr>
-              <a:t>所要時間</a:t>
-            </a:r>
-            <a:r>
-              <a:rPr kumimoji="1" lang="en-US" altLang="ja-JP" sz="2000" dirty="0">
-                <a:ln w="12700">
-                  <a:solidFill>
-                    <a:srgbClr val="607D8B"/>
-                  </a:solidFill>
-                </a:ln>
-                <a:solidFill>
-                  <a:srgbClr val="CDDC39"/>
-                </a:solidFill>
-                <a:latin typeface="けいふぉんと" panose="02000600000000000000" pitchFamily="2" charset="-128"/>
-                <a:ea typeface="けいふぉんと" panose="02000600000000000000" pitchFamily="2" charset="-128"/>
-              </a:rPr>
-              <a:t>:40</a:t>
-            </a:r>
-            <a:r>
-              <a:rPr kumimoji="1" lang="ja-JP" altLang="en-US" sz="2000" dirty="0">
-                <a:ln w="12700">
-                  <a:solidFill>
-                    <a:srgbClr val="607D8B"/>
-                  </a:solidFill>
-                </a:ln>
-                <a:solidFill>
-                  <a:srgbClr val="CDDC39"/>
-                </a:solidFill>
-                <a:latin typeface="けいふぉんと" panose="02000600000000000000" pitchFamily="2" charset="-128"/>
-                <a:ea typeface="けいふぉんと" panose="02000600000000000000" pitchFamily="2" charset="-128"/>
-              </a:rPr>
-              <a:t>分</a:t>
-            </a:r>
-          </a:p>
-        </p:txBody>
-      </p:sp>
-      <p:sp>
-        <p:nvSpPr>
-          <p:cNvPr id="22" name="テキスト ボックス 21">
-            <a:extLst>
-              <a:ext uri="{FF2B5EF4-FFF2-40B4-BE49-F238E27FC236}">
-                <a16:creationId xmlns:a16="http://schemas.microsoft.com/office/drawing/2014/main" id="{80F6D082-8FCB-4B50-9FBA-F23EF5C867F4}"/>
-              </a:ext>
-            </a:extLst>
-          </p:cNvPr>
-          <p:cNvSpPr txBox="1"/>
-          <p:nvPr/>
-        </p:nvSpPr>
-        <p:spPr>
-          <a:xfrm>
-            <a:off x="7042165" y="2312424"/>
-            <a:ext cx="2235188" cy="400110"/>
-          </a:xfrm>
-          <a:prstGeom prst="rect">
-            <a:avLst/>
-          </a:prstGeom>
-          <a:noFill/>
-        </p:spPr>
-        <p:txBody>
-          <a:bodyPr wrap="square" rtlCol="0">
-            <a:spAutoFit/>
-          </a:bodyPr>
-          <a:lstStyle/>
-          <a:p>
-            <a:r>
-              <a:rPr kumimoji="1" lang="ja-JP" altLang="en-US" sz="2000" dirty="0">
-                <a:ln w="12700">
-                  <a:solidFill>
-                    <a:srgbClr val="607D8B"/>
-                  </a:solidFill>
-                </a:ln>
-                <a:solidFill>
-                  <a:srgbClr val="CDDC39"/>
-                </a:solidFill>
-                <a:latin typeface="けいふぉんと" panose="02000600000000000000" pitchFamily="2" charset="-128"/>
-                <a:ea typeface="けいふぉんと" panose="02000600000000000000" pitchFamily="2" charset="-128"/>
-              </a:rPr>
-              <a:t>カロリー</a:t>
-            </a:r>
-            <a:r>
-              <a:rPr kumimoji="1" lang="en-US" altLang="ja-JP" sz="2000" dirty="0">
-                <a:ln w="12700">
-                  <a:solidFill>
-                    <a:srgbClr val="607D8B"/>
-                  </a:solidFill>
-                </a:ln>
-                <a:solidFill>
-                  <a:srgbClr val="CDDC39"/>
-                </a:solidFill>
-                <a:latin typeface="けいふぉんと" panose="02000600000000000000" pitchFamily="2" charset="-128"/>
-                <a:ea typeface="けいふぉんと" panose="02000600000000000000" pitchFamily="2" charset="-128"/>
-              </a:rPr>
-              <a:t>:170kcal</a:t>
-            </a:r>
-          </a:p>
-        </p:txBody>
-      </p:sp>
-      <p:sp>
-        <p:nvSpPr>
-          <p:cNvPr id="28" name="テキスト ボックス 27">
-            <a:extLst>
-              <a:ext uri="{FF2B5EF4-FFF2-40B4-BE49-F238E27FC236}">
-                <a16:creationId xmlns:a16="http://schemas.microsoft.com/office/drawing/2014/main" id="{197F5AD1-D56A-4329-B504-65F12FB32FB3}"/>
-              </a:ext>
-            </a:extLst>
-          </p:cNvPr>
-          <p:cNvSpPr txBox="1"/>
-          <p:nvPr/>
-        </p:nvSpPr>
-        <p:spPr>
-          <a:xfrm>
-            <a:off x="9587432" y="1958481"/>
-            <a:ext cx="1425036" cy="707886"/>
-          </a:xfrm>
-          <a:prstGeom prst="rect">
-            <a:avLst/>
-          </a:prstGeom>
-          <a:noFill/>
-        </p:spPr>
-        <p:txBody>
-          <a:bodyPr wrap="square" rtlCol="0">
-            <a:spAutoFit/>
-          </a:bodyPr>
-          <a:lstStyle/>
-          <a:p>
-            <a:pPr algn="ctr"/>
-            <a:r>
-              <a:rPr kumimoji="1" lang="ja-JP" altLang="en-US" sz="2000" dirty="0">
-                <a:ln w="12700">
-                  <a:solidFill>
-                    <a:srgbClr val="607D8B"/>
-                  </a:solidFill>
-                </a:ln>
-                <a:solidFill>
-                  <a:srgbClr val="CDDC39"/>
-                </a:solidFill>
-                <a:latin typeface="けいふぉんと" panose="02000600000000000000" pitchFamily="2" charset="-128"/>
-                <a:ea typeface="けいふぉんと" panose="02000600000000000000" pitchFamily="2" charset="-128"/>
-              </a:rPr>
-              <a:t>お気に入り</a:t>
-            </a:r>
-            <a:endParaRPr kumimoji="1" lang="en-US" altLang="ja-JP" sz="2000" dirty="0">
-              <a:ln w="12700">
-                <a:solidFill>
-                  <a:srgbClr val="607D8B"/>
-                </a:solidFill>
-              </a:ln>
-              <a:solidFill>
-                <a:srgbClr val="CDDC39"/>
-              </a:solidFill>
-              <a:latin typeface="けいふぉんと" panose="02000600000000000000" pitchFamily="2" charset="-128"/>
-              <a:ea typeface="けいふぉんと" panose="02000600000000000000" pitchFamily="2" charset="-128"/>
-            </a:endParaRPr>
-          </a:p>
-          <a:p>
-            <a:pPr algn="ctr"/>
-            <a:r>
-              <a:rPr kumimoji="1" lang="ja-JP" altLang="en-US" sz="2000" dirty="0">
-                <a:ln w="12700">
-                  <a:solidFill>
-                    <a:srgbClr val="607D8B"/>
-                  </a:solidFill>
-                </a:ln>
-                <a:solidFill>
-                  <a:srgbClr val="CDDC39"/>
-                </a:solidFill>
-                <a:latin typeface="けいふぉんと" panose="02000600000000000000" pitchFamily="2" charset="-128"/>
-                <a:ea typeface="けいふぉんと" panose="02000600000000000000" pitchFamily="2" charset="-128"/>
-              </a:rPr>
-              <a:t>追加</a:t>
-            </a:r>
-            <a:endParaRPr kumimoji="1" lang="en-US" altLang="ja-JP" sz="2000" dirty="0">
-              <a:ln w="12700">
-                <a:solidFill>
-                  <a:srgbClr val="607D8B"/>
-                </a:solidFill>
-              </a:ln>
-              <a:solidFill>
-                <a:srgbClr val="CDDC39"/>
-              </a:solidFill>
-              <a:latin typeface="けいふぉんと" panose="02000600000000000000" pitchFamily="2" charset="-128"/>
-              <a:ea typeface="けいふぉんと" panose="02000600000000000000" pitchFamily="2" charset="-128"/>
-            </a:endParaRPr>
-          </a:p>
-        </p:txBody>
-      </p:sp>
-      <p:sp>
-        <p:nvSpPr>
-          <p:cNvPr id="30" name="正方形/長方形 29">
-            <a:extLst>
-              <a:ext uri="{FF2B5EF4-FFF2-40B4-BE49-F238E27FC236}">
-                <a16:creationId xmlns:a16="http://schemas.microsoft.com/office/drawing/2014/main" id="{38B0EBD5-BFEE-4784-B436-F87290FE0473}"/>
+                <a16:creationId xmlns:a16="http://schemas.microsoft.com/office/drawing/2014/main" id="{DD23A3B7-1E5F-47A3-B819-33266C6823D6}"/>
               </a:ext>
             </a:extLst>
           </p:cNvPr>
@@ -14961,8 +16022,8 @@
         </p:nvSpPr>
         <p:spPr>
           <a:xfrm>
-            <a:off x="9686925" y="1999984"/>
-            <a:ext cx="1238250" cy="611598"/>
+            <a:off x="940011" y="1265729"/>
+            <a:ext cx="1536489" cy="311199"/>
           </a:xfrm>
           <a:prstGeom prst="rect">
             <a:avLst/>
@@ -15000,410 +16061,10 @@
       </p:sp>
       <p:sp>
         <p:nvSpPr>
-          <p:cNvPr id="135" name="テキスト ボックス 134">
+          <p:cNvPr id="19" name="正方形/長方形 18">
             <a:extLst>
               <a:ext uri="{FF2B5EF4-FFF2-40B4-BE49-F238E27FC236}">
-                <a16:creationId xmlns:a16="http://schemas.microsoft.com/office/drawing/2014/main" id="{1C5260A7-0296-42F1-9078-9F8CCCB275D3}"/>
-              </a:ext>
-            </a:extLst>
-          </p:cNvPr>
-          <p:cNvSpPr txBox="1"/>
-          <p:nvPr/>
-        </p:nvSpPr>
-        <p:spPr>
-          <a:xfrm>
-            <a:off x="1352697" y="2961366"/>
-            <a:ext cx="2316678" cy="707886"/>
-          </a:xfrm>
-          <a:prstGeom prst="rect">
-            <a:avLst/>
-          </a:prstGeom>
-          <a:noFill/>
-        </p:spPr>
-        <p:txBody>
-          <a:bodyPr wrap="square" rtlCol="0">
-            <a:spAutoFit/>
-          </a:bodyPr>
-          <a:lstStyle/>
-          <a:p>
-            <a:r>
-              <a:rPr kumimoji="1" lang="en-US" altLang="ja-JP" sz="4000" dirty="0" err="1">
-                <a:ln w="12700">
-                  <a:solidFill>
-                    <a:srgbClr val="607D8B"/>
-                  </a:solidFill>
-                </a:ln>
-                <a:solidFill>
-                  <a:srgbClr val="CDDC39"/>
-                </a:solidFill>
-                <a:latin typeface="けいふぉんと" panose="02000600000000000000" pitchFamily="2" charset="-128"/>
-                <a:ea typeface="けいふぉんと" panose="02000600000000000000" pitchFamily="2" charset="-128"/>
-              </a:rPr>
-              <a:t>hoge</a:t>
-            </a:r>
-            <a:endParaRPr kumimoji="1" lang="en-US" altLang="ja-JP" sz="4000" dirty="0">
-              <a:ln w="12700">
-                <a:solidFill>
-                  <a:srgbClr val="607D8B"/>
-                </a:solidFill>
-              </a:ln>
-              <a:solidFill>
-                <a:srgbClr val="CDDC39"/>
-              </a:solidFill>
-              <a:latin typeface="けいふぉんと" panose="02000600000000000000" pitchFamily="2" charset="-128"/>
-              <a:ea typeface="けいふぉんと" panose="02000600000000000000" pitchFamily="2" charset="-128"/>
-            </a:endParaRPr>
-          </a:p>
-        </p:txBody>
-      </p:sp>
-      <p:sp>
-        <p:nvSpPr>
-          <p:cNvPr id="136" name="テキスト ボックス 135">
-            <a:extLst>
-              <a:ext uri="{FF2B5EF4-FFF2-40B4-BE49-F238E27FC236}">
-                <a16:creationId xmlns:a16="http://schemas.microsoft.com/office/drawing/2014/main" id="{86B1D10A-41F7-465D-A62A-99452A4C31E1}"/>
-              </a:ext>
-            </a:extLst>
-          </p:cNvPr>
-          <p:cNvSpPr txBox="1"/>
-          <p:nvPr/>
-        </p:nvSpPr>
-        <p:spPr>
-          <a:xfrm>
-            <a:off x="4409136" y="2961366"/>
-            <a:ext cx="740700" cy="400110"/>
-          </a:xfrm>
-          <a:prstGeom prst="rect">
-            <a:avLst/>
-          </a:prstGeom>
-          <a:noFill/>
-        </p:spPr>
-        <p:txBody>
-          <a:bodyPr wrap="square" rtlCol="0">
-            <a:spAutoFit/>
-          </a:bodyPr>
-          <a:lstStyle/>
-          <a:p>
-            <a:r>
-              <a:rPr kumimoji="1" lang="ja-JP" altLang="en-US" sz="2000" dirty="0">
-                <a:ln w="12700">
-                  <a:solidFill>
-                    <a:srgbClr val="607D8B"/>
-                  </a:solidFill>
-                </a:ln>
-                <a:solidFill>
-                  <a:srgbClr val="CDDC39"/>
-                </a:solidFill>
-                <a:latin typeface="けいふぉんと" panose="02000600000000000000" pitchFamily="2" charset="-128"/>
-                <a:ea typeface="けいふぉんと" panose="02000600000000000000" pitchFamily="2" charset="-128"/>
-              </a:rPr>
-              <a:t>和食</a:t>
-            </a:r>
-            <a:endParaRPr kumimoji="1" lang="en-US" altLang="ja-JP" sz="2000" dirty="0">
-              <a:ln w="12700">
-                <a:solidFill>
-                  <a:srgbClr val="607D8B"/>
-                </a:solidFill>
-              </a:ln>
-              <a:solidFill>
-                <a:srgbClr val="CDDC39"/>
-              </a:solidFill>
-              <a:latin typeface="けいふぉんと" panose="02000600000000000000" pitchFamily="2" charset="-128"/>
-              <a:ea typeface="けいふぉんと" panose="02000600000000000000" pitchFamily="2" charset="-128"/>
-            </a:endParaRPr>
-          </a:p>
-        </p:txBody>
-      </p:sp>
-      <p:sp>
-        <p:nvSpPr>
-          <p:cNvPr id="137" name="テキスト ボックス 136">
-            <a:extLst>
-              <a:ext uri="{FF2B5EF4-FFF2-40B4-BE49-F238E27FC236}">
-                <a16:creationId xmlns:a16="http://schemas.microsoft.com/office/drawing/2014/main" id="{772C5EBE-6CD6-47E4-A299-745C5C60FE64}"/>
-              </a:ext>
-            </a:extLst>
-          </p:cNvPr>
-          <p:cNvSpPr txBox="1"/>
-          <p:nvPr/>
-        </p:nvSpPr>
-        <p:spPr>
-          <a:xfrm>
-            <a:off x="4409136" y="3361476"/>
-            <a:ext cx="740700" cy="400110"/>
-          </a:xfrm>
-          <a:prstGeom prst="rect">
-            <a:avLst/>
-          </a:prstGeom>
-          <a:noFill/>
-        </p:spPr>
-        <p:txBody>
-          <a:bodyPr wrap="square" rtlCol="0">
-            <a:spAutoFit/>
-          </a:bodyPr>
-          <a:lstStyle/>
-          <a:p>
-            <a:r>
-              <a:rPr kumimoji="1" lang="ja-JP" altLang="en-US" sz="2000" dirty="0">
-                <a:ln w="12700">
-                  <a:solidFill>
-                    <a:srgbClr val="607D8B"/>
-                  </a:solidFill>
-                </a:ln>
-                <a:solidFill>
-                  <a:srgbClr val="CDDC39"/>
-                </a:solidFill>
-                <a:latin typeface="けいふぉんと" panose="02000600000000000000" pitchFamily="2" charset="-128"/>
-                <a:ea typeface="けいふぉんと" panose="02000600000000000000" pitchFamily="2" charset="-128"/>
-              </a:rPr>
-              <a:t>煮物</a:t>
-            </a:r>
-            <a:endParaRPr kumimoji="1" lang="en-US" altLang="ja-JP" sz="2000" dirty="0">
-              <a:ln w="12700">
-                <a:solidFill>
-                  <a:srgbClr val="607D8B"/>
-                </a:solidFill>
-              </a:ln>
-              <a:solidFill>
-                <a:srgbClr val="CDDC39"/>
-              </a:solidFill>
-              <a:latin typeface="けいふぉんと" panose="02000600000000000000" pitchFamily="2" charset="-128"/>
-              <a:ea typeface="けいふぉんと" panose="02000600000000000000" pitchFamily="2" charset="-128"/>
-            </a:endParaRPr>
-          </a:p>
-        </p:txBody>
-      </p:sp>
-      <p:sp>
-        <p:nvSpPr>
-          <p:cNvPr id="138" name="テキスト ボックス 137">
-            <a:extLst>
-              <a:ext uri="{FF2B5EF4-FFF2-40B4-BE49-F238E27FC236}">
-                <a16:creationId xmlns:a16="http://schemas.microsoft.com/office/drawing/2014/main" id="{832A758A-F759-49EF-8CE1-CB309973ACC7}"/>
-              </a:ext>
-            </a:extLst>
-          </p:cNvPr>
-          <p:cNvSpPr txBox="1"/>
-          <p:nvPr/>
-        </p:nvSpPr>
-        <p:spPr>
-          <a:xfrm>
-            <a:off x="7042166" y="2961366"/>
-            <a:ext cx="1876425" cy="400110"/>
-          </a:xfrm>
-          <a:prstGeom prst="rect">
-            <a:avLst/>
-          </a:prstGeom>
-          <a:noFill/>
-        </p:spPr>
-        <p:txBody>
-          <a:bodyPr wrap="square" rtlCol="0">
-            <a:spAutoFit/>
-          </a:bodyPr>
-          <a:lstStyle/>
-          <a:p>
-            <a:r>
-              <a:rPr kumimoji="1" lang="ja-JP" altLang="en-US" sz="2000" dirty="0">
-                <a:ln w="12700">
-                  <a:solidFill>
-                    <a:srgbClr val="607D8B"/>
-                  </a:solidFill>
-                </a:ln>
-                <a:solidFill>
-                  <a:srgbClr val="CDDC39"/>
-                </a:solidFill>
-                <a:latin typeface="けいふぉんと" panose="02000600000000000000" pitchFamily="2" charset="-128"/>
-                <a:ea typeface="けいふぉんと" panose="02000600000000000000" pitchFamily="2" charset="-128"/>
-              </a:rPr>
-              <a:t>所要時間</a:t>
-            </a:r>
-            <a:r>
-              <a:rPr kumimoji="1" lang="en-US" altLang="ja-JP" sz="2000" dirty="0">
-                <a:ln w="12700">
-                  <a:solidFill>
-                    <a:srgbClr val="607D8B"/>
-                  </a:solidFill>
-                </a:ln>
-                <a:solidFill>
-                  <a:srgbClr val="CDDC39"/>
-                </a:solidFill>
-                <a:latin typeface="けいふぉんと" panose="02000600000000000000" pitchFamily="2" charset="-128"/>
-                <a:ea typeface="けいふぉんと" panose="02000600000000000000" pitchFamily="2" charset="-128"/>
-              </a:rPr>
-              <a:t>:40</a:t>
-            </a:r>
-            <a:r>
-              <a:rPr kumimoji="1" lang="ja-JP" altLang="en-US" sz="2000" dirty="0">
-                <a:ln w="12700">
-                  <a:solidFill>
-                    <a:srgbClr val="607D8B"/>
-                  </a:solidFill>
-                </a:ln>
-                <a:solidFill>
-                  <a:srgbClr val="CDDC39"/>
-                </a:solidFill>
-                <a:latin typeface="けいふぉんと" panose="02000600000000000000" pitchFamily="2" charset="-128"/>
-                <a:ea typeface="けいふぉんと" panose="02000600000000000000" pitchFamily="2" charset="-128"/>
-              </a:rPr>
-              <a:t>分</a:t>
-            </a:r>
-          </a:p>
-        </p:txBody>
-      </p:sp>
-      <p:sp>
-        <p:nvSpPr>
-          <p:cNvPr id="139" name="テキスト ボックス 138">
-            <a:extLst>
-              <a:ext uri="{FF2B5EF4-FFF2-40B4-BE49-F238E27FC236}">
-                <a16:creationId xmlns:a16="http://schemas.microsoft.com/office/drawing/2014/main" id="{F7548E38-4E6B-46AE-A8A8-D6439286A521}"/>
-              </a:ext>
-            </a:extLst>
-          </p:cNvPr>
-          <p:cNvSpPr txBox="1"/>
-          <p:nvPr/>
-        </p:nvSpPr>
-        <p:spPr>
-          <a:xfrm>
-            <a:off x="7042165" y="3370094"/>
-            <a:ext cx="2235188" cy="400110"/>
-          </a:xfrm>
-          <a:prstGeom prst="rect">
-            <a:avLst/>
-          </a:prstGeom>
-          <a:noFill/>
-        </p:spPr>
-        <p:txBody>
-          <a:bodyPr wrap="square" rtlCol="0">
-            <a:spAutoFit/>
-          </a:bodyPr>
-          <a:lstStyle/>
-          <a:p>
-            <a:r>
-              <a:rPr kumimoji="1" lang="ja-JP" altLang="en-US" sz="2000" dirty="0">
-                <a:ln w="12700">
-                  <a:solidFill>
-                    <a:srgbClr val="607D8B"/>
-                  </a:solidFill>
-                </a:ln>
-                <a:solidFill>
-                  <a:srgbClr val="CDDC39"/>
-                </a:solidFill>
-                <a:latin typeface="けいふぉんと" panose="02000600000000000000" pitchFamily="2" charset="-128"/>
-                <a:ea typeface="けいふぉんと" panose="02000600000000000000" pitchFamily="2" charset="-128"/>
-              </a:rPr>
-              <a:t>カロリー</a:t>
-            </a:r>
-            <a:r>
-              <a:rPr kumimoji="1" lang="en-US" altLang="ja-JP" sz="2000" dirty="0">
-                <a:ln w="12700">
-                  <a:solidFill>
-                    <a:srgbClr val="607D8B"/>
-                  </a:solidFill>
-                </a:ln>
-                <a:solidFill>
-                  <a:srgbClr val="CDDC39"/>
-                </a:solidFill>
-                <a:latin typeface="けいふぉんと" panose="02000600000000000000" pitchFamily="2" charset="-128"/>
-                <a:ea typeface="けいふぉんと" panose="02000600000000000000" pitchFamily="2" charset="-128"/>
-              </a:rPr>
-              <a:t>:170kcal</a:t>
-            </a:r>
-          </a:p>
-        </p:txBody>
-      </p:sp>
-      <p:sp>
-        <p:nvSpPr>
-          <p:cNvPr id="140" name="テキスト ボックス 139">
-            <a:extLst>
-              <a:ext uri="{FF2B5EF4-FFF2-40B4-BE49-F238E27FC236}">
-                <a16:creationId xmlns:a16="http://schemas.microsoft.com/office/drawing/2014/main" id="{97C8AD14-6919-4EB1-BCB8-767053A61968}"/>
-              </a:ext>
-            </a:extLst>
-          </p:cNvPr>
-          <p:cNvSpPr txBox="1"/>
-          <p:nvPr/>
-        </p:nvSpPr>
-        <p:spPr>
-          <a:xfrm>
-            <a:off x="9587432" y="3016151"/>
-            <a:ext cx="1425036" cy="707886"/>
-          </a:xfrm>
-          <a:prstGeom prst="rect">
-            <a:avLst/>
-          </a:prstGeom>
-          <a:noFill/>
-        </p:spPr>
-        <p:txBody>
-          <a:bodyPr wrap="square" rtlCol="0">
-            <a:spAutoFit/>
-          </a:bodyPr>
-          <a:lstStyle/>
-          <a:p>
-            <a:pPr algn="ctr"/>
-            <a:r>
-              <a:rPr kumimoji="1" lang="ja-JP" altLang="en-US" sz="2000" dirty="0">
-                <a:ln w="12700">
-                  <a:solidFill>
-                    <a:srgbClr val="607D8B"/>
-                  </a:solidFill>
-                </a:ln>
-                <a:solidFill>
-                  <a:srgbClr val="CDDC39"/>
-                </a:solidFill>
-                <a:latin typeface="けいふぉんと" panose="02000600000000000000" pitchFamily="2" charset="-128"/>
-                <a:ea typeface="けいふぉんと" panose="02000600000000000000" pitchFamily="2" charset="-128"/>
-              </a:rPr>
-              <a:t>お気に入り</a:t>
-            </a:r>
-            <a:endParaRPr kumimoji="1" lang="en-US" altLang="ja-JP" sz="2000" dirty="0">
-              <a:ln w="12700">
-                <a:solidFill>
-                  <a:srgbClr val="607D8B"/>
-                </a:solidFill>
-              </a:ln>
-              <a:solidFill>
-                <a:srgbClr val="CDDC39"/>
-              </a:solidFill>
-              <a:latin typeface="けいふぉんと" panose="02000600000000000000" pitchFamily="2" charset="-128"/>
-              <a:ea typeface="けいふぉんと" panose="02000600000000000000" pitchFamily="2" charset="-128"/>
-            </a:endParaRPr>
-          </a:p>
-          <a:p>
-            <a:pPr algn="ctr"/>
-            <a:r>
-              <a:rPr kumimoji="1" lang="ja-JP" altLang="en-US" sz="2000" dirty="0">
-                <a:ln w="12700">
-                  <a:solidFill>
-                    <a:srgbClr val="607D8B"/>
-                  </a:solidFill>
-                </a:ln>
-                <a:solidFill>
-                  <a:srgbClr val="CDDC39"/>
-                </a:solidFill>
-                <a:latin typeface="けいふぉんと" panose="02000600000000000000" pitchFamily="2" charset="-128"/>
-                <a:ea typeface="けいふぉんと" panose="02000600000000000000" pitchFamily="2" charset="-128"/>
-              </a:rPr>
-              <a:t>追加</a:t>
-            </a:r>
-            <a:endParaRPr kumimoji="1" lang="en-US" altLang="ja-JP" sz="2000" dirty="0">
-              <a:ln w="12700">
-                <a:solidFill>
-                  <a:srgbClr val="607D8B"/>
-                </a:solidFill>
-              </a:ln>
-              <a:solidFill>
-                <a:srgbClr val="CDDC39"/>
-              </a:solidFill>
-              <a:latin typeface="けいふぉんと" panose="02000600000000000000" pitchFamily="2" charset="-128"/>
-              <a:ea typeface="けいふぉんと" panose="02000600000000000000" pitchFamily="2" charset="-128"/>
-            </a:endParaRPr>
-          </a:p>
-        </p:txBody>
-      </p:sp>
-      <p:sp>
-        <p:nvSpPr>
-          <p:cNvPr id="141" name="正方形/長方形 140">
-            <a:extLst>
-              <a:ext uri="{FF2B5EF4-FFF2-40B4-BE49-F238E27FC236}">
-                <a16:creationId xmlns:a16="http://schemas.microsoft.com/office/drawing/2014/main" id="{89B846A0-7D94-4E01-9E14-D64F7669F19D}"/>
+                <a16:creationId xmlns:a16="http://schemas.microsoft.com/office/drawing/2014/main" id="{44752827-FBD3-4E02-8687-00CA26F0B921}"/>
               </a:ext>
             </a:extLst>
           </p:cNvPr>
@@ -15412,8 +16073,8 @@
         </p:nvSpPr>
         <p:spPr>
           <a:xfrm>
-            <a:off x="9686925" y="3057654"/>
-            <a:ext cx="1238250" cy="611598"/>
+            <a:off x="3877111" y="5809087"/>
+            <a:ext cx="1105950" cy="344142"/>
           </a:xfrm>
           <a:prstGeom prst="rect">
             <a:avLst/>
@@ -15451,10 +16112,10 @@
       </p:sp>
       <p:sp>
         <p:nvSpPr>
-          <p:cNvPr id="142" name="テキスト ボックス 141">
+          <p:cNvPr id="20" name="テキスト ボックス 19">
             <a:extLst>
               <a:ext uri="{FF2B5EF4-FFF2-40B4-BE49-F238E27FC236}">
-                <a16:creationId xmlns:a16="http://schemas.microsoft.com/office/drawing/2014/main" id="{D87FDFC5-B7D8-4EF5-A22D-CBC682AB8984}"/>
+                <a16:creationId xmlns:a16="http://schemas.microsoft.com/office/drawing/2014/main" id="{A63EE00B-7F15-48E6-AB88-E72FA6299A7C}"/>
               </a:ext>
             </a:extLst>
           </p:cNvPr>
@@ -15463,8 +16124,8 @@
         </p:nvSpPr>
         <p:spPr>
           <a:xfrm>
-            <a:off x="1352697" y="3980335"/>
-            <a:ext cx="2316678" cy="707886"/>
+            <a:off x="2442208" y="3571724"/>
+            <a:ext cx="2473220" cy="1477328"/>
           </a:xfrm>
           <a:prstGeom prst="rect">
             <a:avLst/>
@@ -15477,8 +16138,9 @@
           </a:bodyPr>
           <a:lstStyle/>
           <a:p>
-            <a:r>
-              <a:rPr kumimoji="1" lang="en-US" altLang="ja-JP" sz="4000" dirty="0" err="1">
+            <a:pPr algn="ctr"/>
+            <a:r>
+              <a:rPr kumimoji="1" lang="ja-JP" altLang="en-US" sz="3000" dirty="0">
                 <a:ln w="12700">
                   <a:solidFill>
                     <a:srgbClr val="607D8B"/>
@@ -15490,9 +16152,152 @@
                 <a:latin typeface="けいふぉんと" panose="02000600000000000000" pitchFamily="2" charset="-128"/>
                 <a:ea typeface="けいふぉんと" panose="02000600000000000000" pitchFamily="2" charset="-128"/>
               </a:rPr>
-              <a:t>hoge</a:t>
-            </a:r>
-            <a:endParaRPr kumimoji="1" lang="en-US" altLang="ja-JP" sz="4000" dirty="0">
+              <a:t>和食</a:t>
+            </a:r>
+            <a:r>
+              <a:rPr kumimoji="1" lang="en-US" altLang="ja-JP" sz="3000" dirty="0">
+                <a:ln w="12700">
+                  <a:solidFill>
+                    <a:srgbClr val="607D8B"/>
+                  </a:solidFill>
+                </a:ln>
+                <a:solidFill>
+                  <a:srgbClr val="CDDC39"/>
+                </a:solidFill>
+                <a:latin typeface="けいふぉんと" panose="02000600000000000000" pitchFamily="2" charset="-128"/>
+                <a:ea typeface="けいふぉんと" panose="02000600000000000000" pitchFamily="2" charset="-128"/>
+              </a:rPr>
+              <a:t>	2</a:t>
+            </a:r>
+          </a:p>
+          <a:p>
+            <a:pPr algn="ctr"/>
+            <a:r>
+              <a:rPr kumimoji="1" lang="ja-JP" altLang="en-US" sz="3000" dirty="0">
+                <a:ln w="12700">
+                  <a:solidFill>
+                    <a:srgbClr val="607D8B"/>
+                  </a:solidFill>
+                </a:ln>
+                <a:solidFill>
+                  <a:srgbClr val="CDDC39"/>
+                </a:solidFill>
+                <a:latin typeface="けいふぉんと" panose="02000600000000000000" pitchFamily="2" charset="-128"/>
+                <a:ea typeface="けいふぉんと" panose="02000600000000000000" pitchFamily="2" charset="-128"/>
+              </a:rPr>
+              <a:t>洋食</a:t>
+            </a:r>
+            <a:r>
+              <a:rPr kumimoji="1" lang="en-US" altLang="ja-JP" sz="3000" dirty="0">
+                <a:ln w="12700">
+                  <a:solidFill>
+                    <a:srgbClr val="607D8B"/>
+                  </a:solidFill>
+                </a:ln>
+                <a:solidFill>
+                  <a:srgbClr val="CDDC39"/>
+                </a:solidFill>
+                <a:latin typeface="けいふぉんと" panose="02000600000000000000" pitchFamily="2" charset="-128"/>
+                <a:ea typeface="けいふぉんと" panose="02000600000000000000" pitchFamily="2" charset="-128"/>
+              </a:rPr>
+              <a:t>	3</a:t>
+            </a:r>
+          </a:p>
+          <a:p>
+            <a:pPr algn="ctr"/>
+            <a:r>
+              <a:rPr kumimoji="1" lang="ja-JP" altLang="en-US" sz="3000" dirty="0">
+                <a:ln w="12700">
+                  <a:solidFill>
+                    <a:srgbClr val="607D8B"/>
+                  </a:solidFill>
+                </a:ln>
+                <a:solidFill>
+                  <a:srgbClr val="CDDC39"/>
+                </a:solidFill>
+                <a:latin typeface="けいふぉんと" panose="02000600000000000000" pitchFamily="2" charset="-128"/>
+                <a:ea typeface="けいふぉんと" panose="02000600000000000000" pitchFamily="2" charset="-128"/>
+              </a:rPr>
+              <a:t>中華</a:t>
+            </a:r>
+            <a:r>
+              <a:rPr kumimoji="1" lang="en-US" altLang="ja-JP" sz="3000" dirty="0">
+                <a:ln w="12700">
+                  <a:solidFill>
+                    <a:srgbClr val="607D8B"/>
+                  </a:solidFill>
+                </a:ln>
+                <a:solidFill>
+                  <a:srgbClr val="CDDC39"/>
+                </a:solidFill>
+                <a:latin typeface="けいふぉんと" panose="02000600000000000000" pitchFamily="2" charset="-128"/>
+                <a:ea typeface="けいふぉんと" panose="02000600000000000000" pitchFamily="2" charset="-128"/>
+              </a:rPr>
+              <a:t>	2</a:t>
+            </a:r>
+          </a:p>
+        </p:txBody>
+      </p:sp>
+      <p:sp>
+        <p:nvSpPr>
+          <p:cNvPr id="22" name="テキスト ボックス 21">
+            <a:extLst>
+              <a:ext uri="{FF2B5EF4-FFF2-40B4-BE49-F238E27FC236}">
+                <a16:creationId xmlns:a16="http://schemas.microsoft.com/office/drawing/2014/main" id="{FA852856-9AD7-4560-A96F-89390ACC4887}"/>
+              </a:ext>
+            </a:extLst>
+          </p:cNvPr>
+          <p:cNvSpPr txBox="1"/>
+          <p:nvPr/>
+        </p:nvSpPr>
+        <p:spPr>
+          <a:xfrm>
+            <a:off x="7539167" y="4033389"/>
+            <a:ext cx="2303654" cy="553998"/>
+          </a:xfrm>
+          <a:prstGeom prst="rect">
+            <a:avLst/>
+          </a:prstGeom>
+          <a:noFill/>
+        </p:spPr>
+        <p:txBody>
+          <a:bodyPr wrap="square" rtlCol="0">
+            <a:spAutoFit/>
+          </a:bodyPr>
+          <a:lstStyle/>
+          <a:p>
+            <a:pPr algn="ctr"/>
+            <a:r>
+              <a:rPr kumimoji="1" lang="en-US" altLang="ja-JP" sz="3000" dirty="0">
+                <a:ln w="12700">
+                  <a:solidFill>
+                    <a:srgbClr val="607D8B"/>
+                  </a:solidFill>
+                </a:ln>
+                <a:solidFill>
+                  <a:srgbClr val="CDDC39"/>
+                </a:solidFill>
+                <a:latin typeface="けいふぉんと" panose="02000600000000000000" pitchFamily="2" charset="-128"/>
+                <a:ea typeface="けいふぉんと" panose="02000600000000000000" pitchFamily="2" charset="-128"/>
+              </a:rPr>
+              <a:t>5000</a:t>
+            </a:r>
+            <a:r>
+              <a:rPr kumimoji="1" lang="ja-JP" altLang="en-US" sz="3000" dirty="0">
+                <a:ln w="12700">
+                  <a:solidFill>
+                    <a:srgbClr val="607D8B"/>
+                  </a:solidFill>
+                </a:ln>
+                <a:solidFill>
+                  <a:srgbClr val="CDDC39"/>
+                </a:solidFill>
+                <a:latin typeface="けいふぉんと" panose="02000600000000000000" pitchFamily="2" charset="-128"/>
+                <a:ea typeface="けいふぉんと" panose="02000600000000000000" pitchFamily="2" charset="-128"/>
+              </a:rPr>
+              <a:t>円以下</a:t>
+            </a:r>
+            <a:endParaRPr kumimoji="1" lang="en-US" altLang="ja-JP" sz="3000" dirty="0">
               <a:ln w="12700">
                 <a:solidFill>
                   <a:srgbClr val="607D8B"/>
@@ -15509,10 +16314,10 @@
       </p:sp>
       <p:sp>
         <p:nvSpPr>
-          <p:cNvPr id="143" name="テキスト ボックス 142">
+          <p:cNvPr id="33" name="テキスト ボックス 32">
             <a:extLst>
               <a:ext uri="{FF2B5EF4-FFF2-40B4-BE49-F238E27FC236}">
-                <a16:creationId xmlns:a16="http://schemas.microsoft.com/office/drawing/2014/main" id="{153F8834-4509-4A19-812C-D9008A246D4F}"/>
+                <a16:creationId xmlns:a16="http://schemas.microsoft.com/office/drawing/2014/main" id="{070CE092-31C5-4996-A53D-5D38DAEE2E5F}"/>
               </a:ext>
             </a:extLst>
           </p:cNvPr>
@@ -15521,8 +16326,8 @@
         </p:nvSpPr>
         <p:spPr>
           <a:xfrm>
-            <a:off x="4409136" y="3980335"/>
-            <a:ext cx="740700" cy="400110"/>
+            <a:off x="678021" y="6370157"/>
+            <a:ext cx="8012973" cy="477054"/>
           </a:xfrm>
           <a:prstGeom prst="rect">
             <a:avLst/>
@@ -15536,9 +16341,53 @@
           <a:lstStyle/>
           <a:p>
             <a:r>
-              <a:rPr kumimoji="1" lang="ja-JP" altLang="en-US" sz="2000" dirty="0">
+              <a:rPr kumimoji="1" lang="ja-JP" altLang="en-US" sz="2500" dirty="0">
                 <a:ln w="12700">
                   <a:solidFill>
+                    <a:srgbClr val="03A9F4"/>
+                  </a:solidFill>
+                </a:ln>
+                <a:latin typeface="けいふぉんと" panose="02000600000000000000" pitchFamily="2" charset="-128"/>
+                <a:ea typeface="けいふぉんと" panose="02000600000000000000" pitchFamily="2" charset="-128"/>
+              </a:rPr>
+              <a:t>絞り込み条件はドロップダウンリスト等によって選択する</a:t>
+            </a:r>
+          </a:p>
+        </p:txBody>
+      </p:sp>
+      <p:sp>
+        <p:nvSpPr>
+          <p:cNvPr id="17" name="テキスト ボックス 16">
+            <a:extLst>
+              <a:ext uri="{FF2B5EF4-FFF2-40B4-BE49-F238E27FC236}">
+                <a16:creationId xmlns:a16="http://schemas.microsoft.com/office/drawing/2014/main" id="{5DCCC55C-5C53-4344-AFD4-ADDA512D6BFE}"/>
+              </a:ext>
+            </a:extLst>
+          </p:cNvPr>
+          <p:cNvSpPr txBox="1"/>
+          <p:nvPr/>
+        </p:nvSpPr>
+        <p:spPr>
+          <a:xfrm>
+            <a:off x="2041415" y="2479118"/>
+            <a:ext cx="3274806" cy="707886"/>
+          </a:xfrm>
+          <a:prstGeom prst="rect">
+            <a:avLst/>
+          </a:prstGeom>
+          <a:noFill/>
+        </p:spPr>
+        <p:txBody>
+          <a:bodyPr wrap="square" rtlCol="0">
+            <a:spAutoFit/>
+          </a:bodyPr>
+          <a:lstStyle/>
+          <a:p>
+            <a:pPr algn="just"/>
+            <a:r>
+              <a:rPr kumimoji="1" lang="ja-JP" altLang="en-US" sz="4000" dirty="0">
+                <a:ln w="12700">
+                  <a:solidFill>
                     <a:srgbClr val="607D8B"/>
                   </a:solidFill>
                 </a:ln>
@@ -15548,9 +16397,9 @@
                 <a:latin typeface="けいふぉんと" panose="02000600000000000000" pitchFamily="2" charset="-128"/>
                 <a:ea typeface="けいふぉんと" panose="02000600000000000000" pitchFamily="2" charset="-128"/>
               </a:rPr>
-              <a:t>和食</a:t>
-            </a:r>
-            <a:endParaRPr kumimoji="1" lang="en-US" altLang="ja-JP" sz="2000" dirty="0">
+              <a:t>ジャンル割合</a:t>
+            </a:r>
+            <a:endParaRPr kumimoji="1" lang="en-US" altLang="ja-JP" sz="4000" dirty="0">
               <a:ln w="12700">
                 <a:solidFill>
                   <a:srgbClr val="607D8B"/>
@@ -15567,10 +16416,10 @@
       </p:sp>
       <p:sp>
         <p:nvSpPr>
-          <p:cNvPr id="144" name="テキスト ボックス 143">
+          <p:cNvPr id="25" name="テキスト ボックス 24">
             <a:extLst>
               <a:ext uri="{FF2B5EF4-FFF2-40B4-BE49-F238E27FC236}">
-                <a16:creationId xmlns:a16="http://schemas.microsoft.com/office/drawing/2014/main" id="{7942DDE2-C256-4276-91BC-6733B2EF5D3A}"/>
+                <a16:creationId xmlns:a16="http://schemas.microsoft.com/office/drawing/2014/main" id="{4831F76A-72E2-4B1D-B500-109B155CDAB9}"/>
               </a:ext>
             </a:extLst>
           </p:cNvPr>
@@ -15579,8 +16428,8 @@
         </p:nvSpPr>
         <p:spPr>
           <a:xfrm>
-            <a:off x="4409136" y="4380445"/>
-            <a:ext cx="740700" cy="400110"/>
+            <a:off x="6485887" y="2479118"/>
+            <a:ext cx="4054586" cy="707886"/>
           </a:xfrm>
           <a:prstGeom prst="rect">
             <a:avLst/>
@@ -15593,8 +16442,9 @@
           </a:bodyPr>
           <a:lstStyle/>
           <a:p>
-            <a:r>
-              <a:rPr kumimoji="1" lang="ja-JP" altLang="en-US" sz="2000" dirty="0">
+            <a:pPr algn="ctr"/>
+            <a:r>
+              <a:rPr kumimoji="1" lang="zh-TW" altLang="en-US" sz="4000" dirty="0">
                 <a:ln w="12700">
                   <a:solidFill>
                     <a:srgbClr val="607D8B"/>
@@ -15606,9 +16456,39 @@
                 <a:latin typeface="けいふぉんと" panose="02000600000000000000" pitchFamily="2" charset="-128"/>
                 <a:ea typeface="けいふぉんと" panose="02000600000000000000" pitchFamily="2" charset="-128"/>
               </a:rPr>
-              <a:t>煮物</a:t>
-            </a:r>
-            <a:endParaRPr kumimoji="1" lang="en-US" altLang="ja-JP" sz="2000" dirty="0">
+              <a:t>一週間</a:t>
+            </a:r>
+            <a:r>
+              <a:rPr kumimoji="1" lang="en-US" altLang="zh-TW" sz="4000" dirty="0">
+                <a:ln w="12700">
+                  <a:solidFill>
+                    <a:srgbClr val="607D8B"/>
+                  </a:solidFill>
+                </a:ln>
+                <a:solidFill>
+                  <a:srgbClr val="CDDC39"/>
+                </a:solidFill>
+                <a:latin typeface="けいふぉんと" panose="02000600000000000000" pitchFamily="2" charset="-128"/>
+                <a:ea typeface="けいふぉんと" panose="02000600000000000000" pitchFamily="2" charset="-128"/>
+              </a:rPr>
+              <a:t>2</a:t>
+            </a:r>
+            <a:r>
+              <a:rPr kumimoji="1" lang="zh-TW" altLang="en-US" sz="4000" dirty="0">
+                <a:ln w="12700">
+                  <a:solidFill>
+                    <a:srgbClr val="607D8B"/>
+                  </a:solidFill>
+                </a:ln>
+                <a:solidFill>
+                  <a:srgbClr val="CDDC39"/>
+                </a:solidFill>
+                <a:latin typeface="けいふぉんと" panose="02000600000000000000" pitchFamily="2" charset="-128"/>
+                <a:ea typeface="けいふぉんと" panose="02000600000000000000" pitchFamily="2" charset="-128"/>
+              </a:rPr>
+              <a:t>人前価格</a:t>
+            </a:r>
+            <a:endParaRPr kumimoji="1" lang="en-US" altLang="ja-JP" sz="4000" dirty="0">
               <a:ln w="12700">
                 <a:solidFill>
                   <a:srgbClr val="607D8B"/>
@@ -15623,781 +16503,10 @@
           </a:p>
         </p:txBody>
       </p:sp>
-      <p:sp>
-        <p:nvSpPr>
-          <p:cNvPr id="145" name="テキスト ボックス 144">
-            <a:extLst>
-              <a:ext uri="{FF2B5EF4-FFF2-40B4-BE49-F238E27FC236}">
-                <a16:creationId xmlns:a16="http://schemas.microsoft.com/office/drawing/2014/main" id="{E4D78297-FA74-4ACC-BEB7-332BC1BEA196}"/>
-              </a:ext>
-            </a:extLst>
-          </p:cNvPr>
-          <p:cNvSpPr txBox="1"/>
-          <p:nvPr/>
-        </p:nvSpPr>
-        <p:spPr>
-          <a:xfrm>
-            <a:off x="7042166" y="3980335"/>
-            <a:ext cx="1876425" cy="400110"/>
-          </a:xfrm>
-          <a:prstGeom prst="rect">
-            <a:avLst/>
-          </a:prstGeom>
-          <a:noFill/>
-        </p:spPr>
-        <p:txBody>
-          <a:bodyPr wrap="square" rtlCol="0">
-            <a:spAutoFit/>
-          </a:bodyPr>
-          <a:lstStyle/>
-          <a:p>
-            <a:r>
-              <a:rPr kumimoji="1" lang="ja-JP" altLang="en-US" sz="2000" dirty="0">
-                <a:ln w="12700">
-                  <a:solidFill>
-                    <a:srgbClr val="607D8B"/>
-                  </a:solidFill>
-                </a:ln>
-                <a:solidFill>
-                  <a:srgbClr val="CDDC39"/>
-                </a:solidFill>
-                <a:latin typeface="けいふぉんと" panose="02000600000000000000" pitchFamily="2" charset="-128"/>
-                <a:ea typeface="けいふぉんと" panose="02000600000000000000" pitchFamily="2" charset="-128"/>
-              </a:rPr>
-              <a:t>所要時間</a:t>
-            </a:r>
-            <a:r>
-              <a:rPr kumimoji="1" lang="en-US" altLang="ja-JP" sz="2000" dirty="0">
-                <a:ln w="12700">
-                  <a:solidFill>
-                    <a:srgbClr val="607D8B"/>
-                  </a:solidFill>
-                </a:ln>
-                <a:solidFill>
-                  <a:srgbClr val="CDDC39"/>
-                </a:solidFill>
-                <a:latin typeface="けいふぉんと" panose="02000600000000000000" pitchFamily="2" charset="-128"/>
-                <a:ea typeface="けいふぉんと" panose="02000600000000000000" pitchFamily="2" charset="-128"/>
-              </a:rPr>
-              <a:t>:40</a:t>
-            </a:r>
-            <a:r>
-              <a:rPr kumimoji="1" lang="ja-JP" altLang="en-US" sz="2000" dirty="0">
-                <a:ln w="12700">
-                  <a:solidFill>
-                    <a:srgbClr val="607D8B"/>
-                  </a:solidFill>
-                </a:ln>
-                <a:solidFill>
-                  <a:srgbClr val="CDDC39"/>
-                </a:solidFill>
-                <a:latin typeface="けいふぉんと" panose="02000600000000000000" pitchFamily="2" charset="-128"/>
-                <a:ea typeface="けいふぉんと" panose="02000600000000000000" pitchFamily="2" charset="-128"/>
-              </a:rPr>
-              <a:t>分</a:t>
-            </a:r>
-          </a:p>
-        </p:txBody>
-      </p:sp>
-      <p:sp>
-        <p:nvSpPr>
-          <p:cNvPr id="146" name="テキスト ボックス 145">
-            <a:extLst>
-              <a:ext uri="{FF2B5EF4-FFF2-40B4-BE49-F238E27FC236}">
-                <a16:creationId xmlns:a16="http://schemas.microsoft.com/office/drawing/2014/main" id="{B4737F3D-4747-457B-B322-17674341322E}"/>
-              </a:ext>
-            </a:extLst>
-          </p:cNvPr>
-          <p:cNvSpPr txBox="1"/>
-          <p:nvPr/>
-        </p:nvSpPr>
-        <p:spPr>
-          <a:xfrm>
-            <a:off x="7042165" y="4389063"/>
-            <a:ext cx="2235188" cy="400110"/>
-          </a:xfrm>
-          <a:prstGeom prst="rect">
-            <a:avLst/>
-          </a:prstGeom>
-          <a:noFill/>
-        </p:spPr>
-        <p:txBody>
-          <a:bodyPr wrap="square" rtlCol="0">
-            <a:spAutoFit/>
-          </a:bodyPr>
-          <a:lstStyle/>
-          <a:p>
-            <a:r>
-              <a:rPr kumimoji="1" lang="ja-JP" altLang="en-US" sz="2000" dirty="0">
-                <a:ln w="12700">
-                  <a:solidFill>
-                    <a:srgbClr val="607D8B"/>
-                  </a:solidFill>
-                </a:ln>
-                <a:solidFill>
-                  <a:srgbClr val="CDDC39"/>
-                </a:solidFill>
-                <a:latin typeface="けいふぉんと" panose="02000600000000000000" pitchFamily="2" charset="-128"/>
-                <a:ea typeface="けいふぉんと" panose="02000600000000000000" pitchFamily="2" charset="-128"/>
-              </a:rPr>
-              <a:t>カロリー</a:t>
-            </a:r>
-            <a:r>
-              <a:rPr kumimoji="1" lang="en-US" altLang="ja-JP" sz="2000" dirty="0">
-                <a:ln w="12700">
-                  <a:solidFill>
-                    <a:srgbClr val="607D8B"/>
-                  </a:solidFill>
-                </a:ln>
-                <a:solidFill>
-                  <a:srgbClr val="CDDC39"/>
-                </a:solidFill>
-                <a:latin typeface="けいふぉんと" panose="02000600000000000000" pitchFamily="2" charset="-128"/>
-                <a:ea typeface="けいふぉんと" panose="02000600000000000000" pitchFamily="2" charset="-128"/>
-              </a:rPr>
-              <a:t>:170kcal</a:t>
-            </a:r>
-          </a:p>
-        </p:txBody>
-      </p:sp>
-      <p:sp>
-        <p:nvSpPr>
-          <p:cNvPr id="147" name="テキスト ボックス 146">
-            <a:extLst>
-              <a:ext uri="{FF2B5EF4-FFF2-40B4-BE49-F238E27FC236}">
-                <a16:creationId xmlns:a16="http://schemas.microsoft.com/office/drawing/2014/main" id="{DA0637DD-58D9-4909-89FD-CD5549AAE55A}"/>
-              </a:ext>
-            </a:extLst>
-          </p:cNvPr>
-          <p:cNvSpPr txBox="1"/>
-          <p:nvPr/>
-        </p:nvSpPr>
-        <p:spPr>
-          <a:xfrm>
-            <a:off x="9587432" y="4035120"/>
-            <a:ext cx="1425036" cy="707886"/>
-          </a:xfrm>
-          <a:prstGeom prst="rect">
-            <a:avLst/>
-          </a:prstGeom>
-          <a:noFill/>
-        </p:spPr>
-        <p:txBody>
-          <a:bodyPr wrap="square" rtlCol="0">
-            <a:spAutoFit/>
-          </a:bodyPr>
-          <a:lstStyle/>
-          <a:p>
-            <a:pPr algn="ctr"/>
-            <a:r>
-              <a:rPr kumimoji="1" lang="ja-JP" altLang="en-US" sz="2000" dirty="0">
-                <a:ln w="12700">
-                  <a:solidFill>
-                    <a:srgbClr val="607D8B"/>
-                  </a:solidFill>
-                </a:ln>
-                <a:solidFill>
-                  <a:srgbClr val="CDDC39"/>
-                </a:solidFill>
-                <a:latin typeface="けいふぉんと" panose="02000600000000000000" pitchFamily="2" charset="-128"/>
-                <a:ea typeface="けいふぉんと" panose="02000600000000000000" pitchFamily="2" charset="-128"/>
-              </a:rPr>
-              <a:t>お気に入り</a:t>
-            </a:r>
-            <a:endParaRPr kumimoji="1" lang="en-US" altLang="ja-JP" sz="2000" dirty="0">
-              <a:ln w="12700">
-                <a:solidFill>
-                  <a:srgbClr val="607D8B"/>
-                </a:solidFill>
-              </a:ln>
-              <a:solidFill>
-                <a:srgbClr val="CDDC39"/>
-              </a:solidFill>
-              <a:latin typeface="けいふぉんと" panose="02000600000000000000" pitchFamily="2" charset="-128"/>
-              <a:ea typeface="けいふぉんと" panose="02000600000000000000" pitchFamily="2" charset="-128"/>
-            </a:endParaRPr>
-          </a:p>
-          <a:p>
-            <a:pPr algn="ctr"/>
-            <a:r>
-              <a:rPr kumimoji="1" lang="ja-JP" altLang="en-US" sz="2000" dirty="0">
-                <a:ln w="12700">
-                  <a:solidFill>
-                    <a:srgbClr val="607D8B"/>
-                  </a:solidFill>
-                </a:ln>
-                <a:solidFill>
-                  <a:srgbClr val="CDDC39"/>
-                </a:solidFill>
-                <a:latin typeface="けいふぉんと" panose="02000600000000000000" pitchFamily="2" charset="-128"/>
-                <a:ea typeface="けいふぉんと" panose="02000600000000000000" pitchFamily="2" charset="-128"/>
-              </a:rPr>
-              <a:t>追加</a:t>
-            </a:r>
-            <a:endParaRPr kumimoji="1" lang="en-US" altLang="ja-JP" sz="2000" dirty="0">
-              <a:ln w="12700">
-                <a:solidFill>
-                  <a:srgbClr val="607D8B"/>
-                </a:solidFill>
-              </a:ln>
-              <a:solidFill>
-                <a:srgbClr val="CDDC39"/>
-              </a:solidFill>
-              <a:latin typeface="けいふぉんと" panose="02000600000000000000" pitchFamily="2" charset="-128"/>
-              <a:ea typeface="けいふぉんと" panose="02000600000000000000" pitchFamily="2" charset="-128"/>
-            </a:endParaRPr>
-          </a:p>
-        </p:txBody>
-      </p:sp>
-      <p:sp>
-        <p:nvSpPr>
-          <p:cNvPr id="148" name="正方形/長方形 147">
-            <a:extLst>
-              <a:ext uri="{FF2B5EF4-FFF2-40B4-BE49-F238E27FC236}">
-                <a16:creationId xmlns:a16="http://schemas.microsoft.com/office/drawing/2014/main" id="{E8F8ACA4-1AB5-461A-8B3F-60D7198DCE80}"/>
-              </a:ext>
-            </a:extLst>
-          </p:cNvPr>
-          <p:cNvSpPr/>
-          <p:nvPr/>
-        </p:nvSpPr>
-        <p:spPr>
-          <a:xfrm>
-            <a:off x="9686925" y="4076623"/>
-            <a:ext cx="1238250" cy="611598"/>
-          </a:xfrm>
-          <a:prstGeom prst="rect">
-            <a:avLst/>
-          </a:prstGeom>
-          <a:solidFill>
-            <a:srgbClr val="8BC34A">
-              <a:alpha val="10196"/>
-            </a:srgbClr>
-          </a:solidFill>
-        </p:spPr>
-        <p:style>
-          <a:lnRef idx="2">
-            <a:schemeClr val="accent1">
-              <a:shade val="50000"/>
-            </a:schemeClr>
-          </a:lnRef>
-          <a:fillRef idx="1">
-            <a:schemeClr val="accent1"/>
-          </a:fillRef>
-          <a:effectRef idx="0">
-            <a:schemeClr val="accent1"/>
-          </a:effectRef>
-          <a:fontRef idx="minor">
-            <a:schemeClr val="lt1"/>
-          </a:fontRef>
-        </p:style>
-        <p:txBody>
-          <a:bodyPr rtlCol="0" anchor="ctr"/>
-          <a:lstStyle/>
-          <a:p>
-            <a:pPr algn="ctr"/>
-            <a:endParaRPr kumimoji="1" lang="ja-JP" altLang="en-US" dirty="0"/>
-          </a:p>
-        </p:txBody>
-      </p:sp>
-      <p:sp>
-        <p:nvSpPr>
-          <p:cNvPr id="149" name="テキスト ボックス 148">
-            <a:extLst>
-              <a:ext uri="{FF2B5EF4-FFF2-40B4-BE49-F238E27FC236}">
-                <a16:creationId xmlns:a16="http://schemas.microsoft.com/office/drawing/2014/main" id="{DD85F827-68D6-49D6-9D2D-0B8C2E7E4546}"/>
-              </a:ext>
-            </a:extLst>
-          </p:cNvPr>
-          <p:cNvSpPr txBox="1"/>
-          <p:nvPr/>
-        </p:nvSpPr>
-        <p:spPr>
-          <a:xfrm>
-            <a:off x="1352697" y="4996011"/>
-            <a:ext cx="2316678" cy="707886"/>
-          </a:xfrm>
-          <a:prstGeom prst="rect">
-            <a:avLst/>
-          </a:prstGeom>
-          <a:noFill/>
-        </p:spPr>
-        <p:txBody>
-          <a:bodyPr wrap="square" rtlCol="0">
-            <a:spAutoFit/>
-          </a:bodyPr>
-          <a:lstStyle/>
-          <a:p>
-            <a:r>
-              <a:rPr kumimoji="1" lang="en-US" altLang="ja-JP" sz="4000" dirty="0" err="1">
-                <a:ln w="12700">
-                  <a:solidFill>
-                    <a:srgbClr val="607D8B"/>
-                  </a:solidFill>
-                </a:ln>
-                <a:solidFill>
-                  <a:srgbClr val="CDDC39"/>
-                </a:solidFill>
-                <a:latin typeface="けいふぉんと" panose="02000600000000000000" pitchFamily="2" charset="-128"/>
-                <a:ea typeface="けいふぉんと" panose="02000600000000000000" pitchFamily="2" charset="-128"/>
-              </a:rPr>
-              <a:t>hoge</a:t>
-            </a:r>
-            <a:endParaRPr kumimoji="1" lang="en-US" altLang="ja-JP" sz="4000" dirty="0">
-              <a:ln w="12700">
-                <a:solidFill>
-                  <a:srgbClr val="607D8B"/>
-                </a:solidFill>
-              </a:ln>
-              <a:solidFill>
-                <a:srgbClr val="CDDC39"/>
-              </a:solidFill>
-              <a:latin typeface="けいふぉんと" panose="02000600000000000000" pitchFamily="2" charset="-128"/>
-              <a:ea typeface="けいふぉんと" panose="02000600000000000000" pitchFamily="2" charset="-128"/>
-            </a:endParaRPr>
-          </a:p>
-        </p:txBody>
-      </p:sp>
-      <p:sp>
-        <p:nvSpPr>
-          <p:cNvPr id="150" name="テキスト ボックス 149">
-            <a:extLst>
-              <a:ext uri="{FF2B5EF4-FFF2-40B4-BE49-F238E27FC236}">
-                <a16:creationId xmlns:a16="http://schemas.microsoft.com/office/drawing/2014/main" id="{F1CD503B-8229-426E-A4B2-21F715801FDF}"/>
-              </a:ext>
-            </a:extLst>
-          </p:cNvPr>
-          <p:cNvSpPr txBox="1"/>
-          <p:nvPr/>
-        </p:nvSpPr>
-        <p:spPr>
-          <a:xfrm>
-            <a:off x="4409136" y="4996011"/>
-            <a:ext cx="740700" cy="400110"/>
-          </a:xfrm>
-          <a:prstGeom prst="rect">
-            <a:avLst/>
-          </a:prstGeom>
-          <a:noFill/>
-        </p:spPr>
-        <p:txBody>
-          <a:bodyPr wrap="square" rtlCol="0">
-            <a:spAutoFit/>
-          </a:bodyPr>
-          <a:lstStyle/>
-          <a:p>
-            <a:r>
-              <a:rPr kumimoji="1" lang="ja-JP" altLang="en-US" sz="2000" dirty="0">
-                <a:ln w="12700">
-                  <a:solidFill>
-                    <a:srgbClr val="607D8B"/>
-                  </a:solidFill>
-                </a:ln>
-                <a:solidFill>
-                  <a:srgbClr val="CDDC39"/>
-                </a:solidFill>
-                <a:latin typeface="けいふぉんと" panose="02000600000000000000" pitchFamily="2" charset="-128"/>
-                <a:ea typeface="けいふぉんと" panose="02000600000000000000" pitchFamily="2" charset="-128"/>
-              </a:rPr>
-              <a:t>和食</a:t>
-            </a:r>
-            <a:endParaRPr kumimoji="1" lang="en-US" altLang="ja-JP" sz="2000" dirty="0">
-              <a:ln w="12700">
-                <a:solidFill>
-                  <a:srgbClr val="607D8B"/>
-                </a:solidFill>
-              </a:ln>
-              <a:solidFill>
-                <a:srgbClr val="CDDC39"/>
-              </a:solidFill>
-              <a:latin typeface="けいふぉんと" panose="02000600000000000000" pitchFamily="2" charset="-128"/>
-              <a:ea typeface="けいふぉんと" panose="02000600000000000000" pitchFamily="2" charset="-128"/>
-            </a:endParaRPr>
-          </a:p>
-        </p:txBody>
-      </p:sp>
-      <p:sp>
-        <p:nvSpPr>
-          <p:cNvPr id="151" name="テキスト ボックス 150">
-            <a:extLst>
-              <a:ext uri="{FF2B5EF4-FFF2-40B4-BE49-F238E27FC236}">
-                <a16:creationId xmlns:a16="http://schemas.microsoft.com/office/drawing/2014/main" id="{CEF50F10-8716-4EB8-9A74-7248AC6546FF}"/>
-              </a:ext>
-            </a:extLst>
-          </p:cNvPr>
-          <p:cNvSpPr txBox="1"/>
-          <p:nvPr/>
-        </p:nvSpPr>
-        <p:spPr>
-          <a:xfrm>
-            <a:off x="4409136" y="5396121"/>
-            <a:ext cx="740700" cy="400110"/>
-          </a:xfrm>
-          <a:prstGeom prst="rect">
-            <a:avLst/>
-          </a:prstGeom>
-          <a:noFill/>
-        </p:spPr>
-        <p:txBody>
-          <a:bodyPr wrap="square" rtlCol="0">
-            <a:spAutoFit/>
-          </a:bodyPr>
-          <a:lstStyle/>
-          <a:p>
-            <a:r>
-              <a:rPr kumimoji="1" lang="ja-JP" altLang="en-US" sz="2000" dirty="0">
-                <a:ln w="12700">
-                  <a:solidFill>
-                    <a:srgbClr val="607D8B"/>
-                  </a:solidFill>
-                </a:ln>
-                <a:solidFill>
-                  <a:srgbClr val="CDDC39"/>
-                </a:solidFill>
-                <a:latin typeface="けいふぉんと" panose="02000600000000000000" pitchFamily="2" charset="-128"/>
-                <a:ea typeface="けいふぉんと" panose="02000600000000000000" pitchFamily="2" charset="-128"/>
-              </a:rPr>
-              <a:t>煮物</a:t>
-            </a:r>
-            <a:endParaRPr kumimoji="1" lang="en-US" altLang="ja-JP" sz="2000" dirty="0">
-              <a:ln w="12700">
-                <a:solidFill>
-                  <a:srgbClr val="607D8B"/>
-                </a:solidFill>
-              </a:ln>
-              <a:solidFill>
-                <a:srgbClr val="CDDC39"/>
-              </a:solidFill>
-              <a:latin typeface="けいふぉんと" panose="02000600000000000000" pitchFamily="2" charset="-128"/>
-              <a:ea typeface="けいふぉんと" panose="02000600000000000000" pitchFamily="2" charset="-128"/>
-            </a:endParaRPr>
-          </a:p>
-        </p:txBody>
-      </p:sp>
-      <p:sp>
-        <p:nvSpPr>
-          <p:cNvPr id="152" name="テキスト ボックス 151">
-            <a:extLst>
-              <a:ext uri="{FF2B5EF4-FFF2-40B4-BE49-F238E27FC236}">
-                <a16:creationId xmlns:a16="http://schemas.microsoft.com/office/drawing/2014/main" id="{468978F9-04BC-4FB2-BFEF-059E77BFB33C}"/>
-              </a:ext>
-            </a:extLst>
-          </p:cNvPr>
-          <p:cNvSpPr txBox="1"/>
-          <p:nvPr/>
-        </p:nvSpPr>
-        <p:spPr>
-          <a:xfrm>
-            <a:off x="7042166" y="4996011"/>
-            <a:ext cx="1876425" cy="400110"/>
-          </a:xfrm>
-          <a:prstGeom prst="rect">
-            <a:avLst/>
-          </a:prstGeom>
-          <a:noFill/>
-        </p:spPr>
-        <p:txBody>
-          <a:bodyPr wrap="square" rtlCol="0">
-            <a:spAutoFit/>
-          </a:bodyPr>
-          <a:lstStyle/>
-          <a:p>
-            <a:r>
-              <a:rPr kumimoji="1" lang="ja-JP" altLang="en-US" sz="2000" dirty="0">
-                <a:ln w="12700">
-                  <a:solidFill>
-                    <a:srgbClr val="607D8B"/>
-                  </a:solidFill>
-                </a:ln>
-                <a:solidFill>
-                  <a:srgbClr val="CDDC39"/>
-                </a:solidFill>
-                <a:latin typeface="けいふぉんと" panose="02000600000000000000" pitchFamily="2" charset="-128"/>
-                <a:ea typeface="けいふぉんと" panose="02000600000000000000" pitchFamily="2" charset="-128"/>
-              </a:rPr>
-              <a:t>所要時間</a:t>
-            </a:r>
-            <a:r>
-              <a:rPr kumimoji="1" lang="en-US" altLang="ja-JP" sz="2000" dirty="0">
-                <a:ln w="12700">
-                  <a:solidFill>
-                    <a:srgbClr val="607D8B"/>
-                  </a:solidFill>
-                </a:ln>
-                <a:solidFill>
-                  <a:srgbClr val="CDDC39"/>
-                </a:solidFill>
-                <a:latin typeface="けいふぉんと" panose="02000600000000000000" pitchFamily="2" charset="-128"/>
-                <a:ea typeface="けいふぉんと" panose="02000600000000000000" pitchFamily="2" charset="-128"/>
-              </a:rPr>
-              <a:t>:40</a:t>
-            </a:r>
-            <a:r>
-              <a:rPr kumimoji="1" lang="ja-JP" altLang="en-US" sz="2000" dirty="0">
-                <a:ln w="12700">
-                  <a:solidFill>
-                    <a:srgbClr val="607D8B"/>
-                  </a:solidFill>
-                </a:ln>
-                <a:solidFill>
-                  <a:srgbClr val="CDDC39"/>
-                </a:solidFill>
-                <a:latin typeface="けいふぉんと" panose="02000600000000000000" pitchFamily="2" charset="-128"/>
-                <a:ea typeface="けいふぉんと" panose="02000600000000000000" pitchFamily="2" charset="-128"/>
-              </a:rPr>
-              <a:t>分</a:t>
-            </a:r>
-          </a:p>
-        </p:txBody>
-      </p:sp>
-      <p:sp>
-        <p:nvSpPr>
-          <p:cNvPr id="153" name="テキスト ボックス 152">
-            <a:extLst>
-              <a:ext uri="{FF2B5EF4-FFF2-40B4-BE49-F238E27FC236}">
-                <a16:creationId xmlns:a16="http://schemas.microsoft.com/office/drawing/2014/main" id="{D8037F73-229E-4CD1-8CF5-DC6EA587BE25}"/>
-              </a:ext>
-            </a:extLst>
-          </p:cNvPr>
-          <p:cNvSpPr txBox="1"/>
-          <p:nvPr/>
-        </p:nvSpPr>
-        <p:spPr>
-          <a:xfrm>
-            <a:off x="7042165" y="5404739"/>
-            <a:ext cx="2235188" cy="400110"/>
-          </a:xfrm>
-          <a:prstGeom prst="rect">
-            <a:avLst/>
-          </a:prstGeom>
-          <a:noFill/>
-        </p:spPr>
-        <p:txBody>
-          <a:bodyPr wrap="square" rtlCol="0">
-            <a:spAutoFit/>
-          </a:bodyPr>
-          <a:lstStyle/>
-          <a:p>
-            <a:r>
-              <a:rPr kumimoji="1" lang="ja-JP" altLang="en-US" sz="2000" dirty="0">
-                <a:ln w="12700">
-                  <a:solidFill>
-                    <a:srgbClr val="607D8B"/>
-                  </a:solidFill>
-                </a:ln>
-                <a:solidFill>
-                  <a:srgbClr val="CDDC39"/>
-                </a:solidFill>
-                <a:latin typeface="けいふぉんと" panose="02000600000000000000" pitchFamily="2" charset="-128"/>
-                <a:ea typeface="けいふぉんと" panose="02000600000000000000" pitchFamily="2" charset="-128"/>
-              </a:rPr>
-              <a:t>カロリー</a:t>
-            </a:r>
-            <a:r>
-              <a:rPr kumimoji="1" lang="en-US" altLang="ja-JP" sz="2000" dirty="0">
-                <a:ln w="12700">
-                  <a:solidFill>
-                    <a:srgbClr val="607D8B"/>
-                  </a:solidFill>
-                </a:ln>
-                <a:solidFill>
-                  <a:srgbClr val="CDDC39"/>
-                </a:solidFill>
-                <a:latin typeface="けいふぉんと" panose="02000600000000000000" pitchFamily="2" charset="-128"/>
-                <a:ea typeface="けいふぉんと" panose="02000600000000000000" pitchFamily="2" charset="-128"/>
-              </a:rPr>
-              <a:t>:170kcal</a:t>
-            </a:r>
-          </a:p>
-        </p:txBody>
-      </p:sp>
-      <p:sp>
-        <p:nvSpPr>
-          <p:cNvPr id="154" name="テキスト ボックス 153">
-            <a:extLst>
-              <a:ext uri="{FF2B5EF4-FFF2-40B4-BE49-F238E27FC236}">
-                <a16:creationId xmlns:a16="http://schemas.microsoft.com/office/drawing/2014/main" id="{A0078919-C277-4065-AAB0-2E113518620D}"/>
-              </a:ext>
-            </a:extLst>
-          </p:cNvPr>
-          <p:cNvSpPr txBox="1"/>
-          <p:nvPr/>
-        </p:nvSpPr>
-        <p:spPr>
-          <a:xfrm>
-            <a:off x="9587432" y="5050796"/>
-            <a:ext cx="1425036" cy="707886"/>
-          </a:xfrm>
-          <a:prstGeom prst="rect">
-            <a:avLst/>
-          </a:prstGeom>
-          <a:noFill/>
-        </p:spPr>
-        <p:txBody>
-          <a:bodyPr wrap="square" rtlCol="0">
-            <a:spAutoFit/>
-          </a:bodyPr>
-          <a:lstStyle/>
-          <a:p>
-            <a:pPr algn="ctr"/>
-            <a:r>
-              <a:rPr kumimoji="1" lang="ja-JP" altLang="en-US" sz="2000" dirty="0">
-                <a:ln w="12700">
-                  <a:solidFill>
-                    <a:srgbClr val="607D8B"/>
-                  </a:solidFill>
-                </a:ln>
-                <a:solidFill>
-                  <a:srgbClr val="CDDC39"/>
-                </a:solidFill>
-                <a:latin typeface="けいふぉんと" panose="02000600000000000000" pitchFamily="2" charset="-128"/>
-                <a:ea typeface="けいふぉんと" panose="02000600000000000000" pitchFamily="2" charset="-128"/>
-              </a:rPr>
-              <a:t>お気に入り</a:t>
-            </a:r>
-            <a:endParaRPr kumimoji="1" lang="en-US" altLang="ja-JP" sz="2000" dirty="0">
-              <a:ln w="12700">
-                <a:solidFill>
-                  <a:srgbClr val="607D8B"/>
-                </a:solidFill>
-              </a:ln>
-              <a:solidFill>
-                <a:srgbClr val="CDDC39"/>
-              </a:solidFill>
-              <a:latin typeface="けいふぉんと" panose="02000600000000000000" pitchFamily="2" charset="-128"/>
-              <a:ea typeface="けいふぉんと" panose="02000600000000000000" pitchFamily="2" charset="-128"/>
-            </a:endParaRPr>
-          </a:p>
-          <a:p>
-            <a:pPr algn="ctr"/>
-            <a:r>
-              <a:rPr kumimoji="1" lang="ja-JP" altLang="en-US" sz="2000" dirty="0">
-                <a:ln w="12700">
-                  <a:solidFill>
-                    <a:srgbClr val="607D8B"/>
-                  </a:solidFill>
-                </a:ln>
-                <a:solidFill>
-                  <a:srgbClr val="CDDC39"/>
-                </a:solidFill>
-                <a:latin typeface="けいふぉんと" panose="02000600000000000000" pitchFamily="2" charset="-128"/>
-                <a:ea typeface="けいふぉんと" panose="02000600000000000000" pitchFamily="2" charset="-128"/>
-              </a:rPr>
-              <a:t>追加</a:t>
-            </a:r>
-            <a:endParaRPr kumimoji="1" lang="en-US" altLang="ja-JP" sz="2000" dirty="0">
-              <a:ln w="12700">
-                <a:solidFill>
-                  <a:srgbClr val="607D8B"/>
-                </a:solidFill>
-              </a:ln>
-              <a:solidFill>
-                <a:srgbClr val="CDDC39"/>
-              </a:solidFill>
-              <a:latin typeface="けいふぉんと" panose="02000600000000000000" pitchFamily="2" charset="-128"/>
-              <a:ea typeface="けいふぉんと" panose="02000600000000000000" pitchFamily="2" charset="-128"/>
-            </a:endParaRPr>
-          </a:p>
-        </p:txBody>
-      </p:sp>
-      <p:sp>
-        <p:nvSpPr>
-          <p:cNvPr id="155" name="正方形/長方形 154">
-            <a:extLst>
-              <a:ext uri="{FF2B5EF4-FFF2-40B4-BE49-F238E27FC236}">
-                <a16:creationId xmlns:a16="http://schemas.microsoft.com/office/drawing/2014/main" id="{CC48AC53-B590-4D93-B07A-BBC6C1AFCDF9}"/>
-              </a:ext>
-            </a:extLst>
-          </p:cNvPr>
-          <p:cNvSpPr/>
-          <p:nvPr/>
-        </p:nvSpPr>
-        <p:spPr>
-          <a:xfrm>
-            <a:off x="9686925" y="5092299"/>
-            <a:ext cx="1238250" cy="611598"/>
-          </a:xfrm>
-          <a:prstGeom prst="rect">
-            <a:avLst/>
-          </a:prstGeom>
-          <a:solidFill>
-            <a:srgbClr val="8BC34A">
-              <a:alpha val="10196"/>
-            </a:srgbClr>
-          </a:solidFill>
-        </p:spPr>
-        <p:style>
-          <a:lnRef idx="2">
-            <a:schemeClr val="accent1">
-              <a:shade val="50000"/>
-            </a:schemeClr>
-          </a:lnRef>
-          <a:fillRef idx="1">
-            <a:schemeClr val="accent1"/>
-          </a:fillRef>
-          <a:effectRef idx="0">
-            <a:schemeClr val="accent1"/>
-          </a:effectRef>
-          <a:fontRef idx="minor">
-            <a:schemeClr val="lt1"/>
-          </a:fontRef>
-        </p:style>
-        <p:txBody>
-          <a:bodyPr rtlCol="0" anchor="ctr"/>
-          <a:lstStyle/>
-          <a:p>
-            <a:pPr algn="ctr"/>
-            <a:endParaRPr kumimoji="1" lang="ja-JP" altLang="en-US" dirty="0"/>
-          </a:p>
-        </p:txBody>
-      </p:sp>
-      <p:sp>
-        <p:nvSpPr>
-          <p:cNvPr id="163" name="テキスト ボックス 162">
-            <a:extLst>
-              <a:ext uri="{FF2B5EF4-FFF2-40B4-BE49-F238E27FC236}">
-                <a16:creationId xmlns:a16="http://schemas.microsoft.com/office/drawing/2014/main" id="{17E70682-4054-402A-8C81-21290A1C3CBB}"/>
-              </a:ext>
-            </a:extLst>
-          </p:cNvPr>
-          <p:cNvSpPr txBox="1"/>
-          <p:nvPr/>
-        </p:nvSpPr>
-        <p:spPr>
-          <a:xfrm>
-            <a:off x="517526" y="6368119"/>
-            <a:ext cx="4884579" cy="477054"/>
-          </a:xfrm>
-          <a:prstGeom prst="rect">
-            <a:avLst/>
-          </a:prstGeom>
-          <a:noFill/>
-        </p:spPr>
-        <p:txBody>
-          <a:bodyPr wrap="square" rtlCol="0">
-            <a:spAutoFit/>
-          </a:bodyPr>
-          <a:lstStyle/>
-          <a:p>
-            <a:r>
-              <a:rPr kumimoji="1" lang="ja-JP" altLang="en-US" sz="2500" dirty="0">
-                <a:ln w="12700">
-                  <a:solidFill>
-                    <a:srgbClr val="03A9F4"/>
-                  </a:solidFill>
-                </a:ln>
-                <a:latin typeface="けいふぉんと" panose="02000600000000000000" pitchFamily="2" charset="-128"/>
-                <a:ea typeface="けいふぉんと" panose="02000600000000000000" pitchFamily="2" charset="-128"/>
-              </a:rPr>
-              <a:t>見えない部分はスクロールで表示</a:t>
-            </a:r>
-          </a:p>
-        </p:txBody>
-      </p:sp>
     </p:spTree>
     <p:extLst>
       <p:ext uri="{BB962C8B-B14F-4D97-AF65-F5344CB8AC3E}">
-        <p14:creationId xmlns:p14="http://schemas.microsoft.com/office/powerpoint/2010/main" val="1227100171"/>
+        <p14:creationId xmlns:p14="http://schemas.microsoft.com/office/powerpoint/2010/main" val="624308909"/>
       </p:ext>
     </p:extLst>
   </p:cSld>
@@ -21485,7 +21594,7 @@
                 <a:latin typeface="けいふぉんと" panose="02000600000000000000" pitchFamily="2" charset="-128"/>
                 <a:ea typeface="けいふぉんと" panose="02000600000000000000" pitchFamily="2" charset="-128"/>
               </a:rPr>
-              <a:t>追加</a:t>
+              <a:t>解除</a:t>
             </a:r>
             <a:endParaRPr kumimoji="1" lang="en-US" altLang="ja-JP" sz="2000" dirty="0">
               <a:ln w="12700">
@@ -21936,7 +22045,7 @@
                 <a:latin typeface="けいふぉんと" panose="02000600000000000000" pitchFamily="2" charset="-128"/>
                 <a:ea typeface="けいふぉんと" panose="02000600000000000000" pitchFamily="2" charset="-128"/>
               </a:rPr>
-              <a:t>追加</a:t>
+              <a:t>解除</a:t>
             </a:r>
             <a:endParaRPr kumimoji="1" lang="en-US" altLang="ja-JP" sz="2000" dirty="0">
               <a:ln w="12700">
@@ -22387,7 +22496,7 @@
                 <a:latin typeface="けいふぉんと" panose="02000600000000000000" pitchFamily="2" charset="-128"/>
                 <a:ea typeface="けいふぉんと" panose="02000600000000000000" pitchFamily="2" charset="-128"/>
               </a:rPr>
-              <a:t>追加</a:t>
+              <a:t>解除</a:t>
             </a:r>
             <a:endParaRPr kumimoji="1" lang="en-US" altLang="ja-JP" sz="2000" dirty="0">
               <a:ln w="12700">
@@ -22838,7 +22947,7 @@
                 <a:latin typeface="けいふぉんと" panose="02000600000000000000" pitchFamily="2" charset="-128"/>
                 <a:ea typeface="けいふぉんと" panose="02000600000000000000" pitchFamily="2" charset="-128"/>
               </a:rPr>
-              <a:t>追加</a:t>
+              <a:t>解除</a:t>
             </a:r>
             <a:endParaRPr kumimoji="1" lang="en-US" altLang="ja-JP" sz="2000" dirty="0">
               <a:ln w="12700">
@@ -23982,7 +24091,7 @@
           <a:graphicData uri="http://schemas.openxmlformats.org/presentationml/2006/ole">
             <mc:AlternateContent xmlns:mc="http://schemas.openxmlformats.org/markup-compatibility/2006">
               <mc:Choice xmlns:v="urn:schemas-microsoft-com:vml" Requires="v">
-                <p:oleObj spid="_x0000_s1063" name="Worksheet" r:id="rId3" imgW="14887696" imgH="6610363" progId="Excel.Sheet.12">
+                <p:oleObj spid="_x0000_s1066" name="Worksheet" r:id="rId3" imgW="14887696" imgH="6610363" progId="Excel.Sheet.12">
                   <p:embed/>
                 </p:oleObj>
               </mc:Choice>
@@ -26487,8 +26596,8 @@
         </p:nvSpPr>
         <p:spPr>
           <a:xfrm>
-            <a:off x="267574" y="140107"/>
-            <a:ext cx="10171826" cy="861774"/>
+            <a:off x="267573" y="182849"/>
+            <a:ext cx="10238501" cy="861774"/>
           </a:xfrm>
           <a:prstGeom prst="rect">
             <a:avLst/>
@@ -26549,15 +26658,6 @@
               </a:rPr>
               <a:t>)</a:t>
             </a:r>
-            <a:endParaRPr kumimoji="1" lang="ja-JP" altLang="en-US" sz="5000" dirty="0">
-              <a:ln w="12700">
-                <a:solidFill>
-                  <a:srgbClr val="03A9F4"/>
-                </a:solidFill>
-              </a:ln>
-              <a:latin typeface="けいふぉんと" panose="02000600000000000000" pitchFamily="2" charset="-128"/>
-              <a:ea typeface="けいふぉんと" panose="02000600000000000000" pitchFamily="2" charset="-128"/>
-            </a:endParaRPr>
           </a:p>
         </p:txBody>
       </p:sp>
@@ -26629,8 +26729,8 @@
         </p:nvSpPr>
         <p:spPr>
           <a:xfrm>
-            <a:off x="3989471" y="1182801"/>
-            <a:ext cx="3270528" cy="861774"/>
+            <a:off x="4462203" y="1282559"/>
+            <a:ext cx="3267591" cy="477054"/>
           </a:xfrm>
           <a:prstGeom prst="rect">
             <a:avLst/>
@@ -26703,54 +26803,6 @@
                 <a:ea typeface="けいふぉんと" panose="02000600000000000000" pitchFamily="2" charset="-128"/>
               </a:rPr>
               <a:t>)</a:t>
-            </a:r>
-          </a:p>
-          <a:p>
-            <a:pPr algn="ctr"/>
-            <a:r>
-              <a:rPr kumimoji="1" lang="en-US" altLang="ja-JP" sz="2500" dirty="0">
-                <a:ln w="3175">
-                  <a:solidFill>
-                    <a:srgbClr val="8BC34A"/>
-                  </a:solidFill>
-                </a:ln>
-                <a:solidFill>
-                  <a:srgbClr val="607D8B"/>
-                </a:solidFill>
-                <a:latin typeface="けいふぉんと" panose="02000600000000000000" pitchFamily="2" charset="-128"/>
-                <a:ea typeface="けいふぉんと" panose="02000600000000000000" pitchFamily="2" charset="-128"/>
-              </a:rPr>
-              <a:t>–</a:t>
-            </a:r>
-            <a:r>
-              <a:rPr kumimoji="1" lang="ja-JP" altLang="en-US" sz="2500" dirty="0">
-                <a:ln w="3175">
-                  <a:solidFill>
-                    <a:srgbClr val="8BC34A"/>
-                  </a:solidFill>
-                </a:ln>
-                <a:solidFill>
-                  <a:srgbClr val="607D8B"/>
-                </a:solidFill>
-                <a:latin typeface="けいふぉんと" panose="02000600000000000000" pitchFamily="2" charset="-128"/>
-                <a:ea typeface="けいふぉんと" panose="02000600000000000000" pitchFamily="2" charset="-128"/>
-              </a:rPr>
-              <a:t>絞り込み条件設定</a:t>
-            </a:r>
-            <a:r>
-              <a:rPr kumimoji="1" lang="en-US" altLang="ja-JP" sz="2500" dirty="0">
-                <a:ln w="3175">
-                  <a:solidFill>
-                    <a:srgbClr val="8BC34A"/>
-                  </a:solidFill>
-                </a:ln>
-                <a:solidFill>
-                  <a:srgbClr val="607D8B"/>
-                </a:solidFill>
-                <a:latin typeface="けいふぉんと" panose="02000600000000000000" pitchFamily="2" charset="-128"/>
-                <a:ea typeface="けいふぉんと" panose="02000600000000000000" pitchFamily="2" charset="-128"/>
-              </a:rPr>
-              <a:t>-</a:t>
             </a:r>
             <a:endParaRPr kumimoji="1" lang="ja-JP" altLang="en-US" sz="2500" dirty="0">
               <a:ln w="3175">
@@ -26769,10 +26821,10 @@
       </p:sp>
       <p:sp>
         <p:nvSpPr>
-          <p:cNvPr id="34" name="テキスト ボックス 33">
+          <p:cNvPr id="23" name="テキスト ボックス 22">
             <a:extLst>
               <a:ext uri="{FF2B5EF4-FFF2-40B4-BE49-F238E27FC236}">
-                <a16:creationId xmlns:a16="http://schemas.microsoft.com/office/drawing/2014/main" id="{FA911171-B495-4A7F-9343-5254DFAB9E00}"/>
+                <a16:creationId xmlns:a16="http://schemas.microsoft.com/office/drawing/2014/main" id="{F5D4E858-DB97-42DE-89BF-663C9220A407}"/>
               </a:ext>
             </a:extLst>
           </p:cNvPr>
@@ -26781,8 +26833,8 @@
         </p:nvSpPr>
         <p:spPr>
           <a:xfrm>
-            <a:off x="3777713" y="5749713"/>
-            <a:ext cx="1319609" cy="477054"/>
+            <a:off x="1493322" y="1834917"/>
+            <a:ext cx="2316678" cy="707886"/>
           </a:xfrm>
           <a:prstGeom prst="rect">
             <a:avLst/>
@@ -26795,9 +26847,8 @@
           </a:bodyPr>
           <a:lstStyle/>
           <a:p>
-            <a:pPr algn="just"/>
-            <a:r>
-              <a:rPr kumimoji="1" lang="ja-JP" altLang="en-US" sz="2500" dirty="0">
+            <a:r>
+              <a:rPr kumimoji="1" lang="ja-JP" altLang="en-US" sz="4000" dirty="0">
                 <a:ln w="12700">
                   <a:solidFill>
                     <a:srgbClr val="607D8B"/>
@@ -26809,9 +26860,9 @@
                 <a:latin typeface="けいふぉんと" panose="02000600000000000000" pitchFamily="2" charset="-128"/>
                 <a:ea typeface="けいふぉんと" panose="02000600000000000000" pitchFamily="2" charset="-128"/>
               </a:rPr>
-              <a:t>リセット</a:t>
-            </a:r>
-            <a:endParaRPr kumimoji="1" lang="en-US" altLang="ja-JP" sz="2500" dirty="0">
+              <a:t>肉じゃが</a:t>
+            </a:r>
+            <a:endParaRPr kumimoji="1" lang="en-US" altLang="ja-JP" sz="4000" dirty="0">
               <a:ln w="12700">
                 <a:solidFill>
                   <a:srgbClr val="607D8B"/>
@@ -26828,10 +26879,10 @@
       </p:sp>
       <p:sp>
         <p:nvSpPr>
-          <p:cNvPr id="36" name="テキスト ボックス 35">
+          <p:cNvPr id="25" name="テキスト ボックス 24">
             <a:extLst>
               <a:ext uri="{FF2B5EF4-FFF2-40B4-BE49-F238E27FC236}">
-                <a16:creationId xmlns:a16="http://schemas.microsoft.com/office/drawing/2014/main" id="{AAA60D73-D6B4-4008-AA75-3266C7A9E8EE}"/>
+                <a16:creationId xmlns:a16="http://schemas.microsoft.com/office/drawing/2014/main" id="{4F77CA5B-BD22-40A9-8E20-3A99EFEECA9E}"/>
               </a:ext>
             </a:extLst>
           </p:cNvPr>
@@ -26840,8 +26891,8 @@
         </p:nvSpPr>
         <p:spPr>
           <a:xfrm>
-            <a:off x="7094680" y="5774686"/>
-            <a:ext cx="858083" cy="477054"/>
+            <a:off x="1970976" y="2621387"/>
+            <a:ext cx="1110891" cy="553998"/>
           </a:xfrm>
           <a:prstGeom prst="rect">
             <a:avLst/>
@@ -26854,9 +26905,8 @@
           </a:bodyPr>
           <a:lstStyle/>
           <a:p>
-            <a:pPr algn="just"/>
-            <a:r>
-              <a:rPr kumimoji="1" lang="ja-JP" altLang="en-US" sz="2500" dirty="0">
+            <a:r>
+              <a:rPr kumimoji="1" lang="ja-JP" altLang="en-US" sz="3000" dirty="0">
                 <a:ln w="12700">
                   <a:solidFill>
                     <a:srgbClr val="607D8B"/>
@@ -26868,9 +26918,9 @@
                 <a:latin typeface="けいふぉんと" panose="02000600000000000000" pitchFamily="2" charset="-128"/>
                 <a:ea typeface="けいふぉんと" panose="02000600000000000000" pitchFamily="2" charset="-128"/>
               </a:rPr>
-              <a:t>決定</a:t>
-            </a:r>
-            <a:endParaRPr kumimoji="1" lang="en-US" altLang="ja-JP" sz="2500" dirty="0">
+              <a:t>和食</a:t>
+            </a:r>
+            <a:endParaRPr kumimoji="1" lang="en-US" altLang="ja-JP" sz="3000" dirty="0">
               <a:ln w="12700">
                 <a:solidFill>
                   <a:srgbClr val="607D8B"/>
@@ -26887,10 +26937,520 @@
       </p:sp>
       <p:sp>
         <p:nvSpPr>
-          <p:cNvPr id="37" name="正方形/長方形 36">
+          <p:cNvPr id="26" name="テキスト ボックス 25">
             <a:extLst>
               <a:ext uri="{FF2B5EF4-FFF2-40B4-BE49-F238E27FC236}">
-                <a16:creationId xmlns:a16="http://schemas.microsoft.com/office/drawing/2014/main" id="{ACB75375-3CB0-4CF9-9748-E6A42E8B4B22}"/>
+                <a16:creationId xmlns:a16="http://schemas.microsoft.com/office/drawing/2014/main" id="{D6962A30-AB5D-4567-9904-8E3F5019D95B}"/>
+              </a:ext>
+            </a:extLst>
+          </p:cNvPr>
+          <p:cNvSpPr txBox="1"/>
+          <p:nvPr/>
+        </p:nvSpPr>
+        <p:spPr>
+          <a:xfrm>
+            <a:off x="3322559" y="2621387"/>
+            <a:ext cx="1110891" cy="553998"/>
+          </a:xfrm>
+          <a:prstGeom prst="rect">
+            <a:avLst/>
+          </a:prstGeom>
+          <a:noFill/>
+        </p:spPr>
+        <p:txBody>
+          <a:bodyPr wrap="square" rtlCol="0">
+            <a:spAutoFit/>
+          </a:bodyPr>
+          <a:lstStyle/>
+          <a:p>
+            <a:r>
+              <a:rPr kumimoji="1" lang="ja-JP" altLang="en-US" sz="3000" dirty="0">
+                <a:ln w="12700">
+                  <a:solidFill>
+                    <a:srgbClr val="607D8B"/>
+                  </a:solidFill>
+                </a:ln>
+                <a:solidFill>
+                  <a:srgbClr val="CDDC39"/>
+                </a:solidFill>
+                <a:latin typeface="けいふぉんと" panose="02000600000000000000" pitchFamily="2" charset="-128"/>
+                <a:ea typeface="けいふぉんと" panose="02000600000000000000" pitchFamily="2" charset="-128"/>
+              </a:rPr>
+              <a:t>煮物</a:t>
+            </a:r>
+            <a:endParaRPr kumimoji="1" lang="en-US" altLang="ja-JP" sz="3000" dirty="0">
+              <a:ln w="12700">
+                <a:solidFill>
+                  <a:srgbClr val="607D8B"/>
+                </a:solidFill>
+              </a:ln>
+              <a:solidFill>
+                <a:srgbClr val="CDDC39"/>
+              </a:solidFill>
+              <a:latin typeface="けいふぉんと" panose="02000600000000000000" pitchFamily="2" charset="-128"/>
+              <a:ea typeface="けいふぉんと" panose="02000600000000000000" pitchFamily="2" charset="-128"/>
+            </a:endParaRPr>
+          </a:p>
+        </p:txBody>
+      </p:sp>
+      <p:sp>
+        <p:nvSpPr>
+          <p:cNvPr id="27" name="テキスト ボックス 26">
+            <a:extLst>
+              <a:ext uri="{FF2B5EF4-FFF2-40B4-BE49-F238E27FC236}">
+                <a16:creationId xmlns:a16="http://schemas.microsoft.com/office/drawing/2014/main" id="{A9A25104-FB9B-4ED4-A5C5-C2F80B1AC269}"/>
+              </a:ext>
+            </a:extLst>
+          </p:cNvPr>
+          <p:cNvSpPr txBox="1"/>
+          <p:nvPr/>
+        </p:nvSpPr>
+        <p:spPr>
+          <a:xfrm>
+            <a:off x="4674142" y="2618107"/>
+            <a:ext cx="3267591" cy="553998"/>
+          </a:xfrm>
+          <a:prstGeom prst="rect">
+            <a:avLst/>
+          </a:prstGeom>
+          <a:noFill/>
+        </p:spPr>
+        <p:txBody>
+          <a:bodyPr wrap="square" rtlCol="0">
+            <a:spAutoFit/>
+          </a:bodyPr>
+          <a:lstStyle/>
+          <a:p>
+            <a:r>
+              <a:rPr kumimoji="1" lang="en-US" altLang="ja-JP" sz="3000" dirty="0">
+                <a:ln w="12700">
+                  <a:solidFill>
+                    <a:srgbClr val="607D8B"/>
+                  </a:solidFill>
+                </a:ln>
+                <a:solidFill>
+                  <a:srgbClr val="CDDC39"/>
+                </a:solidFill>
+                <a:latin typeface="けいふぉんと" panose="02000600000000000000" pitchFamily="2" charset="-128"/>
+                <a:ea typeface="けいふぉんと" panose="02000600000000000000" pitchFamily="2" charset="-128"/>
+              </a:rPr>
+              <a:t>2</a:t>
+            </a:r>
+            <a:r>
+              <a:rPr kumimoji="1" lang="ja-JP" altLang="en-US" sz="3000" dirty="0">
+                <a:ln w="12700">
+                  <a:solidFill>
+                    <a:srgbClr val="607D8B"/>
+                  </a:solidFill>
+                </a:ln>
+                <a:solidFill>
+                  <a:srgbClr val="CDDC39"/>
+                </a:solidFill>
+                <a:latin typeface="けいふぉんと" panose="02000600000000000000" pitchFamily="2" charset="-128"/>
+                <a:ea typeface="けいふぉんと" panose="02000600000000000000" pitchFamily="2" charset="-128"/>
+              </a:rPr>
+              <a:t>人前価格</a:t>
+            </a:r>
+            <a:r>
+              <a:rPr kumimoji="1" lang="en-US" altLang="ja-JP" sz="3000" dirty="0">
+                <a:ln w="12700">
+                  <a:solidFill>
+                    <a:srgbClr val="607D8B"/>
+                  </a:solidFill>
+                </a:ln>
+                <a:solidFill>
+                  <a:srgbClr val="CDDC39"/>
+                </a:solidFill>
+                <a:latin typeface="けいふぉんと" panose="02000600000000000000" pitchFamily="2" charset="-128"/>
+                <a:ea typeface="けいふぉんと" panose="02000600000000000000" pitchFamily="2" charset="-128"/>
+              </a:rPr>
+              <a:t>:580</a:t>
+            </a:r>
+            <a:r>
+              <a:rPr kumimoji="1" lang="ja-JP" altLang="en-US" sz="3000" dirty="0">
+                <a:ln w="12700">
+                  <a:solidFill>
+                    <a:srgbClr val="607D8B"/>
+                  </a:solidFill>
+                </a:ln>
+                <a:solidFill>
+                  <a:srgbClr val="CDDC39"/>
+                </a:solidFill>
+                <a:latin typeface="けいふぉんと" panose="02000600000000000000" pitchFamily="2" charset="-128"/>
+                <a:ea typeface="けいふぉんと" panose="02000600000000000000" pitchFamily="2" charset="-128"/>
+              </a:rPr>
+              <a:t>円</a:t>
+            </a:r>
+            <a:endParaRPr kumimoji="1" lang="en-US" altLang="ja-JP" sz="3000" dirty="0">
+              <a:ln w="12700">
+                <a:solidFill>
+                  <a:srgbClr val="607D8B"/>
+                </a:solidFill>
+              </a:ln>
+              <a:solidFill>
+                <a:srgbClr val="CDDC39"/>
+              </a:solidFill>
+              <a:latin typeface="けいふぉんと" panose="02000600000000000000" pitchFamily="2" charset="-128"/>
+              <a:ea typeface="けいふぉんと" panose="02000600000000000000" pitchFamily="2" charset="-128"/>
+            </a:endParaRPr>
+          </a:p>
+        </p:txBody>
+      </p:sp>
+      <p:sp>
+        <p:nvSpPr>
+          <p:cNvPr id="29" name="テキスト ボックス 28">
+            <a:extLst>
+              <a:ext uri="{FF2B5EF4-FFF2-40B4-BE49-F238E27FC236}">
+                <a16:creationId xmlns:a16="http://schemas.microsoft.com/office/drawing/2014/main" id="{147B1DD7-E787-4364-982A-51720046E9C4}"/>
+              </a:ext>
+            </a:extLst>
+          </p:cNvPr>
+          <p:cNvSpPr txBox="1"/>
+          <p:nvPr/>
+        </p:nvSpPr>
+        <p:spPr>
+          <a:xfrm>
+            <a:off x="8086326" y="2618107"/>
+            <a:ext cx="3267591" cy="553998"/>
+          </a:xfrm>
+          <a:prstGeom prst="rect">
+            <a:avLst/>
+          </a:prstGeom>
+          <a:noFill/>
+        </p:spPr>
+        <p:txBody>
+          <a:bodyPr wrap="square" rtlCol="0">
+            <a:spAutoFit/>
+          </a:bodyPr>
+          <a:lstStyle/>
+          <a:p>
+            <a:r>
+              <a:rPr kumimoji="1" lang="ja-JP" altLang="en-US" sz="3000" dirty="0">
+                <a:ln w="12700">
+                  <a:solidFill>
+                    <a:srgbClr val="607D8B"/>
+                  </a:solidFill>
+                </a:ln>
+                <a:solidFill>
+                  <a:srgbClr val="CDDC39"/>
+                </a:solidFill>
+                <a:latin typeface="けいふぉんと" panose="02000600000000000000" pitchFamily="2" charset="-128"/>
+                <a:ea typeface="けいふぉんと" panose="02000600000000000000" pitchFamily="2" charset="-128"/>
+              </a:rPr>
+              <a:t>所要時間</a:t>
+            </a:r>
+            <a:r>
+              <a:rPr kumimoji="1" lang="en-US" altLang="ja-JP" sz="3000" dirty="0">
+                <a:ln w="12700">
+                  <a:solidFill>
+                    <a:srgbClr val="607D8B"/>
+                  </a:solidFill>
+                </a:ln>
+                <a:solidFill>
+                  <a:srgbClr val="CDDC39"/>
+                </a:solidFill>
+                <a:latin typeface="けいふぉんと" panose="02000600000000000000" pitchFamily="2" charset="-128"/>
+                <a:ea typeface="けいふぉんと" panose="02000600000000000000" pitchFamily="2" charset="-128"/>
+              </a:rPr>
+              <a:t>:40</a:t>
+            </a:r>
+            <a:r>
+              <a:rPr kumimoji="1" lang="ja-JP" altLang="en-US" sz="3000" dirty="0">
+                <a:ln w="12700">
+                  <a:solidFill>
+                    <a:srgbClr val="607D8B"/>
+                  </a:solidFill>
+                </a:ln>
+                <a:solidFill>
+                  <a:srgbClr val="CDDC39"/>
+                </a:solidFill>
+                <a:latin typeface="けいふぉんと" panose="02000600000000000000" pitchFamily="2" charset="-128"/>
+                <a:ea typeface="けいふぉんと" panose="02000600000000000000" pitchFamily="2" charset="-128"/>
+              </a:rPr>
+              <a:t>分</a:t>
+            </a:r>
+            <a:endParaRPr kumimoji="1" lang="en-US" altLang="ja-JP" sz="3000" dirty="0">
+              <a:ln w="12700">
+                <a:solidFill>
+                  <a:srgbClr val="607D8B"/>
+                </a:solidFill>
+              </a:ln>
+              <a:solidFill>
+                <a:srgbClr val="CDDC39"/>
+              </a:solidFill>
+              <a:latin typeface="けいふぉんと" panose="02000600000000000000" pitchFamily="2" charset="-128"/>
+              <a:ea typeface="けいふぉんと" panose="02000600000000000000" pitchFamily="2" charset="-128"/>
+            </a:endParaRPr>
+          </a:p>
+        </p:txBody>
+      </p:sp>
+      <p:sp>
+        <p:nvSpPr>
+          <p:cNvPr id="31" name="テキスト ボックス 30">
+            <a:extLst>
+              <a:ext uri="{FF2B5EF4-FFF2-40B4-BE49-F238E27FC236}">
+                <a16:creationId xmlns:a16="http://schemas.microsoft.com/office/drawing/2014/main" id="{0A53B6B1-3097-428B-A76F-CEFAA4EAB638}"/>
+              </a:ext>
+            </a:extLst>
+          </p:cNvPr>
+          <p:cNvSpPr txBox="1"/>
+          <p:nvPr/>
+        </p:nvSpPr>
+        <p:spPr>
+          <a:xfrm>
+            <a:off x="8010408" y="3299336"/>
+            <a:ext cx="3267591" cy="1938992"/>
+          </a:xfrm>
+          <a:prstGeom prst="rect">
+            <a:avLst/>
+          </a:prstGeom>
+          <a:noFill/>
+        </p:spPr>
+        <p:txBody>
+          <a:bodyPr wrap="square" rtlCol="0">
+            <a:spAutoFit/>
+          </a:bodyPr>
+          <a:lstStyle/>
+          <a:p>
+            <a:r>
+              <a:rPr kumimoji="1" lang="ja-JP" altLang="en-US" sz="3000" dirty="0">
+                <a:ln w="12700">
+                  <a:solidFill>
+                    <a:srgbClr val="607D8B"/>
+                  </a:solidFill>
+                </a:ln>
+                <a:solidFill>
+                  <a:srgbClr val="CDDC39"/>
+                </a:solidFill>
+                <a:latin typeface="けいふぉんと" panose="02000600000000000000" pitchFamily="2" charset="-128"/>
+                <a:ea typeface="けいふぉんと" panose="02000600000000000000" pitchFamily="2" charset="-128"/>
+              </a:rPr>
+              <a:t>カロリー</a:t>
+            </a:r>
+            <a:r>
+              <a:rPr kumimoji="1" lang="en-US" altLang="ja-JP" sz="3000" dirty="0">
+                <a:ln w="12700">
+                  <a:solidFill>
+                    <a:srgbClr val="607D8B"/>
+                  </a:solidFill>
+                </a:ln>
+                <a:solidFill>
+                  <a:srgbClr val="CDDC39"/>
+                </a:solidFill>
+                <a:latin typeface="けいふぉんと" panose="02000600000000000000" pitchFamily="2" charset="-128"/>
+                <a:ea typeface="けいふぉんと" panose="02000600000000000000" pitchFamily="2" charset="-128"/>
+              </a:rPr>
+              <a:t>:170kcal</a:t>
+            </a:r>
+          </a:p>
+          <a:p>
+            <a:r>
+              <a:rPr kumimoji="1" lang="ja-JP" altLang="en-US" sz="3000" dirty="0">
+                <a:ln w="12700">
+                  <a:solidFill>
+                    <a:srgbClr val="607D8B"/>
+                  </a:solidFill>
+                </a:ln>
+                <a:solidFill>
+                  <a:srgbClr val="CDDC39"/>
+                </a:solidFill>
+                <a:latin typeface="けいふぉんと" panose="02000600000000000000" pitchFamily="2" charset="-128"/>
+                <a:ea typeface="けいふぉんと" panose="02000600000000000000" pitchFamily="2" charset="-128"/>
+              </a:rPr>
+              <a:t>タンパク質</a:t>
+            </a:r>
+            <a:r>
+              <a:rPr kumimoji="1" lang="en-US" altLang="ja-JP" sz="3000" dirty="0">
+                <a:ln w="12700">
+                  <a:solidFill>
+                    <a:srgbClr val="607D8B"/>
+                  </a:solidFill>
+                </a:ln>
+                <a:solidFill>
+                  <a:srgbClr val="CDDC39"/>
+                </a:solidFill>
+                <a:latin typeface="けいふぉんと" panose="02000600000000000000" pitchFamily="2" charset="-128"/>
+                <a:ea typeface="けいふぉんと" panose="02000600000000000000" pitchFamily="2" charset="-128"/>
+              </a:rPr>
+              <a:t>:5.3g</a:t>
+            </a:r>
+          </a:p>
+          <a:p>
+            <a:r>
+              <a:rPr kumimoji="1" lang="ja-JP" altLang="en-US" sz="3000" dirty="0">
+                <a:ln w="12700">
+                  <a:solidFill>
+                    <a:srgbClr val="607D8B"/>
+                  </a:solidFill>
+                </a:ln>
+                <a:solidFill>
+                  <a:srgbClr val="CDDC39"/>
+                </a:solidFill>
+                <a:latin typeface="けいふぉんと" panose="02000600000000000000" pitchFamily="2" charset="-128"/>
+                <a:ea typeface="けいふぉんと" panose="02000600000000000000" pitchFamily="2" charset="-128"/>
+              </a:rPr>
+              <a:t>脂質</a:t>
+            </a:r>
+            <a:r>
+              <a:rPr kumimoji="1" lang="en-US" altLang="ja-JP" sz="3000" dirty="0">
+                <a:ln w="12700">
+                  <a:solidFill>
+                    <a:srgbClr val="607D8B"/>
+                  </a:solidFill>
+                </a:ln>
+                <a:solidFill>
+                  <a:srgbClr val="CDDC39"/>
+                </a:solidFill>
+                <a:latin typeface="けいふぉんと" panose="02000600000000000000" pitchFamily="2" charset="-128"/>
+                <a:ea typeface="けいふぉんと" panose="02000600000000000000" pitchFamily="2" charset="-128"/>
+              </a:rPr>
+              <a:t>7.3g</a:t>
+            </a:r>
+          </a:p>
+          <a:p>
+            <a:r>
+              <a:rPr kumimoji="1" lang="ja-JP" altLang="en-US" sz="3000" dirty="0">
+                <a:ln w="12700">
+                  <a:solidFill>
+                    <a:srgbClr val="607D8B"/>
+                  </a:solidFill>
+                </a:ln>
+                <a:solidFill>
+                  <a:srgbClr val="CDDC39"/>
+                </a:solidFill>
+                <a:latin typeface="けいふぉんと" panose="02000600000000000000" pitchFamily="2" charset="-128"/>
+                <a:ea typeface="けいふぉんと" panose="02000600000000000000" pitchFamily="2" charset="-128"/>
+              </a:rPr>
+              <a:t>炭水化物</a:t>
+            </a:r>
+            <a:r>
+              <a:rPr kumimoji="1" lang="en-US" altLang="ja-JP" sz="3000" dirty="0">
+                <a:ln w="12700">
+                  <a:solidFill>
+                    <a:srgbClr val="607D8B"/>
+                  </a:solidFill>
+                </a:ln>
+                <a:solidFill>
+                  <a:srgbClr val="CDDC39"/>
+                </a:solidFill>
+                <a:latin typeface="けいふぉんと" panose="02000600000000000000" pitchFamily="2" charset="-128"/>
+                <a:ea typeface="けいふぉんと" panose="02000600000000000000" pitchFamily="2" charset="-128"/>
+              </a:rPr>
+              <a:t>:19.3g</a:t>
+            </a:r>
+          </a:p>
+        </p:txBody>
+      </p:sp>
+      <p:sp>
+        <p:nvSpPr>
+          <p:cNvPr id="32" name="テキスト ボックス 31">
+            <a:extLst>
+              <a:ext uri="{FF2B5EF4-FFF2-40B4-BE49-F238E27FC236}">
+                <a16:creationId xmlns:a16="http://schemas.microsoft.com/office/drawing/2014/main" id="{4EDEF2C4-366D-4D93-9935-DF41B97A4E2A}"/>
+              </a:ext>
+            </a:extLst>
+          </p:cNvPr>
+          <p:cNvSpPr txBox="1"/>
+          <p:nvPr/>
+        </p:nvSpPr>
+        <p:spPr>
+          <a:xfrm>
+            <a:off x="1970975" y="4884385"/>
+            <a:ext cx="5970758" cy="707886"/>
+          </a:xfrm>
+          <a:prstGeom prst="rect">
+            <a:avLst/>
+          </a:prstGeom>
+          <a:noFill/>
+        </p:spPr>
+        <p:txBody>
+          <a:bodyPr wrap="square" rtlCol="0">
+            <a:spAutoFit/>
+          </a:bodyPr>
+          <a:lstStyle/>
+          <a:p>
+            <a:r>
+              <a:rPr kumimoji="1" lang="en-US" altLang="ja-JP" sz="2000" dirty="0">
+                <a:ln w="12700">
+                  <a:solidFill>
+                    <a:srgbClr val="607D8B"/>
+                  </a:solidFill>
+                </a:ln>
+                <a:solidFill>
+                  <a:srgbClr val="03A9F4"/>
+                </a:solidFill>
+                <a:latin typeface="けいふぉんと" panose="02000600000000000000" pitchFamily="2" charset="-128"/>
+                <a:ea typeface="けいふぉんと" panose="02000600000000000000" pitchFamily="2" charset="-128"/>
+              </a:rPr>
+              <a:t>https://cookpad.com/search/%E8%82%89%E3%81%98%E3%82%83%E3%81%8C</a:t>
+            </a:r>
+          </a:p>
+        </p:txBody>
+      </p:sp>
+      <p:sp>
+        <p:nvSpPr>
+          <p:cNvPr id="34" name="テキスト ボックス 33">
+            <a:extLst>
+              <a:ext uri="{FF2B5EF4-FFF2-40B4-BE49-F238E27FC236}">
+                <a16:creationId xmlns:a16="http://schemas.microsoft.com/office/drawing/2014/main" id="{FA911171-B495-4A7F-9343-5254DFAB9E00}"/>
+              </a:ext>
+            </a:extLst>
+          </p:cNvPr>
+          <p:cNvSpPr txBox="1"/>
+          <p:nvPr/>
+        </p:nvSpPr>
+        <p:spPr>
+          <a:xfrm>
+            <a:off x="4674142" y="5749713"/>
+            <a:ext cx="2697678" cy="477054"/>
+          </a:xfrm>
+          <a:prstGeom prst="rect">
+            <a:avLst/>
+          </a:prstGeom>
+          <a:noFill/>
+        </p:spPr>
+        <p:txBody>
+          <a:bodyPr wrap="square" rtlCol="0">
+            <a:spAutoFit/>
+          </a:bodyPr>
+          <a:lstStyle/>
+          <a:p>
+            <a:r>
+              <a:rPr kumimoji="1" lang="ja-JP" altLang="en-US" sz="2500" dirty="0">
+                <a:ln w="12700">
+                  <a:solidFill>
+                    <a:srgbClr val="607D8B"/>
+                  </a:solidFill>
+                </a:ln>
+                <a:solidFill>
+                  <a:srgbClr val="CDDC39"/>
+                </a:solidFill>
+                <a:latin typeface="けいふぉんと" panose="02000600000000000000" pitchFamily="2" charset="-128"/>
+                <a:ea typeface="けいふぉんと" panose="02000600000000000000" pitchFamily="2" charset="-128"/>
+              </a:rPr>
+              <a:t>お気に入りに追加</a:t>
+            </a:r>
+            <a:endParaRPr kumimoji="1" lang="en-US" altLang="ja-JP" sz="2500" dirty="0">
+              <a:ln w="12700">
+                <a:solidFill>
+                  <a:srgbClr val="607D8B"/>
+                </a:solidFill>
+              </a:ln>
+              <a:solidFill>
+                <a:srgbClr val="CDDC39"/>
+              </a:solidFill>
+              <a:latin typeface="けいふぉんと" panose="02000600000000000000" pitchFamily="2" charset="-128"/>
+              <a:ea typeface="けいふぉんと" panose="02000600000000000000" pitchFamily="2" charset="-128"/>
+            </a:endParaRPr>
+          </a:p>
+        </p:txBody>
+      </p:sp>
+      <p:sp>
+        <p:nvSpPr>
+          <p:cNvPr id="35" name="正方形/長方形 34">
+            <a:extLst>
+              <a:ext uri="{FF2B5EF4-FFF2-40B4-BE49-F238E27FC236}">
+                <a16:creationId xmlns:a16="http://schemas.microsoft.com/office/drawing/2014/main" id="{41193871-7A3E-4D21-BAC5-20BAA52578F5}"/>
               </a:ext>
             </a:extLst>
           </p:cNvPr>
@@ -26899,8 +27459,8 @@
         </p:nvSpPr>
         <p:spPr>
           <a:xfrm>
-            <a:off x="7164197" y="5813378"/>
-            <a:ext cx="696287" cy="344142"/>
+            <a:off x="4760919" y="5806979"/>
+            <a:ext cx="2524124" cy="311199"/>
           </a:xfrm>
           <a:prstGeom prst="rect">
             <a:avLst/>
@@ -27062,10 +27622,244 @@
       </p:sp>
       <p:sp>
         <p:nvSpPr>
-          <p:cNvPr id="19" name="正方形/長方形 18">
+          <p:cNvPr id="21" name="テキスト ボックス 20">
             <a:extLst>
               <a:ext uri="{FF2B5EF4-FFF2-40B4-BE49-F238E27FC236}">
-                <a16:creationId xmlns:a16="http://schemas.microsoft.com/office/drawing/2014/main" id="{44752827-FBD3-4E02-8687-00CA26F0B921}"/>
+                <a16:creationId xmlns:a16="http://schemas.microsoft.com/office/drawing/2014/main" id="{53C9DA54-B482-4C51-BC39-185E1FB5F3FA}"/>
+              </a:ext>
+            </a:extLst>
+          </p:cNvPr>
+          <p:cNvSpPr txBox="1"/>
+          <p:nvPr/>
+        </p:nvSpPr>
+        <p:spPr>
+          <a:xfrm>
+            <a:off x="2139691" y="3328336"/>
+            <a:ext cx="3476626" cy="1477328"/>
+          </a:xfrm>
+          <a:prstGeom prst="rect">
+            <a:avLst/>
+          </a:prstGeom>
+          <a:noFill/>
+        </p:spPr>
+        <p:txBody>
+          <a:bodyPr wrap="square" rtlCol="0">
+            <a:spAutoFit/>
+          </a:bodyPr>
+          <a:lstStyle/>
+          <a:p>
+            <a:r>
+              <a:rPr kumimoji="1" lang="ja-JP" altLang="en-US" sz="3000" dirty="0">
+                <a:ln w="12700">
+                  <a:solidFill>
+                    <a:srgbClr val="607D8B"/>
+                  </a:solidFill>
+                </a:ln>
+                <a:solidFill>
+                  <a:srgbClr val="CDDC39"/>
+                </a:solidFill>
+                <a:latin typeface="けいふぉんと" panose="02000600000000000000" pitchFamily="2" charset="-128"/>
+                <a:ea typeface="けいふぉんと" panose="02000600000000000000" pitchFamily="2" charset="-128"/>
+              </a:rPr>
+              <a:t>食材：</a:t>
+            </a:r>
+            <a:r>
+              <a:rPr kumimoji="1" lang="en-US" altLang="ja-JP" sz="3000" dirty="0">
+                <a:ln w="12700">
+                  <a:solidFill>
+                    <a:srgbClr val="607D8B"/>
+                  </a:solidFill>
+                </a:ln>
+                <a:solidFill>
+                  <a:srgbClr val="CDDC39"/>
+                </a:solidFill>
+                <a:latin typeface="けいふぉんと" panose="02000600000000000000" pitchFamily="2" charset="-128"/>
+                <a:ea typeface="けいふぉんと" panose="02000600000000000000" pitchFamily="2" charset="-128"/>
+              </a:rPr>
+              <a:t>	</a:t>
+            </a:r>
+            <a:r>
+              <a:rPr kumimoji="1" lang="ja-JP" altLang="en-US" sz="3000" dirty="0">
+                <a:ln w="12700">
+                  <a:solidFill>
+                    <a:srgbClr val="607D8B"/>
+                  </a:solidFill>
+                </a:ln>
+                <a:solidFill>
+                  <a:srgbClr val="CDDC39"/>
+                </a:solidFill>
+                <a:latin typeface="けいふぉんと" panose="02000600000000000000" pitchFamily="2" charset="-128"/>
+                <a:ea typeface="けいふぉんと" panose="02000600000000000000" pitchFamily="2" charset="-128"/>
+              </a:rPr>
+              <a:t>じゃがいも</a:t>
+            </a:r>
+            <a:endParaRPr kumimoji="1" lang="en-US" altLang="ja-JP" sz="3000" dirty="0">
+              <a:ln w="12700">
+                <a:solidFill>
+                  <a:srgbClr val="607D8B"/>
+                </a:solidFill>
+              </a:ln>
+              <a:solidFill>
+                <a:srgbClr val="CDDC39"/>
+              </a:solidFill>
+              <a:latin typeface="けいふぉんと" panose="02000600000000000000" pitchFamily="2" charset="-128"/>
+              <a:ea typeface="けいふぉんと" panose="02000600000000000000" pitchFamily="2" charset="-128"/>
+            </a:endParaRPr>
+          </a:p>
+          <a:p>
+            <a:r>
+              <a:rPr kumimoji="1" lang="en-US" altLang="ja-JP" sz="3000" dirty="0">
+                <a:ln w="12700">
+                  <a:solidFill>
+                    <a:srgbClr val="607D8B"/>
+                  </a:solidFill>
+                </a:ln>
+                <a:solidFill>
+                  <a:srgbClr val="CDDC39"/>
+                </a:solidFill>
+                <a:latin typeface="けいふぉんと" panose="02000600000000000000" pitchFamily="2" charset="-128"/>
+                <a:ea typeface="けいふぉんと" panose="02000600000000000000" pitchFamily="2" charset="-128"/>
+              </a:rPr>
+              <a:t>			</a:t>
+            </a:r>
+            <a:r>
+              <a:rPr kumimoji="1" lang="ja-JP" altLang="en-US" sz="3000" dirty="0">
+                <a:ln w="12700">
+                  <a:solidFill>
+                    <a:srgbClr val="607D8B"/>
+                  </a:solidFill>
+                </a:ln>
+                <a:solidFill>
+                  <a:srgbClr val="CDDC39"/>
+                </a:solidFill>
+                <a:latin typeface="けいふぉんと" panose="02000600000000000000" pitchFamily="2" charset="-128"/>
+                <a:ea typeface="けいふぉんと" panose="02000600000000000000" pitchFamily="2" charset="-128"/>
+              </a:rPr>
+              <a:t>にんじん</a:t>
+            </a:r>
+            <a:endParaRPr kumimoji="1" lang="en-US" altLang="ja-JP" sz="3000" dirty="0">
+              <a:ln w="12700">
+                <a:solidFill>
+                  <a:srgbClr val="607D8B"/>
+                </a:solidFill>
+              </a:ln>
+              <a:solidFill>
+                <a:srgbClr val="CDDC39"/>
+              </a:solidFill>
+              <a:latin typeface="けいふぉんと" panose="02000600000000000000" pitchFamily="2" charset="-128"/>
+              <a:ea typeface="けいふぉんと" panose="02000600000000000000" pitchFamily="2" charset="-128"/>
+            </a:endParaRPr>
+          </a:p>
+          <a:p>
+            <a:r>
+              <a:rPr kumimoji="1" lang="en-US" altLang="ja-JP" sz="3000" dirty="0">
+                <a:ln w="12700">
+                  <a:solidFill>
+                    <a:srgbClr val="607D8B"/>
+                  </a:solidFill>
+                </a:ln>
+                <a:solidFill>
+                  <a:srgbClr val="CDDC39"/>
+                </a:solidFill>
+                <a:latin typeface="けいふぉんと" panose="02000600000000000000" pitchFamily="2" charset="-128"/>
+                <a:ea typeface="けいふぉんと" panose="02000600000000000000" pitchFamily="2" charset="-128"/>
+              </a:rPr>
+              <a:t>			</a:t>
+            </a:r>
+            <a:r>
+              <a:rPr kumimoji="1" lang="ja-JP" altLang="en-US" sz="3000" dirty="0">
+                <a:ln w="12700">
+                  <a:solidFill>
+                    <a:srgbClr val="607D8B"/>
+                  </a:solidFill>
+                </a:ln>
+                <a:solidFill>
+                  <a:srgbClr val="CDDC39"/>
+                </a:solidFill>
+                <a:latin typeface="けいふぉんと" panose="02000600000000000000" pitchFamily="2" charset="-128"/>
+                <a:ea typeface="けいふぉんと" panose="02000600000000000000" pitchFamily="2" charset="-128"/>
+              </a:rPr>
+              <a:t>たまねぎ</a:t>
+            </a:r>
+            <a:endParaRPr kumimoji="1" lang="en-US" altLang="ja-JP" sz="3000" dirty="0">
+              <a:ln w="12700">
+                <a:solidFill>
+                  <a:srgbClr val="607D8B"/>
+                </a:solidFill>
+              </a:ln>
+              <a:solidFill>
+                <a:srgbClr val="CDDC39"/>
+              </a:solidFill>
+              <a:latin typeface="けいふぉんと" panose="02000600000000000000" pitchFamily="2" charset="-128"/>
+              <a:ea typeface="けいふぉんと" panose="02000600000000000000" pitchFamily="2" charset="-128"/>
+            </a:endParaRPr>
+          </a:p>
+        </p:txBody>
+      </p:sp>
+      <p:sp>
+        <p:nvSpPr>
+          <p:cNvPr id="19" name="テキスト ボックス 18">
+            <a:extLst>
+              <a:ext uri="{FF2B5EF4-FFF2-40B4-BE49-F238E27FC236}">
+                <a16:creationId xmlns:a16="http://schemas.microsoft.com/office/drawing/2014/main" id="{1CBCD2CC-2811-4725-973E-6BA8D9C153AF}"/>
+              </a:ext>
+            </a:extLst>
+          </p:cNvPr>
+          <p:cNvSpPr txBox="1"/>
+          <p:nvPr/>
+        </p:nvSpPr>
+        <p:spPr>
+          <a:xfrm>
+            <a:off x="9039008" y="1265729"/>
+            <a:ext cx="2212981" cy="477054"/>
+          </a:xfrm>
+          <a:prstGeom prst="rect">
+            <a:avLst/>
+          </a:prstGeom>
+          <a:noFill/>
+        </p:spPr>
+        <p:txBody>
+          <a:bodyPr wrap="square" rtlCol="0">
+            <a:spAutoFit/>
+          </a:bodyPr>
+          <a:lstStyle/>
+          <a:p>
+            <a:r>
+              <a:rPr kumimoji="1" lang="ja-JP" altLang="en-US" sz="2500" dirty="0">
+                <a:ln w="12700">
+                  <a:solidFill>
+                    <a:srgbClr val="607D8B"/>
+                  </a:solidFill>
+                </a:ln>
+                <a:solidFill>
+                  <a:srgbClr val="CDDC39"/>
+                </a:solidFill>
+                <a:latin typeface="けいふぉんと" panose="02000600000000000000" pitchFamily="2" charset="-128"/>
+                <a:ea typeface="けいふぉんと" panose="02000600000000000000" pitchFamily="2" charset="-128"/>
+              </a:rPr>
+              <a:t>絞り込み設定</a:t>
+            </a:r>
+            <a:endParaRPr kumimoji="1" lang="en-US" altLang="ja-JP" sz="2500" dirty="0">
+              <a:ln w="12700">
+                <a:solidFill>
+                  <a:srgbClr val="607D8B"/>
+                </a:solidFill>
+              </a:ln>
+              <a:solidFill>
+                <a:srgbClr val="CDDC39"/>
+              </a:solidFill>
+              <a:latin typeface="けいふぉんと" panose="02000600000000000000" pitchFamily="2" charset="-128"/>
+              <a:ea typeface="けいふぉんと" panose="02000600000000000000" pitchFamily="2" charset="-128"/>
+            </a:endParaRPr>
+          </a:p>
+        </p:txBody>
+      </p:sp>
+      <p:sp>
+        <p:nvSpPr>
+          <p:cNvPr id="20" name="正方形/長方形 19">
+            <a:extLst>
+              <a:ext uri="{FF2B5EF4-FFF2-40B4-BE49-F238E27FC236}">
+                <a16:creationId xmlns:a16="http://schemas.microsoft.com/office/drawing/2014/main" id="{E589027D-566A-4EA4-83B8-F1A2485B8643}"/>
               </a:ext>
             </a:extLst>
           </p:cNvPr>
@@ -27074,8 +27868,8 @@
         </p:nvSpPr>
         <p:spPr>
           <a:xfrm>
-            <a:off x="3877111" y="5809087"/>
-            <a:ext cx="1105950" cy="344142"/>
+            <a:off x="9126323" y="1322995"/>
+            <a:ext cx="1883317" cy="311199"/>
           </a:xfrm>
           <a:prstGeom prst="rect">
             <a:avLst/>
@@ -27111,513 +27905,10 @@
           </a:p>
         </p:txBody>
       </p:sp>
-      <p:sp>
-        <p:nvSpPr>
-          <p:cNvPr id="20" name="テキスト ボックス 19">
-            <a:extLst>
-              <a:ext uri="{FF2B5EF4-FFF2-40B4-BE49-F238E27FC236}">
-                <a16:creationId xmlns:a16="http://schemas.microsoft.com/office/drawing/2014/main" id="{A63EE00B-7F15-48E6-AB88-E72FA6299A7C}"/>
-              </a:ext>
-            </a:extLst>
-          </p:cNvPr>
-          <p:cNvSpPr txBox="1"/>
-          <p:nvPr/>
-        </p:nvSpPr>
-        <p:spPr>
-          <a:xfrm>
-            <a:off x="1708255" y="2131952"/>
-            <a:ext cx="2617802" cy="553998"/>
-          </a:xfrm>
-          <a:prstGeom prst="rect">
-            <a:avLst/>
-          </a:prstGeom>
-          <a:noFill/>
-        </p:spPr>
-        <p:txBody>
-          <a:bodyPr wrap="square" rtlCol="0">
-            <a:spAutoFit/>
-          </a:bodyPr>
-          <a:lstStyle/>
-          <a:p>
-            <a:pPr algn="just"/>
-            <a:r>
-              <a:rPr kumimoji="1" lang="ja-JP" altLang="en-US" sz="3000" dirty="0">
-                <a:ln w="12700">
-                  <a:solidFill>
-                    <a:srgbClr val="607D8B"/>
-                  </a:solidFill>
-                </a:ln>
-                <a:solidFill>
-                  <a:srgbClr val="CDDC39"/>
-                </a:solidFill>
-                <a:latin typeface="けいふぉんと" panose="02000600000000000000" pitchFamily="2" charset="-128"/>
-                <a:ea typeface="けいふぉんと" panose="02000600000000000000" pitchFamily="2" charset="-128"/>
-              </a:rPr>
-              <a:t>ジャンル</a:t>
-            </a:r>
-            <a:r>
-              <a:rPr kumimoji="1" lang="en-US" altLang="ja-JP" sz="3000" dirty="0">
-                <a:ln w="12700">
-                  <a:solidFill>
-                    <a:srgbClr val="607D8B"/>
-                  </a:solidFill>
-                </a:ln>
-                <a:solidFill>
-                  <a:srgbClr val="CDDC39"/>
-                </a:solidFill>
-                <a:latin typeface="けいふぉんと" panose="02000600000000000000" pitchFamily="2" charset="-128"/>
-                <a:ea typeface="けいふぉんと" panose="02000600000000000000" pitchFamily="2" charset="-128"/>
-              </a:rPr>
-              <a:t>:</a:t>
-            </a:r>
-            <a:r>
-              <a:rPr kumimoji="1" lang="ja-JP" altLang="en-US" sz="3000" dirty="0">
-                <a:ln w="12700">
-                  <a:solidFill>
-                    <a:srgbClr val="607D8B"/>
-                  </a:solidFill>
-                </a:ln>
-                <a:solidFill>
-                  <a:srgbClr val="CDDC39"/>
-                </a:solidFill>
-                <a:latin typeface="けいふぉんと" panose="02000600000000000000" pitchFamily="2" charset="-128"/>
-                <a:ea typeface="けいふぉんと" panose="02000600000000000000" pitchFamily="2" charset="-128"/>
-              </a:rPr>
-              <a:t>和食</a:t>
-            </a:r>
-            <a:endParaRPr kumimoji="1" lang="en-US" altLang="ja-JP" sz="3000" dirty="0">
-              <a:ln w="12700">
-                <a:solidFill>
-                  <a:srgbClr val="607D8B"/>
-                </a:solidFill>
-              </a:ln>
-              <a:solidFill>
-                <a:srgbClr val="CDDC39"/>
-              </a:solidFill>
-              <a:latin typeface="けいふぉんと" panose="02000600000000000000" pitchFamily="2" charset="-128"/>
-              <a:ea typeface="けいふぉんと" panose="02000600000000000000" pitchFamily="2" charset="-128"/>
-            </a:endParaRPr>
-          </a:p>
-        </p:txBody>
-      </p:sp>
-      <p:sp>
-        <p:nvSpPr>
-          <p:cNvPr id="21" name="テキスト ボックス 20">
-            <a:extLst>
-              <a:ext uri="{FF2B5EF4-FFF2-40B4-BE49-F238E27FC236}">
-                <a16:creationId xmlns:a16="http://schemas.microsoft.com/office/drawing/2014/main" id="{94EB05D4-1CBB-4F2E-BECF-10693EFA2E0F}"/>
-              </a:ext>
-            </a:extLst>
-          </p:cNvPr>
-          <p:cNvSpPr txBox="1"/>
-          <p:nvPr/>
-        </p:nvSpPr>
-        <p:spPr>
-          <a:xfrm>
-            <a:off x="7180758" y="2133100"/>
-            <a:ext cx="3020473" cy="553998"/>
-          </a:xfrm>
-          <a:prstGeom prst="rect">
-            <a:avLst/>
-          </a:prstGeom>
-          <a:noFill/>
-        </p:spPr>
-        <p:txBody>
-          <a:bodyPr wrap="square" rtlCol="0">
-            <a:spAutoFit/>
-          </a:bodyPr>
-          <a:lstStyle/>
-          <a:p>
-            <a:pPr algn="just"/>
-            <a:r>
-              <a:rPr kumimoji="1" lang="ja-JP" altLang="en-US" sz="3000" dirty="0">
-                <a:ln w="12700">
-                  <a:solidFill>
-                    <a:srgbClr val="607D8B"/>
-                  </a:solidFill>
-                </a:ln>
-                <a:solidFill>
-                  <a:srgbClr val="CDDC39"/>
-                </a:solidFill>
-                <a:latin typeface="けいふぉんと" panose="02000600000000000000" pitchFamily="2" charset="-128"/>
-                <a:ea typeface="けいふぉんと" panose="02000600000000000000" pitchFamily="2" charset="-128"/>
-              </a:rPr>
-              <a:t>調理法</a:t>
-            </a:r>
-            <a:r>
-              <a:rPr kumimoji="1" lang="en-US" altLang="ja-JP" sz="3000" dirty="0">
-                <a:ln w="12700">
-                  <a:solidFill>
-                    <a:srgbClr val="607D8B"/>
-                  </a:solidFill>
-                </a:ln>
-                <a:solidFill>
-                  <a:srgbClr val="CDDC39"/>
-                </a:solidFill>
-                <a:latin typeface="けいふぉんと" panose="02000600000000000000" pitchFamily="2" charset="-128"/>
-                <a:ea typeface="けいふぉんと" panose="02000600000000000000" pitchFamily="2" charset="-128"/>
-              </a:rPr>
-              <a:t>:</a:t>
-            </a:r>
-            <a:r>
-              <a:rPr kumimoji="1" lang="ja-JP" altLang="en-US" sz="3000" dirty="0">
-                <a:ln w="12700">
-                  <a:solidFill>
-                    <a:srgbClr val="607D8B"/>
-                  </a:solidFill>
-                </a:ln>
-                <a:solidFill>
-                  <a:srgbClr val="CDDC39"/>
-                </a:solidFill>
-                <a:latin typeface="けいふぉんと" panose="02000600000000000000" pitchFamily="2" charset="-128"/>
-                <a:ea typeface="けいふぉんと" panose="02000600000000000000" pitchFamily="2" charset="-128"/>
-              </a:rPr>
-              <a:t>選択なし</a:t>
-            </a:r>
-            <a:endParaRPr kumimoji="1" lang="en-US" altLang="ja-JP" sz="3000" dirty="0">
-              <a:ln w="12700">
-                <a:solidFill>
-                  <a:srgbClr val="607D8B"/>
-                </a:solidFill>
-              </a:ln>
-              <a:solidFill>
-                <a:srgbClr val="CDDC39"/>
-              </a:solidFill>
-              <a:latin typeface="けいふぉんと" panose="02000600000000000000" pitchFamily="2" charset="-128"/>
-              <a:ea typeface="けいふぉんと" panose="02000600000000000000" pitchFamily="2" charset="-128"/>
-            </a:endParaRPr>
-          </a:p>
-        </p:txBody>
-      </p:sp>
-      <p:sp>
-        <p:nvSpPr>
-          <p:cNvPr id="22" name="テキスト ボックス 21">
-            <a:extLst>
-              <a:ext uri="{FF2B5EF4-FFF2-40B4-BE49-F238E27FC236}">
-                <a16:creationId xmlns:a16="http://schemas.microsoft.com/office/drawing/2014/main" id="{FA852856-9AD7-4560-A96F-89390ACC4887}"/>
-              </a:ext>
-            </a:extLst>
-          </p:cNvPr>
-          <p:cNvSpPr txBox="1"/>
-          <p:nvPr/>
-        </p:nvSpPr>
-        <p:spPr>
-          <a:xfrm>
-            <a:off x="1708255" y="3431415"/>
-            <a:ext cx="3916480" cy="553998"/>
-          </a:xfrm>
-          <a:prstGeom prst="rect">
-            <a:avLst/>
-          </a:prstGeom>
-          <a:noFill/>
-        </p:spPr>
-        <p:txBody>
-          <a:bodyPr wrap="square" rtlCol="0">
-            <a:spAutoFit/>
-          </a:bodyPr>
-          <a:lstStyle/>
-          <a:p>
-            <a:pPr algn="just"/>
-            <a:r>
-              <a:rPr kumimoji="1" lang="en-US" altLang="ja-JP" sz="3000" dirty="0">
-                <a:ln w="12700">
-                  <a:solidFill>
-                    <a:srgbClr val="607D8B"/>
-                  </a:solidFill>
-                </a:ln>
-                <a:solidFill>
-                  <a:srgbClr val="CDDC39"/>
-                </a:solidFill>
-                <a:latin typeface="けいふぉんと" panose="02000600000000000000" pitchFamily="2" charset="-128"/>
-                <a:ea typeface="けいふぉんと" panose="02000600000000000000" pitchFamily="2" charset="-128"/>
-              </a:rPr>
-              <a:t>2</a:t>
-            </a:r>
-            <a:r>
-              <a:rPr kumimoji="1" lang="ja-JP" altLang="en-US" sz="3000" dirty="0">
-                <a:ln w="12700">
-                  <a:solidFill>
-                    <a:srgbClr val="607D8B"/>
-                  </a:solidFill>
-                </a:ln>
-                <a:solidFill>
-                  <a:srgbClr val="CDDC39"/>
-                </a:solidFill>
-                <a:latin typeface="けいふぉんと" panose="02000600000000000000" pitchFamily="2" charset="-128"/>
-                <a:ea typeface="けいふぉんと" panose="02000600000000000000" pitchFamily="2" charset="-128"/>
-              </a:rPr>
-              <a:t>人前価格</a:t>
-            </a:r>
-            <a:r>
-              <a:rPr kumimoji="1" lang="en-US" altLang="ja-JP" sz="3000" dirty="0">
-                <a:ln w="12700">
-                  <a:solidFill>
-                    <a:srgbClr val="607D8B"/>
-                  </a:solidFill>
-                </a:ln>
-                <a:solidFill>
-                  <a:srgbClr val="CDDC39"/>
-                </a:solidFill>
-                <a:latin typeface="けいふぉんと" panose="02000600000000000000" pitchFamily="2" charset="-128"/>
-                <a:ea typeface="けいふぉんと" panose="02000600000000000000" pitchFamily="2" charset="-128"/>
-              </a:rPr>
-              <a:t>:700</a:t>
-            </a:r>
-            <a:r>
-              <a:rPr kumimoji="1" lang="ja-JP" altLang="en-US" sz="3000" dirty="0">
-                <a:ln w="12700">
-                  <a:solidFill>
-                    <a:srgbClr val="607D8B"/>
-                  </a:solidFill>
-                </a:ln>
-                <a:solidFill>
-                  <a:srgbClr val="CDDC39"/>
-                </a:solidFill>
-                <a:latin typeface="けいふぉんと" panose="02000600000000000000" pitchFamily="2" charset="-128"/>
-                <a:ea typeface="けいふぉんと" panose="02000600000000000000" pitchFamily="2" charset="-128"/>
-              </a:rPr>
-              <a:t>円以下</a:t>
-            </a:r>
-            <a:endParaRPr kumimoji="1" lang="en-US" altLang="ja-JP" sz="3000" dirty="0">
-              <a:ln w="12700">
-                <a:solidFill>
-                  <a:srgbClr val="607D8B"/>
-                </a:solidFill>
-              </a:ln>
-              <a:solidFill>
-                <a:srgbClr val="CDDC39"/>
-              </a:solidFill>
-              <a:latin typeface="けいふぉんと" panose="02000600000000000000" pitchFamily="2" charset="-128"/>
-              <a:ea typeface="けいふぉんと" panose="02000600000000000000" pitchFamily="2" charset="-128"/>
-            </a:endParaRPr>
-          </a:p>
-        </p:txBody>
-      </p:sp>
-      <p:sp>
-        <p:nvSpPr>
-          <p:cNvPr id="24" name="テキスト ボックス 23">
-            <a:extLst>
-              <a:ext uri="{FF2B5EF4-FFF2-40B4-BE49-F238E27FC236}">
-                <a16:creationId xmlns:a16="http://schemas.microsoft.com/office/drawing/2014/main" id="{3ABCD6E0-167A-42A2-83E9-E8C3007B2294}"/>
-              </a:ext>
-            </a:extLst>
-          </p:cNvPr>
-          <p:cNvSpPr txBox="1"/>
-          <p:nvPr/>
-        </p:nvSpPr>
-        <p:spPr>
-          <a:xfrm>
-            <a:off x="7144600" y="3424154"/>
-            <a:ext cx="4186315" cy="553998"/>
-          </a:xfrm>
-          <a:prstGeom prst="rect">
-            <a:avLst/>
-          </a:prstGeom>
-          <a:noFill/>
-        </p:spPr>
-        <p:txBody>
-          <a:bodyPr wrap="square" rtlCol="0">
-            <a:spAutoFit/>
-          </a:bodyPr>
-          <a:lstStyle/>
-          <a:p>
-            <a:pPr algn="just"/>
-            <a:r>
-              <a:rPr kumimoji="1" lang="ja-JP" altLang="en-US" sz="3000" dirty="0">
-                <a:ln w="12700">
-                  <a:solidFill>
-                    <a:srgbClr val="607D8B"/>
-                  </a:solidFill>
-                </a:ln>
-                <a:solidFill>
-                  <a:srgbClr val="CDDC39"/>
-                </a:solidFill>
-                <a:latin typeface="けいふぉんと" panose="02000600000000000000" pitchFamily="2" charset="-128"/>
-                <a:ea typeface="けいふぉんと" panose="02000600000000000000" pitchFamily="2" charset="-128"/>
-              </a:rPr>
-              <a:t>料理所要時間</a:t>
-            </a:r>
-            <a:r>
-              <a:rPr kumimoji="1" lang="en-US" altLang="ja-JP" sz="3000" dirty="0">
-                <a:ln w="12700">
-                  <a:solidFill>
-                    <a:srgbClr val="607D8B"/>
-                  </a:solidFill>
-                </a:ln>
-                <a:solidFill>
-                  <a:srgbClr val="CDDC39"/>
-                </a:solidFill>
-                <a:latin typeface="けいふぉんと" panose="02000600000000000000" pitchFamily="2" charset="-128"/>
-                <a:ea typeface="けいふぉんと" panose="02000600000000000000" pitchFamily="2" charset="-128"/>
-              </a:rPr>
-              <a:t>:</a:t>
-            </a:r>
-            <a:r>
-              <a:rPr kumimoji="1" lang="ja-JP" altLang="en-US" sz="3000" dirty="0">
-                <a:ln w="12700">
-                  <a:solidFill>
-                    <a:srgbClr val="607D8B"/>
-                  </a:solidFill>
-                </a:ln>
-                <a:solidFill>
-                  <a:srgbClr val="CDDC39"/>
-                </a:solidFill>
-                <a:latin typeface="けいふぉんと" panose="02000600000000000000" pitchFamily="2" charset="-128"/>
-                <a:ea typeface="けいふぉんと" panose="02000600000000000000" pitchFamily="2" charset="-128"/>
-              </a:rPr>
-              <a:t>選択なし</a:t>
-            </a:r>
-            <a:endParaRPr kumimoji="1" lang="en-US" altLang="ja-JP" sz="3000" dirty="0">
-              <a:ln w="12700">
-                <a:solidFill>
-                  <a:srgbClr val="607D8B"/>
-                </a:solidFill>
-              </a:ln>
-              <a:solidFill>
-                <a:srgbClr val="CDDC39"/>
-              </a:solidFill>
-              <a:latin typeface="けいふぉんと" panose="02000600000000000000" pitchFamily="2" charset="-128"/>
-              <a:ea typeface="けいふぉんと" panose="02000600000000000000" pitchFamily="2" charset="-128"/>
-            </a:endParaRPr>
-          </a:p>
-        </p:txBody>
-      </p:sp>
-      <p:sp>
-        <p:nvSpPr>
-          <p:cNvPr id="28" name="テキスト ボックス 27">
-            <a:extLst>
-              <a:ext uri="{FF2B5EF4-FFF2-40B4-BE49-F238E27FC236}">
-                <a16:creationId xmlns:a16="http://schemas.microsoft.com/office/drawing/2014/main" id="{2E983693-15C9-49E5-8BB4-B840C3971F37}"/>
-              </a:ext>
-            </a:extLst>
-          </p:cNvPr>
-          <p:cNvSpPr txBox="1"/>
-          <p:nvPr/>
-        </p:nvSpPr>
-        <p:spPr>
-          <a:xfrm>
-            <a:off x="4474706" y="4562714"/>
-            <a:ext cx="3270527" cy="553998"/>
-          </a:xfrm>
-          <a:prstGeom prst="rect">
-            <a:avLst/>
-          </a:prstGeom>
-          <a:noFill/>
-        </p:spPr>
-        <p:txBody>
-          <a:bodyPr wrap="square" rtlCol="0">
-            <a:spAutoFit/>
-          </a:bodyPr>
-          <a:lstStyle/>
-          <a:p>
-            <a:pPr algn="just"/>
-            <a:r>
-              <a:rPr kumimoji="1" lang="ja-JP" altLang="en-US" sz="3000" dirty="0">
-                <a:ln w="12700">
-                  <a:solidFill>
-                    <a:srgbClr val="607D8B"/>
-                  </a:solidFill>
-                </a:ln>
-                <a:solidFill>
-                  <a:srgbClr val="CDDC39"/>
-                </a:solidFill>
-                <a:latin typeface="けいふぉんと" panose="02000600000000000000" pitchFamily="2" charset="-128"/>
-                <a:ea typeface="けいふぉんと" panose="02000600000000000000" pitchFamily="2" charset="-128"/>
-              </a:rPr>
-              <a:t>カロリー</a:t>
-            </a:r>
-            <a:r>
-              <a:rPr kumimoji="1" lang="en-US" altLang="ja-JP" sz="3000" dirty="0">
-                <a:ln w="12700">
-                  <a:solidFill>
-                    <a:srgbClr val="607D8B"/>
-                  </a:solidFill>
-                </a:ln>
-                <a:solidFill>
-                  <a:srgbClr val="CDDC39"/>
-                </a:solidFill>
-                <a:latin typeface="けいふぉんと" panose="02000600000000000000" pitchFamily="2" charset="-128"/>
-                <a:ea typeface="けいふぉんと" panose="02000600000000000000" pitchFamily="2" charset="-128"/>
-              </a:rPr>
-              <a:t>:</a:t>
-            </a:r>
-            <a:r>
-              <a:rPr kumimoji="1" lang="ja-JP" altLang="en-US" sz="3000" dirty="0">
-                <a:ln w="12700">
-                  <a:solidFill>
-                    <a:srgbClr val="607D8B"/>
-                  </a:solidFill>
-                </a:ln>
-                <a:solidFill>
-                  <a:srgbClr val="CDDC39"/>
-                </a:solidFill>
-                <a:latin typeface="けいふぉんと" panose="02000600000000000000" pitchFamily="2" charset="-128"/>
-                <a:ea typeface="けいふぉんと" panose="02000600000000000000" pitchFamily="2" charset="-128"/>
-              </a:rPr>
-              <a:t>選択なし</a:t>
-            </a:r>
-            <a:endParaRPr kumimoji="1" lang="en-US" altLang="ja-JP" sz="3000" dirty="0">
-              <a:ln w="12700">
-                <a:solidFill>
-                  <a:srgbClr val="607D8B"/>
-                </a:solidFill>
-              </a:ln>
-              <a:solidFill>
-                <a:srgbClr val="CDDC39"/>
-              </a:solidFill>
-              <a:latin typeface="けいふぉんと" panose="02000600000000000000" pitchFamily="2" charset="-128"/>
-              <a:ea typeface="けいふぉんと" panose="02000600000000000000" pitchFamily="2" charset="-128"/>
-            </a:endParaRPr>
-          </a:p>
-        </p:txBody>
-      </p:sp>
-      <p:sp>
-        <p:nvSpPr>
-          <p:cNvPr id="33" name="テキスト ボックス 32">
-            <a:extLst>
-              <a:ext uri="{FF2B5EF4-FFF2-40B4-BE49-F238E27FC236}">
-                <a16:creationId xmlns:a16="http://schemas.microsoft.com/office/drawing/2014/main" id="{070CE092-31C5-4996-A53D-5D38DAEE2E5F}"/>
-              </a:ext>
-            </a:extLst>
-          </p:cNvPr>
-          <p:cNvSpPr txBox="1"/>
-          <p:nvPr/>
-        </p:nvSpPr>
-        <p:spPr>
-          <a:xfrm>
-            <a:off x="678021" y="6370157"/>
-            <a:ext cx="8012973" cy="477054"/>
-          </a:xfrm>
-          <a:prstGeom prst="rect">
-            <a:avLst/>
-          </a:prstGeom>
-          <a:noFill/>
-        </p:spPr>
-        <p:txBody>
-          <a:bodyPr wrap="square" rtlCol="0">
-            <a:spAutoFit/>
-          </a:bodyPr>
-          <a:lstStyle/>
-          <a:p>
-            <a:r>
-              <a:rPr kumimoji="1" lang="ja-JP" altLang="en-US" sz="2500" dirty="0">
-                <a:ln w="12700">
-                  <a:solidFill>
-                    <a:srgbClr val="03A9F4"/>
-                  </a:solidFill>
-                </a:ln>
-                <a:latin typeface="けいふぉんと" panose="02000600000000000000" pitchFamily="2" charset="-128"/>
-                <a:ea typeface="けいふぉんと" panose="02000600000000000000" pitchFamily="2" charset="-128"/>
-              </a:rPr>
-              <a:t>絞り込み条件はドロップダウンリスト等によって選択する</a:t>
-            </a:r>
-          </a:p>
-        </p:txBody>
-      </p:sp>
     </p:spTree>
     <p:extLst>
       <p:ext uri="{BB962C8B-B14F-4D97-AF65-F5344CB8AC3E}">
-        <p14:creationId xmlns:p14="http://schemas.microsoft.com/office/powerpoint/2010/main" val="1493915266"/>
+        <p14:creationId xmlns:p14="http://schemas.microsoft.com/office/powerpoint/2010/main" val="3054812332"/>
       </p:ext>
     </p:extLst>
   </p:cSld>
@@ -27658,8 +27949,8 @@
         </p:nvSpPr>
         <p:spPr>
           <a:xfrm>
-            <a:off x="267573" y="182849"/>
-            <a:ext cx="10238501" cy="861774"/>
+            <a:off x="267574" y="140107"/>
+            <a:ext cx="10171826" cy="861774"/>
           </a:xfrm>
           <a:prstGeom prst="rect">
             <a:avLst/>
@@ -27720,6 +28011,15 @@
               </a:rPr>
               <a:t>)</a:t>
             </a:r>
+            <a:endParaRPr kumimoji="1" lang="ja-JP" altLang="en-US" sz="5000" dirty="0">
+              <a:ln w="12700">
+                <a:solidFill>
+                  <a:srgbClr val="03A9F4"/>
+                </a:solidFill>
+              </a:ln>
+              <a:latin typeface="けいふぉんと" panose="02000600000000000000" pitchFamily="2" charset="-128"/>
+              <a:ea typeface="けいふぉんと" panose="02000600000000000000" pitchFamily="2" charset="-128"/>
+            </a:endParaRPr>
           </a:p>
         </p:txBody>
       </p:sp>
@@ -27791,8 +28091,8 @@
         </p:nvSpPr>
         <p:spPr>
           <a:xfrm>
-            <a:off x="4462203" y="1282559"/>
-            <a:ext cx="3267591" cy="477054"/>
+            <a:off x="3989471" y="1182801"/>
+            <a:ext cx="3270528" cy="861774"/>
           </a:xfrm>
           <a:prstGeom prst="rect">
             <a:avLst/>
@@ -27865,6 +28165,54 @@
                 <a:ea typeface="けいふぉんと" panose="02000600000000000000" pitchFamily="2" charset="-128"/>
               </a:rPr>
               <a:t>)</a:t>
+            </a:r>
+          </a:p>
+          <a:p>
+            <a:pPr algn="ctr"/>
+            <a:r>
+              <a:rPr kumimoji="1" lang="en-US" altLang="ja-JP" sz="2500" dirty="0">
+                <a:ln w="3175">
+                  <a:solidFill>
+                    <a:srgbClr val="8BC34A"/>
+                  </a:solidFill>
+                </a:ln>
+                <a:solidFill>
+                  <a:srgbClr val="607D8B"/>
+                </a:solidFill>
+                <a:latin typeface="けいふぉんと" panose="02000600000000000000" pitchFamily="2" charset="-128"/>
+                <a:ea typeface="けいふぉんと" panose="02000600000000000000" pitchFamily="2" charset="-128"/>
+              </a:rPr>
+              <a:t>–</a:t>
+            </a:r>
+            <a:r>
+              <a:rPr kumimoji="1" lang="ja-JP" altLang="en-US" sz="2500" dirty="0">
+                <a:ln w="3175">
+                  <a:solidFill>
+                    <a:srgbClr val="8BC34A"/>
+                  </a:solidFill>
+                </a:ln>
+                <a:solidFill>
+                  <a:srgbClr val="607D8B"/>
+                </a:solidFill>
+                <a:latin typeface="けいふぉんと" panose="02000600000000000000" pitchFamily="2" charset="-128"/>
+                <a:ea typeface="けいふぉんと" panose="02000600000000000000" pitchFamily="2" charset="-128"/>
+              </a:rPr>
+              <a:t>絞り込み条件設定</a:t>
+            </a:r>
+            <a:r>
+              <a:rPr kumimoji="1" lang="en-US" altLang="ja-JP" sz="2500" dirty="0">
+                <a:ln w="3175">
+                  <a:solidFill>
+                    <a:srgbClr val="8BC34A"/>
+                  </a:solidFill>
+                </a:ln>
+                <a:solidFill>
+                  <a:srgbClr val="607D8B"/>
+                </a:solidFill>
+                <a:latin typeface="けいふぉんと" panose="02000600000000000000" pitchFamily="2" charset="-128"/>
+                <a:ea typeface="けいふぉんと" panose="02000600000000000000" pitchFamily="2" charset="-128"/>
+              </a:rPr>
+              <a:t>-</a:t>
             </a:r>
             <a:endParaRPr kumimoji="1" lang="ja-JP" altLang="en-US" sz="2500" dirty="0">
               <a:ln w="3175">
@@ -27883,10 +28231,10 @@
       </p:sp>
       <p:sp>
         <p:nvSpPr>
-          <p:cNvPr id="23" name="テキスト ボックス 22">
+          <p:cNvPr id="34" name="テキスト ボックス 33">
             <a:extLst>
               <a:ext uri="{FF2B5EF4-FFF2-40B4-BE49-F238E27FC236}">
-                <a16:creationId xmlns:a16="http://schemas.microsoft.com/office/drawing/2014/main" id="{F5D4E858-DB97-42DE-89BF-663C9220A407}"/>
+                <a16:creationId xmlns:a16="http://schemas.microsoft.com/office/drawing/2014/main" id="{FA911171-B495-4A7F-9343-5254DFAB9E00}"/>
               </a:ext>
             </a:extLst>
           </p:cNvPr>
@@ -27895,8 +28243,8 @@
         </p:nvSpPr>
         <p:spPr>
           <a:xfrm>
-            <a:off x="1493322" y="1834917"/>
-            <a:ext cx="2316678" cy="707886"/>
+            <a:off x="3777713" y="5749713"/>
+            <a:ext cx="1319609" cy="477054"/>
           </a:xfrm>
           <a:prstGeom prst="rect">
             <a:avLst/>
@@ -27909,8 +28257,9 @@
           </a:bodyPr>
           <a:lstStyle/>
           <a:p>
-            <a:r>
-              <a:rPr kumimoji="1" lang="ja-JP" altLang="en-US" sz="4000" dirty="0">
+            <a:pPr algn="just"/>
+            <a:r>
+              <a:rPr kumimoji="1" lang="ja-JP" altLang="en-US" sz="2500" dirty="0">
                 <a:ln w="12700">
                   <a:solidFill>
                     <a:srgbClr val="607D8B"/>
@@ -27922,9 +28271,9 @@
                 <a:latin typeface="けいふぉんと" panose="02000600000000000000" pitchFamily="2" charset="-128"/>
                 <a:ea typeface="けいふぉんと" panose="02000600000000000000" pitchFamily="2" charset="-128"/>
               </a:rPr>
-              <a:t>肉じゃが</a:t>
-            </a:r>
-            <a:endParaRPr kumimoji="1" lang="en-US" altLang="ja-JP" sz="4000" dirty="0">
+              <a:t>リセット</a:t>
+            </a:r>
+            <a:endParaRPr kumimoji="1" lang="en-US" altLang="ja-JP" sz="2500" dirty="0">
               <a:ln w="12700">
                 <a:solidFill>
                   <a:srgbClr val="607D8B"/>
@@ -27941,10 +28290,10 @@
       </p:sp>
       <p:sp>
         <p:nvSpPr>
-          <p:cNvPr id="25" name="テキスト ボックス 24">
+          <p:cNvPr id="36" name="テキスト ボックス 35">
             <a:extLst>
               <a:ext uri="{FF2B5EF4-FFF2-40B4-BE49-F238E27FC236}">
-                <a16:creationId xmlns:a16="http://schemas.microsoft.com/office/drawing/2014/main" id="{4F77CA5B-BD22-40A9-8E20-3A99EFEECA9E}"/>
+                <a16:creationId xmlns:a16="http://schemas.microsoft.com/office/drawing/2014/main" id="{AAA60D73-D6B4-4008-AA75-3266C7A9E8EE}"/>
               </a:ext>
             </a:extLst>
           </p:cNvPr>
@@ -27953,8 +28302,8 @@
         </p:nvSpPr>
         <p:spPr>
           <a:xfrm>
-            <a:off x="1970976" y="2621387"/>
-            <a:ext cx="1110891" cy="553998"/>
+            <a:off x="7094680" y="5774686"/>
+            <a:ext cx="858083" cy="477054"/>
           </a:xfrm>
           <a:prstGeom prst="rect">
             <a:avLst/>
@@ -27967,8 +28316,9 @@
           </a:bodyPr>
           <a:lstStyle/>
           <a:p>
-            <a:r>
-              <a:rPr kumimoji="1" lang="ja-JP" altLang="en-US" sz="3000" dirty="0">
+            <a:pPr algn="just"/>
+            <a:r>
+              <a:rPr kumimoji="1" lang="ja-JP" altLang="en-US" sz="2500" dirty="0">
                 <a:ln w="12700">
                   <a:solidFill>
                     <a:srgbClr val="607D8B"/>
@@ -27980,9 +28330,9 @@
                 <a:latin typeface="けいふぉんと" panose="02000600000000000000" pitchFamily="2" charset="-128"/>
                 <a:ea typeface="けいふぉんと" panose="02000600000000000000" pitchFamily="2" charset="-128"/>
               </a:rPr>
-              <a:t>和食</a:t>
-            </a:r>
-            <a:endParaRPr kumimoji="1" lang="en-US" altLang="ja-JP" sz="3000" dirty="0">
+              <a:t>決定</a:t>
+            </a:r>
+            <a:endParaRPr kumimoji="1" lang="en-US" altLang="ja-JP" sz="2500" dirty="0">
               <a:ln w="12700">
                 <a:solidFill>
                   <a:srgbClr val="607D8B"/>
@@ -27999,520 +28349,10 @@
       </p:sp>
       <p:sp>
         <p:nvSpPr>
-          <p:cNvPr id="26" name="テキスト ボックス 25">
+          <p:cNvPr id="37" name="正方形/長方形 36">
             <a:extLst>
               <a:ext uri="{FF2B5EF4-FFF2-40B4-BE49-F238E27FC236}">
-                <a16:creationId xmlns:a16="http://schemas.microsoft.com/office/drawing/2014/main" id="{D6962A30-AB5D-4567-9904-8E3F5019D95B}"/>
-              </a:ext>
-            </a:extLst>
-          </p:cNvPr>
-          <p:cNvSpPr txBox="1"/>
-          <p:nvPr/>
-        </p:nvSpPr>
-        <p:spPr>
-          <a:xfrm>
-            <a:off x="3322559" y="2621387"/>
-            <a:ext cx="1110891" cy="553998"/>
-          </a:xfrm>
-          <a:prstGeom prst="rect">
-            <a:avLst/>
-          </a:prstGeom>
-          <a:noFill/>
-        </p:spPr>
-        <p:txBody>
-          <a:bodyPr wrap="square" rtlCol="0">
-            <a:spAutoFit/>
-          </a:bodyPr>
-          <a:lstStyle/>
-          <a:p>
-            <a:r>
-              <a:rPr kumimoji="1" lang="ja-JP" altLang="en-US" sz="3000" dirty="0">
-                <a:ln w="12700">
-                  <a:solidFill>
-                    <a:srgbClr val="607D8B"/>
-                  </a:solidFill>
-                </a:ln>
-                <a:solidFill>
-                  <a:srgbClr val="CDDC39"/>
-                </a:solidFill>
-                <a:latin typeface="けいふぉんと" panose="02000600000000000000" pitchFamily="2" charset="-128"/>
-                <a:ea typeface="けいふぉんと" panose="02000600000000000000" pitchFamily="2" charset="-128"/>
-              </a:rPr>
-              <a:t>煮物</a:t>
-            </a:r>
-            <a:endParaRPr kumimoji="1" lang="en-US" altLang="ja-JP" sz="3000" dirty="0">
-              <a:ln w="12700">
-                <a:solidFill>
-                  <a:srgbClr val="607D8B"/>
-                </a:solidFill>
-              </a:ln>
-              <a:solidFill>
-                <a:srgbClr val="CDDC39"/>
-              </a:solidFill>
-              <a:latin typeface="けいふぉんと" panose="02000600000000000000" pitchFamily="2" charset="-128"/>
-              <a:ea typeface="けいふぉんと" panose="02000600000000000000" pitchFamily="2" charset="-128"/>
-            </a:endParaRPr>
-          </a:p>
-        </p:txBody>
-      </p:sp>
-      <p:sp>
-        <p:nvSpPr>
-          <p:cNvPr id="27" name="テキスト ボックス 26">
-            <a:extLst>
-              <a:ext uri="{FF2B5EF4-FFF2-40B4-BE49-F238E27FC236}">
-                <a16:creationId xmlns:a16="http://schemas.microsoft.com/office/drawing/2014/main" id="{A9A25104-FB9B-4ED4-A5C5-C2F80B1AC269}"/>
-              </a:ext>
-            </a:extLst>
-          </p:cNvPr>
-          <p:cNvSpPr txBox="1"/>
-          <p:nvPr/>
-        </p:nvSpPr>
-        <p:spPr>
-          <a:xfrm>
-            <a:off x="4674142" y="2618107"/>
-            <a:ext cx="3267591" cy="553998"/>
-          </a:xfrm>
-          <a:prstGeom prst="rect">
-            <a:avLst/>
-          </a:prstGeom>
-          <a:noFill/>
-        </p:spPr>
-        <p:txBody>
-          <a:bodyPr wrap="square" rtlCol="0">
-            <a:spAutoFit/>
-          </a:bodyPr>
-          <a:lstStyle/>
-          <a:p>
-            <a:r>
-              <a:rPr kumimoji="1" lang="en-US" altLang="ja-JP" sz="3000" dirty="0">
-                <a:ln w="12700">
-                  <a:solidFill>
-                    <a:srgbClr val="607D8B"/>
-                  </a:solidFill>
-                </a:ln>
-                <a:solidFill>
-                  <a:srgbClr val="CDDC39"/>
-                </a:solidFill>
-                <a:latin typeface="けいふぉんと" panose="02000600000000000000" pitchFamily="2" charset="-128"/>
-                <a:ea typeface="けいふぉんと" panose="02000600000000000000" pitchFamily="2" charset="-128"/>
-              </a:rPr>
-              <a:t>2</a:t>
-            </a:r>
-            <a:r>
-              <a:rPr kumimoji="1" lang="ja-JP" altLang="en-US" sz="3000" dirty="0">
-                <a:ln w="12700">
-                  <a:solidFill>
-                    <a:srgbClr val="607D8B"/>
-                  </a:solidFill>
-                </a:ln>
-                <a:solidFill>
-                  <a:srgbClr val="CDDC39"/>
-                </a:solidFill>
-                <a:latin typeface="けいふぉんと" panose="02000600000000000000" pitchFamily="2" charset="-128"/>
-                <a:ea typeface="けいふぉんと" panose="02000600000000000000" pitchFamily="2" charset="-128"/>
-              </a:rPr>
-              <a:t>人前価格</a:t>
-            </a:r>
-            <a:r>
-              <a:rPr kumimoji="1" lang="en-US" altLang="ja-JP" sz="3000" dirty="0">
-                <a:ln w="12700">
-                  <a:solidFill>
-                    <a:srgbClr val="607D8B"/>
-                  </a:solidFill>
-                </a:ln>
-                <a:solidFill>
-                  <a:srgbClr val="CDDC39"/>
-                </a:solidFill>
-                <a:latin typeface="けいふぉんと" panose="02000600000000000000" pitchFamily="2" charset="-128"/>
-                <a:ea typeface="けいふぉんと" panose="02000600000000000000" pitchFamily="2" charset="-128"/>
-              </a:rPr>
-              <a:t>:580</a:t>
-            </a:r>
-            <a:r>
-              <a:rPr kumimoji="1" lang="ja-JP" altLang="en-US" sz="3000" dirty="0">
-                <a:ln w="12700">
-                  <a:solidFill>
-                    <a:srgbClr val="607D8B"/>
-                  </a:solidFill>
-                </a:ln>
-                <a:solidFill>
-                  <a:srgbClr val="CDDC39"/>
-                </a:solidFill>
-                <a:latin typeface="けいふぉんと" panose="02000600000000000000" pitchFamily="2" charset="-128"/>
-                <a:ea typeface="けいふぉんと" panose="02000600000000000000" pitchFamily="2" charset="-128"/>
-              </a:rPr>
-              <a:t>円</a:t>
-            </a:r>
-            <a:endParaRPr kumimoji="1" lang="en-US" altLang="ja-JP" sz="3000" dirty="0">
-              <a:ln w="12700">
-                <a:solidFill>
-                  <a:srgbClr val="607D8B"/>
-                </a:solidFill>
-              </a:ln>
-              <a:solidFill>
-                <a:srgbClr val="CDDC39"/>
-              </a:solidFill>
-              <a:latin typeface="けいふぉんと" panose="02000600000000000000" pitchFamily="2" charset="-128"/>
-              <a:ea typeface="けいふぉんと" panose="02000600000000000000" pitchFamily="2" charset="-128"/>
-            </a:endParaRPr>
-          </a:p>
-        </p:txBody>
-      </p:sp>
-      <p:sp>
-        <p:nvSpPr>
-          <p:cNvPr id="29" name="テキスト ボックス 28">
-            <a:extLst>
-              <a:ext uri="{FF2B5EF4-FFF2-40B4-BE49-F238E27FC236}">
-                <a16:creationId xmlns:a16="http://schemas.microsoft.com/office/drawing/2014/main" id="{147B1DD7-E787-4364-982A-51720046E9C4}"/>
-              </a:ext>
-            </a:extLst>
-          </p:cNvPr>
-          <p:cNvSpPr txBox="1"/>
-          <p:nvPr/>
-        </p:nvSpPr>
-        <p:spPr>
-          <a:xfrm>
-            <a:off x="8086326" y="2618107"/>
-            <a:ext cx="3267591" cy="553998"/>
-          </a:xfrm>
-          <a:prstGeom prst="rect">
-            <a:avLst/>
-          </a:prstGeom>
-          <a:noFill/>
-        </p:spPr>
-        <p:txBody>
-          <a:bodyPr wrap="square" rtlCol="0">
-            <a:spAutoFit/>
-          </a:bodyPr>
-          <a:lstStyle/>
-          <a:p>
-            <a:r>
-              <a:rPr kumimoji="1" lang="ja-JP" altLang="en-US" sz="3000" dirty="0">
-                <a:ln w="12700">
-                  <a:solidFill>
-                    <a:srgbClr val="607D8B"/>
-                  </a:solidFill>
-                </a:ln>
-                <a:solidFill>
-                  <a:srgbClr val="CDDC39"/>
-                </a:solidFill>
-                <a:latin typeface="けいふぉんと" panose="02000600000000000000" pitchFamily="2" charset="-128"/>
-                <a:ea typeface="けいふぉんと" panose="02000600000000000000" pitchFamily="2" charset="-128"/>
-              </a:rPr>
-              <a:t>所要時間</a:t>
-            </a:r>
-            <a:r>
-              <a:rPr kumimoji="1" lang="en-US" altLang="ja-JP" sz="3000" dirty="0">
-                <a:ln w="12700">
-                  <a:solidFill>
-                    <a:srgbClr val="607D8B"/>
-                  </a:solidFill>
-                </a:ln>
-                <a:solidFill>
-                  <a:srgbClr val="CDDC39"/>
-                </a:solidFill>
-                <a:latin typeface="けいふぉんと" panose="02000600000000000000" pitchFamily="2" charset="-128"/>
-                <a:ea typeface="けいふぉんと" panose="02000600000000000000" pitchFamily="2" charset="-128"/>
-              </a:rPr>
-              <a:t>:40</a:t>
-            </a:r>
-            <a:r>
-              <a:rPr kumimoji="1" lang="ja-JP" altLang="en-US" sz="3000" dirty="0">
-                <a:ln w="12700">
-                  <a:solidFill>
-                    <a:srgbClr val="607D8B"/>
-                  </a:solidFill>
-                </a:ln>
-                <a:solidFill>
-                  <a:srgbClr val="CDDC39"/>
-                </a:solidFill>
-                <a:latin typeface="けいふぉんと" panose="02000600000000000000" pitchFamily="2" charset="-128"/>
-                <a:ea typeface="けいふぉんと" panose="02000600000000000000" pitchFamily="2" charset="-128"/>
-              </a:rPr>
-              <a:t>分</a:t>
-            </a:r>
-            <a:endParaRPr kumimoji="1" lang="en-US" altLang="ja-JP" sz="3000" dirty="0">
-              <a:ln w="12700">
-                <a:solidFill>
-                  <a:srgbClr val="607D8B"/>
-                </a:solidFill>
-              </a:ln>
-              <a:solidFill>
-                <a:srgbClr val="CDDC39"/>
-              </a:solidFill>
-              <a:latin typeface="けいふぉんと" panose="02000600000000000000" pitchFamily="2" charset="-128"/>
-              <a:ea typeface="けいふぉんと" panose="02000600000000000000" pitchFamily="2" charset="-128"/>
-            </a:endParaRPr>
-          </a:p>
-        </p:txBody>
-      </p:sp>
-      <p:sp>
-        <p:nvSpPr>
-          <p:cNvPr id="31" name="テキスト ボックス 30">
-            <a:extLst>
-              <a:ext uri="{FF2B5EF4-FFF2-40B4-BE49-F238E27FC236}">
-                <a16:creationId xmlns:a16="http://schemas.microsoft.com/office/drawing/2014/main" id="{0A53B6B1-3097-428B-A76F-CEFAA4EAB638}"/>
-              </a:ext>
-            </a:extLst>
-          </p:cNvPr>
-          <p:cNvSpPr txBox="1"/>
-          <p:nvPr/>
-        </p:nvSpPr>
-        <p:spPr>
-          <a:xfrm>
-            <a:off x="8010408" y="3299336"/>
-            <a:ext cx="3267591" cy="1938992"/>
-          </a:xfrm>
-          <a:prstGeom prst="rect">
-            <a:avLst/>
-          </a:prstGeom>
-          <a:noFill/>
-        </p:spPr>
-        <p:txBody>
-          <a:bodyPr wrap="square" rtlCol="0">
-            <a:spAutoFit/>
-          </a:bodyPr>
-          <a:lstStyle/>
-          <a:p>
-            <a:r>
-              <a:rPr kumimoji="1" lang="ja-JP" altLang="en-US" sz="3000" dirty="0">
-                <a:ln w="12700">
-                  <a:solidFill>
-                    <a:srgbClr val="607D8B"/>
-                  </a:solidFill>
-                </a:ln>
-                <a:solidFill>
-                  <a:srgbClr val="CDDC39"/>
-                </a:solidFill>
-                <a:latin typeface="けいふぉんと" panose="02000600000000000000" pitchFamily="2" charset="-128"/>
-                <a:ea typeface="けいふぉんと" panose="02000600000000000000" pitchFamily="2" charset="-128"/>
-              </a:rPr>
-              <a:t>カロリー</a:t>
-            </a:r>
-            <a:r>
-              <a:rPr kumimoji="1" lang="en-US" altLang="ja-JP" sz="3000" dirty="0">
-                <a:ln w="12700">
-                  <a:solidFill>
-                    <a:srgbClr val="607D8B"/>
-                  </a:solidFill>
-                </a:ln>
-                <a:solidFill>
-                  <a:srgbClr val="CDDC39"/>
-                </a:solidFill>
-                <a:latin typeface="けいふぉんと" panose="02000600000000000000" pitchFamily="2" charset="-128"/>
-                <a:ea typeface="けいふぉんと" panose="02000600000000000000" pitchFamily="2" charset="-128"/>
-              </a:rPr>
-              <a:t>:170kcal</a:t>
-            </a:r>
-          </a:p>
-          <a:p>
-            <a:r>
-              <a:rPr kumimoji="1" lang="ja-JP" altLang="en-US" sz="3000" dirty="0">
-                <a:ln w="12700">
-                  <a:solidFill>
-                    <a:srgbClr val="607D8B"/>
-                  </a:solidFill>
-                </a:ln>
-                <a:solidFill>
-                  <a:srgbClr val="CDDC39"/>
-                </a:solidFill>
-                <a:latin typeface="けいふぉんと" panose="02000600000000000000" pitchFamily="2" charset="-128"/>
-                <a:ea typeface="けいふぉんと" panose="02000600000000000000" pitchFamily="2" charset="-128"/>
-              </a:rPr>
-              <a:t>タンパク質</a:t>
-            </a:r>
-            <a:r>
-              <a:rPr kumimoji="1" lang="en-US" altLang="ja-JP" sz="3000" dirty="0">
-                <a:ln w="12700">
-                  <a:solidFill>
-                    <a:srgbClr val="607D8B"/>
-                  </a:solidFill>
-                </a:ln>
-                <a:solidFill>
-                  <a:srgbClr val="CDDC39"/>
-                </a:solidFill>
-                <a:latin typeface="けいふぉんと" panose="02000600000000000000" pitchFamily="2" charset="-128"/>
-                <a:ea typeface="けいふぉんと" panose="02000600000000000000" pitchFamily="2" charset="-128"/>
-              </a:rPr>
-              <a:t>:5.3g</a:t>
-            </a:r>
-          </a:p>
-          <a:p>
-            <a:r>
-              <a:rPr kumimoji="1" lang="ja-JP" altLang="en-US" sz="3000" dirty="0">
-                <a:ln w="12700">
-                  <a:solidFill>
-                    <a:srgbClr val="607D8B"/>
-                  </a:solidFill>
-                </a:ln>
-                <a:solidFill>
-                  <a:srgbClr val="CDDC39"/>
-                </a:solidFill>
-                <a:latin typeface="けいふぉんと" panose="02000600000000000000" pitchFamily="2" charset="-128"/>
-                <a:ea typeface="けいふぉんと" panose="02000600000000000000" pitchFamily="2" charset="-128"/>
-              </a:rPr>
-              <a:t>脂質</a:t>
-            </a:r>
-            <a:r>
-              <a:rPr kumimoji="1" lang="en-US" altLang="ja-JP" sz="3000" dirty="0">
-                <a:ln w="12700">
-                  <a:solidFill>
-                    <a:srgbClr val="607D8B"/>
-                  </a:solidFill>
-                </a:ln>
-                <a:solidFill>
-                  <a:srgbClr val="CDDC39"/>
-                </a:solidFill>
-                <a:latin typeface="けいふぉんと" panose="02000600000000000000" pitchFamily="2" charset="-128"/>
-                <a:ea typeface="けいふぉんと" panose="02000600000000000000" pitchFamily="2" charset="-128"/>
-              </a:rPr>
-              <a:t>7.3g</a:t>
-            </a:r>
-          </a:p>
-          <a:p>
-            <a:r>
-              <a:rPr kumimoji="1" lang="ja-JP" altLang="en-US" sz="3000" dirty="0">
-                <a:ln w="12700">
-                  <a:solidFill>
-                    <a:srgbClr val="607D8B"/>
-                  </a:solidFill>
-                </a:ln>
-                <a:solidFill>
-                  <a:srgbClr val="CDDC39"/>
-                </a:solidFill>
-                <a:latin typeface="けいふぉんと" panose="02000600000000000000" pitchFamily="2" charset="-128"/>
-                <a:ea typeface="けいふぉんと" panose="02000600000000000000" pitchFamily="2" charset="-128"/>
-              </a:rPr>
-              <a:t>炭水化物</a:t>
-            </a:r>
-            <a:r>
-              <a:rPr kumimoji="1" lang="en-US" altLang="ja-JP" sz="3000" dirty="0">
-                <a:ln w="12700">
-                  <a:solidFill>
-                    <a:srgbClr val="607D8B"/>
-                  </a:solidFill>
-                </a:ln>
-                <a:solidFill>
-                  <a:srgbClr val="CDDC39"/>
-                </a:solidFill>
-                <a:latin typeface="けいふぉんと" panose="02000600000000000000" pitchFamily="2" charset="-128"/>
-                <a:ea typeface="けいふぉんと" panose="02000600000000000000" pitchFamily="2" charset="-128"/>
-              </a:rPr>
-              <a:t>:19.3g</a:t>
-            </a:r>
-          </a:p>
-        </p:txBody>
-      </p:sp>
-      <p:sp>
-        <p:nvSpPr>
-          <p:cNvPr id="32" name="テキスト ボックス 31">
-            <a:extLst>
-              <a:ext uri="{FF2B5EF4-FFF2-40B4-BE49-F238E27FC236}">
-                <a16:creationId xmlns:a16="http://schemas.microsoft.com/office/drawing/2014/main" id="{4EDEF2C4-366D-4D93-9935-DF41B97A4E2A}"/>
-              </a:ext>
-            </a:extLst>
-          </p:cNvPr>
-          <p:cNvSpPr txBox="1"/>
-          <p:nvPr/>
-        </p:nvSpPr>
-        <p:spPr>
-          <a:xfrm>
-            <a:off x="1970975" y="4884385"/>
-            <a:ext cx="5970758" cy="707886"/>
-          </a:xfrm>
-          <a:prstGeom prst="rect">
-            <a:avLst/>
-          </a:prstGeom>
-          <a:noFill/>
-        </p:spPr>
-        <p:txBody>
-          <a:bodyPr wrap="square" rtlCol="0">
-            <a:spAutoFit/>
-          </a:bodyPr>
-          <a:lstStyle/>
-          <a:p>
-            <a:r>
-              <a:rPr kumimoji="1" lang="en-US" altLang="ja-JP" sz="2000" dirty="0">
-                <a:ln w="12700">
-                  <a:solidFill>
-                    <a:srgbClr val="607D8B"/>
-                  </a:solidFill>
-                </a:ln>
-                <a:solidFill>
-                  <a:srgbClr val="03A9F4"/>
-                </a:solidFill>
-                <a:latin typeface="けいふぉんと" panose="02000600000000000000" pitchFamily="2" charset="-128"/>
-                <a:ea typeface="けいふぉんと" panose="02000600000000000000" pitchFamily="2" charset="-128"/>
-              </a:rPr>
-              <a:t>https://cookpad.com/search/%E8%82%89%E3%81%98%E3%82%83%E3%81%8C</a:t>
-            </a:r>
-          </a:p>
-        </p:txBody>
-      </p:sp>
-      <p:sp>
-        <p:nvSpPr>
-          <p:cNvPr id="34" name="テキスト ボックス 33">
-            <a:extLst>
-              <a:ext uri="{FF2B5EF4-FFF2-40B4-BE49-F238E27FC236}">
-                <a16:creationId xmlns:a16="http://schemas.microsoft.com/office/drawing/2014/main" id="{FA911171-B495-4A7F-9343-5254DFAB9E00}"/>
-              </a:ext>
-            </a:extLst>
-          </p:cNvPr>
-          <p:cNvSpPr txBox="1"/>
-          <p:nvPr/>
-        </p:nvSpPr>
-        <p:spPr>
-          <a:xfrm>
-            <a:off x="4846736" y="5749713"/>
-            <a:ext cx="2697678" cy="477054"/>
-          </a:xfrm>
-          <a:prstGeom prst="rect">
-            <a:avLst/>
-          </a:prstGeom>
-          <a:noFill/>
-        </p:spPr>
-        <p:txBody>
-          <a:bodyPr wrap="square" rtlCol="0">
-            <a:spAutoFit/>
-          </a:bodyPr>
-          <a:lstStyle/>
-          <a:p>
-            <a:r>
-              <a:rPr kumimoji="1" lang="ja-JP" altLang="en-US" sz="2500" dirty="0">
-                <a:ln w="12700">
-                  <a:solidFill>
-                    <a:srgbClr val="607D8B"/>
-                  </a:solidFill>
-                </a:ln>
-                <a:solidFill>
-                  <a:srgbClr val="CDDC39"/>
-                </a:solidFill>
-                <a:latin typeface="けいふぉんと" panose="02000600000000000000" pitchFamily="2" charset="-128"/>
-                <a:ea typeface="けいふぉんと" panose="02000600000000000000" pitchFamily="2" charset="-128"/>
-              </a:rPr>
-              <a:t>お気に入りに追加</a:t>
-            </a:r>
-            <a:endParaRPr kumimoji="1" lang="en-US" altLang="ja-JP" sz="2500" dirty="0">
-              <a:ln w="12700">
-                <a:solidFill>
-                  <a:srgbClr val="607D8B"/>
-                </a:solidFill>
-              </a:ln>
-              <a:solidFill>
-                <a:srgbClr val="CDDC39"/>
-              </a:solidFill>
-              <a:latin typeface="けいふぉんと" panose="02000600000000000000" pitchFamily="2" charset="-128"/>
-              <a:ea typeface="けいふぉんと" panose="02000600000000000000" pitchFamily="2" charset="-128"/>
-            </a:endParaRPr>
-          </a:p>
-        </p:txBody>
-      </p:sp>
-      <p:sp>
-        <p:nvSpPr>
-          <p:cNvPr id="35" name="正方形/長方形 34">
-            <a:extLst>
-              <a:ext uri="{FF2B5EF4-FFF2-40B4-BE49-F238E27FC236}">
-                <a16:creationId xmlns:a16="http://schemas.microsoft.com/office/drawing/2014/main" id="{41193871-7A3E-4D21-BAC5-20BAA52578F5}"/>
+                <a16:creationId xmlns:a16="http://schemas.microsoft.com/office/drawing/2014/main" id="{ACB75375-3CB0-4CF9-9748-E6A42E8B4B22}"/>
               </a:ext>
             </a:extLst>
           </p:cNvPr>
@@ -28521,8 +28361,8 @@
         </p:nvSpPr>
         <p:spPr>
           <a:xfrm>
-            <a:off x="4933513" y="5806979"/>
-            <a:ext cx="2524124" cy="311199"/>
+            <a:off x="7164197" y="5813378"/>
+            <a:ext cx="696287" cy="344142"/>
           </a:xfrm>
           <a:prstGeom prst="rect">
             <a:avLst/>
@@ -28684,10 +28524,61 @@
       </p:sp>
       <p:sp>
         <p:nvSpPr>
-          <p:cNvPr id="21" name="テキスト ボックス 20">
+          <p:cNvPr id="19" name="正方形/長方形 18">
             <a:extLst>
               <a:ext uri="{FF2B5EF4-FFF2-40B4-BE49-F238E27FC236}">
-                <a16:creationId xmlns:a16="http://schemas.microsoft.com/office/drawing/2014/main" id="{53C9DA54-B482-4C51-BC39-185E1FB5F3FA}"/>
+                <a16:creationId xmlns:a16="http://schemas.microsoft.com/office/drawing/2014/main" id="{44752827-FBD3-4E02-8687-00CA26F0B921}"/>
+              </a:ext>
+            </a:extLst>
+          </p:cNvPr>
+          <p:cNvSpPr/>
+          <p:nvPr/>
+        </p:nvSpPr>
+        <p:spPr>
+          <a:xfrm>
+            <a:off x="3877111" y="5809087"/>
+            <a:ext cx="1105950" cy="344142"/>
+          </a:xfrm>
+          <a:prstGeom prst="rect">
+            <a:avLst/>
+          </a:prstGeom>
+          <a:solidFill>
+            <a:srgbClr val="8BC34A">
+              <a:alpha val="10196"/>
+            </a:srgbClr>
+          </a:solidFill>
+        </p:spPr>
+        <p:style>
+          <a:lnRef idx="2">
+            <a:schemeClr val="accent1">
+              <a:shade val="50000"/>
+            </a:schemeClr>
+          </a:lnRef>
+          <a:fillRef idx="1">
+            <a:schemeClr val="accent1"/>
+          </a:fillRef>
+          <a:effectRef idx="0">
+            <a:schemeClr val="accent1"/>
+          </a:effectRef>
+          <a:fontRef idx="minor">
+            <a:schemeClr val="lt1"/>
+          </a:fontRef>
+        </p:style>
+        <p:txBody>
+          <a:bodyPr rtlCol="0" anchor="ctr"/>
+          <a:lstStyle/>
+          <a:p>
+            <a:pPr algn="ctr"/>
+            <a:endParaRPr kumimoji="1" lang="ja-JP" altLang="en-US" dirty="0"/>
+          </a:p>
+        </p:txBody>
+      </p:sp>
+      <p:sp>
+        <p:nvSpPr>
+          <p:cNvPr id="20" name="テキスト ボックス 19">
+            <a:extLst>
+              <a:ext uri="{FF2B5EF4-FFF2-40B4-BE49-F238E27FC236}">
+                <a16:creationId xmlns:a16="http://schemas.microsoft.com/office/drawing/2014/main" id="{A63EE00B-7F15-48E6-AB88-E72FA6299A7C}"/>
               </a:ext>
             </a:extLst>
           </p:cNvPr>
@@ -28696,8 +28587,8 @@
         </p:nvSpPr>
         <p:spPr>
           <a:xfrm>
-            <a:off x="2139691" y="3328336"/>
-            <a:ext cx="3476626" cy="1477328"/>
+            <a:off x="1708255" y="2863535"/>
+            <a:ext cx="2617802" cy="553998"/>
           </a:xfrm>
           <a:prstGeom prst="rect">
             <a:avLst/>
@@ -28710,6 +28601,7 @@
           </a:bodyPr>
           <a:lstStyle/>
           <a:p>
+            <a:pPr algn="just"/>
             <a:r>
               <a:rPr kumimoji="1" lang="ja-JP" altLang="en-US" sz="3000" dirty="0">
                 <a:ln w="12700">
@@ -28723,7 +28615,7 @@
                 <a:latin typeface="けいふぉんと" panose="02000600000000000000" pitchFamily="2" charset="-128"/>
                 <a:ea typeface="けいふぉんと" panose="02000600000000000000" pitchFamily="2" charset="-128"/>
               </a:rPr>
-              <a:t>食材：</a:t>
+              <a:t>ジャンル</a:t>
             </a:r>
             <a:r>
               <a:rPr kumimoji="1" lang="en-US" altLang="ja-JP" sz="3000" dirty="0">
@@ -28738,7 +28630,7 @@
                 <a:latin typeface="けいふぉんと" panose="02000600000000000000" pitchFamily="2" charset="-128"/>
                 <a:ea typeface="けいふぉんと" panose="02000600000000000000" pitchFamily="2" charset="-128"/>
               </a:rPr>
-              <a:t>	</a:t>
+              <a:t>:</a:t>
             </a:r>
             <a:r>
               <a:rPr kumimoji="1" lang="ja-JP" altLang="en-US" sz="3000" dirty="0">
@@ -28753,7 +28645,7 @@
                 <a:latin typeface="けいふぉんと" panose="02000600000000000000" pitchFamily="2" charset="-128"/>
                 <a:ea typeface="けいふぉんと" panose="02000600000000000000" pitchFamily="2" charset="-128"/>
               </a:rPr>
-              <a:t>じゃがいも</a:t>
+              <a:t>和食</a:t>
             </a:r>
             <a:endParaRPr kumimoji="1" lang="en-US" altLang="ja-JP" sz="3000" dirty="0">
               <a:ln w="12700">
@@ -28768,7 +28660,52 @@
               <a:ea typeface="けいふぉんと" panose="02000600000000000000" pitchFamily="2" charset="-128"/>
             </a:endParaRPr>
           </a:p>
-          <a:p>
+        </p:txBody>
+      </p:sp>
+      <p:sp>
+        <p:nvSpPr>
+          <p:cNvPr id="21" name="テキスト ボックス 20">
+            <a:extLst>
+              <a:ext uri="{FF2B5EF4-FFF2-40B4-BE49-F238E27FC236}">
+                <a16:creationId xmlns:a16="http://schemas.microsoft.com/office/drawing/2014/main" id="{94EB05D4-1CBB-4F2E-BECF-10693EFA2E0F}"/>
+              </a:ext>
+            </a:extLst>
+          </p:cNvPr>
+          <p:cNvSpPr txBox="1"/>
+          <p:nvPr/>
+        </p:nvSpPr>
+        <p:spPr>
+          <a:xfrm>
+            <a:off x="7180758" y="2864683"/>
+            <a:ext cx="3020473" cy="553998"/>
+          </a:xfrm>
+          <a:prstGeom prst="rect">
+            <a:avLst/>
+          </a:prstGeom>
+          <a:noFill/>
+        </p:spPr>
+        <p:txBody>
+          <a:bodyPr wrap="square" rtlCol="0">
+            <a:spAutoFit/>
+          </a:bodyPr>
+          <a:lstStyle/>
+          <a:p>
+            <a:pPr algn="just"/>
+            <a:r>
+              <a:rPr kumimoji="1" lang="ja-JP" altLang="en-US" sz="3000" dirty="0">
+                <a:ln w="12700">
+                  <a:solidFill>
+                    <a:srgbClr val="607D8B"/>
+                  </a:solidFill>
+                </a:ln>
+                <a:solidFill>
+                  <a:srgbClr val="CDDC39"/>
+                </a:solidFill>
+                <a:latin typeface="けいふぉんと" panose="02000600000000000000" pitchFamily="2" charset="-128"/>
+                <a:ea typeface="けいふぉんと" panose="02000600000000000000" pitchFamily="2" charset="-128"/>
+              </a:rPr>
+              <a:t>調理法</a:t>
+            </a:r>
             <a:r>
               <a:rPr kumimoji="1" lang="en-US" altLang="ja-JP" sz="3000" dirty="0">
                 <a:ln w="12700">
@@ -28782,7 +28719,7 @@
                 <a:latin typeface="けいふぉんと" panose="02000600000000000000" pitchFamily="2" charset="-128"/>
                 <a:ea typeface="けいふぉんと" panose="02000600000000000000" pitchFamily="2" charset="-128"/>
               </a:rPr>
-              <a:t>			</a:t>
+              <a:t>:</a:t>
             </a:r>
             <a:r>
               <a:rPr kumimoji="1" lang="ja-JP" altLang="en-US" sz="3000" dirty="0">
@@ -28797,7 +28734,7 @@
                 <a:latin typeface="けいふぉんと" panose="02000600000000000000" pitchFamily="2" charset="-128"/>
                 <a:ea typeface="けいふぉんと" panose="02000600000000000000" pitchFamily="2" charset="-128"/>
               </a:rPr>
-              <a:t>にんじん</a:t>
+              <a:t>選択なし</a:t>
             </a:r>
             <a:endParaRPr kumimoji="1" lang="en-US" altLang="ja-JP" sz="3000" dirty="0">
               <a:ln w="12700">
@@ -28812,7 +28749,37 @@
               <a:ea typeface="けいふぉんと" panose="02000600000000000000" pitchFamily="2" charset="-128"/>
             </a:endParaRPr>
           </a:p>
-          <a:p>
+        </p:txBody>
+      </p:sp>
+      <p:sp>
+        <p:nvSpPr>
+          <p:cNvPr id="22" name="テキスト ボックス 21">
+            <a:extLst>
+              <a:ext uri="{FF2B5EF4-FFF2-40B4-BE49-F238E27FC236}">
+                <a16:creationId xmlns:a16="http://schemas.microsoft.com/office/drawing/2014/main" id="{FA852856-9AD7-4560-A96F-89390ACC4887}"/>
+              </a:ext>
+            </a:extLst>
+          </p:cNvPr>
+          <p:cNvSpPr txBox="1"/>
+          <p:nvPr/>
+        </p:nvSpPr>
+        <p:spPr>
+          <a:xfrm>
+            <a:off x="1708255" y="3945421"/>
+            <a:ext cx="3916480" cy="553998"/>
+          </a:xfrm>
+          <a:prstGeom prst="rect">
+            <a:avLst/>
+          </a:prstGeom>
+          <a:noFill/>
+        </p:spPr>
+        <p:txBody>
+          <a:bodyPr wrap="square" rtlCol="0">
+            <a:spAutoFit/>
+          </a:bodyPr>
+          <a:lstStyle/>
+          <a:p>
+            <a:pPr algn="just"/>
             <a:r>
               <a:rPr kumimoji="1" lang="en-US" altLang="ja-JP" sz="3000" dirty="0">
                 <a:ln w="12700">
@@ -28826,7 +28793,7 @@
                 <a:latin typeface="けいふぉんと" panose="02000600000000000000" pitchFamily="2" charset="-128"/>
                 <a:ea typeface="けいふぉんと" panose="02000600000000000000" pitchFamily="2" charset="-128"/>
               </a:rPr>
-              <a:t>			</a:t>
+              <a:t>2</a:t>
             </a:r>
             <a:r>
               <a:rPr kumimoji="1" lang="ja-JP" altLang="en-US" sz="3000" dirty="0">
@@ -28841,7 +28808,37 @@
                 <a:latin typeface="けいふぉんと" panose="02000600000000000000" pitchFamily="2" charset="-128"/>
                 <a:ea typeface="けいふぉんと" panose="02000600000000000000" pitchFamily="2" charset="-128"/>
               </a:rPr>
-              <a:t>たまねぎ</a:t>
+              <a:t>人前価格</a:t>
+            </a:r>
+            <a:r>
+              <a:rPr kumimoji="1" lang="en-US" altLang="ja-JP" sz="3000" dirty="0">
+                <a:ln w="12700">
+                  <a:solidFill>
+                    <a:srgbClr val="607D8B"/>
+                  </a:solidFill>
+                </a:ln>
+                <a:solidFill>
+                  <a:srgbClr val="CDDC39"/>
+                </a:solidFill>
+                <a:latin typeface="けいふぉんと" panose="02000600000000000000" pitchFamily="2" charset="-128"/>
+                <a:ea typeface="けいふぉんと" panose="02000600000000000000" pitchFamily="2" charset="-128"/>
+              </a:rPr>
+              <a:t>:700</a:t>
+            </a:r>
+            <a:r>
+              <a:rPr kumimoji="1" lang="ja-JP" altLang="en-US" sz="3000" dirty="0">
+                <a:ln w="12700">
+                  <a:solidFill>
+                    <a:srgbClr val="607D8B"/>
+                  </a:solidFill>
+                </a:ln>
+                <a:solidFill>
+                  <a:srgbClr val="CDDC39"/>
+                </a:solidFill>
+                <a:latin typeface="けいふぉんと" panose="02000600000000000000" pitchFamily="2" charset="-128"/>
+                <a:ea typeface="けいふぉんと" panose="02000600000000000000" pitchFamily="2" charset="-128"/>
+              </a:rPr>
+              <a:t>円以下</a:t>
             </a:r>
             <a:endParaRPr kumimoji="1" lang="en-US" altLang="ja-JP" sz="3000" dirty="0">
               <a:ln w="12700">
@@ -28858,10 +28855,371 @@
           </a:p>
         </p:txBody>
       </p:sp>
+      <p:sp>
+        <p:nvSpPr>
+          <p:cNvPr id="24" name="テキスト ボックス 23">
+            <a:extLst>
+              <a:ext uri="{FF2B5EF4-FFF2-40B4-BE49-F238E27FC236}">
+                <a16:creationId xmlns:a16="http://schemas.microsoft.com/office/drawing/2014/main" id="{3ABCD6E0-167A-42A2-83E9-E8C3007B2294}"/>
+              </a:ext>
+            </a:extLst>
+          </p:cNvPr>
+          <p:cNvSpPr txBox="1"/>
+          <p:nvPr/>
+        </p:nvSpPr>
+        <p:spPr>
+          <a:xfrm>
+            <a:off x="7144600" y="3938160"/>
+            <a:ext cx="4186315" cy="553998"/>
+          </a:xfrm>
+          <a:prstGeom prst="rect">
+            <a:avLst/>
+          </a:prstGeom>
+          <a:noFill/>
+        </p:spPr>
+        <p:txBody>
+          <a:bodyPr wrap="square" rtlCol="0">
+            <a:spAutoFit/>
+          </a:bodyPr>
+          <a:lstStyle/>
+          <a:p>
+            <a:pPr algn="just"/>
+            <a:r>
+              <a:rPr kumimoji="1" lang="ja-JP" altLang="en-US" sz="3000" dirty="0">
+                <a:ln w="12700">
+                  <a:solidFill>
+                    <a:srgbClr val="607D8B"/>
+                  </a:solidFill>
+                </a:ln>
+                <a:solidFill>
+                  <a:srgbClr val="CDDC39"/>
+                </a:solidFill>
+                <a:latin typeface="けいふぉんと" panose="02000600000000000000" pitchFamily="2" charset="-128"/>
+                <a:ea typeface="けいふぉんと" panose="02000600000000000000" pitchFamily="2" charset="-128"/>
+              </a:rPr>
+              <a:t>料理所要時間</a:t>
+            </a:r>
+            <a:r>
+              <a:rPr kumimoji="1" lang="en-US" altLang="ja-JP" sz="3000" dirty="0">
+                <a:ln w="12700">
+                  <a:solidFill>
+                    <a:srgbClr val="607D8B"/>
+                  </a:solidFill>
+                </a:ln>
+                <a:solidFill>
+                  <a:srgbClr val="CDDC39"/>
+                </a:solidFill>
+                <a:latin typeface="けいふぉんと" panose="02000600000000000000" pitchFamily="2" charset="-128"/>
+                <a:ea typeface="けいふぉんと" panose="02000600000000000000" pitchFamily="2" charset="-128"/>
+              </a:rPr>
+              <a:t>:</a:t>
+            </a:r>
+            <a:r>
+              <a:rPr kumimoji="1" lang="ja-JP" altLang="en-US" sz="3000" dirty="0">
+                <a:ln w="12700">
+                  <a:solidFill>
+                    <a:srgbClr val="607D8B"/>
+                  </a:solidFill>
+                </a:ln>
+                <a:solidFill>
+                  <a:srgbClr val="CDDC39"/>
+                </a:solidFill>
+                <a:latin typeface="けいふぉんと" panose="02000600000000000000" pitchFamily="2" charset="-128"/>
+                <a:ea typeface="けいふぉんと" panose="02000600000000000000" pitchFamily="2" charset="-128"/>
+              </a:rPr>
+              <a:t>選択なし</a:t>
+            </a:r>
+            <a:endParaRPr kumimoji="1" lang="en-US" altLang="ja-JP" sz="3000" dirty="0">
+              <a:ln w="12700">
+                <a:solidFill>
+                  <a:srgbClr val="607D8B"/>
+                </a:solidFill>
+              </a:ln>
+              <a:solidFill>
+                <a:srgbClr val="CDDC39"/>
+              </a:solidFill>
+              <a:latin typeface="けいふぉんと" panose="02000600000000000000" pitchFamily="2" charset="-128"/>
+              <a:ea typeface="けいふぉんと" panose="02000600000000000000" pitchFamily="2" charset="-128"/>
+            </a:endParaRPr>
+          </a:p>
+        </p:txBody>
+      </p:sp>
+      <p:sp>
+        <p:nvSpPr>
+          <p:cNvPr id="28" name="テキスト ボックス 27">
+            <a:extLst>
+              <a:ext uri="{FF2B5EF4-FFF2-40B4-BE49-F238E27FC236}">
+                <a16:creationId xmlns:a16="http://schemas.microsoft.com/office/drawing/2014/main" id="{2E983693-15C9-49E5-8BB4-B840C3971F37}"/>
+              </a:ext>
+            </a:extLst>
+          </p:cNvPr>
+          <p:cNvSpPr txBox="1"/>
+          <p:nvPr/>
+        </p:nvSpPr>
+        <p:spPr>
+          <a:xfrm>
+            <a:off x="4474706" y="4876356"/>
+            <a:ext cx="3270527" cy="553998"/>
+          </a:xfrm>
+          <a:prstGeom prst="rect">
+            <a:avLst/>
+          </a:prstGeom>
+          <a:noFill/>
+        </p:spPr>
+        <p:txBody>
+          <a:bodyPr wrap="square" rtlCol="0">
+            <a:spAutoFit/>
+          </a:bodyPr>
+          <a:lstStyle/>
+          <a:p>
+            <a:pPr algn="just"/>
+            <a:r>
+              <a:rPr kumimoji="1" lang="ja-JP" altLang="en-US" sz="3000" dirty="0">
+                <a:ln w="12700">
+                  <a:solidFill>
+                    <a:srgbClr val="607D8B"/>
+                  </a:solidFill>
+                </a:ln>
+                <a:solidFill>
+                  <a:srgbClr val="CDDC39"/>
+                </a:solidFill>
+                <a:latin typeface="けいふぉんと" panose="02000600000000000000" pitchFamily="2" charset="-128"/>
+                <a:ea typeface="けいふぉんと" panose="02000600000000000000" pitchFamily="2" charset="-128"/>
+              </a:rPr>
+              <a:t>カロリー</a:t>
+            </a:r>
+            <a:r>
+              <a:rPr kumimoji="1" lang="en-US" altLang="ja-JP" sz="3000" dirty="0">
+                <a:ln w="12700">
+                  <a:solidFill>
+                    <a:srgbClr val="607D8B"/>
+                  </a:solidFill>
+                </a:ln>
+                <a:solidFill>
+                  <a:srgbClr val="CDDC39"/>
+                </a:solidFill>
+                <a:latin typeface="けいふぉんと" panose="02000600000000000000" pitchFamily="2" charset="-128"/>
+                <a:ea typeface="けいふぉんと" panose="02000600000000000000" pitchFamily="2" charset="-128"/>
+              </a:rPr>
+              <a:t>:</a:t>
+            </a:r>
+            <a:r>
+              <a:rPr kumimoji="1" lang="ja-JP" altLang="en-US" sz="3000" dirty="0">
+                <a:ln w="12700">
+                  <a:solidFill>
+                    <a:srgbClr val="607D8B"/>
+                  </a:solidFill>
+                </a:ln>
+                <a:solidFill>
+                  <a:srgbClr val="CDDC39"/>
+                </a:solidFill>
+                <a:latin typeface="けいふぉんと" panose="02000600000000000000" pitchFamily="2" charset="-128"/>
+                <a:ea typeface="けいふぉんと" panose="02000600000000000000" pitchFamily="2" charset="-128"/>
+              </a:rPr>
+              <a:t>選択なし</a:t>
+            </a:r>
+            <a:endParaRPr kumimoji="1" lang="en-US" altLang="ja-JP" sz="3000" dirty="0">
+              <a:ln w="12700">
+                <a:solidFill>
+                  <a:srgbClr val="607D8B"/>
+                </a:solidFill>
+              </a:ln>
+              <a:solidFill>
+                <a:srgbClr val="CDDC39"/>
+              </a:solidFill>
+              <a:latin typeface="けいふぉんと" panose="02000600000000000000" pitchFamily="2" charset="-128"/>
+              <a:ea typeface="けいふぉんと" panose="02000600000000000000" pitchFamily="2" charset="-128"/>
+            </a:endParaRPr>
+          </a:p>
+        </p:txBody>
+      </p:sp>
+      <p:sp>
+        <p:nvSpPr>
+          <p:cNvPr id="33" name="テキスト ボックス 32">
+            <a:extLst>
+              <a:ext uri="{FF2B5EF4-FFF2-40B4-BE49-F238E27FC236}">
+                <a16:creationId xmlns:a16="http://schemas.microsoft.com/office/drawing/2014/main" id="{070CE092-31C5-4996-A53D-5D38DAEE2E5F}"/>
+              </a:ext>
+            </a:extLst>
+          </p:cNvPr>
+          <p:cNvSpPr txBox="1"/>
+          <p:nvPr/>
+        </p:nvSpPr>
+        <p:spPr>
+          <a:xfrm>
+            <a:off x="678021" y="6370157"/>
+            <a:ext cx="8012973" cy="477054"/>
+          </a:xfrm>
+          <a:prstGeom prst="rect">
+            <a:avLst/>
+          </a:prstGeom>
+          <a:noFill/>
+        </p:spPr>
+        <p:txBody>
+          <a:bodyPr wrap="square" rtlCol="0">
+            <a:spAutoFit/>
+          </a:bodyPr>
+          <a:lstStyle/>
+          <a:p>
+            <a:r>
+              <a:rPr kumimoji="1" lang="ja-JP" altLang="en-US" sz="2500" dirty="0">
+                <a:ln w="12700">
+                  <a:solidFill>
+                    <a:srgbClr val="03A9F4"/>
+                  </a:solidFill>
+                </a:ln>
+                <a:latin typeface="けいふぉんと" panose="02000600000000000000" pitchFamily="2" charset="-128"/>
+                <a:ea typeface="けいふぉんと" panose="02000600000000000000" pitchFamily="2" charset="-128"/>
+              </a:rPr>
+              <a:t>絞り込み条件はドロップダウンリスト等によって選択する</a:t>
+            </a:r>
+          </a:p>
+        </p:txBody>
+      </p:sp>
+      <p:sp>
+        <p:nvSpPr>
+          <p:cNvPr id="17" name="テキスト ボックス 16">
+            <a:extLst>
+              <a:ext uri="{FF2B5EF4-FFF2-40B4-BE49-F238E27FC236}">
+                <a16:creationId xmlns:a16="http://schemas.microsoft.com/office/drawing/2014/main" id="{A65EFBD8-08F4-4B87-ABDA-0D492CE81476}"/>
+              </a:ext>
+            </a:extLst>
+          </p:cNvPr>
+          <p:cNvSpPr txBox="1"/>
+          <p:nvPr/>
+        </p:nvSpPr>
+        <p:spPr>
+          <a:xfrm>
+            <a:off x="4382465" y="2158983"/>
+            <a:ext cx="2484539" cy="400110"/>
+          </a:xfrm>
+          <a:prstGeom prst="rect">
+            <a:avLst/>
+          </a:prstGeom>
+          <a:noFill/>
+        </p:spPr>
+        <p:txBody>
+          <a:bodyPr wrap="square" rtlCol="0">
+            <a:spAutoFit/>
+          </a:bodyPr>
+          <a:lstStyle/>
+          <a:p>
+            <a:pPr algn="ctr"/>
+            <a:r>
+              <a:rPr kumimoji="1" lang="ja-JP" altLang="en-US" sz="2000" dirty="0">
+                <a:ln w="12700">
+                  <a:solidFill>
+                    <a:srgbClr val="607D8B"/>
+                  </a:solidFill>
+                </a:ln>
+                <a:solidFill>
+                  <a:srgbClr val="CDDC39"/>
+                </a:solidFill>
+                <a:latin typeface="けいふぉんと" panose="02000600000000000000" pitchFamily="2" charset="-128"/>
+                <a:ea typeface="けいふぉんと" panose="02000600000000000000" pitchFamily="2" charset="-128"/>
+              </a:rPr>
+              <a:t>プリセット</a:t>
+            </a:r>
+            <a:r>
+              <a:rPr kumimoji="1" lang="en-US" altLang="ja-JP" sz="2000" dirty="0">
+                <a:ln w="12700">
+                  <a:solidFill>
+                    <a:srgbClr val="607D8B"/>
+                  </a:solidFill>
+                </a:ln>
+                <a:solidFill>
+                  <a:srgbClr val="CDDC39"/>
+                </a:solidFill>
+                <a:latin typeface="けいふぉんと" panose="02000600000000000000" pitchFamily="2" charset="-128"/>
+                <a:ea typeface="けいふぉんと" panose="02000600000000000000" pitchFamily="2" charset="-128"/>
+              </a:rPr>
+              <a:t>:</a:t>
+            </a:r>
+            <a:r>
+              <a:rPr kumimoji="1" lang="ja-JP" altLang="en-US" sz="2000" dirty="0">
+                <a:ln w="12700">
+                  <a:solidFill>
+                    <a:srgbClr val="607D8B"/>
+                  </a:solidFill>
+                </a:ln>
+                <a:solidFill>
+                  <a:srgbClr val="CDDC39"/>
+                </a:solidFill>
+                <a:latin typeface="けいふぉんと" panose="02000600000000000000" pitchFamily="2" charset="-128"/>
+                <a:ea typeface="けいふぉんと" panose="02000600000000000000" pitchFamily="2" charset="-128"/>
+              </a:rPr>
+              <a:t>選択なし</a:t>
+            </a:r>
+            <a:endParaRPr kumimoji="1" lang="en-US" altLang="ja-JP" sz="2000" dirty="0">
+              <a:ln w="12700">
+                <a:solidFill>
+                  <a:srgbClr val="607D8B"/>
+                </a:solidFill>
+              </a:ln>
+              <a:solidFill>
+                <a:srgbClr val="CDDC39"/>
+              </a:solidFill>
+              <a:latin typeface="けいふぉんと" panose="02000600000000000000" pitchFamily="2" charset="-128"/>
+              <a:ea typeface="けいふぉんと" panose="02000600000000000000" pitchFamily="2" charset="-128"/>
+            </a:endParaRPr>
+          </a:p>
+        </p:txBody>
+      </p:sp>
+      <p:sp>
+        <p:nvSpPr>
+          <p:cNvPr id="18" name="正方形/長方形 17">
+            <a:extLst>
+              <a:ext uri="{FF2B5EF4-FFF2-40B4-BE49-F238E27FC236}">
+                <a16:creationId xmlns:a16="http://schemas.microsoft.com/office/drawing/2014/main" id="{174E1A55-41BB-4298-B4AF-747B8CA8C56B}"/>
+              </a:ext>
+            </a:extLst>
+          </p:cNvPr>
+          <p:cNvSpPr/>
+          <p:nvPr/>
+        </p:nvSpPr>
+        <p:spPr>
+          <a:xfrm>
+            <a:off x="4474707" y="2191973"/>
+            <a:ext cx="2278518" cy="284527"/>
+          </a:xfrm>
+          <a:prstGeom prst="rect">
+            <a:avLst/>
+          </a:prstGeom>
+          <a:solidFill>
+            <a:srgbClr val="8BC34A">
+              <a:alpha val="10196"/>
+            </a:srgbClr>
+          </a:solidFill>
+        </p:spPr>
+        <p:style>
+          <a:lnRef idx="2">
+            <a:schemeClr val="accent1">
+              <a:shade val="50000"/>
+            </a:schemeClr>
+          </a:lnRef>
+          <a:fillRef idx="1">
+            <a:schemeClr val="accent1"/>
+          </a:fillRef>
+          <a:effectRef idx="0">
+            <a:schemeClr val="accent1"/>
+          </a:effectRef>
+          <a:fontRef idx="minor">
+            <a:schemeClr val="lt1"/>
+          </a:fontRef>
+        </p:style>
+        <p:txBody>
+          <a:bodyPr rtlCol="0" anchor="ctr"/>
+          <a:lstStyle/>
+          <a:p>
+            <a:pPr algn="ctr"/>
+            <a:endParaRPr kumimoji="1" lang="ja-JP" altLang="en-US" dirty="0"/>
+          </a:p>
+        </p:txBody>
+      </p:sp>
     </p:spTree>
     <p:extLst>
       <p:ext uri="{BB962C8B-B14F-4D97-AF65-F5344CB8AC3E}">
-        <p14:creationId xmlns:p14="http://schemas.microsoft.com/office/powerpoint/2010/main" val="3054812332"/>
+        <p14:creationId xmlns:p14="http://schemas.microsoft.com/office/powerpoint/2010/main" val="1493915266"/>
       </p:ext>
     </p:extLst>
   </p:cSld>
